--- a/Lecture/PythonCoban.pptx
+++ b/Lecture/PythonCoban.pptx
@@ -8,6 +8,13 @@
     <p:sldId id="256" r:id="rId2"/>
     <p:sldId id="257" r:id="rId3"/>
     <p:sldId id="258" r:id="rId4"/>
+    <p:sldId id="259" r:id="rId5"/>
+    <p:sldId id="260" r:id="rId6"/>
+    <p:sldId id="261" r:id="rId7"/>
+    <p:sldId id="262" r:id="rId8"/>
+    <p:sldId id="263" r:id="rId9"/>
+    <p:sldId id="264" r:id="rId10"/>
+    <p:sldId id="265" r:id="rId11"/>
   </p:sldIdLst>
   <p:sldSz cx="12192000" cy="6858000"/>
   <p:notesSz cx="6858000" cy="9144000"/>
@@ -3395,6 +3402,86 @@
 </p:sld>
 </file>
 
+<file path=ppt/slides/slide10.xml><?xml version="1.0" encoding="utf-8"?>
+<p:sld xmlns:a="http://schemas.openxmlformats.org/drawingml/2006/main" xmlns:r="http://schemas.openxmlformats.org/officeDocument/2006/relationships" xmlns:p="http://schemas.openxmlformats.org/presentationml/2006/main">
+  <p:cSld>
+    <p:spTree>
+      <p:nvGrpSpPr>
+        <p:cNvPr id="1" name=""/>
+        <p:cNvGrpSpPr/>
+        <p:nvPr/>
+      </p:nvGrpSpPr>
+      <p:grpSpPr>
+        <a:xfrm>
+          <a:off x="0" y="0"/>
+          <a:ext cx="0" cy="0"/>
+          <a:chOff x="0" y="0"/>
+          <a:chExt cx="0" cy="0"/>
+        </a:xfrm>
+      </p:grpSpPr>
+      <p:sp>
+        <p:nvSpPr>
+          <p:cNvPr id="2" name="Title 1">
+            <a:extLst>
+              <a:ext uri="{FF2B5EF4-FFF2-40B4-BE49-F238E27FC236}">
+                <a16:creationId xmlns:a16="http://schemas.microsoft.com/office/drawing/2014/main" id="{2112D682-03B0-4E31-A72F-16D0DC426185}"/>
+              </a:ext>
+            </a:extLst>
+          </p:cNvPr>
+          <p:cNvSpPr>
+            <a:spLocks noGrp="1"/>
+          </p:cNvSpPr>
+          <p:nvPr>
+            <p:ph type="title"/>
+          </p:nvPr>
+        </p:nvSpPr>
+        <p:spPr/>
+        <p:txBody>
+          <a:bodyPr/>
+          <a:lstStyle/>
+          <a:p>
+            <a:endParaRPr lang="en-US" dirty="0"/>
+          </a:p>
+        </p:txBody>
+      </p:sp>
+      <p:sp>
+        <p:nvSpPr>
+          <p:cNvPr id="3" name="Content Placeholder 2">
+            <a:extLst>
+              <a:ext uri="{FF2B5EF4-FFF2-40B4-BE49-F238E27FC236}">
+                <a16:creationId xmlns:a16="http://schemas.microsoft.com/office/drawing/2014/main" id="{03070D88-CB27-48F1-BE84-76032E5E99A3}"/>
+              </a:ext>
+            </a:extLst>
+          </p:cNvPr>
+          <p:cNvSpPr>
+            <a:spLocks noGrp="1"/>
+          </p:cNvSpPr>
+          <p:nvPr>
+            <p:ph idx="1"/>
+          </p:nvPr>
+        </p:nvSpPr>
+        <p:spPr/>
+        <p:txBody>
+          <a:bodyPr/>
+          <a:lstStyle/>
+          <a:p>
+            <a:endParaRPr lang="en-US"/>
+          </a:p>
+        </p:txBody>
+      </p:sp>
+    </p:spTree>
+    <p:extLst>
+      <p:ext uri="{BB962C8B-B14F-4D97-AF65-F5344CB8AC3E}">
+        <p14:creationId xmlns:p14="http://schemas.microsoft.com/office/powerpoint/2010/main" val="4016281751"/>
+      </p:ext>
+    </p:extLst>
+  </p:cSld>
+  <p:clrMapOvr>
+    <a:masterClrMapping/>
+  </p:clrMapOvr>
+</p:sld>
+</file>
+
 <file path=ppt/slides/slide2.xml><?xml version="1.0" encoding="utf-8"?>
 <p:sld xmlns:a="http://schemas.openxmlformats.org/drawingml/2006/main" xmlns:r="http://schemas.openxmlformats.org/officeDocument/2006/relationships" xmlns:p="http://schemas.openxmlformats.org/presentationml/2006/main">
   <p:cSld>
@@ -3744,11 +3831,317 @@
             </a:r>
             <a:r>
               <a:rPr lang="en-US" dirty="0"/>
-              <a:t> terminal</a:t>
-            </a:r>
-          </a:p>
-          <a:p>
-            <a:endParaRPr lang="en-US" dirty="0"/>
+              <a:t> terminal </a:t>
+            </a:r>
+            <a:r>
+              <a:rPr lang="en-US" dirty="0" err="1"/>
+              <a:t>bằng</a:t>
+            </a:r>
+            <a:r>
+              <a:rPr lang="en-US" dirty="0"/>
+              <a:t> </a:t>
+            </a:r>
+            <a:r>
+              <a:rPr lang="en-US" dirty="0" err="1"/>
+              <a:t>cách</a:t>
+            </a:r>
+            <a:r>
+              <a:rPr lang="en-US" dirty="0"/>
+              <a:t> </a:t>
+            </a:r>
+            <a:r>
+              <a:rPr lang="en-US" dirty="0" err="1"/>
+              <a:t>nhấn</a:t>
+            </a:r>
+            <a:r>
+              <a:rPr lang="en-US" dirty="0"/>
+              <a:t> </a:t>
+            </a:r>
+            <a:r>
+              <a:rPr lang="en-US" dirty="0" err="1"/>
+              <a:t>tổ</a:t>
+            </a:r>
+            <a:r>
+              <a:rPr lang="en-US" dirty="0"/>
+              <a:t> </a:t>
+            </a:r>
+            <a:r>
+              <a:rPr lang="en-US" dirty="0" err="1"/>
+              <a:t>hợp</a:t>
+            </a:r>
+            <a:r>
+              <a:rPr lang="en-US" dirty="0"/>
+              <a:t> </a:t>
+            </a:r>
+            <a:r>
+              <a:rPr lang="en-US" dirty="0" err="1"/>
+              <a:t>phím</a:t>
+            </a:r>
+            <a:r>
+              <a:rPr lang="en-US" dirty="0"/>
+              <a:t> </a:t>
+            </a:r>
+            <a:r>
+              <a:rPr lang="en-US" b="1" dirty="0"/>
+              <a:t>Ctrl+`</a:t>
+            </a:r>
+          </a:p>
+          <a:p>
+            <a:r>
+              <a:rPr lang="en-US" dirty="0"/>
+              <a:t>B3: </a:t>
+            </a:r>
+            <a:r>
+              <a:rPr lang="en-US" dirty="0" err="1"/>
+              <a:t>Trong</a:t>
+            </a:r>
+            <a:r>
+              <a:rPr lang="en-US" dirty="0"/>
+              <a:t> terminal </a:t>
+            </a:r>
+            <a:r>
+              <a:rPr lang="en-US" dirty="0" err="1"/>
+              <a:t>gõ</a:t>
+            </a:r>
+            <a:r>
+              <a:rPr lang="en-US" dirty="0"/>
+              <a:t> </a:t>
+            </a:r>
+            <a:r>
+              <a:rPr lang="en-US" dirty="0" err="1"/>
+              <a:t>lệnh</a:t>
+            </a:r>
+            <a:r>
+              <a:rPr lang="en-US" dirty="0"/>
+              <a:t> “</a:t>
+            </a:r>
+            <a:r>
+              <a:rPr lang="en-US" b="1" dirty="0"/>
+              <a:t>code FirstScript.py</a:t>
+            </a:r>
+            <a:r>
+              <a:rPr lang="en-US" dirty="0"/>
+              <a:t>” </a:t>
+            </a:r>
+            <a:r>
+              <a:rPr lang="en-US" dirty="0" err="1"/>
+              <a:t>để</a:t>
+            </a:r>
+            <a:r>
+              <a:rPr lang="en-US" dirty="0"/>
+              <a:t> </a:t>
+            </a:r>
+            <a:r>
+              <a:rPr lang="en-US" dirty="0" err="1"/>
+              <a:t>tạo</a:t>
+            </a:r>
+            <a:r>
+              <a:rPr lang="en-US" dirty="0"/>
+              <a:t> 1 </a:t>
+            </a:r>
+            <a:r>
+              <a:rPr lang="en-US" dirty="0" err="1"/>
+              <a:t>ch</a:t>
+            </a:r>
+            <a:r>
+              <a:rPr lang="vi-VN" dirty="0"/>
+              <a:t>ư</a:t>
+            </a:r>
+            <a:r>
+              <a:rPr lang="en-US" dirty="0" err="1"/>
+              <a:t>ơng</a:t>
+            </a:r>
+            <a:r>
+              <a:rPr lang="en-US" dirty="0"/>
+              <a:t> </a:t>
+            </a:r>
+            <a:r>
+              <a:rPr lang="en-US" dirty="0" err="1"/>
+              <a:t>trình</a:t>
+            </a:r>
+            <a:r>
+              <a:rPr lang="en-US" dirty="0"/>
+              <a:t> Python(</a:t>
+            </a:r>
+            <a:r>
+              <a:rPr lang="en-US" dirty="0" err="1"/>
+              <a:t>Xem</a:t>
+            </a:r>
+            <a:r>
+              <a:rPr lang="en-US" dirty="0"/>
+              <a:t> </a:t>
+            </a:r>
+            <a:r>
+              <a:rPr lang="en-US" dirty="0" err="1"/>
+              <a:t>hình</a:t>
+            </a:r>
+            <a:r>
+              <a:rPr lang="en-US" dirty="0"/>
+              <a:t> slide </a:t>
+            </a:r>
+            <a:r>
+              <a:rPr lang="en-US" dirty="0" err="1"/>
+              <a:t>tiếp</a:t>
+            </a:r>
+            <a:r>
+              <a:rPr lang="en-US" dirty="0"/>
+              <a:t>)</a:t>
+            </a:r>
+          </a:p>
+          <a:p>
+            <a:r>
+              <a:rPr lang="en-US" dirty="0"/>
+              <a:t>B4: </a:t>
+            </a:r>
+            <a:r>
+              <a:rPr lang="en-US" dirty="0" err="1"/>
+              <a:t>Trong</a:t>
+            </a:r>
+            <a:r>
+              <a:rPr lang="en-US" dirty="0"/>
+              <a:t> terminal </a:t>
+            </a:r>
+            <a:r>
+              <a:rPr lang="en-US" dirty="0" err="1"/>
+              <a:t>gõ</a:t>
+            </a:r>
+            <a:r>
+              <a:rPr lang="en-US" dirty="0"/>
+              <a:t> “</a:t>
+            </a:r>
+            <a:r>
+              <a:rPr lang="en-US" dirty="0" err="1"/>
+              <a:t>py</a:t>
+            </a:r>
+            <a:r>
+              <a:rPr lang="en-US" dirty="0"/>
+              <a:t> .\FirstScript.py” </a:t>
+            </a:r>
+            <a:r>
+              <a:rPr lang="en-US" dirty="0" err="1"/>
+              <a:t>để</a:t>
+            </a:r>
+            <a:r>
+              <a:rPr lang="en-US" dirty="0"/>
+              <a:t> </a:t>
+            </a:r>
+            <a:r>
+              <a:rPr lang="en-US" dirty="0" err="1"/>
+              <a:t>chạy</a:t>
+            </a:r>
+            <a:r>
+              <a:rPr lang="en-US" dirty="0"/>
+              <a:t> </a:t>
+            </a:r>
+            <a:r>
+              <a:rPr lang="en-US" dirty="0" err="1"/>
+              <a:t>ch</a:t>
+            </a:r>
+            <a:r>
+              <a:rPr lang="vi-VN" dirty="0"/>
+              <a:t>ư</a:t>
+            </a:r>
+            <a:r>
+              <a:rPr lang="en-US" dirty="0" err="1"/>
+              <a:t>ơng</a:t>
+            </a:r>
+            <a:r>
+              <a:rPr lang="en-US" dirty="0"/>
+              <a:t> </a:t>
+            </a:r>
+            <a:r>
+              <a:rPr lang="en-US" dirty="0" err="1"/>
+              <a:t>trình</a:t>
+            </a:r>
+            <a:r>
+              <a:rPr lang="en-US" dirty="0"/>
+              <a:t> </a:t>
+            </a:r>
+            <a:r>
+              <a:rPr lang="en-US" dirty="0" err="1"/>
+              <a:t>vừa</a:t>
+            </a:r>
+            <a:r>
+              <a:rPr lang="en-US" dirty="0"/>
+              <a:t> </a:t>
+            </a:r>
+            <a:r>
+              <a:rPr lang="en-US" dirty="0" err="1"/>
+              <a:t>viết</a:t>
+            </a:r>
+            <a:r>
+              <a:rPr lang="en-US" dirty="0"/>
+              <a:t>. Ch</a:t>
+            </a:r>
+            <a:r>
+              <a:rPr lang="vi-VN" dirty="0"/>
+              <a:t>ư</a:t>
+            </a:r>
+            <a:r>
+              <a:rPr lang="en-US" dirty="0" err="1"/>
+              <a:t>ơng</a:t>
+            </a:r>
+            <a:r>
+              <a:rPr lang="en-US" dirty="0"/>
+              <a:t> </a:t>
+            </a:r>
+            <a:r>
+              <a:rPr lang="en-US" dirty="0" err="1"/>
+              <a:t>trình</a:t>
+            </a:r>
+            <a:r>
+              <a:rPr lang="en-US" dirty="0"/>
+              <a:t> </a:t>
+            </a:r>
+            <a:r>
+              <a:rPr lang="en-US" dirty="0" err="1"/>
+              <a:t>trên</a:t>
+            </a:r>
+            <a:r>
+              <a:rPr lang="en-US" dirty="0"/>
+              <a:t> </a:t>
+            </a:r>
+            <a:r>
+              <a:rPr lang="en-US" dirty="0" err="1"/>
+              <a:t>sẽ</a:t>
+            </a:r>
+            <a:r>
+              <a:rPr lang="en-US" dirty="0"/>
+              <a:t> </a:t>
+            </a:r>
+            <a:r>
+              <a:rPr lang="en-US" dirty="0" err="1"/>
+              <a:t>xuất</a:t>
+            </a:r>
+            <a:r>
+              <a:rPr lang="en-US" dirty="0"/>
+              <a:t> ra </a:t>
+            </a:r>
+            <a:r>
+              <a:rPr lang="en-US" dirty="0" err="1"/>
+              <a:t>dòng</a:t>
+            </a:r>
+            <a:r>
+              <a:rPr lang="en-US" dirty="0"/>
+              <a:t> “Hello Python” </a:t>
+            </a:r>
+            <a:r>
+              <a:rPr lang="en-US" dirty="0" err="1"/>
+              <a:t>trên</a:t>
+            </a:r>
+            <a:r>
+              <a:rPr lang="en-US" dirty="0"/>
+              <a:t> terminal. </a:t>
+            </a:r>
+          </a:p>
+          <a:p>
+            <a:pPr marL="0" indent="0">
+              <a:buNone/>
+            </a:pPr>
+            <a:r>
+              <a:rPr lang="en-US" dirty="0"/>
+              <a:t>   DONE</a:t>
+            </a:r>
           </a:p>
         </p:txBody>
       </p:sp>
@@ -3756,6 +4149,927 @@
     <p:extLst>
       <p:ext uri="{BB962C8B-B14F-4D97-AF65-F5344CB8AC3E}">
         <p14:creationId xmlns:p14="http://schemas.microsoft.com/office/powerpoint/2010/main" val="2592620522"/>
+      </p:ext>
+    </p:extLst>
+  </p:cSld>
+  <p:clrMapOvr>
+    <a:masterClrMapping/>
+  </p:clrMapOvr>
+</p:sld>
+</file>
+
+<file path=ppt/slides/slide4.xml><?xml version="1.0" encoding="utf-8"?>
+<p:sld xmlns:a="http://schemas.openxmlformats.org/drawingml/2006/main" xmlns:r="http://schemas.openxmlformats.org/officeDocument/2006/relationships" xmlns:p="http://schemas.openxmlformats.org/presentationml/2006/main">
+  <p:cSld>
+    <p:spTree>
+      <p:nvGrpSpPr>
+        <p:cNvPr id="1" name=""/>
+        <p:cNvGrpSpPr/>
+        <p:nvPr/>
+      </p:nvGrpSpPr>
+      <p:grpSpPr>
+        <a:xfrm>
+          <a:off x="0" y="0"/>
+          <a:ext cx="0" cy="0"/>
+          <a:chOff x="0" y="0"/>
+          <a:chExt cx="0" cy="0"/>
+        </a:xfrm>
+      </p:grpSpPr>
+      <p:sp>
+        <p:nvSpPr>
+          <p:cNvPr id="2" name="Title 1">
+            <a:extLst>
+              <a:ext uri="{FF2B5EF4-FFF2-40B4-BE49-F238E27FC236}">
+                <a16:creationId xmlns:a16="http://schemas.microsoft.com/office/drawing/2014/main" id="{B7988A4A-2761-40A1-9A04-AC0B46617E31}"/>
+              </a:ext>
+            </a:extLst>
+          </p:cNvPr>
+          <p:cNvSpPr>
+            <a:spLocks noGrp="1"/>
+          </p:cNvSpPr>
+          <p:nvPr>
+            <p:ph type="title"/>
+          </p:nvPr>
+        </p:nvSpPr>
+        <p:spPr/>
+        <p:txBody>
+          <a:bodyPr/>
+          <a:lstStyle/>
+          <a:p>
+            <a:r>
+              <a:rPr lang="en-US" dirty="0"/>
+              <a:t>Hello Python</a:t>
+            </a:r>
+          </a:p>
+        </p:txBody>
+      </p:sp>
+      <p:pic>
+        <p:nvPicPr>
+          <p:cNvPr id="12" name="Content Placeholder 11">
+            <a:extLst>
+              <a:ext uri="{FF2B5EF4-FFF2-40B4-BE49-F238E27FC236}">
+                <a16:creationId xmlns:a16="http://schemas.microsoft.com/office/drawing/2014/main" id="{895055D1-82CE-4AF1-9789-1FEFE21C62CE}"/>
+              </a:ext>
+            </a:extLst>
+          </p:cNvPr>
+          <p:cNvPicPr>
+            <a:picLocks noGrp="1" noChangeAspect="1"/>
+          </p:cNvPicPr>
+          <p:nvPr>
+            <p:ph idx="1"/>
+          </p:nvPr>
+        </p:nvPicPr>
+        <p:blipFill>
+          <a:blip r:embed="rId2"/>
+          <a:stretch>
+            <a:fillRect/>
+          </a:stretch>
+        </p:blipFill>
+        <p:spPr>
+          <a:xfrm>
+            <a:off x="1941663" y="1825625"/>
+            <a:ext cx="8308674" cy="4351338"/>
+          </a:xfrm>
+          <a:prstGeom prst="rect">
+            <a:avLst/>
+          </a:prstGeom>
+        </p:spPr>
+      </p:pic>
+    </p:spTree>
+    <p:extLst>
+      <p:ext uri="{BB962C8B-B14F-4D97-AF65-F5344CB8AC3E}">
+        <p14:creationId xmlns:p14="http://schemas.microsoft.com/office/powerpoint/2010/main" val="2040386839"/>
+      </p:ext>
+    </p:extLst>
+  </p:cSld>
+  <p:clrMapOvr>
+    <a:masterClrMapping/>
+  </p:clrMapOvr>
+</p:sld>
+</file>
+
+<file path=ppt/slides/slide5.xml><?xml version="1.0" encoding="utf-8"?>
+<p:sld xmlns:a="http://schemas.openxmlformats.org/drawingml/2006/main" xmlns:r="http://schemas.openxmlformats.org/officeDocument/2006/relationships" xmlns:p="http://schemas.openxmlformats.org/presentationml/2006/main">
+  <p:cSld>
+    <p:spTree>
+      <p:nvGrpSpPr>
+        <p:cNvPr id="1" name=""/>
+        <p:cNvGrpSpPr/>
+        <p:nvPr/>
+      </p:nvGrpSpPr>
+      <p:grpSpPr>
+        <a:xfrm>
+          <a:off x="0" y="0"/>
+          <a:ext cx="0" cy="0"/>
+          <a:chOff x="0" y="0"/>
+          <a:chExt cx="0" cy="0"/>
+        </a:xfrm>
+      </p:grpSpPr>
+      <p:sp>
+        <p:nvSpPr>
+          <p:cNvPr id="2" name="Title 1">
+            <a:extLst>
+              <a:ext uri="{FF2B5EF4-FFF2-40B4-BE49-F238E27FC236}">
+                <a16:creationId xmlns:a16="http://schemas.microsoft.com/office/drawing/2014/main" id="{42004508-444E-4AB2-A73C-3E911F27EFCC}"/>
+              </a:ext>
+            </a:extLst>
+          </p:cNvPr>
+          <p:cNvSpPr>
+            <a:spLocks noGrp="1"/>
+          </p:cNvSpPr>
+          <p:nvPr>
+            <p:ph type="title"/>
+          </p:nvPr>
+        </p:nvSpPr>
+        <p:spPr/>
+        <p:txBody>
+          <a:bodyPr/>
+          <a:lstStyle/>
+          <a:p>
+            <a:r>
+              <a:rPr lang="en-US" dirty="0" err="1"/>
+              <a:t>Cấu</a:t>
+            </a:r>
+            <a:r>
+              <a:rPr lang="en-US" dirty="0"/>
+              <a:t> </a:t>
+            </a:r>
+            <a:r>
+              <a:rPr lang="en-US" dirty="0" err="1"/>
+              <a:t>hình</a:t>
+            </a:r>
+            <a:r>
+              <a:rPr lang="en-US" dirty="0"/>
+              <a:t> Debugger</a:t>
+            </a:r>
+          </a:p>
+        </p:txBody>
+      </p:sp>
+      <p:sp>
+        <p:nvSpPr>
+          <p:cNvPr id="3" name="Content Placeholder 2">
+            <a:extLst>
+              <a:ext uri="{FF2B5EF4-FFF2-40B4-BE49-F238E27FC236}">
+                <a16:creationId xmlns:a16="http://schemas.microsoft.com/office/drawing/2014/main" id="{AA2A7917-AEB4-493B-865F-9FA026D0DB24}"/>
+              </a:ext>
+            </a:extLst>
+          </p:cNvPr>
+          <p:cNvSpPr>
+            <a:spLocks noGrp="1"/>
+          </p:cNvSpPr>
+          <p:nvPr>
+            <p:ph idx="1"/>
+          </p:nvPr>
+        </p:nvSpPr>
+        <p:spPr/>
+        <p:txBody>
+          <a:bodyPr/>
+          <a:lstStyle/>
+          <a:p>
+            <a:r>
+              <a:rPr lang="en-US" dirty="0" err="1"/>
+              <a:t>Trong</a:t>
+            </a:r>
+            <a:r>
+              <a:rPr lang="en-US" dirty="0"/>
+              <a:t> </a:t>
+            </a:r>
+            <a:r>
+              <a:rPr lang="en-US" dirty="0" err="1"/>
+              <a:t>mục</a:t>
+            </a:r>
+            <a:r>
+              <a:rPr lang="en-US" dirty="0"/>
+              <a:t> Extension, Recommend </a:t>
+            </a:r>
+            <a:r>
+              <a:rPr lang="en-US" dirty="0" err="1"/>
+              <a:t>cài</a:t>
+            </a:r>
+            <a:r>
+              <a:rPr lang="en-US" dirty="0"/>
+              <a:t> </a:t>
+            </a:r>
+            <a:r>
+              <a:rPr lang="en-US" dirty="0" err="1"/>
+              <a:t>đặt</a:t>
+            </a:r>
+            <a:r>
+              <a:rPr lang="en-US" dirty="0"/>
+              <a:t> Python extension</a:t>
+            </a:r>
+          </a:p>
+          <a:p>
+            <a:endParaRPr lang="en-US" dirty="0"/>
+          </a:p>
+        </p:txBody>
+      </p:sp>
+      <p:pic>
+        <p:nvPicPr>
+          <p:cNvPr id="5" name="Picture 4">
+            <a:extLst>
+              <a:ext uri="{FF2B5EF4-FFF2-40B4-BE49-F238E27FC236}">
+                <a16:creationId xmlns:a16="http://schemas.microsoft.com/office/drawing/2014/main" id="{8ABAE79C-D337-4F75-BD6D-19F9D4A9B397}"/>
+              </a:ext>
+            </a:extLst>
+          </p:cNvPr>
+          <p:cNvPicPr>
+            <a:picLocks noChangeAspect="1"/>
+          </p:cNvPicPr>
+          <p:nvPr/>
+        </p:nvPicPr>
+        <p:blipFill>
+          <a:blip r:embed="rId2"/>
+          <a:stretch>
+            <a:fillRect/>
+          </a:stretch>
+        </p:blipFill>
+        <p:spPr>
+          <a:xfrm>
+            <a:off x="3825549" y="2286082"/>
+            <a:ext cx="7871927" cy="4143119"/>
+          </a:xfrm>
+          <a:prstGeom prst="rect">
+            <a:avLst/>
+          </a:prstGeom>
+        </p:spPr>
+      </p:pic>
+    </p:spTree>
+    <p:extLst>
+      <p:ext uri="{BB962C8B-B14F-4D97-AF65-F5344CB8AC3E}">
+        <p14:creationId xmlns:p14="http://schemas.microsoft.com/office/powerpoint/2010/main" val="1916304919"/>
+      </p:ext>
+    </p:extLst>
+  </p:cSld>
+  <p:clrMapOvr>
+    <a:masterClrMapping/>
+  </p:clrMapOvr>
+</p:sld>
+</file>
+
+<file path=ppt/slides/slide6.xml><?xml version="1.0" encoding="utf-8"?>
+<p:sld xmlns:a="http://schemas.openxmlformats.org/drawingml/2006/main" xmlns:r="http://schemas.openxmlformats.org/officeDocument/2006/relationships" xmlns:p="http://schemas.openxmlformats.org/presentationml/2006/main">
+  <p:cSld>
+    <p:spTree>
+      <p:nvGrpSpPr>
+        <p:cNvPr id="1" name=""/>
+        <p:cNvGrpSpPr/>
+        <p:nvPr/>
+      </p:nvGrpSpPr>
+      <p:grpSpPr>
+        <a:xfrm>
+          <a:off x="0" y="0"/>
+          <a:ext cx="0" cy="0"/>
+          <a:chOff x="0" y="0"/>
+          <a:chExt cx="0" cy="0"/>
+        </a:xfrm>
+      </p:grpSpPr>
+      <p:sp>
+        <p:nvSpPr>
+          <p:cNvPr id="5" name="Title 4">
+            <a:extLst>
+              <a:ext uri="{FF2B5EF4-FFF2-40B4-BE49-F238E27FC236}">
+                <a16:creationId xmlns:a16="http://schemas.microsoft.com/office/drawing/2014/main" id="{AD575659-3A90-43C3-8865-305F3DF9EBB5}"/>
+              </a:ext>
+            </a:extLst>
+          </p:cNvPr>
+          <p:cNvSpPr>
+            <a:spLocks noGrp="1"/>
+          </p:cNvSpPr>
+          <p:nvPr>
+            <p:ph type="title"/>
+          </p:nvPr>
+        </p:nvSpPr>
+        <p:spPr/>
+        <p:txBody>
+          <a:bodyPr/>
+          <a:lstStyle/>
+          <a:p>
+            <a:r>
+              <a:rPr lang="en-US" dirty="0" err="1"/>
+              <a:t>Cấu</a:t>
+            </a:r>
+            <a:r>
+              <a:rPr lang="en-US" dirty="0"/>
+              <a:t> </a:t>
+            </a:r>
+            <a:r>
+              <a:rPr lang="en-US" dirty="0" err="1"/>
+              <a:t>hình</a:t>
+            </a:r>
+            <a:r>
+              <a:rPr lang="en-US" dirty="0"/>
+              <a:t> Debugger</a:t>
+            </a:r>
+          </a:p>
+        </p:txBody>
+      </p:sp>
+      <p:sp>
+        <p:nvSpPr>
+          <p:cNvPr id="6" name="Content Placeholder 5">
+            <a:extLst>
+              <a:ext uri="{FF2B5EF4-FFF2-40B4-BE49-F238E27FC236}">
+                <a16:creationId xmlns:a16="http://schemas.microsoft.com/office/drawing/2014/main" id="{2FC539F4-3306-4C12-83B7-2DED182816A3}"/>
+              </a:ext>
+            </a:extLst>
+          </p:cNvPr>
+          <p:cNvSpPr>
+            <a:spLocks noGrp="1"/>
+          </p:cNvSpPr>
+          <p:nvPr>
+            <p:ph idx="1"/>
+          </p:nvPr>
+        </p:nvSpPr>
+        <p:spPr/>
+        <p:txBody>
+          <a:bodyPr/>
+          <a:lstStyle/>
+          <a:p>
+            <a:r>
+              <a:rPr lang="en-US" dirty="0" err="1"/>
+              <a:t>Cài</a:t>
+            </a:r>
+            <a:r>
+              <a:rPr lang="en-US" dirty="0"/>
+              <a:t> </a:t>
+            </a:r>
+            <a:r>
+              <a:rPr lang="en-US" dirty="0" err="1"/>
+              <a:t>thêm</a:t>
+            </a:r>
+            <a:r>
+              <a:rPr lang="en-US" dirty="0"/>
+              <a:t> </a:t>
+            </a:r>
+            <a:r>
+              <a:rPr lang="en-US" dirty="0" err="1"/>
+              <a:t>cái</a:t>
+            </a:r>
+            <a:r>
+              <a:rPr lang="en-US" dirty="0"/>
+              <a:t> </a:t>
+            </a:r>
+            <a:r>
+              <a:rPr lang="en-US" dirty="0" err="1"/>
+              <a:t>Pylint</a:t>
+            </a:r>
+            <a:r>
+              <a:rPr lang="en-US" dirty="0"/>
+              <a:t> code </a:t>
+            </a:r>
+            <a:r>
+              <a:rPr lang="en-US" dirty="0" err="1"/>
+              <a:t>cho</a:t>
+            </a:r>
+            <a:r>
+              <a:rPr lang="en-US" dirty="0"/>
+              <a:t> Pro(</a:t>
+            </a:r>
+            <a:r>
+              <a:rPr lang="en-US" dirty="0" err="1"/>
+              <a:t>không</a:t>
+            </a:r>
+            <a:r>
+              <a:rPr lang="en-US" dirty="0"/>
+              <a:t> </a:t>
+            </a:r>
+            <a:r>
+              <a:rPr lang="en-US" dirty="0" err="1"/>
+              <a:t>bắt</a:t>
+            </a:r>
+            <a:r>
+              <a:rPr lang="en-US" dirty="0"/>
+              <a:t> </a:t>
+            </a:r>
+            <a:r>
+              <a:rPr lang="en-US" dirty="0" err="1"/>
+              <a:t>buộc</a:t>
+            </a:r>
+            <a:r>
+              <a:rPr lang="en-US" dirty="0"/>
+              <a:t>)</a:t>
+            </a:r>
+          </a:p>
+        </p:txBody>
+      </p:sp>
+      <p:pic>
+        <p:nvPicPr>
+          <p:cNvPr id="7" name="Content Placeholder 3">
+            <a:extLst>
+              <a:ext uri="{FF2B5EF4-FFF2-40B4-BE49-F238E27FC236}">
+                <a16:creationId xmlns:a16="http://schemas.microsoft.com/office/drawing/2014/main" id="{FC21D74C-101B-4D34-9DD8-5F6B0D90E893}"/>
+              </a:ext>
+            </a:extLst>
+          </p:cNvPr>
+          <p:cNvPicPr>
+            <a:picLocks noChangeAspect="1"/>
+          </p:cNvPicPr>
+          <p:nvPr/>
+        </p:nvPicPr>
+        <p:blipFill>
+          <a:blip r:embed="rId2"/>
+          <a:stretch>
+            <a:fillRect/>
+          </a:stretch>
+        </p:blipFill>
+        <p:spPr>
+          <a:xfrm>
+            <a:off x="4581331" y="2399816"/>
+            <a:ext cx="6972521" cy="3670516"/>
+          </a:xfrm>
+          <a:prstGeom prst="rect">
+            <a:avLst/>
+          </a:prstGeom>
+        </p:spPr>
+      </p:pic>
+    </p:spTree>
+    <p:extLst>
+      <p:ext uri="{BB962C8B-B14F-4D97-AF65-F5344CB8AC3E}">
+        <p14:creationId xmlns:p14="http://schemas.microsoft.com/office/powerpoint/2010/main" val="124368348"/>
+      </p:ext>
+    </p:extLst>
+  </p:cSld>
+  <p:clrMapOvr>
+    <a:masterClrMapping/>
+  </p:clrMapOvr>
+</p:sld>
+</file>
+
+<file path=ppt/slides/slide7.xml><?xml version="1.0" encoding="utf-8"?>
+<p:sld xmlns:a="http://schemas.openxmlformats.org/drawingml/2006/main" xmlns:r="http://schemas.openxmlformats.org/officeDocument/2006/relationships" xmlns:p="http://schemas.openxmlformats.org/presentationml/2006/main">
+  <p:cSld>
+    <p:spTree>
+      <p:nvGrpSpPr>
+        <p:cNvPr id="1" name=""/>
+        <p:cNvGrpSpPr/>
+        <p:nvPr/>
+      </p:nvGrpSpPr>
+      <p:grpSpPr>
+        <a:xfrm>
+          <a:off x="0" y="0"/>
+          <a:ext cx="0" cy="0"/>
+          <a:chOff x="0" y="0"/>
+          <a:chExt cx="0" cy="0"/>
+        </a:xfrm>
+      </p:grpSpPr>
+      <p:sp>
+        <p:nvSpPr>
+          <p:cNvPr id="2" name="Title 1">
+            <a:extLst>
+              <a:ext uri="{FF2B5EF4-FFF2-40B4-BE49-F238E27FC236}">
+                <a16:creationId xmlns:a16="http://schemas.microsoft.com/office/drawing/2014/main" id="{9CD06A74-DE6E-48C8-B09B-9D95A2DA7EC7}"/>
+              </a:ext>
+            </a:extLst>
+          </p:cNvPr>
+          <p:cNvSpPr>
+            <a:spLocks noGrp="1"/>
+          </p:cNvSpPr>
+          <p:nvPr>
+            <p:ph type="title"/>
+          </p:nvPr>
+        </p:nvSpPr>
+        <p:spPr/>
+        <p:txBody>
+          <a:bodyPr/>
+          <a:lstStyle/>
+          <a:p>
+            <a:r>
+              <a:rPr lang="en-US" dirty="0" err="1"/>
+              <a:t>Cấu</a:t>
+            </a:r>
+            <a:r>
+              <a:rPr lang="en-US" dirty="0"/>
+              <a:t> </a:t>
+            </a:r>
+            <a:r>
+              <a:rPr lang="en-US" dirty="0" err="1"/>
+              <a:t>hình</a:t>
+            </a:r>
+            <a:r>
+              <a:rPr lang="en-US" dirty="0"/>
+              <a:t> Debugger</a:t>
+            </a:r>
+          </a:p>
+        </p:txBody>
+      </p:sp>
+      <p:sp>
+        <p:nvSpPr>
+          <p:cNvPr id="5" name="Content Placeholder 4">
+            <a:extLst>
+              <a:ext uri="{FF2B5EF4-FFF2-40B4-BE49-F238E27FC236}">
+                <a16:creationId xmlns:a16="http://schemas.microsoft.com/office/drawing/2014/main" id="{CBB1CCC9-61E1-4AF9-B955-40142CDCBF02}"/>
+              </a:ext>
+            </a:extLst>
+          </p:cNvPr>
+          <p:cNvSpPr>
+            <a:spLocks noGrp="1"/>
+          </p:cNvSpPr>
+          <p:nvPr>
+            <p:ph idx="1"/>
+          </p:nvPr>
+        </p:nvSpPr>
+        <p:spPr/>
+        <p:txBody>
+          <a:bodyPr/>
+          <a:lstStyle/>
+          <a:p>
+            <a:r>
+              <a:rPr lang="en-US" dirty="0" err="1"/>
+              <a:t>Nhấn</a:t>
+            </a:r>
+            <a:r>
+              <a:rPr lang="en-US" dirty="0"/>
+              <a:t> F5 </a:t>
+            </a:r>
+            <a:r>
+              <a:rPr lang="en-US" dirty="0" err="1"/>
+              <a:t>để</a:t>
+            </a:r>
+            <a:r>
+              <a:rPr lang="en-US" dirty="0"/>
+              <a:t> start debug, </a:t>
+            </a:r>
+            <a:r>
+              <a:rPr lang="en-US" dirty="0" err="1"/>
+              <a:t>chọn</a:t>
+            </a:r>
+            <a:r>
+              <a:rPr lang="en-US" dirty="0"/>
+              <a:t> file </a:t>
+            </a:r>
+            <a:r>
+              <a:rPr lang="en-US" dirty="0" err="1"/>
+              <a:t>cấu</a:t>
+            </a:r>
+            <a:r>
+              <a:rPr lang="en-US" dirty="0"/>
+              <a:t> </a:t>
+            </a:r>
+            <a:r>
+              <a:rPr lang="en-US" dirty="0" err="1"/>
+              <a:t>hình</a:t>
+            </a:r>
+            <a:r>
+              <a:rPr lang="en-US" dirty="0"/>
+              <a:t> Python file</a:t>
+            </a:r>
+          </a:p>
+        </p:txBody>
+      </p:sp>
+      <p:pic>
+        <p:nvPicPr>
+          <p:cNvPr id="7" name="Picture 6">
+            <a:extLst>
+              <a:ext uri="{FF2B5EF4-FFF2-40B4-BE49-F238E27FC236}">
+                <a16:creationId xmlns:a16="http://schemas.microsoft.com/office/drawing/2014/main" id="{5F8BE849-ACB6-496D-B141-11D526DE9E23}"/>
+              </a:ext>
+            </a:extLst>
+          </p:cNvPr>
+          <p:cNvPicPr>
+            <a:picLocks noChangeAspect="1"/>
+          </p:cNvPicPr>
+          <p:nvPr/>
+        </p:nvPicPr>
+        <p:blipFill>
+          <a:blip r:embed="rId2"/>
+          <a:stretch>
+            <a:fillRect/>
+          </a:stretch>
+        </p:blipFill>
+        <p:spPr>
+          <a:xfrm>
+            <a:off x="1105385" y="2657766"/>
+            <a:ext cx="9298247" cy="3125527"/>
+          </a:xfrm>
+          <a:prstGeom prst="rect">
+            <a:avLst/>
+          </a:prstGeom>
+        </p:spPr>
+      </p:pic>
+    </p:spTree>
+    <p:extLst>
+      <p:ext uri="{BB962C8B-B14F-4D97-AF65-F5344CB8AC3E}">
+        <p14:creationId xmlns:p14="http://schemas.microsoft.com/office/powerpoint/2010/main" val="2731260404"/>
+      </p:ext>
+    </p:extLst>
+  </p:cSld>
+  <p:clrMapOvr>
+    <a:masterClrMapping/>
+  </p:clrMapOvr>
+</p:sld>
+</file>
+
+<file path=ppt/slides/slide8.xml><?xml version="1.0" encoding="utf-8"?>
+<p:sld xmlns:a="http://schemas.openxmlformats.org/drawingml/2006/main" xmlns:r="http://schemas.openxmlformats.org/officeDocument/2006/relationships" xmlns:p="http://schemas.openxmlformats.org/presentationml/2006/main">
+  <p:cSld>
+    <p:spTree>
+      <p:nvGrpSpPr>
+        <p:cNvPr id="1" name=""/>
+        <p:cNvGrpSpPr/>
+        <p:nvPr/>
+      </p:nvGrpSpPr>
+      <p:grpSpPr>
+        <a:xfrm>
+          <a:off x="0" y="0"/>
+          <a:ext cx="0" cy="0"/>
+          <a:chOff x="0" y="0"/>
+          <a:chExt cx="0" cy="0"/>
+        </a:xfrm>
+      </p:grpSpPr>
+      <p:sp>
+        <p:nvSpPr>
+          <p:cNvPr id="2" name="Title 1">
+            <a:extLst>
+              <a:ext uri="{FF2B5EF4-FFF2-40B4-BE49-F238E27FC236}">
+                <a16:creationId xmlns:a16="http://schemas.microsoft.com/office/drawing/2014/main" id="{4A659E74-6129-4341-9F9B-A0184A9C2EC5}"/>
+              </a:ext>
+            </a:extLst>
+          </p:cNvPr>
+          <p:cNvSpPr>
+            <a:spLocks noGrp="1"/>
+          </p:cNvSpPr>
+          <p:nvPr>
+            <p:ph type="title"/>
+          </p:nvPr>
+        </p:nvSpPr>
+        <p:spPr/>
+        <p:txBody>
+          <a:bodyPr/>
+          <a:lstStyle/>
+          <a:p>
+            <a:r>
+              <a:rPr lang="en-US" dirty="0" err="1"/>
+              <a:t>Chạy</a:t>
+            </a:r>
+            <a:r>
+              <a:rPr lang="en-US" dirty="0"/>
+              <a:t> debug</a:t>
+            </a:r>
+          </a:p>
+        </p:txBody>
+      </p:sp>
+      <p:sp>
+        <p:nvSpPr>
+          <p:cNvPr id="3" name="Content Placeholder 2">
+            <a:extLst>
+              <a:ext uri="{FF2B5EF4-FFF2-40B4-BE49-F238E27FC236}">
+                <a16:creationId xmlns:a16="http://schemas.microsoft.com/office/drawing/2014/main" id="{DDF139B1-1388-48BC-9C75-CF75C3F38E2D}"/>
+              </a:ext>
+            </a:extLst>
+          </p:cNvPr>
+          <p:cNvSpPr>
+            <a:spLocks noGrp="1"/>
+          </p:cNvSpPr>
+          <p:nvPr>
+            <p:ph idx="1"/>
+          </p:nvPr>
+        </p:nvSpPr>
+        <p:spPr/>
+        <p:txBody>
+          <a:bodyPr/>
+          <a:lstStyle/>
+          <a:p>
+            <a:r>
+              <a:rPr lang="en-US" dirty="0" err="1"/>
+              <a:t>Đặt</a:t>
+            </a:r>
+            <a:r>
+              <a:rPr lang="en-US" dirty="0"/>
+              <a:t> breakpoint</a:t>
+            </a:r>
+          </a:p>
+        </p:txBody>
+      </p:sp>
+      <p:pic>
+        <p:nvPicPr>
+          <p:cNvPr id="5" name="Picture 4">
+            <a:extLst>
+              <a:ext uri="{FF2B5EF4-FFF2-40B4-BE49-F238E27FC236}">
+                <a16:creationId xmlns:a16="http://schemas.microsoft.com/office/drawing/2014/main" id="{37791817-5276-4D95-B22A-006D2B0AB4EB}"/>
+              </a:ext>
+            </a:extLst>
+          </p:cNvPr>
+          <p:cNvPicPr>
+            <a:picLocks noChangeAspect="1"/>
+          </p:cNvPicPr>
+          <p:nvPr/>
+        </p:nvPicPr>
+        <p:blipFill>
+          <a:blip r:embed="rId2"/>
+          <a:stretch>
+            <a:fillRect/>
+          </a:stretch>
+        </p:blipFill>
+        <p:spPr>
+          <a:xfrm>
+            <a:off x="3601616" y="2485846"/>
+            <a:ext cx="7297705" cy="3691117"/>
+          </a:xfrm>
+          <a:prstGeom prst="rect">
+            <a:avLst/>
+          </a:prstGeom>
+        </p:spPr>
+      </p:pic>
+    </p:spTree>
+    <p:extLst>
+      <p:ext uri="{BB962C8B-B14F-4D97-AF65-F5344CB8AC3E}">
+        <p14:creationId xmlns:p14="http://schemas.microsoft.com/office/powerpoint/2010/main" val="279178707"/>
+      </p:ext>
+    </p:extLst>
+  </p:cSld>
+  <p:clrMapOvr>
+    <a:masterClrMapping/>
+  </p:clrMapOvr>
+</p:sld>
+</file>
+
+<file path=ppt/slides/slide9.xml><?xml version="1.0" encoding="utf-8"?>
+<p:sld xmlns:a="http://schemas.openxmlformats.org/drawingml/2006/main" xmlns:r="http://schemas.openxmlformats.org/officeDocument/2006/relationships" xmlns:p="http://schemas.openxmlformats.org/presentationml/2006/main">
+  <p:cSld>
+    <p:spTree>
+      <p:nvGrpSpPr>
+        <p:cNvPr id="1" name=""/>
+        <p:cNvGrpSpPr/>
+        <p:nvPr/>
+      </p:nvGrpSpPr>
+      <p:grpSpPr>
+        <a:xfrm>
+          <a:off x="0" y="0"/>
+          <a:ext cx="0" cy="0"/>
+          <a:chOff x="0" y="0"/>
+          <a:chExt cx="0" cy="0"/>
+        </a:xfrm>
+      </p:grpSpPr>
+      <p:sp>
+        <p:nvSpPr>
+          <p:cNvPr id="2" name="Title 1">
+            <a:extLst>
+              <a:ext uri="{FF2B5EF4-FFF2-40B4-BE49-F238E27FC236}">
+                <a16:creationId xmlns:a16="http://schemas.microsoft.com/office/drawing/2014/main" id="{32B19CB7-C9DA-468D-A892-3B0FDE8767D6}"/>
+              </a:ext>
+            </a:extLst>
+          </p:cNvPr>
+          <p:cNvSpPr>
+            <a:spLocks noGrp="1"/>
+          </p:cNvSpPr>
+          <p:nvPr>
+            <p:ph type="title"/>
+          </p:nvPr>
+        </p:nvSpPr>
+        <p:spPr/>
+        <p:txBody>
+          <a:bodyPr/>
+          <a:lstStyle/>
+          <a:p>
+            <a:r>
+              <a:rPr lang="en-US" dirty="0" err="1"/>
+              <a:t>Chạy</a:t>
+            </a:r>
+            <a:r>
+              <a:rPr lang="en-US" dirty="0"/>
+              <a:t> debug</a:t>
+            </a:r>
+          </a:p>
+        </p:txBody>
+      </p:sp>
+      <p:sp>
+        <p:nvSpPr>
+          <p:cNvPr id="3" name="Content Placeholder 2">
+            <a:extLst>
+              <a:ext uri="{FF2B5EF4-FFF2-40B4-BE49-F238E27FC236}">
+                <a16:creationId xmlns:a16="http://schemas.microsoft.com/office/drawing/2014/main" id="{2CEA228A-A8C8-4F71-AD9F-CA596B848620}"/>
+              </a:ext>
+            </a:extLst>
+          </p:cNvPr>
+          <p:cNvSpPr>
+            <a:spLocks noGrp="1"/>
+          </p:cNvSpPr>
+          <p:nvPr>
+            <p:ph idx="1"/>
+          </p:nvPr>
+        </p:nvSpPr>
+        <p:spPr/>
+        <p:txBody>
+          <a:bodyPr/>
+          <a:lstStyle/>
+          <a:p>
+            <a:r>
+              <a:rPr lang="en-US" dirty="0" err="1"/>
+              <a:t>Nhấn</a:t>
+            </a:r>
+            <a:r>
+              <a:rPr lang="en-US" dirty="0"/>
+              <a:t> F5 </a:t>
+            </a:r>
+            <a:r>
+              <a:rPr lang="en-US" dirty="0" err="1"/>
+              <a:t>để</a:t>
+            </a:r>
+            <a:r>
+              <a:rPr lang="en-US" dirty="0"/>
+              <a:t> </a:t>
+            </a:r>
+            <a:r>
+              <a:rPr lang="en-US" dirty="0" err="1"/>
+              <a:t>chạy</a:t>
+            </a:r>
+            <a:r>
+              <a:rPr lang="en-US" dirty="0"/>
+              <a:t> debug </a:t>
+            </a:r>
+            <a:r>
+              <a:rPr lang="en-US" dirty="0" err="1"/>
+              <a:t>lại</a:t>
+            </a:r>
+            <a:r>
+              <a:rPr lang="en-US" dirty="0"/>
+              <a:t>, debugger </a:t>
+            </a:r>
+            <a:r>
+              <a:rPr lang="en-US" dirty="0" err="1"/>
+              <a:t>sẽ</a:t>
+            </a:r>
+            <a:r>
+              <a:rPr lang="en-US" dirty="0"/>
+              <a:t> </a:t>
+            </a:r>
+            <a:r>
+              <a:rPr lang="en-US" dirty="0" err="1"/>
+              <a:t>dừng</a:t>
+            </a:r>
+            <a:r>
+              <a:rPr lang="en-US" dirty="0"/>
+              <a:t> </a:t>
+            </a:r>
+            <a:r>
+              <a:rPr lang="en-US" dirty="0" err="1"/>
+              <a:t>ch</a:t>
+            </a:r>
+            <a:r>
+              <a:rPr lang="vi-VN" dirty="0"/>
+              <a:t>ư</a:t>
+            </a:r>
+            <a:r>
+              <a:rPr lang="en-US" dirty="0" err="1"/>
+              <a:t>ơng</a:t>
+            </a:r>
+            <a:r>
+              <a:rPr lang="en-US" dirty="0"/>
+              <a:t> </a:t>
+            </a:r>
+            <a:r>
+              <a:rPr lang="en-US" dirty="0" err="1"/>
+              <a:t>trình</a:t>
+            </a:r>
+            <a:r>
+              <a:rPr lang="en-US" dirty="0"/>
+              <a:t> </a:t>
+            </a:r>
+            <a:r>
+              <a:rPr lang="en-US" dirty="0" err="1"/>
+              <a:t>tại</a:t>
+            </a:r>
+            <a:r>
+              <a:rPr lang="en-US" dirty="0"/>
+              <a:t> break point.</a:t>
+            </a:r>
+          </a:p>
+        </p:txBody>
+      </p:sp>
+      <p:pic>
+        <p:nvPicPr>
+          <p:cNvPr id="4" name="Picture 3">
+            <a:extLst>
+              <a:ext uri="{FF2B5EF4-FFF2-40B4-BE49-F238E27FC236}">
+                <a16:creationId xmlns:a16="http://schemas.microsoft.com/office/drawing/2014/main" id="{D2AB2575-E18C-4306-8372-CEC51E2491FD}"/>
+              </a:ext>
+            </a:extLst>
+          </p:cNvPr>
+          <p:cNvPicPr>
+            <a:picLocks noChangeAspect="1"/>
+          </p:cNvPicPr>
+          <p:nvPr/>
+        </p:nvPicPr>
+        <p:blipFill>
+          <a:blip r:embed="rId2"/>
+          <a:stretch>
+            <a:fillRect/>
+          </a:stretch>
+        </p:blipFill>
+        <p:spPr>
+          <a:xfrm>
+            <a:off x="2192694" y="2483183"/>
+            <a:ext cx="8485900" cy="3693780"/>
+          </a:xfrm>
+          <a:prstGeom prst="rect">
+            <a:avLst/>
+          </a:prstGeom>
+        </p:spPr>
+      </p:pic>
+    </p:spTree>
+    <p:extLst>
+      <p:ext uri="{BB962C8B-B14F-4D97-AF65-F5344CB8AC3E}">
+        <p14:creationId xmlns:p14="http://schemas.microsoft.com/office/powerpoint/2010/main" val="4280997397"/>
       </p:ext>
     </p:extLst>
   </p:cSld>

--- a/Lecture/PythonCoban.pptx
+++ b/Lecture/PythonCoban.pptx
@@ -6,15 +6,23 @@
   </p:sldMasterIdLst>
   <p:sldIdLst>
     <p:sldId id="256" r:id="rId2"/>
-    <p:sldId id="257" r:id="rId3"/>
-    <p:sldId id="258" r:id="rId4"/>
-    <p:sldId id="259" r:id="rId5"/>
-    <p:sldId id="260" r:id="rId6"/>
-    <p:sldId id="261" r:id="rId7"/>
-    <p:sldId id="262" r:id="rId8"/>
-    <p:sldId id="263" r:id="rId9"/>
-    <p:sldId id="264" r:id="rId10"/>
-    <p:sldId id="265" r:id="rId11"/>
+    <p:sldId id="266" r:id="rId3"/>
+    <p:sldId id="267" r:id="rId4"/>
+    <p:sldId id="269" r:id="rId5"/>
+    <p:sldId id="257" r:id="rId6"/>
+    <p:sldId id="258" r:id="rId7"/>
+    <p:sldId id="259" r:id="rId8"/>
+    <p:sldId id="260" r:id="rId9"/>
+    <p:sldId id="261" r:id="rId10"/>
+    <p:sldId id="262" r:id="rId11"/>
+    <p:sldId id="263" r:id="rId12"/>
+    <p:sldId id="264" r:id="rId13"/>
+    <p:sldId id="265" r:id="rId14"/>
+    <p:sldId id="268" r:id="rId15"/>
+    <p:sldId id="270" r:id="rId16"/>
+    <p:sldId id="271" r:id="rId17"/>
+    <p:sldId id="272" r:id="rId18"/>
+    <p:sldId id="273" r:id="rId19"/>
   </p:sldIdLst>
   <p:sldSz cx="12192000" cy="6858000"/>
   <p:notesSz cx="6858000" cy="9144000"/>
@@ -3424,7 +3432,7 @@
           <p:cNvPr id="2" name="Title 1">
             <a:extLst>
               <a:ext uri="{FF2B5EF4-FFF2-40B4-BE49-F238E27FC236}">
-                <a16:creationId xmlns:a16="http://schemas.microsoft.com/office/drawing/2014/main" id="{2112D682-03B0-4E31-A72F-16D0DC426185}"/>
+                <a16:creationId xmlns:a16="http://schemas.microsoft.com/office/drawing/2014/main" id="{9CD06A74-DE6E-48C8-B09B-9D95A2DA7EC7}"/>
               </a:ext>
             </a:extLst>
           </p:cNvPr>
@@ -3440,16 +3448,31 @@
           <a:bodyPr/>
           <a:lstStyle/>
           <a:p>
-            <a:endParaRPr lang="en-US" dirty="0"/>
-          </a:p>
-        </p:txBody>
-      </p:sp>
-      <p:sp>
-        <p:nvSpPr>
-          <p:cNvPr id="3" name="Content Placeholder 2">
-            <a:extLst>
-              <a:ext uri="{FF2B5EF4-FFF2-40B4-BE49-F238E27FC236}">
-                <a16:creationId xmlns:a16="http://schemas.microsoft.com/office/drawing/2014/main" id="{03070D88-CB27-48F1-BE84-76032E5E99A3}"/>
+            <a:r>
+              <a:rPr lang="en-US" dirty="0" err="1"/>
+              <a:t>Cấu</a:t>
+            </a:r>
+            <a:r>
+              <a:rPr lang="en-US" dirty="0"/>
+              <a:t> </a:t>
+            </a:r>
+            <a:r>
+              <a:rPr lang="en-US" dirty="0" err="1"/>
+              <a:t>hình</a:t>
+            </a:r>
+            <a:r>
+              <a:rPr lang="en-US" dirty="0"/>
+              <a:t> Debugger</a:t>
+            </a:r>
+          </a:p>
+        </p:txBody>
+      </p:sp>
+      <p:sp>
+        <p:nvSpPr>
+          <p:cNvPr id="5" name="Content Placeholder 4">
+            <a:extLst>
+              <a:ext uri="{FF2B5EF4-FFF2-40B4-BE49-F238E27FC236}">
+                <a16:creationId xmlns:a16="http://schemas.microsoft.com/office/drawing/2014/main" id="{CBB1CCC9-61E1-4AF9-B955-40142CDCBF02}"/>
               </a:ext>
             </a:extLst>
           </p:cNvPr>
@@ -3465,14 +3488,83 @@
           <a:bodyPr/>
           <a:lstStyle/>
           <a:p>
-            <a:endParaRPr lang="en-US"/>
-          </a:p>
-        </p:txBody>
-      </p:sp>
+            <a:r>
+              <a:rPr lang="en-US" dirty="0" err="1"/>
+              <a:t>Nhấn</a:t>
+            </a:r>
+            <a:r>
+              <a:rPr lang="en-US" dirty="0"/>
+              <a:t> F5 </a:t>
+            </a:r>
+            <a:r>
+              <a:rPr lang="en-US" dirty="0" err="1"/>
+              <a:t>để</a:t>
+            </a:r>
+            <a:r>
+              <a:rPr lang="en-US" dirty="0"/>
+              <a:t> start debug, </a:t>
+            </a:r>
+            <a:r>
+              <a:rPr lang="en-US" dirty="0" err="1"/>
+              <a:t>chọn</a:t>
+            </a:r>
+            <a:r>
+              <a:rPr lang="en-US" dirty="0"/>
+              <a:t> file </a:t>
+            </a:r>
+            <a:r>
+              <a:rPr lang="en-US" dirty="0" err="1"/>
+              <a:t>cấu</a:t>
+            </a:r>
+            <a:r>
+              <a:rPr lang="en-US" dirty="0"/>
+              <a:t> </a:t>
+            </a:r>
+            <a:r>
+              <a:rPr lang="en-US" dirty="0" err="1"/>
+              <a:t>hình</a:t>
+            </a:r>
+            <a:r>
+              <a:rPr lang="en-US" dirty="0"/>
+              <a:t> Python file</a:t>
+            </a:r>
+          </a:p>
+        </p:txBody>
+      </p:sp>
+      <p:pic>
+        <p:nvPicPr>
+          <p:cNvPr id="7" name="Picture 6">
+            <a:extLst>
+              <a:ext uri="{FF2B5EF4-FFF2-40B4-BE49-F238E27FC236}">
+                <a16:creationId xmlns:a16="http://schemas.microsoft.com/office/drawing/2014/main" id="{5F8BE849-ACB6-496D-B141-11D526DE9E23}"/>
+              </a:ext>
+            </a:extLst>
+          </p:cNvPr>
+          <p:cNvPicPr>
+            <a:picLocks noChangeAspect="1"/>
+          </p:cNvPicPr>
+          <p:nvPr/>
+        </p:nvPicPr>
+        <p:blipFill>
+          <a:blip r:embed="rId2"/>
+          <a:stretch>
+            <a:fillRect/>
+          </a:stretch>
+        </p:blipFill>
+        <p:spPr>
+          <a:xfrm>
+            <a:off x="1105385" y="2657766"/>
+            <a:ext cx="9298247" cy="3125527"/>
+          </a:xfrm>
+          <a:prstGeom prst="rect">
+            <a:avLst/>
+          </a:prstGeom>
+        </p:spPr>
+      </p:pic>
     </p:spTree>
     <p:extLst>
       <p:ext uri="{BB962C8B-B14F-4D97-AF65-F5344CB8AC3E}">
-        <p14:creationId xmlns:p14="http://schemas.microsoft.com/office/powerpoint/2010/main" val="4016281751"/>
+        <p14:creationId xmlns:p14="http://schemas.microsoft.com/office/powerpoint/2010/main" val="2731260404"/>
       </p:ext>
     </p:extLst>
   </p:cSld>
@@ -3482,7 +3574,7 @@
 </p:sld>
 </file>
 
-<file path=ppt/slides/slide2.xml><?xml version="1.0" encoding="utf-8"?>
+<file path=ppt/slides/slide11.xml><?xml version="1.0" encoding="utf-8"?>
 <p:sld xmlns:a="http://schemas.openxmlformats.org/drawingml/2006/main" xmlns:r="http://schemas.openxmlformats.org/officeDocument/2006/relationships" xmlns:p="http://schemas.openxmlformats.org/presentationml/2006/main">
   <p:cSld>
     <p:spTree>
@@ -3504,7 +3596,7 @@
           <p:cNvPr id="2" name="Title 1">
             <a:extLst>
               <a:ext uri="{FF2B5EF4-FFF2-40B4-BE49-F238E27FC236}">
-                <a16:creationId xmlns:a16="http://schemas.microsoft.com/office/drawing/2014/main" id="{36ED9C68-8EE9-40D6-B69F-9067008C266F}"/>
+                <a16:creationId xmlns:a16="http://schemas.microsoft.com/office/drawing/2014/main" id="{4A659E74-6129-4341-9F9B-A0184A9C2EC5}"/>
               </a:ext>
             </a:extLst>
           </p:cNvPr>
@@ -3521,10 +3613,13 @@
           <a:lstStyle/>
           <a:p>
             <a:r>
-              <a:rPr lang="vi-VN" dirty="0"/>
-              <a:t>Cài đặt môi trường phát triển Python</a:t>
-            </a:r>
-            <a:endParaRPr lang="en-US" dirty="0"/>
+              <a:rPr lang="en-US" dirty="0" err="1"/>
+              <a:t>Chạy</a:t>
+            </a:r>
+            <a:r>
+              <a:rPr lang="en-US" dirty="0"/>
+              <a:t> debug</a:t>
+            </a:r>
           </a:p>
         </p:txBody>
       </p:sp>
@@ -3533,7 +3628,7 @@
           <p:cNvPr id="3" name="Content Placeholder 2">
             <a:extLst>
               <a:ext uri="{FF2B5EF4-FFF2-40B4-BE49-F238E27FC236}">
-                <a16:creationId xmlns:a16="http://schemas.microsoft.com/office/drawing/2014/main" id="{4180B079-C82C-4AC3-BFE6-1CDAFA35FC0C}"/>
+                <a16:creationId xmlns:a16="http://schemas.microsoft.com/office/drawing/2014/main" id="{DDF139B1-1388-48BC-9C75-CF75C3F38E2D}"/>
               </a:ext>
             </a:extLst>
           </p:cNvPr>
@@ -3550,50 +3645,50 @@
           <a:lstStyle/>
           <a:p>
             <a:r>
-              <a:rPr lang="vi-VN" dirty="0"/>
-              <a:t>Cài đặt trình thông dich Python 3 trên win 10: </a:t>
-            </a:r>
-          </a:p>
-          <a:p>
-            <a:pPr marL="0" indent="0">
-              <a:buNone/>
-            </a:pPr>
-            <a:r>
-              <a:rPr lang="en-US" dirty="0">
-                <a:hlinkClick r:id="rId2"/>
-              </a:rPr>
-              <a:t>https://codecute.com/python/huong-dan-cai-dat-lap-trinh-python-tren-windows-10.html</a:t>
-            </a:r>
-            <a:r>
-              <a:rPr lang="vi-VN" dirty="0"/>
-              <a:t> </a:t>
-            </a:r>
-          </a:p>
-          <a:p>
-            <a:r>
-              <a:rPr lang="vi-VN" dirty="0"/>
-              <a:t>Cài đặt Editor Vscode</a:t>
-            </a:r>
-            <a:endParaRPr lang="en-US" dirty="0"/>
-          </a:p>
-          <a:p>
-            <a:pPr marL="0" indent="0">
-              <a:buNone/>
-            </a:pPr>
-            <a:r>
-              <a:rPr lang="en-US" dirty="0">
-                <a:hlinkClick r:id="rId3"/>
-              </a:rPr>
-              <a:t>https://www.codehub.vn/Huong-Dan-Cai-Dat-Visual-Studio-Code-tren-Windows</a:t>
-            </a:r>
-            <a:endParaRPr lang="vi-VN" dirty="0"/>
-          </a:p>
-        </p:txBody>
-      </p:sp>
+              <a:rPr lang="en-US" dirty="0" err="1"/>
+              <a:t>Đặt</a:t>
+            </a:r>
+            <a:r>
+              <a:rPr lang="en-US" dirty="0"/>
+              <a:t> breakpoint</a:t>
+            </a:r>
+          </a:p>
+        </p:txBody>
+      </p:sp>
+      <p:pic>
+        <p:nvPicPr>
+          <p:cNvPr id="5" name="Picture 4">
+            <a:extLst>
+              <a:ext uri="{FF2B5EF4-FFF2-40B4-BE49-F238E27FC236}">
+                <a16:creationId xmlns:a16="http://schemas.microsoft.com/office/drawing/2014/main" id="{37791817-5276-4D95-B22A-006D2B0AB4EB}"/>
+              </a:ext>
+            </a:extLst>
+          </p:cNvPr>
+          <p:cNvPicPr>
+            <a:picLocks noChangeAspect="1"/>
+          </p:cNvPicPr>
+          <p:nvPr/>
+        </p:nvPicPr>
+        <p:blipFill>
+          <a:blip r:embed="rId2"/>
+          <a:stretch>
+            <a:fillRect/>
+          </a:stretch>
+        </p:blipFill>
+        <p:spPr>
+          <a:xfrm>
+            <a:off x="3601616" y="2485846"/>
+            <a:ext cx="7297705" cy="3691117"/>
+          </a:xfrm>
+          <a:prstGeom prst="rect">
+            <a:avLst/>
+          </a:prstGeom>
+        </p:spPr>
+      </p:pic>
     </p:spTree>
     <p:extLst>
       <p:ext uri="{BB962C8B-B14F-4D97-AF65-F5344CB8AC3E}">
-        <p14:creationId xmlns:p14="http://schemas.microsoft.com/office/powerpoint/2010/main" val="2425844899"/>
+        <p14:creationId xmlns:p14="http://schemas.microsoft.com/office/powerpoint/2010/main" val="279178707"/>
       </p:ext>
     </p:extLst>
   </p:cSld>
@@ -3603,7 +3698,7 @@
 </p:sld>
 </file>
 
-<file path=ppt/slides/slide3.xml><?xml version="1.0" encoding="utf-8"?>
+<file path=ppt/slides/slide12.xml><?xml version="1.0" encoding="utf-8"?>
 <p:sld xmlns:a="http://schemas.openxmlformats.org/drawingml/2006/main" xmlns:r="http://schemas.openxmlformats.org/officeDocument/2006/relationships" xmlns:p="http://schemas.openxmlformats.org/presentationml/2006/main">
   <p:cSld>
     <p:spTree>
@@ -3625,6 +3720,2191 @@
           <p:cNvPr id="2" name="Title 1">
             <a:extLst>
               <a:ext uri="{FF2B5EF4-FFF2-40B4-BE49-F238E27FC236}">
+                <a16:creationId xmlns:a16="http://schemas.microsoft.com/office/drawing/2014/main" id="{32B19CB7-C9DA-468D-A892-3B0FDE8767D6}"/>
+              </a:ext>
+            </a:extLst>
+          </p:cNvPr>
+          <p:cNvSpPr>
+            <a:spLocks noGrp="1"/>
+          </p:cNvSpPr>
+          <p:nvPr>
+            <p:ph type="title"/>
+          </p:nvPr>
+        </p:nvSpPr>
+        <p:spPr/>
+        <p:txBody>
+          <a:bodyPr/>
+          <a:lstStyle/>
+          <a:p>
+            <a:r>
+              <a:rPr lang="en-US" dirty="0" err="1"/>
+              <a:t>Chạy</a:t>
+            </a:r>
+            <a:r>
+              <a:rPr lang="en-US" dirty="0"/>
+              <a:t> debug</a:t>
+            </a:r>
+          </a:p>
+        </p:txBody>
+      </p:sp>
+      <p:sp>
+        <p:nvSpPr>
+          <p:cNvPr id="3" name="Content Placeholder 2">
+            <a:extLst>
+              <a:ext uri="{FF2B5EF4-FFF2-40B4-BE49-F238E27FC236}">
+                <a16:creationId xmlns:a16="http://schemas.microsoft.com/office/drawing/2014/main" id="{2CEA228A-A8C8-4F71-AD9F-CA596B848620}"/>
+              </a:ext>
+            </a:extLst>
+          </p:cNvPr>
+          <p:cNvSpPr>
+            <a:spLocks noGrp="1"/>
+          </p:cNvSpPr>
+          <p:nvPr>
+            <p:ph idx="1"/>
+          </p:nvPr>
+        </p:nvSpPr>
+        <p:spPr/>
+        <p:txBody>
+          <a:bodyPr/>
+          <a:lstStyle/>
+          <a:p>
+            <a:r>
+              <a:rPr lang="en-US" dirty="0" err="1"/>
+              <a:t>Nhấn</a:t>
+            </a:r>
+            <a:r>
+              <a:rPr lang="en-US" dirty="0"/>
+              <a:t> F5 </a:t>
+            </a:r>
+            <a:r>
+              <a:rPr lang="en-US" dirty="0" err="1"/>
+              <a:t>để</a:t>
+            </a:r>
+            <a:r>
+              <a:rPr lang="en-US" dirty="0"/>
+              <a:t> </a:t>
+            </a:r>
+            <a:r>
+              <a:rPr lang="en-US" dirty="0" err="1"/>
+              <a:t>chạy</a:t>
+            </a:r>
+            <a:r>
+              <a:rPr lang="en-US" dirty="0"/>
+              <a:t> debug </a:t>
+            </a:r>
+            <a:r>
+              <a:rPr lang="en-US" dirty="0" err="1"/>
+              <a:t>lại</a:t>
+            </a:r>
+            <a:r>
+              <a:rPr lang="en-US" dirty="0"/>
+              <a:t>, debugger </a:t>
+            </a:r>
+            <a:r>
+              <a:rPr lang="en-US" dirty="0" err="1"/>
+              <a:t>sẽ</a:t>
+            </a:r>
+            <a:r>
+              <a:rPr lang="en-US" dirty="0"/>
+              <a:t> </a:t>
+            </a:r>
+            <a:r>
+              <a:rPr lang="en-US" dirty="0" err="1"/>
+              <a:t>dừng</a:t>
+            </a:r>
+            <a:r>
+              <a:rPr lang="en-US" dirty="0"/>
+              <a:t> </a:t>
+            </a:r>
+            <a:r>
+              <a:rPr lang="en-US" dirty="0" err="1"/>
+              <a:t>ch</a:t>
+            </a:r>
+            <a:r>
+              <a:rPr lang="vi-VN" dirty="0"/>
+              <a:t>ư</a:t>
+            </a:r>
+            <a:r>
+              <a:rPr lang="en-US" dirty="0" err="1"/>
+              <a:t>ơng</a:t>
+            </a:r>
+            <a:r>
+              <a:rPr lang="en-US" dirty="0"/>
+              <a:t> </a:t>
+            </a:r>
+            <a:r>
+              <a:rPr lang="en-US" dirty="0" err="1"/>
+              <a:t>trình</a:t>
+            </a:r>
+            <a:r>
+              <a:rPr lang="en-US" dirty="0"/>
+              <a:t> </a:t>
+            </a:r>
+            <a:r>
+              <a:rPr lang="en-US" dirty="0" err="1"/>
+              <a:t>tại</a:t>
+            </a:r>
+            <a:r>
+              <a:rPr lang="en-US" dirty="0"/>
+              <a:t> break point.</a:t>
+            </a:r>
+          </a:p>
+        </p:txBody>
+      </p:sp>
+      <p:pic>
+        <p:nvPicPr>
+          <p:cNvPr id="4" name="Picture 3">
+            <a:extLst>
+              <a:ext uri="{FF2B5EF4-FFF2-40B4-BE49-F238E27FC236}">
+                <a16:creationId xmlns:a16="http://schemas.microsoft.com/office/drawing/2014/main" id="{D2AB2575-E18C-4306-8372-CEC51E2491FD}"/>
+              </a:ext>
+            </a:extLst>
+          </p:cNvPr>
+          <p:cNvPicPr>
+            <a:picLocks noChangeAspect="1"/>
+          </p:cNvPicPr>
+          <p:nvPr/>
+        </p:nvPicPr>
+        <p:blipFill>
+          <a:blip r:embed="rId2"/>
+          <a:stretch>
+            <a:fillRect/>
+          </a:stretch>
+        </p:blipFill>
+        <p:spPr>
+          <a:xfrm>
+            <a:off x="2192694" y="2483183"/>
+            <a:ext cx="8485900" cy="3693780"/>
+          </a:xfrm>
+          <a:prstGeom prst="rect">
+            <a:avLst/>
+          </a:prstGeom>
+        </p:spPr>
+      </p:pic>
+    </p:spTree>
+    <p:extLst>
+      <p:ext uri="{BB962C8B-B14F-4D97-AF65-F5344CB8AC3E}">
+        <p14:creationId xmlns:p14="http://schemas.microsoft.com/office/powerpoint/2010/main" val="4280997397"/>
+      </p:ext>
+    </p:extLst>
+  </p:cSld>
+  <p:clrMapOvr>
+    <a:masterClrMapping/>
+  </p:clrMapOvr>
+</p:sld>
+</file>
+
+<file path=ppt/slides/slide13.xml><?xml version="1.0" encoding="utf-8"?>
+<p:sld xmlns:a="http://schemas.openxmlformats.org/drawingml/2006/main" xmlns:r="http://schemas.openxmlformats.org/officeDocument/2006/relationships" xmlns:p="http://schemas.openxmlformats.org/presentationml/2006/main">
+  <p:cSld>
+    <p:bg>
+      <p:bgPr>
+        <a:solidFill>
+          <a:schemeClr val="bg1"/>
+        </a:solidFill>
+        <a:effectLst/>
+      </p:bgPr>
+    </p:bg>
+    <p:spTree>
+      <p:nvGrpSpPr>
+        <p:cNvPr id="1" name=""/>
+        <p:cNvGrpSpPr/>
+        <p:nvPr/>
+      </p:nvGrpSpPr>
+      <p:grpSpPr>
+        <a:xfrm>
+          <a:off x="0" y="0"/>
+          <a:ext cx="0" cy="0"/>
+          <a:chOff x="0" y="0"/>
+          <a:chExt cx="0" cy="0"/>
+        </a:xfrm>
+      </p:grpSpPr>
+      <p:sp>
+        <p:nvSpPr>
+          <p:cNvPr id="10" name="Rectangle 9">
+            <a:extLst>
+              <a:ext uri="{FF2B5EF4-FFF2-40B4-BE49-F238E27FC236}">
+                <a16:creationId xmlns:a16="http://schemas.microsoft.com/office/drawing/2014/main" id="{51D98CAC-3EFF-4342-BD5A-6C0E8CAB4C1A}"/>
+              </a:ext>
+              <a:ext uri="{C183D7F6-B498-43B3-948B-1728B52AA6E4}">
+                <adec:decorative xmlns:adec="http://schemas.microsoft.com/office/drawing/2017/decorative" val="1"/>
+              </a:ext>
+            </a:extLst>
+          </p:cNvPr>
+          <p:cNvSpPr>
+            <a:spLocks noGrp="1" noRot="1" noChangeAspect="1" noMove="1" noResize="1" noEditPoints="1" noAdjustHandles="1" noChangeArrowheads="1" noChangeShapeType="1" noTextEdit="1"/>
+          </p:cNvSpPr>
+          <p:nvPr>
+            <p:extLst>
+              <p:ext uri="{386F3935-93C4-4BCD-93E2-E3B085C9AB24}">
+                <p16:designElem xmlns:p16="http://schemas.microsoft.com/office/powerpoint/2015/main" val="1"/>
+              </p:ext>
+            </p:extLst>
+          </p:nvPr>
+        </p:nvSpPr>
+        <p:spPr>
+          <a:xfrm flipV="1">
+            <a:off x="838200" y="520700"/>
+            <a:ext cx="10515600" cy="3486150"/>
+          </a:xfrm>
+          <a:prstGeom prst="rect">
+            <a:avLst/>
+          </a:prstGeom>
+          <a:solidFill>
+            <a:schemeClr val="accent1"/>
+          </a:solidFill>
+          <a:ln>
+            <a:noFill/>
+          </a:ln>
+        </p:spPr>
+        <p:style>
+          <a:lnRef idx="2">
+            <a:schemeClr val="accent1">
+              <a:shade val="50000"/>
+            </a:schemeClr>
+          </a:lnRef>
+          <a:fillRef idx="1">
+            <a:schemeClr val="accent1"/>
+          </a:fillRef>
+          <a:effectRef idx="0">
+            <a:schemeClr val="accent1"/>
+          </a:effectRef>
+          <a:fontRef idx="minor">
+            <a:schemeClr val="lt1"/>
+          </a:fontRef>
+        </p:style>
+        <p:txBody>
+          <a:bodyPr rtlCol="0" anchor="ctr"/>
+          <a:lstStyle/>
+          <a:p>
+            <a:pPr algn="ctr"/>
+            <a:endParaRPr lang="en-US"/>
+          </a:p>
+        </p:txBody>
+      </p:sp>
+      <p:sp>
+        <p:nvSpPr>
+          <p:cNvPr id="4" name="Title 3">
+            <a:extLst>
+              <a:ext uri="{FF2B5EF4-FFF2-40B4-BE49-F238E27FC236}">
+                <a16:creationId xmlns:a16="http://schemas.microsoft.com/office/drawing/2014/main" id="{A8CD6B1F-D1CF-49A8-824D-7BD94D38F909}"/>
+              </a:ext>
+            </a:extLst>
+          </p:cNvPr>
+          <p:cNvSpPr>
+            <a:spLocks noGrp="1"/>
+          </p:cNvSpPr>
+          <p:nvPr>
+            <p:ph type="ctrTitle"/>
+          </p:nvPr>
+        </p:nvSpPr>
+        <p:spPr>
+          <a:xfrm>
+            <a:off x="1330325" y="958852"/>
+            <a:ext cx="9531350" cy="2514597"/>
+          </a:xfrm>
+        </p:spPr>
+        <p:txBody>
+          <a:bodyPr anchor="b">
+            <a:normAutofit/>
+          </a:bodyPr>
+          <a:lstStyle/>
+          <a:p>
+            <a:r>
+              <a:rPr lang="vi-VN" sz="8000" dirty="0">
+                <a:solidFill>
+                  <a:srgbClr val="FFFFFF"/>
+                </a:solidFill>
+              </a:rPr>
+              <a:t>Biến và toán tử</a:t>
+            </a:r>
+            <a:endParaRPr lang="en-US" sz="8000" dirty="0">
+              <a:solidFill>
+                <a:srgbClr val="FFFFFF"/>
+              </a:solidFill>
+            </a:endParaRPr>
+          </a:p>
+        </p:txBody>
+      </p:sp>
+      <p:sp>
+        <p:nvSpPr>
+          <p:cNvPr id="5" name="Subtitle 4">
+            <a:extLst>
+              <a:ext uri="{FF2B5EF4-FFF2-40B4-BE49-F238E27FC236}">
+                <a16:creationId xmlns:a16="http://schemas.microsoft.com/office/drawing/2014/main" id="{DC0684E4-8348-40C4-812F-8F8725AC41ED}"/>
+              </a:ext>
+            </a:extLst>
+          </p:cNvPr>
+          <p:cNvSpPr>
+            <a:spLocks noGrp="1"/>
+          </p:cNvSpPr>
+          <p:nvPr>
+            <p:ph type="subTitle" idx="1"/>
+          </p:nvPr>
+        </p:nvSpPr>
+        <p:spPr>
+          <a:xfrm>
+            <a:off x="1330324" y="4305300"/>
+            <a:ext cx="9585326" cy="1454150"/>
+          </a:xfrm>
+        </p:spPr>
+        <p:txBody>
+          <a:bodyPr>
+            <a:normAutofit/>
+          </a:bodyPr>
+          <a:lstStyle/>
+          <a:p>
+            <a:endParaRPr lang="en-US" sz="3200"/>
+          </a:p>
+        </p:txBody>
+      </p:sp>
+    </p:spTree>
+    <p:extLst>
+      <p:ext uri="{BB962C8B-B14F-4D97-AF65-F5344CB8AC3E}">
+        <p14:creationId xmlns:p14="http://schemas.microsoft.com/office/powerpoint/2010/main" val="4016281751"/>
+      </p:ext>
+    </p:extLst>
+  </p:cSld>
+  <p:clrMapOvr>
+    <a:masterClrMapping/>
+  </p:clrMapOvr>
+</p:sld>
+</file>
+
+<file path=ppt/slides/slide14.xml><?xml version="1.0" encoding="utf-8"?>
+<p:sld xmlns:a="http://schemas.openxmlformats.org/drawingml/2006/main" xmlns:r="http://schemas.openxmlformats.org/officeDocument/2006/relationships" xmlns:p="http://schemas.openxmlformats.org/presentationml/2006/main">
+  <p:cSld>
+    <p:bg>
+      <p:bgPr>
+        <a:solidFill>
+          <a:schemeClr val="bg1"/>
+        </a:solidFill>
+        <a:effectLst/>
+      </p:bgPr>
+    </p:bg>
+    <p:spTree>
+      <p:nvGrpSpPr>
+        <p:cNvPr id="1" name=""/>
+        <p:cNvGrpSpPr/>
+        <p:nvPr/>
+      </p:nvGrpSpPr>
+      <p:grpSpPr>
+        <a:xfrm>
+          <a:off x="0" y="0"/>
+          <a:ext cx="0" cy="0"/>
+          <a:chOff x="0" y="0"/>
+          <a:chExt cx="0" cy="0"/>
+        </a:xfrm>
+      </p:grpSpPr>
+      <p:sp useBgFill="1">
+        <p:nvSpPr>
+          <p:cNvPr id="8" name="Rectangle 7">
+            <a:extLst>
+              <a:ext uri="{FF2B5EF4-FFF2-40B4-BE49-F238E27FC236}">
+                <a16:creationId xmlns:a16="http://schemas.microsoft.com/office/drawing/2014/main" id="{CBB2B1F0-0DD6-4744-9A46-7A344FB48E40}"/>
+              </a:ext>
+              <a:ext uri="{C183D7F6-B498-43B3-948B-1728B52AA6E4}">
+                <adec:decorative xmlns:adec="http://schemas.microsoft.com/office/drawing/2017/decorative" val="1"/>
+              </a:ext>
+            </a:extLst>
+          </p:cNvPr>
+          <p:cNvSpPr>
+            <a:spLocks noGrp="1" noRot="1" noChangeAspect="1" noMove="1" noResize="1" noEditPoints="1" noAdjustHandles="1" noChangeArrowheads="1" noChangeShapeType="1" noTextEdit="1"/>
+          </p:cNvSpPr>
+          <p:nvPr>
+            <p:extLst>
+              <p:ext uri="{386F3935-93C4-4BCD-93E2-E3B085C9AB24}">
+                <p16:designElem xmlns:p16="http://schemas.microsoft.com/office/powerpoint/2015/main" val="1"/>
+              </p:ext>
+            </p:extLst>
+          </p:nvPr>
+        </p:nvSpPr>
+        <p:spPr>
+          <a:xfrm>
+            <a:off x="0" y="0"/>
+            <a:ext cx="12192000" cy="6858000"/>
+          </a:xfrm>
+          <a:prstGeom prst="rect">
+            <a:avLst/>
+          </a:prstGeom>
+          <a:ln>
+            <a:noFill/>
+          </a:ln>
+        </p:spPr>
+        <p:style>
+          <a:lnRef idx="2">
+            <a:schemeClr val="accent1">
+              <a:shade val="50000"/>
+            </a:schemeClr>
+          </a:lnRef>
+          <a:fillRef idx="1">
+            <a:schemeClr val="accent1"/>
+          </a:fillRef>
+          <a:effectRef idx="0">
+            <a:schemeClr val="accent1"/>
+          </a:effectRef>
+          <a:fontRef idx="minor">
+            <a:schemeClr val="lt1"/>
+          </a:fontRef>
+        </p:style>
+        <p:txBody>
+          <a:bodyPr rtlCol="0" anchor="ctr"/>
+          <a:lstStyle/>
+          <a:p>
+            <a:pPr algn="ctr"/>
+            <a:endParaRPr lang="en-US"/>
+          </a:p>
+        </p:txBody>
+      </p:sp>
+      <p:sp>
+        <p:nvSpPr>
+          <p:cNvPr id="2" name="Title 1">
+            <a:extLst>
+              <a:ext uri="{FF2B5EF4-FFF2-40B4-BE49-F238E27FC236}">
+                <a16:creationId xmlns:a16="http://schemas.microsoft.com/office/drawing/2014/main" id="{90826624-AA03-400E-AD64-5C56729C4158}"/>
+              </a:ext>
+            </a:extLst>
+          </p:cNvPr>
+          <p:cNvSpPr>
+            <a:spLocks noGrp="1"/>
+          </p:cNvSpPr>
+          <p:nvPr>
+            <p:ph type="title"/>
+          </p:nvPr>
+        </p:nvSpPr>
+        <p:spPr>
+          <a:xfrm>
+            <a:off x="841248" y="426720"/>
+            <a:ext cx="10506456" cy="1919141"/>
+          </a:xfrm>
+        </p:spPr>
+        <p:txBody>
+          <a:bodyPr anchor="b">
+            <a:normAutofit/>
+          </a:bodyPr>
+          <a:lstStyle/>
+          <a:p>
+            <a:r>
+              <a:rPr lang="vi-VN" sz="6000"/>
+              <a:t>Nội dung	</a:t>
+            </a:r>
+            <a:endParaRPr lang="en-US" sz="6000"/>
+          </a:p>
+        </p:txBody>
+      </p:sp>
+      <p:sp>
+        <p:nvSpPr>
+          <p:cNvPr id="10" name="Rectangle 9">
+            <a:extLst>
+              <a:ext uri="{FF2B5EF4-FFF2-40B4-BE49-F238E27FC236}">
+                <a16:creationId xmlns:a16="http://schemas.microsoft.com/office/drawing/2014/main" id="{52D502E5-F6B4-4D58-B4AE-FC466FF15EE8}"/>
+              </a:ext>
+              <a:ext uri="{C183D7F6-B498-43B3-948B-1728B52AA6E4}">
+                <adec:decorative xmlns:adec="http://schemas.microsoft.com/office/drawing/2017/decorative" val="1"/>
+              </a:ext>
+            </a:extLst>
+          </p:cNvPr>
+          <p:cNvSpPr>
+            <a:spLocks noGrp="1" noRot="1" noChangeAspect="1" noMove="1" noResize="1" noEditPoints="1" noAdjustHandles="1" noChangeArrowheads="1" noChangeShapeType="1" noTextEdit="1"/>
+          </p:cNvSpPr>
+          <p:nvPr>
+            <p:extLst>
+              <p:ext uri="{386F3935-93C4-4BCD-93E2-E3B085C9AB24}">
+                <p16:designElem xmlns:p16="http://schemas.microsoft.com/office/powerpoint/2015/main" val="1"/>
+              </p:ext>
+            </p:extLst>
+          </p:nvPr>
+        </p:nvSpPr>
+        <p:spPr>
+          <a:xfrm>
+            <a:off x="865953" y="2899927"/>
+            <a:ext cx="10451592" cy="18288"/>
+          </a:xfrm>
+          <a:prstGeom prst="rect">
+            <a:avLst/>
+          </a:prstGeom>
+          <a:solidFill>
+            <a:srgbClr val="D5D5D5"/>
+          </a:solidFill>
+          <a:ln w="3175">
+            <a:noFill/>
+          </a:ln>
+          <a:effectLst/>
+        </p:spPr>
+        <p:style>
+          <a:lnRef idx="2">
+            <a:schemeClr val="accent1">
+              <a:shade val="50000"/>
+            </a:schemeClr>
+          </a:lnRef>
+          <a:fillRef idx="1">
+            <a:schemeClr val="accent1"/>
+          </a:fillRef>
+          <a:effectRef idx="0">
+            <a:schemeClr val="accent1"/>
+          </a:effectRef>
+          <a:fontRef idx="minor">
+            <a:schemeClr val="lt1"/>
+          </a:fontRef>
+        </p:style>
+        <p:txBody>
+          <a:bodyPr rtlCol="0" anchor="ctr"/>
+          <a:lstStyle/>
+          <a:p>
+            <a:pPr algn="ctr"/>
+            <a:endParaRPr lang="en-US">
+              <a:solidFill>
+                <a:prstClr val="white"/>
+              </a:solidFill>
+              <a:latin typeface="Calibri" panose="020F0502020204030204"/>
+            </a:endParaRPr>
+          </a:p>
+        </p:txBody>
+      </p:sp>
+      <p:sp>
+        <p:nvSpPr>
+          <p:cNvPr id="12" name="Rectangle 11">
+            <a:extLst>
+              <a:ext uri="{FF2B5EF4-FFF2-40B4-BE49-F238E27FC236}">
+                <a16:creationId xmlns:a16="http://schemas.microsoft.com/office/drawing/2014/main" id="{9DECDBF4-02B6-4BB4-B65B-B8107AD6A9E8}"/>
+              </a:ext>
+              <a:ext uri="{C183D7F6-B498-43B3-948B-1728B52AA6E4}">
+                <adec:decorative xmlns:adec="http://schemas.microsoft.com/office/drawing/2017/decorative" val="1"/>
+              </a:ext>
+            </a:extLst>
+          </p:cNvPr>
+          <p:cNvSpPr>
+            <a:spLocks noGrp="1" noRot="1" noChangeAspect="1" noMove="1" noResize="1" noEditPoints="1" noAdjustHandles="1" noChangeArrowheads="1" noChangeShapeType="1" noTextEdit="1"/>
+          </p:cNvSpPr>
+          <p:nvPr>
+            <p:extLst>
+              <p:ext uri="{386F3935-93C4-4BCD-93E2-E3B085C9AB24}">
+                <p16:designElem xmlns:p16="http://schemas.microsoft.com/office/powerpoint/2015/main" val="1"/>
+              </p:ext>
+            </p:extLst>
+          </p:nvPr>
+        </p:nvSpPr>
+        <p:spPr>
+          <a:xfrm flipV="1">
+            <a:off x="841248" y="2776031"/>
+            <a:ext cx="1873457" cy="137160"/>
+          </a:xfrm>
+          <a:prstGeom prst="rect">
+            <a:avLst/>
+          </a:prstGeom>
+          <a:solidFill>
+            <a:schemeClr val="accent2"/>
+          </a:solidFill>
+          <a:ln>
+            <a:noFill/>
+          </a:ln>
+        </p:spPr>
+        <p:style>
+          <a:lnRef idx="2">
+            <a:schemeClr val="accent1">
+              <a:shade val="50000"/>
+            </a:schemeClr>
+          </a:lnRef>
+          <a:fillRef idx="1">
+            <a:schemeClr val="accent1"/>
+          </a:fillRef>
+          <a:effectRef idx="0">
+            <a:schemeClr val="accent1"/>
+          </a:effectRef>
+          <a:fontRef idx="minor">
+            <a:schemeClr val="lt1"/>
+          </a:fontRef>
+        </p:style>
+        <p:txBody>
+          <a:bodyPr rtlCol="0" anchor="ctr"/>
+          <a:lstStyle/>
+          <a:p>
+            <a:pPr algn="ctr"/>
+            <a:endParaRPr lang="en-US">
+              <a:solidFill>
+                <a:prstClr val="white"/>
+              </a:solidFill>
+              <a:latin typeface="Calibri" panose="020F0502020204030204"/>
+            </a:endParaRPr>
+          </a:p>
+        </p:txBody>
+      </p:sp>
+      <p:sp>
+        <p:nvSpPr>
+          <p:cNvPr id="3" name="Content Placeholder 2">
+            <a:extLst>
+              <a:ext uri="{FF2B5EF4-FFF2-40B4-BE49-F238E27FC236}">
+                <a16:creationId xmlns:a16="http://schemas.microsoft.com/office/drawing/2014/main" id="{8C8CED69-78EC-480C-8032-D159A2B82DDB}"/>
+              </a:ext>
+            </a:extLst>
+          </p:cNvPr>
+          <p:cNvSpPr>
+            <a:spLocks noGrp="1"/>
+          </p:cNvSpPr>
+          <p:nvPr>
+            <p:ph idx="1"/>
+          </p:nvPr>
+        </p:nvSpPr>
+        <p:spPr>
+          <a:xfrm>
+            <a:off x="841248" y="3337269"/>
+            <a:ext cx="10509504" cy="2905686"/>
+          </a:xfrm>
+        </p:spPr>
+        <p:txBody>
+          <a:bodyPr>
+            <a:normAutofit/>
+          </a:bodyPr>
+          <a:lstStyle/>
+          <a:p>
+            <a:r>
+              <a:rPr lang="vi-VN" sz="2200"/>
+              <a:t>Biến là gì?</a:t>
+            </a:r>
+          </a:p>
+          <a:p>
+            <a:r>
+              <a:rPr lang="vi-VN" sz="2200"/>
+              <a:t>Đặt tên biến</a:t>
+            </a:r>
+          </a:p>
+          <a:p>
+            <a:r>
+              <a:rPr lang="vi-VN" sz="2200"/>
+              <a:t>Gán giá trị</a:t>
+            </a:r>
+          </a:p>
+          <a:p>
+            <a:r>
+              <a:rPr lang="vi-VN" sz="2200"/>
+              <a:t>Toán tử cơ bản</a:t>
+            </a:r>
+            <a:endParaRPr lang="en-US" sz="2200"/>
+          </a:p>
+        </p:txBody>
+      </p:sp>
+    </p:spTree>
+    <p:extLst>
+      <p:ext uri="{BB962C8B-B14F-4D97-AF65-F5344CB8AC3E}">
+        <p14:creationId xmlns:p14="http://schemas.microsoft.com/office/powerpoint/2010/main" val="2180652061"/>
+      </p:ext>
+    </p:extLst>
+  </p:cSld>
+  <p:clrMapOvr>
+    <a:masterClrMapping/>
+  </p:clrMapOvr>
+</p:sld>
+</file>
+
+<file path=ppt/slides/slide15.xml><?xml version="1.0" encoding="utf-8"?>
+<p:sld xmlns:a="http://schemas.openxmlformats.org/drawingml/2006/main" xmlns:r="http://schemas.openxmlformats.org/officeDocument/2006/relationships" xmlns:p="http://schemas.openxmlformats.org/presentationml/2006/main">
+  <p:cSld>
+    <p:spTree>
+      <p:nvGrpSpPr>
+        <p:cNvPr id="1" name=""/>
+        <p:cNvGrpSpPr/>
+        <p:nvPr/>
+      </p:nvGrpSpPr>
+      <p:grpSpPr>
+        <a:xfrm>
+          <a:off x="0" y="0"/>
+          <a:ext cx="0" cy="0"/>
+          <a:chOff x="0" y="0"/>
+          <a:chExt cx="0" cy="0"/>
+        </a:xfrm>
+      </p:grpSpPr>
+      <p:sp>
+        <p:nvSpPr>
+          <p:cNvPr id="2" name="Title 1">
+            <a:extLst>
+              <a:ext uri="{FF2B5EF4-FFF2-40B4-BE49-F238E27FC236}">
+                <a16:creationId xmlns:a16="http://schemas.microsoft.com/office/drawing/2014/main" id="{1551FD69-201B-472F-BA14-4A27411DB917}"/>
+              </a:ext>
+            </a:extLst>
+          </p:cNvPr>
+          <p:cNvSpPr>
+            <a:spLocks noGrp="1"/>
+          </p:cNvSpPr>
+          <p:nvPr>
+            <p:ph type="title"/>
+          </p:nvPr>
+        </p:nvSpPr>
+        <p:spPr/>
+        <p:txBody>
+          <a:bodyPr/>
+          <a:lstStyle/>
+          <a:p>
+            <a:r>
+              <a:rPr lang="vi-VN" dirty="0"/>
+              <a:t>Biến là gì	</a:t>
+            </a:r>
+            <a:endParaRPr lang="en-US" dirty="0"/>
+          </a:p>
+        </p:txBody>
+      </p:sp>
+      <p:sp>
+        <p:nvSpPr>
+          <p:cNvPr id="3" name="Content Placeholder 2">
+            <a:extLst>
+              <a:ext uri="{FF2B5EF4-FFF2-40B4-BE49-F238E27FC236}">
+                <a16:creationId xmlns:a16="http://schemas.microsoft.com/office/drawing/2014/main" id="{52E42E0B-F64D-4E66-83B3-230F3BCA8FAC}"/>
+              </a:ext>
+            </a:extLst>
+          </p:cNvPr>
+          <p:cNvSpPr>
+            <a:spLocks noGrp="1"/>
+          </p:cNvSpPr>
+          <p:nvPr>
+            <p:ph idx="1"/>
+          </p:nvPr>
+        </p:nvSpPr>
+        <p:spPr/>
+        <p:txBody>
+          <a:bodyPr/>
+          <a:lstStyle/>
+          <a:p>
+            <a:r>
+              <a:rPr lang="vi-VN" dirty="0"/>
+              <a:t>Dùng để lưu trữ và thay đổi giá trị dữ liệu trong chương trình</a:t>
+            </a:r>
+          </a:p>
+          <a:p>
+            <a:r>
+              <a:rPr lang="vi-VN" dirty="0"/>
+              <a:t>Chương trình phải allocate 1 vùng memory cho biến</a:t>
+            </a:r>
+          </a:p>
+          <a:p>
+            <a:pPr marL="0" indent="0">
+              <a:buNone/>
+            </a:pPr>
+            <a:r>
+              <a:rPr lang="vi-VN" dirty="0"/>
+              <a:t>Vd:	userAge=30</a:t>
+            </a:r>
+          </a:p>
+          <a:p>
+            <a:pPr marL="0" indent="0">
+              <a:buNone/>
+            </a:pPr>
+            <a:r>
+              <a:rPr lang="vi-VN" dirty="0"/>
+              <a:t>	userName=“abc”</a:t>
+            </a:r>
+          </a:p>
+          <a:p>
+            <a:pPr marL="0" indent="0">
+              <a:buNone/>
+            </a:pPr>
+            <a:endParaRPr lang="vi-VN" dirty="0"/>
+          </a:p>
+          <a:p>
+            <a:endParaRPr lang="en-US" dirty="0"/>
+          </a:p>
+        </p:txBody>
+      </p:sp>
+    </p:spTree>
+    <p:extLst>
+      <p:ext uri="{BB962C8B-B14F-4D97-AF65-F5344CB8AC3E}">
+        <p14:creationId xmlns:p14="http://schemas.microsoft.com/office/powerpoint/2010/main" val="3338714052"/>
+      </p:ext>
+    </p:extLst>
+  </p:cSld>
+  <p:clrMapOvr>
+    <a:masterClrMapping/>
+  </p:clrMapOvr>
+</p:sld>
+</file>
+
+<file path=ppt/slides/slide16.xml><?xml version="1.0" encoding="utf-8"?>
+<p:sld xmlns:a="http://schemas.openxmlformats.org/drawingml/2006/main" xmlns:r="http://schemas.openxmlformats.org/officeDocument/2006/relationships" xmlns:p="http://schemas.openxmlformats.org/presentationml/2006/main">
+  <p:cSld>
+    <p:spTree>
+      <p:nvGrpSpPr>
+        <p:cNvPr id="1" name=""/>
+        <p:cNvGrpSpPr/>
+        <p:nvPr/>
+      </p:nvGrpSpPr>
+      <p:grpSpPr>
+        <a:xfrm>
+          <a:off x="0" y="0"/>
+          <a:ext cx="0" cy="0"/>
+          <a:chOff x="0" y="0"/>
+          <a:chExt cx="0" cy="0"/>
+        </a:xfrm>
+      </p:grpSpPr>
+      <p:sp>
+        <p:nvSpPr>
+          <p:cNvPr id="2" name="Title 1">
+            <a:extLst>
+              <a:ext uri="{FF2B5EF4-FFF2-40B4-BE49-F238E27FC236}">
+                <a16:creationId xmlns:a16="http://schemas.microsoft.com/office/drawing/2014/main" id="{948BD5F7-7F2A-41AE-BE44-68B8DAB4BB52}"/>
+              </a:ext>
+            </a:extLst>
+          </p:cNvPr>
+          <p:cNvSpPr>
+            <a:spLocks noGrp="1"/>
+          </p:cNvSpPr>
+          <p:nvPr>
+            <p:ph type="title"/>
+          </p:nvPr>
+        </p:nvSpPr>
+        <p:spPr/>
+        <p:txBody>
+          <a:bodyPr/>
+          <a:lstStyle/>
+          <a:p>
+            <a:r>
+              <a:rPr lang="vi-VN" dirty="0"/>
+              <a:t>Đặt tên biến</a:t>
+            </a:r>
+            <a:endParaRPr lang="en-US" dirty="0"/>
+          </a:p>
+        </p:txBody>
+      </p:sp>
+      <p:sp>
+        <p:nvSpPr>
+          <p:cNvPr id="3" name="Content Placeholder 2">
+            <a:extLst>
+              <a:ext uri="{FF2B5EF4-FFF2-40B4-BE49-F238E27FC236}">
+                <a16:creationId xmlns:a16="http://schemas.microsoft.com/office/drawing/2014/main" id="{9F188C3D-6C79-49B6-A811-3C7BF17B7B9B}"/>
+              </a:ext>
+            </a:extLst>
+          </p:cNvPr>
+          <p:cNvSpPr>
+            <a:spLocks noGrp="1"/>
+          </p:cNvSpPr>
+          <p:nvPr>
+            <p:ph idx="1"/>
+          </p:nvPr>
+        </p:nvSpPr>
+        <p:spPr/>
+        <p:txBody>
+          <a:bodyPr/>
+          <a:lstStyle/>
+          <a:p>
+            <a:r>
+              <a:rPr lang="vi-VN" dirty="0"/>
+              <a:t>Có thể chứa các ký tự (a-z,A-Z), dấu gạch dưới “-”.</a:t>
+            </a:r>
+          </a:p>
+          <a:p>
+            <a:r>
+              <a:rPr lang="vi-VN" dirty="0"/>
+              <a:t>Không được bắt đầu bằng số</a:t>
+            </a:r>
+          </a:p>
+          <a:p>
+            <a:r>
+              <a:rPr lang="vi-VN" dirty="0"/>
+              <a:t>Một số ngoại lệ, không cần quan tâm nhiều lắm, editor sẽ lo.</a:t>
+            </a:r>
+          </a:p>
+          <a:p>
+            <a:pPr marL="0" indent="0">
+              <a:buNone/>
+            </a:pPr>
+            <a:r>
+              <a:rPr lang="vi-VN" dirty="0"/>
+              <a:t>VD: 	userName: OK </a:t>
+            </a:r>
+          </a:p>
+          <a:p>
+            <a:pPr marL="0" indent="0">
+              <a:buNone/>
+            </a:pPr>
+            <a:r>
+              <a:rPr lang="vi-VN" dirty="0"/>
+              <a:t>	user_name: OK</a:t>
+            </a:r>
+          </a:p>
+          <a:p>
+            <a:pPr marL="0" indent="0">
+              <a:buNone/>
+            </a:pPr>
+            <a:r>
+              <a:rPr lang="vi-VN" dirty="0"/>
+              <a:t>	2userName: NOT</a:t>
+            </a:r>
+            <a:endParaRPr lang="en-US" dirty="0"/>
+          </a:p>
+        </p:txBody>
+      </p:sp>
+    </p:spTree>
+    <p:extLst>
+      <p:ext uri="{BB962C8B-B14F-4D97-AF65-F5344CB8AC3E}">
+        <p14:creationId xmlns:p14="http://schemas.microsoft.com/office/powerpoint/2010/main" val="1136639353"/>
+      </p:ext>
+    </p:extLst>
+  </p:cSld>
+  <p:clrMapOvr>
+    <a:masterClrMapping/>
+  </p:clrMapOvr>
+</p:sld>
+</file>
+
+<file path=ppt/slides/slide17.xml><?xml version="1.0" encoding="utf-8"?>
+<p:sld xmlns:a="http://schemas.openxmlformats.org/drawingml/2006/main" xmlns:r="http://schemas.openxmlformats.org/officeDocument/2006/relationships" xmlns:p="http://schemas.openxmlformats.org/presentationml/2006/main">
+  <p:cSld>
+    <p:spTree>
+      <p:nvGrpSpPr>
+        <p:cNvPr id="1" name=""/>
+        <p:cNvGrpSpPr/>
+        <p:nvPr/>
+      </p:nvGrpSpPr>
+      <p:grpSpPr>
+        <a:xfrm>
+          <a:off x="0" y="0"/>
+          <a:ext cx="0" cy="0"/>
+          <a:chOff x="0" y="0"/>
+          <a:chExt cx="0" cy="0"/>
+        </a:xfrm>
+      </p:grpSpPr>
+      <p:sp>
+        <p:nvSpPr>
+          <p:cNvPr id="2" name="Title 1">
+            <a:extLst>
+              <a:ext uri="{FF2B5EF4-FFF2-40B4-BE49-F238E27FC236}">
+                <a16:creationId xmlns:a16="http://schemas.microsoft.com/office/drawing/2014/main" id="{05C05A39-53CE-493B-8172-D34E3458755D}"/>
+              </a:ext>
+            </a:extLst>
+          </p:cNvPr>
+          <p:cNvSpPr>
+            <a:spLocks noGrp="1"/>
+          </p:cNvSpPr>
+          <p:nvPr>
+            <p:ph type="title"/>
+          </p:nvPr>
+        </p:nvSpPr>
+        <p:spPr/>
+        <p:txBody>
+          <a:bodyPr/>
+          <a:lstStyle/>
+          <a:p>
+            <a:r>
+              <a:rPr lang="vi-VN" dirty="0"/>
+              <a:t>Gán giá trị	</a:t>
+            </a:r>
+            <a:endParaRPr lang="en-US" dirty="0"/>
+          </a:p>
+        </p:txBody>
+      </p:sp>
+      <p:sp>
+        <p:nvSpPr>
+          <p:cNvPr id="3" name="Content Placeholder 2">
+            <a:extLst>
+              <a:ext uri="{FF2B5EF4-FFF2-40B4-BE49-F238E27FC236}">
+                <a16:creationId xmlns:a16="http://schemas.microsoft.com/office/drawing/2014/main" id="{C34CF81D-BB59-4B68-B0BE-71AEE373C50F}"/>
+              </a:ext>
+            </a:extLst>
+          </p:cNvPr>
+          <p:cNvSpPr>
+            <a:spLocks noGrp="1"/>
+          </p:cNvSpPr>
+          <p:nvPr>
+            <p:ph idx="1"/>
+          </p:nvPr>
+        </p:nvSpPr>
+        <p:spPr/>
+        <p:txBody>
+          <a:bodyPr/>
+          <a:lstStyle/>
+          <a:p>
+            <a:r>
+              <a:rPr lang="vi-VN" dirty="0"/>
+              <a:t>userName=“ABC”</a:t>
+            </a:r>
+          </a:p>
+          <a:p>
+            <a:r>
+              <a:rPr lang="vi-VN" dirty="0"/>
+              <a:t>userName=“abc”</a:t>
+            </a:r>
+          </a:p>
+          <a:p>
+            <a:r>
+              <a:rPr lang="vi-VN" dirty="0"/>
+              <a:t>newUserName = userName</a:t>
+            </a:r>
+          </a:p>
+        </p:txBody>
+      </p:sp>
+    </p:spTree>
+    <p:extLst>
+      <p:ext uri="{BB962C8B-B14F-4D97-AF65-F5344CB8AC3E}">
+        <p14:creationId xmlns:p14="http://schemas.microsoft.com/office/powerpoint/2010/main" val="125980902"/>
+      </p:ext>
+    </p:extLst>
+  </p:cSld>
+  <p:clrMapOvr>
+    <a:masterClrMapping/>
+  </p:clrMapOvr>
+</p:sld>
+</file>
+
+<file path=ppt/slides/slide18.xml><?xml version="1.0" encoding="utf-8"?>
+<p:sld xmlns:a="http://schemas.openxmlformats.org/drawingml/2006/main" xmlns:r="http://schemas.openxmlformats.org/officeDocument/2006/relationships" xmlns:p="http://schemas.openxmlformats.org/presentationml/2006/main">
+  <p:cSld>
+    <p:spTree>
+      <p:nvGrpSpPr>
+        <p:cNvPr id="1" name=""/>
+        <p:cNvGrpSpPr/>
+        <p:nvPr/>
+      </p:nvGrpSpPr>
+      <p:grpSpPr>
+        <a:xfrm>
+          <a:off x="0" y="0"/>
+          <a:ext cx="0" cy="0"/>
+          <a:chOff x="0" y="0"/>
+          <a:chExt cx="0" cy="0"/>
+        </a:xfrm>
+      </p:grpSpPr>
+      <p:sp>
+        <p:nvSpPr>
+          <p:cNvPr id="2" name="Title 1">
+            <a:extLst>
+              <a:ext uri="{FF2B5EF4-FFF2-40B4-BE49-F238E27FC236}">
+                <a16:creationId xmlns:a16="http://schemas.microsoft.com/office/drawing/2014/main" id="{6A80820E-E369-4D63-BD1D-08B1A2CE19C1}"/>
+              </a:ext>
+            </a:extLst>
+          </p:cNvPr>
+          <p:cNvSpPr>
+            <a:spLocks noGrp="1"/>
+          </p:cNvSpPr>
+          <p:nvPr>
+            <p:ph type="title"/>
+          </p:nvPr>
+        </p:nvSpPr>
+        <p:spPr/>
+        <p:txBody>
+          <a:bodyPr/>
+          <a:lstStyle/>
+          <a:p>
+            <a:r>
+              <a:rPr lang="vi-VN" dirty="0"/>
+              <a:t>Toán tử cơ bản</a:t>
+            </a:r>
+            <a:endParaRPr lang="en-US" dirty="0"/>
+          </a:p>
+        </p:txBody>
+      </p:sp>
+      <p:sp>
+        <p:nvSpPr>
+          <p:cNvPr id="3" name="Content Placeholder 2">
+            <a:extLst>
+              <a:ext uri="{FF2B5EF4-FFF2-40B4-BE49-F238E27FC236}">
+                <a16:creationId xmlns:a16="http://schemas.microsoft.com/office/drawing/2014/main" id="{6A4E255D-ACC0-4A62-8901-0089921AA861}"/>
+              </a:ext>
+            </a:extLst>
+          </p:cNvPr>
+          <p:cNvSpPr>
+            <a:spLocks noGrp="1"/>
+          </p:cNvSpPr>
+          <p:nvPr>
+            <p:ph idx="1"/>
+          </p:nvPr>
+        </p:nvSpPr>
+        <p:spPr/>
+        <p:txBody>
+          <a:bodyPr numCol="2">
+            <a:normAutofit lnSpcReduction="10000"/>
+          </a:bodyPr>
+          <a:lstStyle/>
+          <a:p>
+            <a:r>
+              <a:rPr lang="vi-VN" dirty="0"/>
+              <a:t>Ngoài việc gán giá trị cho biến có thể sử dụng một số phép toán khác</a:t>
+            </a:r>
+          </a:p>
+          <a:p>
+            <a:pPr marL="0" indent="0">
+              <a:buNone/>
+            </a:pPr>
+            <a:r>
+              <a:rPr lang="vi-VN" dirty="0"/>
+              <a:t>VD:</a:t>
+            </a:r>
+          </a:p>
+          <a:p>
+            <a:pPr marL="0" indent="0">
+              <a:buNone/>
+            </a:pPr>
+            <a:r>
+              <a:rPr lang="vi-VN" dirty="0"/>
+              <a:t>	x=3, y =2</a:t>
+            </a:r>
+          </a:p>
+          <a:p>
+            <a:pPr marL="0" indent="0">
+              <a:buNone/>
+            </a:pPr>
+            <a:r>
+              <a:rPr lang="vi-VN" dirty="0"/>
+              <a:t>	x+y=5</a:t>
+            </a:r>
+          </a:p>
+          <a:p>
+            <a:pPr marL="0" indent="0">
+              <a:buNone/>
+            </a:pPr>
+            <a:r>
+              <a:rPr lang="vi-VN" dirty="0"/>
+              <a:t>	x-y=1</a:t>
+            </a:r>
+          </a:p>
+          <a:p>
+            <a:pPr marL="0" indent="0">
+              <a:buNone/>
+            </a:pPr>
+            <a:r>
+              <a:rPr lang="vi-VN" dirty="0"/>
+              <a:t>	x*y=6</a:t>
+            </a:r>
+          </a:p>
+          <a:p>
+            <a:pPr marL="0" indent="0">
+              <a:buNone/>
+            </a:pPr>
+            <a:r>
+              <a:rPr lang="vi-VN" dirty="0"/>
+              <a:t>	x/y=1.5</a:t>
+            </a:r>
+          </a:p>
+          <a:p>
+            <a:pPr marL="0" indent="0">
+              <a:buNone/>
+            </a:pPr>
+            <a:r>
+              <a:rPr lang="vi-VN" dirty="0"/>
+              <a:t>	</a:t>
+            </a:r>
+          </a:p>
+          <a:p>
+            <a:pPr marL="0" indent="0">
+              <a:buNone/>
+            </a:pPr>
+            <a:endParaRPr lang="vi-VN" dirty="0"/>
+          </a:p>
+          <a:p>
+            <a:pPr marL="0" indent="0">
+              <a:buNone/>
+            </a:pPr>
+            <a:endParaRPr lang="vi-VN" dirty="0"/>
+          </a:p>
+          <a:p>
+            <a:pPr marL="0" indent="0">
+              <a:buNone/>
+            </a:pPr>
+            <a:r>
+              <a:rPr lang="vi-VN" dirty="0"/>
+              <a:t>	</a:t>
+            </a:r>
+          </a:p>
+          <a:p>
+            <a:pPr marL="0" indent="0">
+              <a:buNone/>
+            </a:pPr>
+            <a:r>
+              <a:rPr lang="vi-VN" dirty="0"/>
+              <a:t>	x//y=1</a:t>
+            </a:r>
+          </a:p>
+          <a:p>
+            <a:pPr marL="0" indent="0">
+              <a:buNone/>
+            </a:pPr>
+            <a:r>
+              <a:rPr lang="vi-VN" dirty="0"/>
+              <a:t>	x%y=1</a:t>
+            </a:r>
+            <a:br>
+              <a:rPr lang="vi-VN" dirty="0"/>
+            </a:br>
+            <a:r>
+              <a:rPr lang="vi-VN" dirty="0"/>
+              <a:t>	x**y=9</a:t>
+            </a:r>
+          </a:p>
+          <a:p>
+            <a:pPr marL="0" indent="0">
+              <a:buNone/>
+            </a:pPr>
+            <a:r>
+              <a:rPr lang="vi-VN" dirty="0"/>
+              <a:t>	x=x+2</a:t>
+            </a:r>
+          </a:p>
+          <a:p>
+            <a:pPr marL="0" indent="0">
+              <a:buNone/>
+            </a:pPr>
+            <a:r>
+              <a:rPr lang="vi-VN" dirty="0"/>
+              <a:t>	x+=2</a:t>
+            </a:r>
+            <a:endParaRPr lang="en-US" dirty="0"/>
+          </a:p>
+        </p:txBody>
+      </p:sp>
+    </p:spTree>
+    <p:extLst>
+      <p:ext uri="{BB962C8B-B14F-4D97-AF65-F5344CB8AC3E}">
+        <p14:creationId xmlns:p14="http://schemas.microsoft.com/office/powerpoint/2010/main" val="1434499665"/>
+      </p:ext>
+    </p:extLst>
+  </p:cSld>
+  <p:clrMapOvr>
+    <a:masterClrMapping/>
+  </p:clrMapOvr>
+</p:sld>
+</file>
+
+<file path=ppt/slides/slide2.xml><?xml version="1.0" encoding="utf-8"?>
+<p:sld xmlns:a="http://schemas.openxmlformats.org/drawingml/2006/main" xmlns:r="http://schemas.openxmlformats.org/officeDocument/2006/relationships" xmlns:p="http://schemas.openxmlformats.org/presentationml/2006/main">
+  <p:cSld>
+    <p:bg>
+      <p:bgPr>
+        <a:solidFill>
+          <a:schemeClr val="bg1"/>
+        </a:solidFill>
+        <a:effectLst/>
+      </p:bgPr>
+    </p:bg>
+    <p:spTree>
+      <p:nvGrpSpPr>
+        <p:cNvPr id="1" name=""/>
+        <p:cNvGrpSpPr/>
+        <p:nvPr/>
+      </p:nvGrpSpPr>
+      <p:grpSpPr>
+        <a:xfrm>
+          <a:off x="0" y="0"/>
+          <a:ext cx="0" cy="0"/>
+          <a:chOff x="0" y="0"/>
+          <a:chExt cx="0" cy="0"/>
+        </a:xfrm>
+      </p:grpSpPr>
+      <p:sp useBgFill="1">
+        <p:nvSpPr>
+          <p:cNvPr id="8" name="Rectangle 7">
+            <a:extLst>
+              <a:ext uri="{FF2B5EF4-FFF2-40B4-BE49-F238E27FC236}">
+                <a16:creationId xmlns:a16="http://schemas.microsoft.com/office/drawing/2014/main" id="{CBB2B1F0-0DD6-4744-9A46-7A344FB48E40}"/>
+              </a:ext>
+              <a:ext uri="{C183D7F6-B498-43B3-948B-1728B52AA6E4}">
+                <adec:decorative xmlns:adec="http://schemas.microsoft.com/office/drawing/2017/decorative" val="1"/>
+              </a:ext>
+            </a:extLst>
+          </p:cNvPr>
+          <p:cNvSpPr>
+            <a:spLocks noGrp="1" noRot="1" noChangeAspect="1" noMove="1" noResize="1" noEditPoints="1" noAdjustHandles="1" noChangeArrowheads="1" noChangeShapeType="1" noTextEdit="1"/>
+          </p:cNvSpPr>
+          <p:nvPr>
+            <p:extLst>
+              <p:ext uri="{386F3935-93C4-4BCD-93E2-E3B085C9AB24}">
+                <p16:designElem xmlns:p16="http://schemas.microsoft.com/office/powerpoint/2015/main" val="1"/>
+              </p:ext>
+            </p:extLst>
+          </p:nvPr>
+        </p:nvSpPr>
+        <p:spPr>
+          <a:xfrm>
+            <a:off x="0" y="0"/>
+            <a:ext cx="12192000" cy="6858000"/>
+          </a:xfrm>
+          <a:prstGeom prst="rect">
+            <a:avLst/>
+          </a:prstGeom>
+          <a:ln>
+            <a:noFill/>
+          </a:ln>
+        </p:spPr>
+        <p:style>
+          <a:lnRef idx="2">
+            <a:schemeClr val="accent1">
+              <a:shade val="50000"/>
+            </a:schemeClr>
+          </a:lnRef>
+          <a:fillRef idx="1">
+            <a:schemeClr val="accent1"/>
+          </a:fillRef>
+          <a:effectRef idx="0">
+            <a:schemeClr val="accent1"/>
+          </a:effectRef>
+          <a:fontRef idx="minor">
+            <a:schemeClr val="lt1"/>
+          </a:fontRef>
+        </p:style>
+        <p:txBody>
+          <a:bodyPr rtlCol="0" anchor="ctr"/>
+          <a:lstStyle/>
+          <a:p>
+            <a:pPr algn="ctr"/>
+            <a:endParaRPr lang="en-US"/>
+          </a:p>
+        </p:txBody>
+      </p:sp>
+      <p:sp>
+        <p:nvSpPr>
+          <p:cNvPr id="2" name="Title 1">
+            <a:extLst>
+              <a:ext uri="{FF2B5EF4-FFF2-40B4-BE49-F238E27FC236}">
+                <a16:creationId xmlns:a16="http://schemas.microsoft.com/office/drawing/2014/main" id="{E5441F4E-B5BA-4BAA-9D2B-2F4403F131F1}"/>
+              </a:ext>
+            </a:extLst>
+          </p:cNvPr>
+          <p:cNvSpPr>
+            <a:spLocks noGrp="1"/>
+          </p:cNvSpPr>
+          <p:nvPr>
+            <p:ph type="title"/>
+          </p:nvPr>
+        </p:nvSpPr>
+        <p:spPr>
+          <a:xfrm>
+            <a:off x="841248" y="426720"/>
+            <a:ext cx="10506456" cy="1919141"/>
+          </a:xfrm>
+        </p:spPr>
+        <p:txBody>
+          <a:bodyPr anchor="b">
+            <a:normAutofit/>
+          </a:bodyPr>
+          <a:lstStyle/>
+          <a:p>
+            <a:r>
+              <a:rPr lang="vi-VN" sz="6000"/>
+              <a:t>Nội dung	</a:t>
+            </a:r>
+            <a:endParaRPr lang="en-US" sz="6000"/>
+          </a:p>
+        </p:txBody>
+      </p:sp>
+      <p:sp>
+        <p:nvSpPr>
+          <p:cNvPr id="10" name="Rectangle 9">
+            <a:extLst>
+              <a:ext uri="{FF2B5EF4-FFF2-40B4-BE49-F238E27FC236}">
+                <a16:creationId xmlns:a16="http://schemas.microsoft.com/office/drawing/2014/main" id="{52D502E5-F6B4-4D58-B4AE-FC466FF15EE8}"/>
+              </a:ext>
+              <a:ext uri="{C183D7F6-B498-43B3-948B-1728B52AA6E4}">
+                <adec:decorative xmlns:adec="http://schemas.microsoft.com/office/drawing/2017/decorative" val="1"/>
+              </a:ext>
+            </a:extLst>
+          </p:cNvPr>
+          <p:cNvSpPr>
+            <a:spLocks noGrp="1" noRot="1" noChangeAspect="1" noMove="1" noResize="1" noEditPoints="1" noAdjustHandles="1" noChangeArrowheads="1" noChangeShapeType="1" noTextEdit="1"/>
+          </p:cNvSpPr>
+          <p:nvPr>
+            <p:extLst>
+              <p:ext uri="{386F3935-93C4-4BCD-93E2-E3B085C9AB24}">
+                <p16:designElem xmlns:p16="http://schemas.microsoft.com/office/powerpoint/2015/main" val="1"/>
+              </p:ext>
+            </p:extLst>
+          </p:nvPr>
+        </p:nvSpPr>
+        <p:spPr>
+          <a:xfrm>
+            <a:off x="865953" y="2899927"/>
+            <a:ext cx="10451592" cy="18288"/>
+          </a:xfrm>
+          <a:prstGeom prst="rect">
+            <a:avLst/>
+          </a:prstGeom>
+          <a:solidFill>
+            <a:srgbClr val="D5D5D5"/>
+          </a:solidFill>
+          <a:ln w="3175">
+            <a:noFill/>
+          </a:ln>
+          <a:effectLst/>
+        </p:spPr>
+        <p:style>
+          <a:lnRef idx="2">
+            <a:schemeClr val="accent1">
+              <a:shade val="50000"/>
+            </a:schemeClr>
+          </a:lnRef>
+          <a:fillRef idx="1">
+            <a:schemeClr val="accent1"/>
+          </a:fillRef>
+          <a:effectRef idx="0">
+            <a:schemeClr val="accent1"/>
+          </a:effectRef>
+          <a:fontRef idx="minor">
+            <a:schemeClr val="lt1"/>
+          </a:fontRef>
+        </p:style>
+        <p:txBody>
+          <a:bodyPr rtlCol="0" anchor="ctr"/>
+          <a:lstStyle/>
+          <a:p>
+            <a:pPr algn="ctr"/>
+            <a:endParaRPr lang="en-US">
+              <a:solidFill>
+                <a:prstClr val="white"/>
+              </a:solidFill>
+              <a:latin typeface="Calibri" panose="020F0502020204030204"/>
+            </a:endParaRPr>
+          </a:p>
+        </p:txBody>
+      </p:sp>
+      <p:sp>
+        <p:nvSpPr>
+          <p:cNvPr id="12" name="Rectangle 11">
+            <a:extLst>
+              <a:ext uri="{FF2B5EF4-FFF2-40B4-BE49-F238E27FC236}">
+                <a16:creationId xmlns:a16="http://schemas.microsoft.com/office/drawing/2014/main" id="{9DECDBF4-02B6-4BB4-B65B-B8107AD6A9E8}"/>
+              </a:ext>
+              <a:ext uri="{C183D7F6-B498-43B3-948B-1728B52AA6E4}">
+                <adec:decorative xmlns:adec="http://schemas.microsoft.com/office/drawing/2017/decorative" val="1"/>
+              </a:ext>
+            </a:extLst>
+          </p:cNvPr>
+          <p:cNvSpPr>
+            <a:spLocks noGrp="1" noRot="1" noChangeAspect="1" noMove="1" noResize="1" noEditPoints="1" noAdjustHandles="1" noChangeArrowheads="1" noChangeShapeType="1" noTextEdit="1"/>
+          </p:cNvSpPr>
+          <p:nvPr>
+            <p:extLst>
+              <p:ext uri="{386F3935-93C4-4BCD-93E2-E3B085C9AB24}">
+                <p16:designElem xmlns:p16="http://schemas.microsoft.com/office/powerpoint/2015/main" val="1"/>
+              </p:ext>
+            </p:extLst>
+          </p:nvPr>
+        </p:nvSpPr>
+        <p:spPr>
+          <a:xfrm flipV="1">
+            <a:off x="841248" y="2776031"/>
+            <a:ext cx="1873457" cy="137160"/>
+          </a:xfrm>
+          <a:prstGeom prst="rect">
+            <a:avLst/>
+          </a:prstGeom>
+          <a:solidFill>
+            <a:schemeClr val="accent2"/>
+          </a:solidFill>
+          <a:ln>
+            <a:noFill/>
+          </a:ln>
+        </p:spPr>
+        <p:style>
+          <a:lnRef idx="2">
+            <a:schemeClr val="accent1">
+              <a:shade val="50000"/>
+            </a:schemeClr>
+          </a:lnRef>
+          <a:fillRef idx="1">
+            <a:schemeClr val="accent1"/>
+          </a:fillRef>
+          <a:effectRef idx="0">
+            <a:schemeClr val="accent1"/>
+          </a:effectRef>
+          <a:fontRef idx="minor">
+            <a:schemeClr val="lt1"/>
+          </a:fontRef>
+        </p:style>
+        <p:txBody>
+          <a:bodyPr rtlCol="0" anchor="ctr"/>
+          <a:lstStyle/>
+          <a:p>
+            <a:pPr algn="ctr"/>
+            <a:endParaRPr lang="en-US">
+              <a:solidFill>
+                <a:prstClr val="white"/>
+              </a:solidFill>
+              <a:latin typeface="Calibri" panose="020F0502020204030204"/>
+            </a:endParaRPr>
+          </a:p>
+        </p:txBody>
+      </p:sp>
+      <p:sp>
+        <p:nvSpPr>
+          <p:cNvPr id="3" name="Content Placeholder 2">
+            <a:extLst>
+              <a:ext uri="{FF2B5EF4-FFF2-40B4-BE49-F238E27FC236}">
+                <a16:creationId xmlns:a16="http://schemas.microsoft.com/office/drawing/2014/main" id="{2FB9B0E6-11B1-4E4D-8F09-E341A1C4DEC3}"/>
+              </a:ext>
+            </a:extLst>
+          </p:cNvPr>
+          <p:cNvSpPr>
+            <a:spLocks noGrp="1"/>
+          </p:cNvSpPr>
+          <p:nvPr>
+            <p:ph idx="1"/>
+          </p:nvPr>
+        </p:nvSpPr>
+        <p:spPr>
+          <a:xfrm>
+            <a:off x="841248" y="3337269"/>
+            <a:ext cx="10509504" cy="2905686"/>
+          </a:xfrm>
+        </p:spPr>
+        <p:txBody>
+          <a:bodyPr>
+            <a:normAutofit/>
+          </a:bodyPr>
+          <a:lstStyle/>
+          <a:p>
+            <a:r>
+              <a:rPr lang="vi-VN" sz="2200"/>
+              <a:t>Cài đặt và làm quen với môi trường phát triển Python</a:t>
+            </a:r>
+            <a:endParaRPr lang="en-US" sz="2200"/>
+          </a:p>
+        </p:txBody>
+      </p:sp>
+    </p:spTree>
+    <p:extLst>
+      <p:ext uri="{BB962C8B-B14F-4D97-AF65-F5344CB8AC3E}">
+        <p14:creationId xmlns:p14="http://schemas.microsoft.com/office/powerpoint/2010/main" val="3476388793"/>
+      </p:ext>
+    </p:extLst>
+  </p:cSld>
+  <p:clrMapOvr>
+    <a:masterClrMapping/>
+  </p:clrMapOvr>
+</p:sld>
+</file>
+
+<file path=ppt/slides/slide3.xml><?xml version="1.0" encoding="utf-8"?>
+<p:sld xmlns:a="http://schemas.openxmlformats.org/drawingml/2006/main" xmlns:r="http://schemas.openxmlformats.org/officeDocument/2006/relationships" xmlns:p="http://schemas.openxmlformats.org/presentationml/2006/main">
+  <p:cSld>
+    <p:bg>
+      <p:bgPr>
+        <a:solidFill>
+          <a:schemeClr val="bg1"/>
+        </a:solidFill>
+        <a:effectLst/>
+      </p:bgPr>
+    </p:bg>
+    <p:spTree>
+      <p:nvGrpSpPr>
+        <p:cNvPr id="1" name=""/>
+        <p:cNvGrpSpPr/>
+        <p:nvPr/>
+      </p:nvGrpSpPr>
+      <p:grpSpPr>
+        <a:xfrm>
+          <a:off x="0" y="0"/>
+          <a:ext cx="0" cy="0"/>
+          <a:chOff x="0" y="0"/>
+          <a:chExt cx="0" cy="0"/>
+        </a:xfrm>
+      </p:grpSpPr>
+      <p:sp>
+        <p:nvSpPr>
+          <p:cNvPr id="9" name="Rectangle 8">
+            <a:extLst>
+              <a:ext uri="{FF2B5EF4-FFF2-40B4-BE49-F238E27FC236}">
+                <a16:creationId xmlns:a16="http://schemas.microsoft.com/office/drawing/2014/main" id="{51D98CAC-3EFF-4342-BD5A-6C0E8CAB4C1A}"/>
+              </a:ext>
+              <a:ext uri="{C183D7F6-B498-43B3-948B-1728B52AA6E4}">
+                <adec:decorative xmlns:adec="http://schemas.microsoft.com/office/drawing/2017/decorative" val="1"/>
+              </a:ext>
+            </a:extLst>
+          </p:cNvPr>
+          <p:cNvSpPr>
+            <a:spLocks noGrp="1" noRot="1" noChangeAspect="1" noMove="1" noResize="1" noEditPoints="1" noAdjustHandles="1" noChangeArrowheads="1" noChangeShapeType="1" noTextEdit="1"/>
+          </p:cNvSpPr>
+          <p:nvPr>
+            <p:extLst>
+              <p:ext uri="{386F3935-93C4-4BCD-93E2-E3B085C9AB24}">
+                <p16:designElem xmlns:p16="http://schemas.microsoft.com/office/powerpoint/2015/main" val="1"/>
+              </p:ext>
+            </p:extLst>
+          </p:nvPr>
+        </p:nvSpPr>
+        <p:spPr>
+          <a:xfrm flipV="1">
+            <a:off x="838200" y="520700"/>
+            <a:ext cx="10515600" cy="3486150"/>
+          </a:xfrm>
+          <a:prstGeom prst="rect">
+            <a:avLst/>
+          </a:prstGeom>
+          <a:solidFill>
+            <a:schemeClr val="accent1"/>
+          </a:solidFill>
+          <a:ln>
+            <a:noFill/>
+          </a:ln>
+        </p:spPr>
+        <p:style>
+          <a:lnRef idx="2">
+            <a:schemeClr val="accent1">
+              <a:shade val="50000"/>
+            </a:schemeClr>
+          </a:lnRef>
+          <a:fillRef idx="1">
+            <a:schemeClr val="accent1"/>
+          </a:fillRef>
+          <a:effectRef idx="0">
+            <a:schemeClr val="accent1"/>
+          </a:effectRef>
+          <a:fontRef idx="minor">
+            <a:schemeClr val="lt1"/>
+          </a:fontRef>
+        </p:style>
+        <p:txBody>
+          <a:bodyPr rtlCol="0" anchor="ctr"/>
+          <a:lstStyle/>
+          <a:p>
+            <a:pPr algn="ctr"/>
+            <a:endParaRPr lang="en-US"/>
+          </a:p>
+        </p:txBody>
+      </p:sp>
+      <p:sp>
+        <p:nvSpPr>
+          <p:cNvPr id="2" name="Title 1">
+            <a:extLst>
+              <a:ext uri="{FF2B5EF4-FFF2-40B4-BE49-F238E27FC236}">
+                <a16:creationId xmlns:a16="http://schemas.microsoft.com/office/drawing/2014/main" id="{38A8E917-FD6A-412D-9692-AA505A827B70}"/>
+              </a:ext>
+            </a:extLst>
+          </p:cNvPr>
+          <p:cNvSpPr>
+            <a:spLocks noGrp="1"/>
+          </p:cNvSpPr>
+          <p:nvPr>
+            <p:ph type="ctrTitle"/>
+          </p:nvPr>
+        </p:nvSpPr>
+        <p:spPr>
+          <a:xfrm>
+            <a:off x="1330325" y="958852"/>
+            <a:ext cx="9531350" cy="2514597"/>
+          </a:xfrm>
+        </p:spPr>
+        <p:txBody>
+          <a:bodyPr anchor="b">
+            <a:normAutofit/>
+          </a:bodyPr>
+          <a:lstStyle/>
+          <a:p>
+            <a:r>
+              <a:rPr lang="vi-VN" sz="7400" dirty="0">
+                <a:solidFill>
+                  <a:srgbClr val="FFFFFF"/>
+                </a:solidFill>
+              </a:rPr>
+              <a:t>Cài đặt và làm quen môi trường phát triển Python</a:t>
+            </a:r>
+            <a:endParaRPr lang="en-US" sz="7400" dirty="0">
+              <a:solidFill>
+                <a:srgbClr val="FFFFFF"/>
+              </a:solidFill>
+            </a:endParaRPr>
+          </a:p>
+        </p:txBody>
+      </p:sp>
+      <p:sp>
+        <p:nvSpPr>
+          <p:cNvPr id="4" name="Subtitle 3">
+            <a:extLst>
+              <a:ext uri="{FF2B5EF4-FFF2-40B4-BE49-F238E27FC236}">
+                <a16:creationId xmlns:a16="http://schemas.microsoft.com/office/drawing/2014/main" id="{652F36DA-9917-4B34-9D5B-F4A0F5B9CFAF}"/>
+              </a:ext>
+            </a:extLst>
+          </p:cNvPr>
+          <p:cNvSpPr>
+            <a:spLocks noGrp="1"/>
+          </p:cNvSpPr>
+          <p:nvPr>
+            <p:ph type="subTitle" idx="1"/>
+          </p:nvPr>
+        </p:nvSpPr>
+        <p:spPr>
+          <a:xfrm>
+            <a:off x="1330324" y="4305300"/>
+            <a:ext cx="9585326" cy="1454150"/>
+          </a:xfrm>
+        </p:spPr>
+        <p:txBody>
+          <a:bodyPr>
+            <a:normAutofit/>
+          </a:bodyPr>
+          <a:lstStyle/>
+          <a:p>
+            <a:endParaRPr lang="en-US" sz="3200" dirty="0"/>
+          </a:p>
+        </p:txBody>
+      </p:sp>
+    </p:spTree>
+    <p:extLst>
+      <p:ext uri="{BB962C8B-B14F-4D97-AF65-F5344CB8AC3E}">
+        <p14:creationId xmlns:p14="http://schemas.microsoft.com/office/powerpoint/2010/main" val="1323205458"/>
+      </p:ext>
+    </p:extLst>
+  </p:cSld>
+  <p:clrMapOvr>
+    <a:masterClrMapping/>
+  </p:clrMapOvr>
+</p:sld>
+</file>
+
+<file path=ppt/slides/slide4.xml><?xml version="1.0" encoding="utf-8"?>
+<p:sld xmlns:a="http://schemas.openxmlformats.org/drawingml/2006/main" xmlns:r="http://schemas.openxmlformats.org/officeDocument/2006/relationships" xmlns:p="http://schemas.openxmlformats.org/presentationml/2006/main">
+  <p:cSld>
+    <p:bg>
+      <p:bgPr>
+        <a:solidFill>
+          <a:schemeClr val="bg1"/>
+        </a:solidFill>
+        <a:effectLst/>
+      </p:bgPr>
+    </p:bg>
+    <p:spTree>
+      <p:nvGrpSpPr>
+        <p:cNvPr id="1" name=""/>
+        <p:cNvGrpSpPr/>
+        <p:nvPr/>
+      </p:nvGrpSpPr>
+      <p:grpSpPr>
+        <a:xfrm>
+          <a:off x="0" y="0"/>
+          <a:ext cx="0" cy="0"/>
+          <a:chOff x="0" y="0"/>
+          <a:chExt cx="0" cy="0"/>
+        </a:xfrm>
+      </p:grpSpPr>
+      <p:sp useBgFill="1">
+        <p:nvSpPr>
+          <p:cNvPr id="8" name="Rectangle 7">
+            <a:extLst>
+              <a:ext uri="{FF2B5EF4-FFF2-40B4-BE49-F238E27FC236}">
+                <a16:creationId xmlns:a16="http://schemas.microsoft.com/office/drawing/2014/main" id="{CBB2B1F0-0DD6-4744-9A46-7A344FB48E40}"/>
+              </a:ext>
+              <a:ext uri="{C183D7F6-B498-43B3-948B-1728B52AA6E4}">
+                <adec:decorative xmlns:adec="http://schemas.microsoft.com/office/drawing/2017/decorative" val="1"/>
+              </a:ext>
+            </a:extLst>
+          </p:cNvPr>
+          <p:cNvSpPr>
+            <a:spLocks noGrp="1" noRot="1" noChangeAspect="1" noMove="1" noResize="1" noEditPoints="1" noAdjustHandles="1" noChangeArrowheads="1" noChangeShapeType="1" noTextEdit="1"/>
+          </p:cNvSpPr>
+          <p:nvPr>
+            <p:extLst>
+              <p:ext uri="{386F3935-93C4-4BCD-93E2-E3B085C9AB24}">
+                <p16:designElem xmlns:p16="http://schemas.microsoft.com/office/powerpoint/2015/main" val="1"/>
+              </p:ext>
+            </p:extLst>
+          </p:nvPr>
+        </p:nvSpPr>
+        <p:spPr>
+          <a:xfrm>
+            <a:off x="0" y="0"/>
+            <a:ext cx="12192000" cy="6858000"/>
+          </a:xfrm>
+          <a:prstGeom prst="rect">
+            <a:avLst/>
+          </a:prstGeom>
+          <a:ln>
+            <a:noFill/>
+          </a:ln>
+        </p:spPr>
+        <p:style>
+          <a:lnRef idx="2">
+            <a:schemeClr val="accent1">
+              <a:shade val="50000"/>
+            </a:schemeClr>
+          </a:lnRef>
+          <a:fillRef idx="1">
+            <a:schemeClr val="accent1"/>
+          </a:fillRef>
+          <a:effectRef idx="0">
+            <a:schemeClr val="accent1"/>
+          </a:effectRef>
+          <a:fontRef idx="minor">
+            <a:schemeClr val="lt1"/>
+          </a:fontRef>
+        </p:style>
+        <p:txBody>
+          <a:bodyPr rtlCol="0" anchor="ctr"/>
+          <a:lstStyle/>
+          <a:p>
+            <a:pPr algn="ctr"/>
+            <a:endParaRPr lang="en-US"/>
+          </a:p>
+        </p:txBody>
+      </p:sp>
+      <p:sp>
+        <p:nvSpPr>
+          <p:cNvPr id="2" name="Title 1">
+            <a:extLst>
+              <a:ext uri="{FF2B5EF4-FFF2-40B4-BE49-F238E27FC236}">
+                <a16:creationId xmlns:a16="http://schemas.microsoft.com/office/drawing/2014/main" id="{48347A80-B7F7-47F1-A574-F74205EDB9BB}"/>
+              </a:ext>
+            </a:extLst>
+          </p:cNvPr>
+          <p:cNvSpPr>
+            <a:spLocks noGrp="1"/>
+          </p:cNvSpPr>
+          <p:nvPr>
+            <p:ph type="title"/>
+          </p:nvPr>
+        </p:nvSpPr>
+        <p:spPr>
+          <a:xfrm>
+            <a:off x="841248" y="426720"/>
+            <a:ext cx="10506456" cy="1919141"/>
+          </a:xfrm>
+        </p:spPr>
+        <p:txBody>
+          <a:bodyPr anchor="b">
+            <a:normAutofit/>
+          </a:bodyPr>
+          <a:lstStyle/>
+          <a:p>
+            <a:r>
+              <a:rPr lang="vi-VN" sz="6000"/>
+              <a:t>Nội dung</a:t>
+            </a:r>
+            <a:endParaRPr lang="en-US" sz="6000"/>
+          </a:p>
+        </p:txBody>
+      </p:sp>
+      <p:sp>
+        <p:nvSpPr>
+          <p:cNvPr id="10" name="Rectangle 9">
+            <a:extLst>
+              <a:ext uri="{FF2B5EF4-FFF2-40B4-BE49-F238E27FC236}">
+                <a16:creationId xmlns:a16="http://schemas.microsoft.com/office/drawing/2014/main" id="{52D502E5-F6B4-4D58-B4AE-FC466FF15EE8}"/>
+              </a:ext>
+              <a:ext uri="{C183D7F6-B498-43B3-948B-1728B52AA6E4}">
+                <adec:decorative xmlns:adec="http://schemas.microsoft.com/office/drawing/2017/decorative" val="1"/>
+              </a:ext>
+            </a:extLst>
+          </p:cNvPr>
+          <p:cNvSpPr>
+            <a:spLocks noGrp="1" noRot="1" noChangeAspect="1" noMove="1" noResize="1" noEditPoints="1" noAdjustHandles="1" noChangeArrowheads="1" noChangeShapeType="1" noTextEdit="1"/>
+          </p:cNvSpPr>
+          <p:nvPr>
+            <p:extLst>
+              <p:ext uri="{386F3935-93C4-4BCD-93E2-E3B085C9AB24}">
+                <p16:designElem xmlns:p16="http://schemas.microsoft.com/office/powerpoint/2015/main" val="1"/>
+              </p:ext>
+            </p:extLst>
+          </p:nvPr>
+        </p:nvSpPr>
+        <p:spPr>
+          <a:xfrm>
+            <a:off x="865953" y="2899927"/>
+            <a:ext cx="10451592" cy="18288"/>
+          </a:xfrm>
+          <a:prstGeom prst="rect">
+            <a:avLst/>
+          </a:prstGeom>
+          <a:solidFill>
+            <a:srgbClr val="D5D5D5"/>
+          </a:solidFill>
+          <a:ln w="3175">
+            <a:noFill/>
+          </a:ln>
+          <a:effectLst/>
+        </p:spPr>
+        <p:style>
+          <a:lnRef idx="2">
+            <a:schemeClr val="accent1">
+              <a:shade val="50000"/>
+            </a:schemeClr>
+          </a:lnRef>
+          <a:fillRef idx="1">
+            <a:schemeClr val="accent1"/>
+          </a:fillRef>
+          <a:effectRef idx="0">
+            <a:schemeClr val="accent1"/>
+          </a:effectRef>
+          <a:fontRef idx="minor">
+            <a:schemeClr val="lt1"/>
+          </a:fontRef>
+        </p:style>
+        <p:txBody>
+          <a:bodyPr rtlCol="0" anchor="ctr"/>
+          <a:lstStyle/>
+          <a:p>
+            <a:pPr algn="ctr"/>
+            <a:endParaRPr lang="en-US">
+              <a:solidFill>
+                <a:prstClr val="white"/>
+              </a:solidFill>
+              <a:latin typeface="Calibri" panose="020F0502020204030204"/>
+            </a:endParaRPr>
+          </a:p>
+        </p:txBody>
+      </p:sp>
+      <p:sp>
+        <p:nvSpPr>
+          <p:cNvPr id="12" name="Rectangle 11">
+            <a:extLst>
+              <a:ext uri="{FF2B5EF4-FFF2-40B4-BE49-F238E27FC236}">
+                <a16:creationId xmlns:a16="http://schemas.microsoft.com/office/drawing/2014/main" id="{9DECDBF4-02B6-4BB4-B65B-B8107AD6A9E8}"/>
+              </a:ext>
+              <a:ext uri="{C183D7F6-B498-43B3-948B-1728B52AA6E4}">
+                <adec:decorative xmlns:adec="http://schemas.microsoft.com/office/drawing/2017/decorative" val="1"/>
+              </a:ext>
+            </a:extLst>
+          </p:cNvPr>
+          <p:cNvSpPr>
+            <a:spLocks noGrp="1" noRot="1" noChangeAspect="1" noMove="1" noResize="1" noEditPoints="1" noAdjustHandles="1" noChangeArrowheads="1" noChangeShapeType="1" noTextEdit="1"/>
+          </p:cNvSpPr>
+          <p:nvPr>
+            <p:extLst>
+              <p:ext uri="{386F3935-93C4-4BCD-93E2-E3B085C9AB24}">
+                <p16:designElem xmlns:p16="http://schemas.microsoft.com/office/powerpoint/2015/main" val="1"/>
+              </p:ext>
+            </p:extLst>
+          </p:nvPr>
+        </p:nvSpPr>
+        <p:spPr>
+          <a:xfrm flipV="1">
+            <a:off x="841248" y="2776031"/>
+            <a:ext cx="1873457" cy="137160"/>
+          </a:xfrm>
+          <a:prstGeom prst="rect">
+            <a:avLst/>
+          </a:prstGeom>
+          <a:solidFill>
+            <a:schemeClr val="accent2"/>
+          </a:solidFill>
+          <a:ln>
+            <a:noFill/>
+          </a:ln>
+        </p:spPr>
+        <p:style>
+          <a:lnRef idx="2">
+            <a:schemeClr val="accent1">
+              <a:shade val="50000"/>
+            </a:schemeClr>
+          </a:lnRef>
+          <a:fillRef idx="1">
+            <a:schemeClr val="accent1"/>
+          </a:fillRef>
+          <a:effectRef idx="0">
+            <a:schemeClr val="accent1"/>
+          </a:effectRef>
+          <a:fontRef idx="minor">
+            <a:schemeClr val="lt1"/>
+          </a:fontRef>
+        </p:style>
+        <p:txBody>
+          <a:bodyPr rtlCol="0" anchor="ctr"/>
+          <a:lstStyle/>
+          <a:p>
+            <a:pPr algn="ctr"/>
+            <a:endParaRPr lang="en-US">
+              <a:solidFill>
+                <a:prstClr val="white"/>
+              </a:solidFill>
+              <a:latin typeface="Calibri" panose="020F0502020204030204"/>
+            </a:endParaRPr>
+          </a:p>
+        </p:txBody>
+      </p:sp>
+      <p:sp>
+        <p:nvSpPr>
+          <p:cNvPr id="3" name="Content Placeholder 2">
+            <a:extLst>
+              <a:ext uri="{FF2B5EF4-FFF2-40B4-BE49-F238E27FC236}">
+                <a16:creationId xmlns:a16="http://schemas.microsoft.com/office/drawing/2014/main" id="{93C05EB7-5691-490F-81E7-30F557124118}"/>
+              </a:ext>
+            </a:extLst>
+          </p:cNvPr>
+          <p:cNvSpPr>
+            <a:spLocks noGrp="1"/>
+          </p:cNvSpPr>
+          <p:nvPr>
+            <p:ph idx="1"/>
+          </p:nvPr>
+        </p:nvSpPr>
+        <p:spPr>
+          <a:xfrm>
+            <a:off x="841248" y="3337269"/>
+            <a:ext cx="10509504" cy="2905686"/>
+          </a:xfrm>
+        </p:spPr>
+        <p:txBody>
+          <a:bodyPr>
+            <a:normAutofit/>
+          </a:bodyPr>
+          <a:lstStyle/>
+          <a:p>
+            <a:r>
+              <a:rPr lang="vi-VN" sz="2200"/>
+              <a:t>Cài đặt Python, vscode</a:t>
+            </a:r>
+          </a:p>
+          <a:p>
+            <a:r>
+              <a:rPr lang="vi-VN" sz="2200"/>
+              <a:t>Chạy chương trình Hello Python</a:t>
+            </a:r>
+          </a:p>
+          <a:p>
+            <a:r>
+              <a:rPr lang="vi-VN" sz="2200"/>
+              <a:t>Cấu hình debugger, các thao tác cơ bản với debugger</a:t>
+            </a:r>
+            <a:endParaRPr lang="en-US" sz="2200"/>
+          </a:p>
+        </p:txBody>
+      </p:sp>
+    </p:spTree>
+    <p:extLst>
+      <p:ext uri="{BB962C8B-B14F-4D97-AF65-F5344CB8AC3E}">
+        <p14:creationId xmlns:p14="http://schemas.microsoft.com/office/powerpoint/2010/main" val="3288618931"/>
+      </p:ext>
+    </p:extLst>
+  </p:cSld>
+  <p:clrMapOvr>
+    <a:masterClrMapping/>
+  </p:clrMapOvr>
+</p:sld>
+</file>
+
+<file path=ppt/slides/slide5.xml><?xml version="1.0" encoding="utf-8"?>
+<p:sld xmlns:a="http://schemas.openxmlformats.org/drawingml/2006/main" xmlns:r="http://schemas.openxmlformats.org/officeDocument/2006/relationships" xmlns:p="http://schemas.openxmlformats.org/presentationml/2006/main">
+  <p:cSld>
+    <p:spTree>
+      <p:nvGrpSpPr>
+        <p:cNvPr id="1" name=""/>
+        <p:cNvGrpSpPr/>
+        <p:nvPr/>
+      </p:nvGrpSpPr>
+      <p:grpSpPr>
+        <a:xfrm>
+          <a:off x="0" y="0"/>
+          <a:ext cx="0" cy="0"/>
+          <a:chOff x="0" y="0"/>
+          <a:chExt cx="0" cy="0"/>
+        </a:xfrm>
+      </p:grpSpPr>
+      <p:sp>
+        <p:nvSpPr>
+          <p:cNvPr id="2" name="Title 1">
+            <a:extLst>
+              <a:ext uri="{FF2B5EF4-FFF2-40B4-BE49-F238E27FC236}">
+                <a16:creationId xmlns:a16="http://schemas.microsoft.com/office/drawing/2014/main" id="{36ED9C68-8EE9-40D6-B69F-9067008C266F}"/>
+              </a:ext>
+            </a:extLst>
+          </p:cNvPr>
+          <p:cNvSpPr>
+            <a:spLocks noGrp="1"/>
+          </p:cNvSpPr>
+          <p:nvPr>
+            <p:ph type="title"/>
+          </p:nvPr>
+        </p:nvSpPr>
+        <p:spPr/>
+        <p:txBody>
+          <a:bodyPr/>
+          <a:lstStyle/>
+          <a:p>
+            <a:r>
+              <a:rPr lang="vi-VN" dirty="0"/>
+              <a:t>Cài đặt môi trường phát triển Python</a:t>
+            </a:r>
+            <a:endParaRPr lang="en-US" dirty="0"/>
+          </a:p>
+        </p:txBody>
+      </p:sp>
+      <p:sp>
+        <p:nvSpPr>
+          <p:cNvPr id="3" name="Content Placeholder 2">
+            <a:extLst>
+              <a:ext uri="{FF2B5EF4-FFF2-40B4-BE49-F238E27FC236}">
+                <a16:creationId xmlns:a16="http://schemas.microsoft.com/office/drawing/2014/main" id="{4180B079-C82C-4AC3-BFE6-1CDAFA35FC0C}"/>
+              </a:ext>
+            </a:extLst>
+          </p:cNvPr>
+          <p:cNvSpPr>
+            <a:spLocks noGrp="1"/>
+          </p:cNvSpPr>
+          <p:nvPr>
+            <p:ph idx="1"/>
+          </p:nvPr>
+        </p:nvSpPr>
+        <p:spPr/>
+        <p:txBody>
+          <a:bodyPr/>
+          <a:lstStyle/>
+          <a:p>
+            <a:r>
+              <a:rPr lang="vi-VN" dirty="0"/>
+              <a:t>Cài đặt trình thông dich Python 3 trên win 10: </a:t>
+            </a:r>
+          </a:p>
+          <a:p>
+            <a:pPr marL="0" indent="0">
+              <a:buNone/>
+            </a:pPr>
+            <a:r>
+              <a:rPr lang="en-US" dirty="0">
+                <a:hlinkClick r:id="rId2"/>
+              </a:rPr>
+              <a:t>https://codecute.com/python/huong-dan-cai-dat-lap-trinh-python-tren-windows-10.html</a:t>
+            </a:r>
+            <a:r>
+              <a:rPr lang="vi-VN" dirty="0"/>
+              <a:t> </a:t>
+            </a:r>
+          </a:p>
+          <a:p>
+            <a:r>
+              <a:rPr lang="vi-VN" dirty="0"/>
+              <a:t>Cài đặt Editor Vscode</a:t>
+            </a:r>
+            <a:endParaRPr lang="en-US" dirty="0"/>
+          </a:p>
+          <a:p>
+            <a:pPr marL="0" indent="0">
+              <a:buNone/>
+            </a:pPr>
+            <a:r>
+              <a:rPr lang="en-US" dirty="0">
+                <a:hlinkClick r:id="rId3"/>
+              </a:rPr>
+              <a:t>https://www.codehub.vn/Huong-Dan-Cai-Dat-Visual-Studio-Code-tren-Windows</a:t>
+            </a:r>
+            <a:endParaRPr lang="vi-VN" dirty="0"/>
+          </a:p>
+        </p:txBody>
+      </p:sp>
+    </p:spTree>
+    <p:extLst>
+      <p:ext uri="{BB962C8B-B14F-4D97-AF65-F5344CB8AC3E}">
+        <p14:creationId xmlns:p14="http://schemas.microsoft.com/office/powerpoint/2010/main" val="2425844899"/>
+      </p:ext>
+    </p:extLst>
+  </p:cSld>
+  <p:clrMapOvr>
+    <a:masterClrMapping/>
+  </p:clrMapOvr>
+</p:sld>
+</file>
+
+<file path=ppt/slides/slide6.xml><?xml version="1.0" encoding="utf-8"?>
+<p:sld xmlns:a="http://schemas.openxmlformats.org/drawingml/2006/main" xmlns:r="http://schemas.openxmlformats.org/officeDocument/2006/relationships" xmlns:p="http://schemas.openxmlformats.org/presentationml/2006/main">
+  <p:cSld>
+    <p:spTree>
+      <p:nvGrpSpPr>
+        <p:cNvPr id="1" name=""/>
+        <p:cNvGrpSpPr/>
+        <p:nvPr/>
+      </p:nvGrpSpPr>
+      <p:grpSpPr>
+        <a:xfrm>
+          <a:off x="0" y="0"/>
+          <a:ext cx="0" cy="0"/>
+          <a:chOff x="0" y="0"/>
+          <a:chExt cx="0" cy="0"/>
+        </a:xfrm>
+      </p:grpSpPr>
+      <p:sp>
+        <p:nvSpPr>
+          <p:cNvPr id="2" name="Title 1">
+            <a:extLst>
+              <a:ext uri="{FF2B5EF4-FFF2-40B4-BE49-F238E27FC236}">
                 <a16:creationId xmlns:a16="http://schemas.microsoft.com/office/drawing/2014/main" id="{1D995AF2-4477-480C-8620-8358A614D99D}"/>
               </a:ext>
             </a:extLst>
@@ -4158,7 +6438,7 @@
 </p:sld>
 </file>
 
-<file path=ppt/slides/slide4.xml><?xml version="1.0" encoding="utf-8"?>
+<file path=ppt/slides/slide7.xml><?xml version="1.0" encoding="utf-8"?>
 <p:sld xmlns:a="http://schemas.openxmlformats.org/drawingml/2006/main" xmlns:r="http://schemas.openxmlformats.org/officeDocument/2006/relationships" xmlns:p="http://schemas.openxmlformats.org/presentationml/2006/main">
   <p:cSld>
     <p:spTree>
@@ -4248,7 +6528,7 @@
 </p:sld>
 </file>
 
-<file path=ppt/slides/slide5.xml><?xml version="1.0" encoding="utf-8"?>
+<file path=ppt/slides/slide8.xml><?xml version="1.0" encoding="utf-8"?>
 <p:sld xmlns:a="http://schemas.openxmlformats.org/drawingml/2006/main" xmlns:r="http://schemas.openxmlformats.org/officeDocument/2006/relationships" xmlns:p="http://schemas.openxmlformats.org/presentationml/2006/main">
   <p:cSld>
     <p:spTree>
@@ -4407,7 +6687,7 @@
 </p:sld>
 </file>
 
-<file path=ppt/slides/slide6.xml><?xml version="1.0" encoding="utf-8"?>
+<file path=ppt/slides/slide9.xml><?xml version="1.0" encoding="utf-8"?>
 <p:sld xmlns:a="http://schemas.openxmlformats.org/drawingml/2006/main" xmlns:r="http://schemas.openxmlformats.org/officeDocument/2006/relationships" xmlns:p="http://schemas.openxmlformats.org/presentationml/2006/main">
   <p:cSld>
     <p:spTree>
@@ -4586,490 +6866,6 @@
     <p:extLst>
       <p:ext uri="{BB962C8B-B14F-4D97-AF65-F5344CB8AC3E}">
         <p14:creationId xmlns:p14="http://schemas.microsoft.com/office/powerpoint/2010/main" val="124368348"/>
-      </p:ext>
-    </p:extLst>
-  </p:cSld>
-  <p:clrMapOvr>
-    <a:masterClrMapping/>
-  </p:clrMapOvr>
-</p:sld>
-</file>
-
-<file path=ppt/slides/slide7.xml><?xml version="1.0" encoding="utf-8"?>
-<p:sld xmlns:a="http://schemas.openxmlformats.org/drawingml/2006/main" xmlns:r="http://schemas.openxmlformats.org/officeDocument/2006/relationships" xmlns:p="http://schemas.openxmlformats.org/presentationml/2006/main">
-  <p:cSld>
-    <p:spTree>
-      <p:nvGrpSpPr>
-        <p:cNvPr id="1" name=""/>
-        <p:cNvGrpSpPr/>
-        <p:nvPr/>
-      </p:nvGrpSpPr>
-      <p:grpSpPr>
-        <a:xfrm>
-          <a:off x="0" y="0"/>
-          <a:ext cx="0" cy="0"/>
-          <a:chOff x="0" y="0"/>
-          <a:chExt cx="0" cy="0"/>
-        </a:xfrm>
-      </p:grpSpPr>
-      <p:sp>
-        <p:nvSpPr>
-          <p:cNvPr id="2" name="Title 1">
-            <a:extLst>
-              <a:ext uri="{FF2B5EF4-FFF2-40B4-BE49-F238E27FC236}">
-                <a16:creationId xmlns:a16="http://schemas.microsoft.com/office/drawing/2014/main" id="{9CD06A74-DE6E-48C8-B09B-9D95A2DA7EC7}"/>
-              </a:ext>
-            </a:extLst>
-          </p:cNvPr>
-          <p:cNvSpPr>
-            <a:spLocks noGrp="1"/>
-          </p:cNvSpPr>
-          <p:nvPr>
-            <p:ph type="title"/>
-          </p:nvPr>
-        </p:nvSpPr>
-        <p:spPr/>
-        <p:txBody>
-          <a:bodyPr/>
-          <a:lstStyle/>
-          <a:p>
-            <a:r>
-              <a:rPr lang="en-US" dirty="0" err="1"/>
-              <a:t>Cấu</a:t>
-            </a:r>
-            <a:r>
-              <a:rPr lang="en-US" dirty="0"/>
-              <a:t> </a:t>
-            </a:r>
-            <a:r>
-              <a:rPr lang="en-US" dirty="0" err="1"/>
-              <a:t>hình</a:t>
-            </a:r>
-            <a:r>
-              <a:rPr lang="en-US" dirty="0"/>
-              <a:t> Debugger</a:t>
-            </a:r>
-          </a:p>
-        </p:txBody>
-      </p:sp>
-      <p:sp>
-        <p:nvSpPr>
-          <p:cNvPr id="5" name="Content Placeholder 4">
-            <a:extLst>
-              <a:ext uri="{FF2B5EF4-FFF2-40B4-BE49-F238E27FC236}">
-                <a16:creationId xmlns:a16="http://schemas.microsoft.com/office/drawing/2014/main" id="{CBB1CCC9-61E1-4AF9-B955-40142CDCBF02}"/>
-              </a:ext>
-            </a:extLst>
-          </p:cNvPr>
-          <p:cNvSpPr>
-            <a:spLocks noGrp="1"/>
-          </p:cNvSpPr>
-          <p:nvPr>
-            <p:ph idx="1"/>
-          </p:nvPr>
-        </p:nvSpPr>
-        <p:spPr/>
-        <p:txBody>
-          <a:bodyPr/>
-          <a:lstStyle/>
-          <a:p>
-            <a:r>
-              <a:rPr lang="en-US" dirty="0" err="1"/>
-              <a:t>Nhấn</a:t>
-            </a:r>
-            <a:r>
-              <a:rPr lang="en-US" dirty="0"/>
-              <a:t> F5 </a:t>
-            </a:r>
-            <a:r>
-              <a:rPr lang="en-US" dirty="0" err="1"/>
-              <a:t>để</a:t>
-            </a:r>
-            <a:r>
-              <a:rPr lang="en-US" dirty="0"/>
-              <a:t> start debug, </a:t>
-            </a:r>
-            <a:r>
-              <a:rPr lang="en-US" dirty="0" err="1"/>
-              <a:t>chọn</a:t>
-            </a:r>
-            <a:r>
-              <a:rPr lang="en-US" dirty="0"/>
-              <a:t> file </a:t>
-            </a:r>
-            <a:r>
-              <a:rPr lang="en-US" dirty="0" err="1"/>
-              <a:t>cấu</a:t>
-            </a:r>
-            <a:r>
-              <a:rPr lang="en-US" dirty="0"/>
-              <a:t> </a:t>
-            </a:r>
-            <a:r>
-              <a:rPr lang="en-US" dirty="0" err="1"/>
-              <a:t>hình</a:t>
-            </a:r>
-            <a:r>
-              <a:rPr lang="en-US" dirty="0"/>
-              <a:t> Python file</a:t>
-            </a:r>
-          </a:p>
-        </p:txBody>
-      </p:sp>
-      <p:pic>
-        <p:nvPicPr>
-          <p:cNvPr id="7" name="Picture 6">
-            <a:extLst>
-              <a:ext uri="{FF2B5EF4-FFF2-40B4-BE49-F238E27FC236}">
-                <a16:creationId xmlns:a16="http://schemas.microsoft.com/office/drawing/2014/main" id="{5F8BE849-ACB6-496D-B141-11D526DE9E23}"/>
-              </a:ext>
-            </a:extLst>
-          </p:cNvPr>
-          <p:cNvPicPr>
-            <a:picLocks noChangeAspect="1"/>
-          </p:cNvPicPr>
-          <p:nvPr/>
-        </p:nvPicPr>
-        <p:blipFill>
-          <a:blip r:embed="rId2"/>
-          <a:stretch>
-            <a:fillRect/>
-          </a:stretch>
-        </p:blipFill>
-        <p:spPr>
-          <a:xfrm>
-            <a:off x="1105385" y="2657766"/>
-            <a:ext cx="9298247" cy="3125527"/>
-          </a:xfrm>
-          <a:prstGeom prst="rect">
-            <a:avLst/>
-          </a:prstGeom>
-        </p:spPr>
-      </p:pic>
-    </p:spTree>
-    <p:extLst>
-      <p:ext uri="{BB962C8B-B14F-4D97-AF65-F5344CB8AC3E}">
-        <p14:creationId xmlns:p14="http://schemas.microsoft.com/office/powerpoint/2010/main" val="2731260404"/>
-      </p:ext>
-    </p:extLst>
-  </p:cSld>
-  <p:clrMapOvr>
-    <a:masterClrMapping/>
-  </p:clrMapOvr>
-</p:sld>
-</file>
-
-<file path=ppt/slides/slide8.xml><?xml version="1.0" encoding="utf-8"?>
-<p:sld xmlns:a="http://schemas.openxmlformats.org/drawingml/2006/main" xmlns:r="http://schemas.openxmlformats.org/officeDocument/2006/relationships" xmlns:p="http://schemas.openxmlformats.org/presentationml/2006/main">
-  <p:cSld>
-    <p:spTree>
-      <p:nvGrpSpPr>
-        <p:cNvPr id="1" name=""/>
-        <p:cNvGrpSpPr/>
-        <p:nvPr/>
-      </p:nvGrpSpPr>
-      <p:grpSpPr>
-        <a:xfrm>
-          <a:off x="0" y="0"/>
-          <a:ext cx="0" cy="0"/>
-          <a:chOff x="0" y="0"/>
-          <a:chExt cx="0" cy="0"/>
-        </a:xfrm>
-      </p:grpSpPr>
-      <p:sp>
-        <p:nvSpPr>
-          <p:cNvPr id="2" name="Title 1">
-            <a:extLst>
-              <a:ext uri="{FF2B5EF4-FFF2-40B4-BE49-F238E27FC236}">
-                <a16:creationId xmlns:a16="http://schemas.microsoft.com/office/drawing/2014/main" id="{4A659E74-6129-4341-9F9B-A0184A9C2EC5}"/>
-              </a:ext>
-            </a:extLst>
-          </p:cNvPr>
-          <p:cNvSpPr>
-            <a:spLocks noGrp="1"/>
-          </p:cNvSpPr>
-          <p:nvPr>
-            <p:ph type="title"/>
-          </p:nvPr>
-        </p:nvSpPr>
-        <p:spPr/>
-        <p:txBody>
-          <a:bodyPr/>
-          <a:lstStyle/>
-          <a:p>
-            <a:r>
-              <a:rPr lang="en-US" dirty="0" err="1"/>
-              <a:t>Chạy</a:t>
-            </a:r>
-            <a:r>
-              <a:rPr lang="en-US" dirty="0"/>
-              <a:t> debug</a:t>
-            </a:r>
-          </a:p>
-        </p:txBody>
-      </p:sp>
-      <p:sp>
-        <p:nvSpPr>
-          <p:cNvPr id="3" name="Content Placeholder 2">
-            <a:extLst>
-              <a:ext uri="{FF2B5EF4-FFF2-40B4-BE49-F238E27FC236}">
-                <a16:creationId xmlns:a16="http://schemas.microsoft.com/office/drawing/2014/main" id="{DDF139B1-1388-48BC-9C75-CF75C3F38E2D}"/>
-              </a:ext>
-            </a:extLst>
-          </p:cNvPr>
-          <p:cNvSpPr>
-            <a:spLocks noGrp="1"/>
-          </p:cNvSpPr>
-          <p:nvPr>
-            <p:ph idx="1"/>
-          </p:nvPr>
-        </p:nvSpPr>
-        <p:spPr/>
-        <p:txBody>
-          <a:bodyPr/>
-          <a:lstStyle/>
-          <a:p>
-            <a:r>
-              <a:rPr lang="en-US" dirty="0" err="1"/>
-              <a:t>Đặt</a:t>
-            </a:r>
-            <a:r>
-              <a:rPr lang="en-US" dirty="0"/>
-              <a:t> breakpoint</a:t>
-            </a:r>
-          </a:p>
-        </p:txBody>
-      </p:sp>
-      <p:pic>
-        <p:nvPicPr>
-          <p:cNvPr id="5" name="Picture 4">
-            <a:extLst>
-              <a:ext uri="{FF2B5EF4-FFF2-40B4-BE49-F238E27FC236}">
-                <a16:creationId xmlns:a16="http://schemas.microsoft.com/office/drawing/2014/main" id="{37791817-5276-4D95-B22A-006D2B0AB4EB}"/>
-              </a:ext>
-            </a:extLst>
-          </p:cNvPr>
-          <p:cNvPicPr>
-            <a:picLocks noChangeAspect="1"/>
-          </p:cNvPicPr>
-          <p:nvPr/>
-        </p:nvPicPr>
-        <p:blipFill>
-          <a:blip r:embed="rId2"/>
-          <a:stretch>
-            <a:fillRect/>
-          </a:stretch>
-        </p:blipFill>
-        <p:spPr>
-          <a:xfrm>
-            <a:off x="3601616" y="2485846"/>
-            <a:ext cx="7297705" cy="3691117"/>
-          </a:xfrm>
-          <a:prstGeom prst="rect">
-            <a:avLst/>
-          </a:prstGeom>
-        </p:spPr>
-      </p:pic>
-    </p:spTree>
-    <p:extLst>
-      <p:ext uri="{BB962C8B-B14F-4D97-AF65-F5344CB8AC3E}">
-        <p14:creationId xmlns:p14="http://schemas.microsoft.com/office/powerpoint/2010/main" val="279178707"/>
-      </p:ext>
-    </p:extLst>
-  </p:cSld>
-  <p:clrMapOvr>
-    <a:masterClrMapping/>
-  </p:clrMapOvr>
-</p:sld>
-</file>
-
-<file path=ppt/slides/slide9.xml><?xml version="1.0" encoding="utf-8"?>
-<p:sld xmlns:a="http://schemas.openxmlformats.org/drawingml/2006/main" xmlns:r="http://schemas.openxmlformats.org/officeDocument/2006/relationships" xmlns:p="http://schemas.openxmlformats.org/presentationml/2006/main">
-  <p:cSld>
-    <p:spTree>
-      <p:nvGrpSpPr>
-        <p:cNvPr id="1" name=""/>
-        <p:cNvGrpSpPr/>
-        <p:nvPr/>
-      </p:nvGrpSpPr>
-      <p:grpSpPr>
-        <a:xfrm>
-          <a:off x="0" y="0"/>
-          <a:ext cx="0" cy="0"/>
-          <a:chOff x="0" y="0"/>
-          <a:chExt cx="0" cy="0"/>
-        </a:xfrm>
-      </p:grpSpPr>
-      <p:sp>
-        <p:nvSpPr>
-          <p:cNvPr id="2" name="Title 1">
-            <a:extLst>
-              <a:ext uri="{FF2B5EF4-FFF2-40B4-BE49-F238E27FC236}">
-                <a16:creationId xmlns:a16="http://schemas.microsoft.com/office/drawing/2014/main" id="{32B19CB7-C9DA-468D-A892-3B0FDE8767D6}"/>
-              </a:ext>
-            </a:extLst>
-          </p:cNvPr>
-          <p:cNvSpPr>
-            <a:spLocks noGrp="1"/>
-          </p:cNvSpPr>
-          <p:nvPr>
-            <p:ph type="title"/>
-          </p:nvPr>
-        </p:nvSpPr>
-        <p:spPr/>
-        <p:txBody>
-          <a:bodyPr/>
-          <a:lstStyle/>
-          <a:p>
-            <a:r>
-              <a:rPr lang="en-US" dirty="0" err="1"/>
-              <a:t>Chạy</a:t>
-            </a:r>
-            <a:r>
-              <a:rPr lang="en-US" dirty="0"/>
-              <a:t> debug</a:t>
-            </a:r>
-          </a:p>
-        </p:txBody>
-      </p:sp>
-      <p:sp>
-        <p:nvSpPr>
-          <p:cNvPr id="3" name="Content Placeholder 2">
-            <a:extLst>
-              <a:ext uri="{FF2B5EF4-FFF2-40B4-BE49-F238E27FC236}">
-                <a16:creationId xmlns:a16="http://schemas.microsoft.com/office/drawing/2014/main" id="{2CEA228A-A8C8-4F71-AD9F-CA596B848620}"/>
-              </a:ext>
-            </a:extLst>
-          </p:cNvPr>
-          <p:cNvSpPr>
-            <a:spLocks noGrp="1"/>
-          </p:cNvSpPr>
-          <p:nvPr>
-            <p:ph idx="1"/>
-          </p:nvPr>
-        </p:nvSpPr>
-        <p:spPr/>
-        <p:txBody>
-          <a:bodyPr/>
-          <a:lstStyle/>
-          <a:p>
-            <a:r>
-              <a:rPr lang="en-US" dirty="0" err="1"/>
-              <a:t>Nhấn</a:t>
-            </a:r>
-            <a:r>
-              <a:rPr lang="en-US" dirty="0"/>
-              <a:t> F5 </a:t>
-            </a:r>
-            <a:r>
-              <a:rPr lang="en-US" dirty="0" err="1"/>
-              <a:t>để</a:t>
-            </a:r>
-            <a:r>
-              <a:rPr lang="en-US" dirty="0"/>
-              <a:t> </a:t>
-            </a:r>
-            <a:r>
-              <a:rPr lang="en-US" dirty="0" err="1"/>
-              <a:t>chạy</a:t>
-            </a:r>
-            <a:r>
-              <a:rPr lang="en-US" dirty="0"/>
-              <a:t> debug </a:t>
-            </a:r>
-            <a:r>
-              <a:rPr lang="en-US" dirty="0" err="1"/>
-              <a:t>lại</a:t>
-            </a:r>
-            <a:r>
-              <a:rPr lang="en-US" dirty="0"/>
-              <a:t>, debugger </a:t>
-            </a:r>
-            <a:r>
-              <a:rPr lang="en-US" dirty="0" err="1"/>
-              <a:t>sẽ</a:t>
-            </a:r>
-            <a:r>
-              <a:rPr lang="en-US" dirty="0"/>
-              <a:t> </a:t>
-            </a:r>
-            <a:r>
-              <a:rPr lang="en-US" dirty="0" err="1"/>
-              <a:t>dừng</a:t>
-            </a:r>
-            <a:r>
-              <a:rPr lang="en-US" dirty="0"/>
-              <a:t> </a:t>
-            </a:r>
-            <a:r>
-              <a:rPr lang="en-US" dirty="0" err="1"/>
-              <a:t>ch</a:t>
-            </a:r>
-            <a:r>
-              <a:rPr lang="vi-VN" dirty="0"/>
-              <a:t>ư</a:t>
-            </a:r>
-            <a:r>
-              <a:rPr lang="en-US" dirty="0" err="1"/>
-              <a:t>ơng</a:t>
-            </a:r>
-            <a:r>
-              <a:rPr lang="en-US" dirty="0"/>
-              <a:t> </a:t>
-            </a:r>
-            <a:r>
-              <a:rPr lang="en-US" dirty="0" err="1"/>
-              <a:t>trình</a:t>
-            </a:r>
-            <a:r>
-              <a:rPr lang="en-US" dirty="0"/>
-              <a:t> </a:t>
-            </a:r>
-            <a:r>
-              <a:rPr lang="en-US" dirty="0" err="1"/>
-              <a:t>tại</a:t>
-            </a:r>
-            <a:r>
-              <a:rPr lang="en-US" dirty="0"/>
-              <a:t> break point.</a:t>
-            </a:r>
-          </a:p>
-        </p:txBody>
-      </p:sp>
-      <p:pic>
-        <p:nvPicPr>
-          <p:cNvPr id="4" name="Picture 3">
-            <a:extLst>
-              <a:ext uri="{FF2B5EF4-FFF2-40B4-BE49-F238E27FC236}">
-                <a16:creationId xmlns:a16="http://schemas.microsoft.com/office/drawing/2014/main" id="{D2AB2575-E18C-4306-8372-CEC51E2491FD}"/>
-              </a:ext>
-            </a:extLst>
-          </p:cNvPr>
-          <p:cNvPicPr>
-            <a:picLocks noChangeAspect="1"/>
-          </p:cNvPicPr>
-          <p:nvPr/>
-        </p:nvPicPr>
-        <p:blipFill>
-          <a:blip r:embed="rId2"/>
-          <a:stretch>
-            <a:fillRect/>
-          </a:stretch>
-        </p:blipFill>
-        <p:spPr>
-          <a:xfrm>
-            <a:off x="2192694" y="2483183"/>
-            <a:ext cx="8485900" cy="3693780"/>
-          </a:xfrm>
-          <a:prstGeom prst="rect">
-            <a:avLst/>
-          </a:prstGeom>
-        </p:spPr>
-      </p:pic>
-    </p:spTree>
-    <p:extLst>
-      <p:ext uri="{BB962C8B-B14F-4D97-AF65-F5344CB8AC3E}">
-        <p14:creationId xmlns:p14="http://schemas.microsoft.com/office/powerpoint/2010/main" val="4280997397"/>
       </p:ext>
     </p:extLst>
   </p:cSld>

--- a/Lecture/PythonCoban.pptx
+++ b/Lecture/PythonCoban.pptx
@@ -23,6 +23,21 @@
     <p:sldId id="271" r:id="rId17"/>
     <p:sldId id="272" r:id="rId18"/>
     <p:sldId id="273" r:id="rId19"/>
+    <p:sldId id="275" r:id="rId20"/>
+    <p:sldId id="276" r:id="rId21"/>
+    <p:sldId id="277" r:id="rId22"/>
+    <p:sldId id="278" r:id="rId23"/>
+    <p:sldId id="285" r:id="rId24"/>
+    <p:sldId id="287" r:id="rId25"/>
+    <p:sldId id="288" r:id="rId26"/>
+    <p:sldId id="289" r:id="rId27"/>
+    <p:sldId id="279" r:id="rId28"/>
+    <p:sldId id="280" r:id="rId29"/>
+    <p:sldId id="281" r:id="rId30"/>
+    <p:sldId id="282" r:id="rId31"/>
+    <p:sldId id="283" r:id="rId32"/>
+    <p:sldId id="284" r:id="rId33"/>
+    <p:sldId id="286" r:id="rId34"/>
   </p:sldIdLst>
   <p:sldSz cx="12192000" cy="6858000"/>
   <p:notesSz cx="6858000" cy="9144000"/>
@@ -276,7 +291,7 @@
           <a:p>
             <a:fld id="{13AB114A-89FD-4544-A40B-4EAEBEB5F2F1}" type="datetimeFigureOut">
               <a:rPr lang="en-US" smtClean="0"/>
-              <a:t>2/22/2020</a:t>
+              <a:t>2/23/2020</a:t>
             </a:fld>
             <a:endParaRPr lang="en-US"/>
           </a:p>
@@ -474,7 +489,7 @@
           <a:p>
             <a:fld id="{13AB114A-89FD-4544-A40B-4EAEBEB5F2F1}" type="datetimeFigureOut">
               <a:rPr lang="en-US" smtClean="0"/>
-              <a:t>2/22/2020</a:t>
+              <a:t>2/23/2020</a:t>
             </a:fld>
             <a:endParaRPr lang="en-US"/>
           </a:p>
@@ -682,7 +697,7 @@
           <a:p>
             <a:fld id="{13AB114A-89FD-4544-A40B-4EAEBEB5F2F1}" type="datetimeFigureOut">
               <a:rPr lang="en-US" smtClean="0"/>
-              <a:t>2/22/2020</a:t>
+              <a:t>2/23/2020</a:t>
             </a:fld>
             <a:endParaRPr lang="en-US"/>
           </a:p>
@@ -880,7 +895,7 @@
           <a:p>
             <a:fld id="{13AB114A-89FD-4544-A40B-4EAEBEB5F2F1}" type="datetimeFigureOut">
               <a:rPr lang="en-US" smtClean="0"/>
-              <a:t>2/22/2020</a:t>
+              <a:t>2/23/2020</a:t>
             </a:fld>
             <a:endParaRPr lang="en-US"/>
           </a:p>
@@ -1155,7 +1170,7 @@
           <a:p>
             <a:fld id="{13AB114A-89FD-4544-A40B-4EAEBEB5F2F1}" type="datetimeFigureOut">
               <a:rPr lang="en-US" smtClean="0"/>
-              <a:t>2/22/2020</a:t>
+              <a:t>2/23/2020</a:t>
             </a:fld>
             <a:endParaRPr lang="en-US"/>
           </a:p>
@@ -1420,7 +1435,7 @@
           <a:p>
             <a:fld id="{13AB114A-89FD-4544-A40B-4EAEBEB5F2F1}" type="datetimeFigureOut">
               <a:rPr lang="en-US" smtClean="0"/>
-              <a:t>2/22/2020</a:t>
+              <a:t>2/23/2020</a:t>
             </a:fld>
             <a:endParaRPr lang="en-US"/>
           </a:p>
@@ -1832,7 +1847,7 @@
           <a:p>
             <a:fld id="{13AB114A-89FD-4544-A40B-4EAEBEB5F2F1}" type="datetimeFigureOut">
               <a:rPr lang="en-US" smtClean="0"/>
-              <a:t>2/22/2020</a:t>
+              <a:t>2/23/2020</a:t>
             </a:fld>
             <a:endParaRPr lang="en-US"/>
           </a:p>
@@ -1973,7 +1988,7 @@
           <a:p>
             <a:fld id="{13AB114A-89FD-4544-A40B-4EAEBEB5F2F1}" type="datetimeFigureOut">
               <a:rPr lang="en-US" smtClean="0"/>
-              <a:t>2/22/2020</a:t>
+              <a:t>2/23/2020</a:t>
             </a:fld>
             <a:endParaRPr lang="en-US"/>
           </a:p>
@@ -2086,7 +2101,7 @@
           <a:p>
             <a:fld id="{13AB114A-89FD-4544-A40B-4EAEBEB5F2F1}" type="datetimeFigureOut">
               <a:rPr lang="en-US" smtClean="0"/>
-              <a:t>2/22/2020</a:t>
+              <a:t>2/23/2020</a:t>
             </a:fld>
             <a:endParaRPr lang="en-US"/>
           </a:p>
@@ -2397,7 +2412,7 @@
           <a:p>
             <a:fld id="{13AB114A-89FD-4544-A40B-4EAEBEB5F2F1}" type="datetimeFigureOut">
               <a:rPr lang="en-US" smtClean="0"/>
-              <a:t>2/22/2020</a:t>
+              <a:t>2/23/2020</a:t>
             </a:fld>
             <a:endParaRPr lang="en-US"/>
           </a:p>
@@ -2685,7 +2700,7 @@
           <a:p>
             <a:fld id="{13AB114A-89FD-4544-A40B-4EAEBEB5F2F1}" type="datetimeFigureOut">
               <a:rPr lang="en-US" smtClean="0"/>
-              <a:t>2/22/2020</a:t>
+              <a:t>2/23/2020</a:t>
             </a:fld>
             <a:endParaRPr lang="en-US"/>
           </a:p>
@@ -2926,7 +2941,7 @@
           <a:p>
             <a:fld id="{13AB114A-89FD-4544-A40B-4EAEBEB5F2F1}" type="datetimeFigureOut">
               <a:rPr lang="en-US" smtClean="0"/>
-              <a:t>2/22/2020</a:t>
+              <a:t>2/23/2020</a:t>
             </a:fld>
             <a:endParaRPr lang="en-US"/>
           </a:p>
@@ -4959,6 +4974,183 @@
 </p:sld>
 </file>
 
+<file path=ppt/slides/slide19.xml><?xml version="1.0" encoding="utf-8"?>
+<p:sld xmlns:a="http://schemas.openxmlformats.org/drawingml/2006/main" xmlns:r="http://schemas.openxmlformats.org/officeDocument/2006/relationships" xmlns:p="http://schemas.openxmlformats.org/presentationml/2006/main">
+  <p:cSld>
+    <p:bg>
+      <p:bgPr>
+        <a:solidFill>
+          <a:schemeClr val="bg1"/>
+        </a:solidFill>
+        <a:effectLst/>
+      </p:bgPr>
+    </p:bg>
+    <p:spTree>
+      <p:nvGrpSpPr>
+        <p:cNvPr id="1" name=""/>
+        <p:cNvGrpSpPr/>
+        <p:nvPr/>
+      </p:nvGrpSpPr>
+      <p:grpSpPr>
+        <a:xfrm>
+          <a:off x="0" y="0"/>
+          <a:ext cx="0" cy="0"/>
+          <a:chOff x="0" y="0"/>
+          <a:chExt cx="0" cy="0"/>
+        </a:xfrm>
+      </p:grpSpPr>
+      <p:sp>
+        <p:nvSpPr>
+          <p:cNvPr id="10" name="Rectangle 9">
+            <a:extLst>
+              <a:ext uri="{FF2B5EF4-FFF2-40B4-BE49-F238E27FC236}">
+                <a16:creationId xmlns:a16="http://schemas.microsoft.com/office/drawing/2014/main" id="{51D98CAC-3EFF-4342-BD5A-6C0E8CAB4C1A}"/>
+              </a:ext>
+              <a:ext uri="{C183D7F6-B498-43B3-948B-1728B52AA6E4}">
+                <adec:decorative xmlns:adec="http://schemas.microsoft.com/office/drawing/2017/decorative" val="1"/>
+              </a:ext>
+            </a:extLst>
+          </p:cNvPr>
+          <p:cNvSpPr>
+            <a:spLocks noGrp="1" noRot="1" noChangeAspect="1" noMove="1" noResize="1" noEditPoints="1" noAdjustHandles="1" noChangeArrowheads="1" noChangeShapeType="1" noTextEdit="1"/>
+          </p:cNvSpPr>
+          <p:nvPr>
+            <p:extLst>
+              <p:ext uri="{386F3935-93C4-4BCD-93E2-E3B085C9AB24}">
+                <p16:designElem xmlns:p16="http://schemas.microsoft.com/office/powerpoint/2015/main" val="1"/>
+              </p:ext>
+            </p:extLst>
+          </p:nvPr>
+        </p:nvSpPr>
+        <p:spPr>
+          <a:xfrm flipV="1">
+            <a:off x="838200" y="520700"/>
+            <a:ext cx="10515600" cy="3486150"/>
+          </a:xfrm>
+          <a:prstGeom prst="rect">
+            <a:avLst/>
+          </a:prstGeom>
+          <a:solidFill>
+            <a:schemeClr val="accent1"/>
+          </a:solidFill>
+          <a:ln>
+            <a:noFill/>
+          </a:ln>
+        </p:spPr>
+        <p:style>
+          <a:lnRef idx="2">
+            <a:schemeClr val="accent1">
+              <a:shade val="50000"/>
+            </a:schemeClr>
+          </a:lnRef>
+          <a:fillRef idx="1">
+            <a:schemeClr val="accent1"/>
+          </a:fillRef>
+          <a:effectRef idx="0">
+            <a:schemeClr val="accent1"/>
+          </a:effectRef>
+          <a:fontRef idx="minor">
+            <a:schemeClr val="lt1"/>
+          </a:fontRef>
+        </p:style>
+        <p:txBody>
+          <a:bodyPr rtlCol="0" anchor="ctr"/>
+          <a:lstStyle/>
+          <a:p>
+            <a:pPr algn="ctr"/>
+            <a:endParaRPr lang="en-US"/>
+          </a:p>
+        </p:txBody>
+      </p:sp>
+      <p:sp>
+        <p:nvSpPr>
+          <p:cNvPr id="4" name="Title 3">
+            <a:extLst>
+              <a:ext uri="{FF2B5EF4-FFF2-40B4-BE49-F238E27FC236}">
+                <a16:creationId xmlns:a16="http://schemas.microsoft.com/office/drawing/2014/main" id="{A8CD6B1F-D1CF-49A8-824D-7BD94D38F909}"/>
+              </a:ext>
+            </a:extLst>
+          </p:cNvPr>
+          <p:cNvSpPr>
+            <a:spLocks noGrp="1"/>
+          </p:cNvSpPr>
+          <p:nvPr>
+            <p:ph type="ctrTitle"/>
+          </p:nvPr>
+        </p:nvSpPr>
+        <p:spPr>
+          <a:xfrm>
+            <a:off x="1330325" y="958852"/>
+            <a:ext cx="9531350" cy="2514597"/>
+          </a:xfrm>
+        </p:spPr>
+        <p:txBody>
+          <a:bodyPr anchor="b">
+            <a:normAutofit/>
+          </a:bodyPr>
+          <a:lstStyle/>
+          <a:p>
+            <a:r>
+              <a:rPr lang="vi-VN" sz="8000" dirty="0">
+                <a:solidFill>
+                  <a:srgbClr val="FFFFFF"/>
+                </a:solidFill>
+              </a:rPr>
+              <a:t>Kiểu dữ liệu</a:t>
+            </a:r>
+            <a:endParaRPr lang="en-US" sz="8000" dirty="0">
+              <a:solidFill>
+                <a:srgbClr val="FFFFFF"/>
+              </a:solidFill>
+            </a:endParaRPr>
+          </a:p>
+        </p:txBody>
+      </p:sp>
+      <p:sp>
+        <p:nvSpPr>
+          <p:cNvPr id="5" name="Subtitle 4">
+            <a:extLst>
+              <a:ext uri="{FF2B5EF4-FFF2-40B4-BE49-F238E27FC236}">
+                <a16:creationId xmlns:a16="http://schemas.microsoft.com/office/drawing/2014/main" id="{DC0684E4-8348-40C4-812F-8F8725AC41ED}"/>
+              </a:ext>
+            </a:extLst>
+          </p:cNvPr>
+          <p:cNvSpPr>
+            <a:spLocks noGrp="1"/>
+          </p:cNvSpPr>
+          <p:nvPr>
+            <p:ph type="subTitle" idx="1"/>
+          </p:nvPr>
+        </p:nvSpPr>
+        <p:spPr>
+          <a:xfrm>
+            <a:off x="1330324" y="4305300"/>
+            <a:ext cx="9585326" cy="1454150"/>
+          </a:xfrm>
+        </p:spPr>
+        <p:txBody>
+          <a:bodyPr>
+            <a:normAutofit/>
+          </a:bodyPr>
+          <a:lstStyle/>
+          <a:p>
+            <a:endParaRPr lang="en-US" sz="3200"/>
+          </a:p>
+        </p:txBody>
+      </p:sp>
+    </p:spTree>
+    <p:extLst>
+      <p:ext uri="{BB962C8B-B14F-4D97-AF65-F5344CB8AC3E}">
+        <p14:creationId xmlns:p14="http://schemas.microsoft.com/office/powerpoint/2010/main" val="1737723623"/>
+      </p:ext>
+    </p:extLst>
+  </p:cSld>
+  <p:clrMapOvr>
+    <a:masterClrMapping/>
+  </p:clrMapOvr>
+</p:sld>
+</file>
+
 <file path=ppt/slides/slide2.xml><?xml version="1.0" encoding="utf-8"?>
 <p:sld xmlns:a="http://schemas.openxmlformats.org/drawingml/2006/main" xmlns:r="http://schemas.openxmlformats.org/officeDocument/2006/relationships" xmlns:p="http://schemas.openxmlformats.org/presentationml/2006/main">
   <p:cSld>
@@ -5246,10 +5438,23 @@
           <a:lstStyle/>
           <a:p>
             <a:r>
-              <a:rPr lang="vi-VN" sz="2200"/>
+              <a:rPr lang="vi-VN" sz="2200" dirty="0"/>
               <a:t>Cài đặt và làm quen với môi trường phát triển Python</a:t>
             </a:r>
-            <a:endParaRPr lang="en-US" sz="2200"/>
+            <a:endParaRPr lang="en-US" sz="2200" dirty="0"/>
+          </a:p>
+          <a:p>
+            <a:r>
+              <a:rPr lang="vi-VN" sz="2200" dirty="0"/>
+              <a:t>Biến và toán tử</a:t>
+            </a:r>
+          </a:p>
+          <a:p>
+            <a:r>
+              <a:rPr lang="vi-VN" sz="2200" dirty="0"/>
+              <a:t>Kiểu dữ liệu </a:t>
+            </a:r>
+            <a:endParaRPr lang="en-US" sz="2200" dirty="0"/>
           </a:p>
         </p:txBody>
       </p:sp>
@@ -5257,6 +5462,1361 @@
     <p:extLst>
       <p:ext uri="{BB962C8B-B14F-4D97-AF65-F5344CB8AC3E}">
         <p14:creationId xmlns:p14="http://schemas.microsoft.com/office/powerpoint/2010/main" val="3476388793"/>
+      </p:ext>
+    </p:extLst>
+  </p:cSld>
+  <p:clrMapOvr>
+    <a:masterClrMapping/>
+  </p:clrMapOvr>
+</p:sld>
+</file>
+
+<file path=ppt/slides/slide20.xml><?xml version="1.0" encoding="utf-8"?>
+<p:sld xmlns:a="http://schemas.openxmlformats.org/drawingml/2006/main" xmlns:r="http://schemas.openxmlformats.org/officeDocument/2006/relationships" xmlns:p="http://schemas.openxmlformats.org/presentationml/2006/main">
+  <p:cSld>
+    <p:spTree>
+      <p:nvGrpSpPr>
+        <p:cNvPr id="1" name=""/>
+        <p:cNvGrpSpPr/>
+        <p:nvPr/>
+      </p:nvGrpSpPr>
+      <p:grpSpPr>
+        <a:xfrm>
+          <a:off x="0" y="0"/>
+          <a:ext cx="0" cy="0"/>
+          <a:chOff x="0" y="0"/>
+          <a:chExt cx="0" cy="0"/>
+        </a:xfrm>
+      </p:grpSpPr>
+      <p:sp>
+        <p:nvSpPr>
+          <p:cNvPr id="2" name="Title 1">
+            <a:extLst>
+              <a:ext uri="{FF2B5EF4-FFF2-40B4-BE49-F238E27FC236}">
+                <a16:creationId xmlns:a16="http://schemas.microsoft.com/office/drawing/2014/main" id="{27065C97-A346-4A56-B933-3C13FD3CA3F4}"/>
+              </a:ext>
+            </a:extLst>
+          </p:cNvPr>
+          <p:cNvSpPr>
+            <a:spLocks noGrp="1"/>
+          </p:cNvSpPr>
+          <p:nvPr>
+            <p:ph type="title"/>
+          </p:nvPr>
+        </p:nvSpPr>
+        <p:spPr/>
+        <p:txBody>
+          <a:bodyPr/>
+          <a:lstStyle/>
+          <a:p>
+            <a:r>
+              <a:rPr lang="vi-VN" dirty="0"/>
+              <a:t>Nội dung</a:t>
+            </a:r>
+            <a:endParaRPr lang="en-US" dirty="0"/>
+          </a:p>
+        </p:txBody>
+      </p:sp>
+      <p:sp>
+        <p:nvSpPr>
+          <p:cNvPr id="3" name="Content Placeholder 2">
+            <a:extLst>
+              <a:ext uri="{FF2B5EF4-FFF2-40B4-BE49-F238E27FC236}">
+                <a16:creationId xmlns:a16="http://schemas.microsoft.com/office/drawing/2014/main" id="{1BFC4BF2-E76B-449C-82AC-03F887EEFABA}"/>
+              </a:ext>
+            </a:extLst>
+          </p:cNvPr>
+          <p:cNvSpPr>
+            <a:spLocks noGrp="1"/>
+          </p:cNvSpPr>
+          <p:nvPr>
+            <p:ph idx="1"/>
+          </p:nvPr>
+        </p:nvSpPr>
+        <p:spPr/>
+        <p:txBody>
+          <a:bodyPr/>
+          <a:lstStyle/>
+          <a:p>
+            <a:r>
+              <a:rPr lang="vi-VN" dirty="0"/>
+              <a:t>Intergers</a:t>
+            </a:r>
+          </a:p>
+          <a:p>
+            <a:r>
+              <a:rPr lang="vi-VN" dirty="0"/>
+              <a:t>Float</a:t>
+            </a:r>
+          </a:p>
+          <a:p>
+            <a:r>
+              <a:rPr lang="vi-VN" dirty="0"/>
+              <a:t>String</a:t>
+            </a:r>
+          </a:p>
+          <a:p>
+            <a:r>
+              <a:rPr lang="vi-VN" dirty="0"/>
+              <a:t>Type Casting(Ép kiểu)</a:t>
+            </a:r>
+          </a:p>
+          <a:p>
+            <a:r>
+              <a:rPr lang="vi-VN" dirty="0"/>
+              <a:t>List</a:t>
+            </a:r>
+          </a:p>
+          <a:p>
+            <a:r>
+              <a:rPr lang="vi-VN" dirty="0"/>
+              <a:t>Tuple</a:t>
+            </a:r>
+          </a:p>
+          <a:p>
+            <a:r>
+              <a:rPr lang="vi-VN" dirty="0"/>
+              <a:t>Dictionary</a:t>
+            </a:r>
+            <a:endParaRPr lang="en-US" dirty="0"/>
+          </a:p>
+        </p:txBody>
+      </p:sp>
+    </p:spTree>
+    <p:extLst>
+      <p:ext uri="{BB962C8B-B14F-4D97-AF65-F5344CB8AC3E}">
+        <p14:creationId xmlns:p14="http://schemas.microsoft.com/office/powerpoint/2010/main" val="2054307155"/>
+      </p:ext>
+    </p:extLst>
+  </p:cSld>
+  <p:clrMapOvr>
+    <a:masterClrMapping/>
+  </p:clrMapOvr>
+</p:sld>
+</file>
+
+<file path=ppt/slides/slide21.xml><?xml version="1.0" encoding="utf-8"?>
+<p:sld xmlns:a="http://schemas.openxmlformats.org/drawingml/2006/main" xmlns:r="http://schemas.openxmlformats.org/officeDocument/2006/relationships" xmlns:p="http://schemas.openxmlformats.org/presentationml/2006/main">
+  <p:cSld>
+    <p:spTree>
+      <p:nvGrpSpPr>
+        <p:cNvPr id="1" name=""/>
+        <p:cNvGrpSpPr/>
+        <p:nvPr/>
+      </p:nvGrpSpPr>
+      <p:grpSpPr>
+        <a:xfrm>
+          <a:off x="0" y="0"/>
+          <a:ext cx="0" cy="0"/>
+          <a:chOff x="0" y="0"/>
+          <a:chExt cx="0" cy="0"/>
+        </a:xfrm>
+      </p:grpSpPr>
+      <p:sp>
+        <p:nvSpPr>
+          <p:cNvPr id="2" name="Title 1">
+            <a:extLst>
+              <a:ext uri="{FF2B5EF4-FFF2-40B4-BE49-F238E27FC236}">
+                <a16:creationId xmlns:a16="http://schemas.microsoft.com/office/drawing/2014/main" id="{48D3369B-08D5-47EF-9002-A503025E6EC0}"/>
+              </a:ext>
+            </a:extLst>
+          </p:cNvPr>
+          <p:cNvSpPr>
+            <a:spLocks noGrp="1"/>
+          </p:cNvSpPr>
+          <p:nvPr>
+            <p:ph type="title"/>
+          </p:nvPr>
+        </p:nvSpPr>
+        <p:spPr/>
+        <p:txBody>
+          <a:bodyPr/>
+          <a:lstStyle/>
+          <a:p>
+            <a:r>
+              <a:rPr lang="vi-VN" dirty="0"/>
+              <a:t>Intergers</a:t>
+            </a:r>
+            <a:endParaRPr lang="en-US" dirty="0"/>
+          </a:p>
+        </p:txBody>
+      </p:sp>
+      <p:sp>
+        <p:nvSpPr>
+          <p:cNvPr id="3" name="Content Placeholder 2">
+            <a:extLst>
+              <a:ext uri="{FF2B5EF4-FFF2-40B4-BE49-F238E27FC236}">
+                <a16:creationId xmlns:a16="http://schemas.microsoft.com/office/drawing/2014/main" id="{FF31970E-B9D5-4B5A-AA27-86B3D22BE8D3}"/>
+              </a:ext>
+            </a:extLst>
+          </p:cNvPr>
+          <p:cNvSpPr>
+            <a:spLocks noGrp="1"/>
+          </p:cNvSpPr>
+          <p:nvPr>
+            <p:ph idx="1"/>
+          </p:nvPr>
+        </p:nvSpPr>
+        <p:spPr/>
+        <p:txBody>
+          <a:bodyPr/>
+          <a:lstStyle/>
+          <a:p>
+            <a:r>
+              <a:rPr lang="vi-VN" dirty="0"/>
+              <a:t>Số nguyên có dấu. VD: -5, -4, 0, 1, 2...</a:t>
+            </a:r>
+          </a:p>
+          <a:p>
+            <a:r>
+              <a:rPr lang="vi-VN" dirty="0"/>
+              <a:t>Khai báo: ten=giatrikhoitao</a:t>
+            </a:r>
+          </a:p>
+          <a:p>
+            <a:pPr marL="0" indent="0">
+              <a:buNone/>
+            </a:pPr>
+            <a:r>
+              <a:rPr lang="vi-VN" dirty="0"/>
+              <a:t>	VD: userName=“acb”, id=113</a:t>
+            </a:r>
+          </a:p>
+          <a:p>
+            <a:pPr marL="0" indent="0">
+              <a:buNone/>
+            </a:pPr>
+            <a:endParaRPr lang="en-US" dirty="0"/>
+          </a:p>
+        </p:txBody>
+      </p:sp>
+    </p:spTree>
+    <p:extLst>
+      <p:ext uri="{BB962C8B-B14F-4D97-AF65-F5344CB8AC3E}">
+        <p14:creationId xmlns:p14="http://schemas.microsoft.com/office/powerpoint/2010/main" val="2631243311"/>
+      </p:ext>
+    </p:extLst>
+  </p:cSld>
+  <p:clrMapOvr>
+    <a:masterClrMapping/>
+  </p:clrMapOvr>
+</p:sld>
+</file>
+
+<file path=ppt/slides/slide22.xml><?xml version="1.0" encoding="utf-8"?>
+<p:sld xmlns:a="http://schemas.openxmlformats.org/drawingml/2006/main" xmlns:r="http://schemas.openxmlformats.org/officeDocument/2006/relationships" xmlns:p="http://schemas.openxmlformats.org/presentationml/2006/main">
+  <p:cSld>
+    <p:spTree>
+      <p:nvGrpSpPr>
+        <p:cNvPr id="1" name=""/>
+        <p:cNvGrpSpPr/>
+        <p:nvPr/>
+      </p:nvGrpSpPr>
+      <p:grpSpPr>
+        <a:xfrm>
+          <a:off x="0" y="0"/>
+          <a:ext cx="0" cy="0"/>
+          <a:chOff x="0" y="0"/>
+          <a:chExt cx="0" cy="0"/>
+        </a:xfrm>
+      </p:grpSpPr>
+      <p:sp>
+        <p:nvSpPr>
+          <p:cNvPr id="2" name="Title 1">
+            <a:extLst>
+              <a:ext uri="{FF2B5EF4-FFF2-40B4-BE49-F238E27FC236}">
+                <a16:creationId xmlns:a16="http://schemas.microsoft.com/office/drawing/2014/main" id="{A0587A8C-6DE2-4D66-A6D1-F999ED50A251}"/>
+              </a:ext>
+            </a:extLst>
+          </p:cNvPr>
+          <p:cNvSpPr>
+            <a:spLocks noGrp="1"/>
+          </p:cNvSpPr>
+          <p:nvPr>
+            <p:ph type="title"/>
+          </p:nvPr>
+        </p:nvSpPr>
+        <p:spPr/>
+        <p:txBody>
+          <a:bodyPr/>
+          <a:lstStyle/>
+          <a:p>
+            <a:r>
+              <a:rPr lang="vi-VN" dirty="0"/>
+              <a:t>Float</a:t>
+            </a:r>
+            <a:endParaRPr lang="en-US" dirty="0"/>
+          </a:p>
+        </p:txBody>
+      </p:sp>
+      <p:sp>
+        <p:nvSpPr>
+          <p:cNvPr id="3" name="Content Placeholder 2">
+            <a:extLst>
+              <a:ext uri="{FF2B5EF4-FFF2-40B4-BE49-F238E27FC236}">
+                <a16:creationId xmlns:a16="http://schemas.microsoft.com/office/drawing/2014/main" id="{D8BFB15D-F76F-48B4-B9AF-35F5F20975C1}"/>
+              </a:ext>
+            </a:extLst>
+          </p:cNvPr>
+          <p:cNvSpPr>
+            <a:spLocks noGrp="1"/>
+          </p:cNvSpPr>
+          <p:nvPr>
+            <p:ph idx="1"/>
+          </p:nvPr>
+        </p:nvSpPr>
+        <p:spPr/>
+        <p:txBody>
+          <a:bodyPr/>
+          <a:lstStyle/>
+          <a:p>
+            <a:r>
+              <a:rPr lang="vi-VN" dirty="0"/>
+              <a:t>Số thực dấu chấm động. VD 1.234, -1.234...</a:t>
+            </a:r>
+          </a:p>
+          <a:p>
+            <a:r>
+              <a:rPr lang="vi-VN" dirty="0"/>
+              <a:t>Khai báo: tenBien = giatrikhoitao</a:t>
+            </a:r>
+          </a:p>
+          <a:p>
+            <a:r>
+              <a:rPr lang="vi-VN" dirty="0"/>
+              <a:t>VD: userHeight=1.71, userWeight=65.3</a:t>
+            </a:r>
+          </a:p>
+          <a:p>
+            <a:pPr marL="0" indent="0">
+              <a:buNone/>
+            </a:pPr>
+            <a:endParaRPr lang="en-US" dirty="0"/>
+          </a:p>
+        </p:txBody>
+      </p:sp>
+    </p:spTree>
+    <p:extLst>
+      <p:ext uri="{BB962C8B-B14F-4D97-AF65-F5344CB8AC3E}">
+        <p14:creationId xmlns:p14="http://schemas.microsoft.com/office/powerpoint/2010/main" val="4181721740"/>
+      </p:ext>
+    </p:extLst>
+  </p:cSld>
+  <p:clrMapOvr>
+    <a:masterClrMapping/>
+  </p:clrMapOvr>
+</p:sld>
+</file>
+
+<file path=ppt/slides/slide23.xml><?xml version="1.0" encoding="utf-8"?>
+<p:sld xmlns:a="http://schemas.openxmlformats.org/drawingml/2006/main" xmlns:r="http://schemas.openxmlformats.org/officeDocument/2006/relationships" xmlns:p="http://schemas.openxmlformats.org/presentationml/2006/main">
+  <p:cSld>
+    <p:spTree>
+      <p:nvGrpSpPr>
+        <p:cNvPr id="1" name=""/>
+        <p:cNvGrpSpPr/>
+        <p:nvPr/>
+      </p:nvGrpSpPr>
+      <p:grpSpPr>
+        <a:xfrm>
+          <a:off x="0" y="0"/>
+          <a:ext cx="0" cy="0"/>
+          <a:chOff x="0" y="0"/>
+          <a:chExt cx="0" cy="0"/>
+        </a:xfrm>
+      </p:grpSpPr>
+      <p:sp>
+        <p:nvSpPr>
+          <p:cNvPr id="2" name="Title 1">
+            <a:extLst>
+              <a:ext uri="{FF2B5EF4-FFF2-40B4-BE49-F238E27FC236}">
+                <a16:creationId xmlns:a16="http://schemas.microsoft.com/office/drawing/2014/main" id="{026A78D3-D58D-42A0-BEF2-F9D77D294D30}"/>
+              </a:ext>
+            </a:extLst>
+          </p:cNvPr>
+          <p:cNvSpPr>
+            <a:spLocks noGrp="1"/>
+          </p:cNvSpPr>
+          <p:nvPr>
+            <p:ph type="title"/>
+          </p:nvPr>
+        </p:nvSpPr>
+        <p:spPr/>
+        <p:txBody>
+          <a:bodyPr/>
+          <a:lstStyle/>
+          <a:p>
+            <a:r>
+              <a:rPr lang="vi-VN" dirty="0"/>
+              <a:t>String</a:t>
+            </a:r>
+            <a:endParaRPr lang="en-US" dirty="0"/>
+          </a:p>
+        </p:txBody>
+      </p:sp>
+      <p:sp>
+        <p:nvSpPr>
+          <p:cNvPr id="3" name="Content Placeholder 2">
+            <a:extLst>
+              <a:ext uri="{FF2B5EF4-FFF2-40B4-BE49-F238E27FC236}">
+                <a16:creationId xmlns:a16="http://schemas.microsoft.com/office/drawing/2014/main" id="{582A91CB-1D35-4DFA-9A23-CA332ABF81C0}"/>
+              </a:ext>
+            </a:extLst>
+          </p:cNvPr>
+          <p:cNvSpPr>
+            <a:spLocks noGrp="1"/>
+          </p:cNvSpPr>
+          <p:nvPr>
+            <p:ph idx="1"/>
+          </p:nvPr>
+        </p:nvSpPr>
+        <p:spPr/>
+        <p:txBody>
+          <a:bodyPr/>
+          <a:lstStyle/>
+          <a:p>
+            <a:r>
+              <a:rPr lang="vi-VN" dirty="0"/>
+              <a:t>Text</a:t>
+            </a:r>
+          </a:p>
+          <a:p>
+            <a:r>
+              <a:rPr lang="vi-VN" dirty="0"/>
+              <a:t>Khai báo: tenString=“gia tri khoi tao”. </a:t>
+            </a:r>
+          </a:p>
+          <a:p>
+            <a:pPr marL="0" indent="0">
+              <a:buNone/>
+            </a:pPr>
+            <a:r>
+              <a:rPr lang="vi-VN" dirty="0"/>
+              <a:t>Python không phân biệt dấu nháy đơn và dấu nháy kép. Để đồng nhất nên dùng dấu nháy kép. VD: “It’s consistency”</a:t>
+            </a:r>
+          </a:p>
+          <a:p>
+            <a:pPr marL="0" indent="0">
+              <a:buNone/>
+            </a:pPr>
+            <a:r>
+              <a:rPr lang="vi-VN" dirty="0"/>
+              <a:t>VD: </a:t>
+            </a:r>
+          </a:p>
+          <a:p>
+            <a:pPr marL="0" indent="0">
+              <a:buNone/>
+            </a:pPr>
+            <a:r>
+              <a:rPr lang="vi-VN" dirty="0"/>
+              <a:t>	userNam=“abc”</a:t>
+            </a:r>
+          </a:p>
+          <a:p>
+            <a:pPr marL="0" indent="0">
+              <a:buNone/>
+            </a:pPr>
+            <a:r>
+              <a:rPr lang="vi-VN" dirty="0"/>
+              <a:t>	userAge=“30” </a:t>
+            </a:r>
+            <a:r>
+              <a:rPr lang="vi-VN" dirty="0">
+                <a:sym typeface="Wingdings" panose="05000000000000000000" pitchFamily="2" charset="2"/>
+              </a:rPr>
+              <a:t></a:t>
+            </a:r>
+            <a:r>
+              <a:rPr lang="vi-VN" dirty="0"/>
+              <a:t>string</a:t>
+            </a:r>
+          </a:p>
+          <a:p>
+            <a:pPr marL="0" indent="0">
+              <a:buNone/>
+            </a:pPr>
+            <a:r>
+              <a:rPr lang="vi-VN" dirty="0"/>
+              <a:t>	userAge=30    </a:t>
+            </a:r>
+            <a:r>
+              <a:rPr lang="vi-VN" dirty="0">
+                <a:sym typeface="Wingdings" panose="05000000000000000000" pitchFamily="2" charset="2"/>
+              </a:rPr>
+              <a:t>interger</a:t>
+            </a:r>
+            <a:endParaRPr lang="vi-VN" dirty="0"/>
+          </a:p>
+        </p:txBody>
+      </p:sp>
+    </p:spTree>
+    <p:extLst>
+      <p:ext uri="{BB962C8B-B14F-4D97-AF65-F5344CB8AC3E}">
+        <p14:creationId xmlns:p14="http://schemas.microsoft.com/office/powerpoint/2010/main" val="2074755686"/>
+      </p:ext>
+    </p:extLst>
+  </p:cSld>
+  <p:clrMapOvr>
+    <a:masterClrMapping/>
+  </p:clrMapOvr>
+</p:sld>
+</file>
+
+<file path=ppt/slides/slide24.xml><?xml version="1.0" encoding="utf-8"?>
+<p:sld xmlns:a="http://schemas.openxmlformats.org/drawingml/2006/main" xmlns:r="http://schemas.openxmlformats.org/officeDocument/2006/relationships" xmlns:p="http://schemas.openxmlformats.org/presentationml/2006/main">
+  <p:cSld>
+    <p:spTree>
+      <p:nvGrpSpPr>
+        <p:cNvPr id="1" name=""/>
+        <p:cNvGrpSpPr/>
+        <p:nvPr/>
+      </p:nvGrpSpPr>
+      <p:grpSpPr>
+        <a:xfrm>
+          <a:off x="0" y="0"/>
+          <a:ext cx="0" cy="0"/>
+          <a:chOff x="0" y="0"/>
+          <a:chExt cx="0" cy="0"/>
+        </a:xfrm>
+      </p:grpSpPr>
+      <p:sp>
+        <p:nvSpPr>
+          <p:cNvPr id="2" name="Title 1">
+            <a:extLst>
+              <a:ext uri="{FF2B5EF4-FFF2-40B4-BE49-F238E27FC236}">
+                <a16:creationId xmlns:a16="http://schemas.microsoft.com/office/drawing/2014/main" id="{13A27518-9101-468B-B4F9-D4E964F1FEB5}"/>
+              </a:ext>
+            </a:extLst>
+          </p:cNvPr>
+          <p:cNvSpPr>
+            <a:spLocks noGrp="1"/>
+          </p:cNvSpPr>
+          <p:nvPr>
+            <p:ph type="title"/>
+          </p:nvPr>
+        </p:nvSpPr>
+        <p:spPr/>
+        <p:txBody>
+          <a:bodyPr/>
+          <a:lstStyle/>
+          <a:p>
+            <a:r>
+              <a:rPr lang="vi-VN" dirty="0"/>
+              <a:t>Buit-In String functions</a:t>
+            </a:r>
+            <a:endParaRPr lang="en-US" dirty="0"/>
+          </a:p>
+        </p:txBody>
+      </p:sp>
+      <p:sp>
+        <p:nvSpPr>
+          <p:cNvPr id="3" name="Content Placeholder 2">
+            <a:extLst>
+              <a:ext uri="{FF2B5EF4-FFF2-40B4-BE49-F238E27FC236}">
+                <a16:creationId xmlns:a16="http://schemas.microsoft.com/office/drawing/2014/main" id="{471349AC-4A44-4987-AF5D-E367A053F59F}"/>
+              </a:ext>
+            </a:extLst>
+          </p:cNvPr>
+          <p:cNvSpPr>
+            <a:spLocks noGrp="1"/>
+          </p:cNvSpPr>
+          <p:nvPr>
+            <p:ph idx="1"/>
+          </p:nvPr>
+        </p:nvSpPr>
+        <p:spPr>
+          <a:xfrm>
+            <a:off x="838200" y="1825625"/>
+            <a:ext cx="10515600" cy="4667250"/>
+          </a:xfrm>
+        </p:spPr>
+        <p:txBody>
+          <a:bodyPr>
+            <a:normAutofit/>
+          </a:bodyPr>
+          <a:lstStyle/>
+          <a:p>
+            <a:r>
+              <a:rPr lang="vi-VN" dirty="0"/>
+              <a:t>1 số function được Python cung cấp sẵn để thao tác với String như:</a:t>
+            </a:r>
+          </a:p>
+          <a:p>
+            <a:pPr lvl="1"/>
+            <a:r>
+              <a:rPr lang="vi-VN" dirty="0"/>
+              <a:t>uppper()/lower(): chuyển thành chữ hoa/thường</a:t>
+            </a:r>
+          </a:p>
+          <a:p>
+            <a:pPr lvl="1"/>
+            <a:r>
+              <a:rPr lang="vi-VN" dirty="0"/>
+              <a:t>count(...): Đếm ký tự xuất hiện trong String</a:t>
+            </a:r>
+          </a:p>
+          <a:p>
+            <a:pPr lvl="1"/>
+            <a:r>
+              <a:rPr lang="vi-VN" dirty="0"/>
+              <a:t>startwidth()/endwidth(...): kiểm tra String có phải bắt đầu/kết thúc bằng ký tự nào đó không</a:t>
+            </a:r>
+          </a:p>
+          <a:p>
+            <a:pPr lvl="1"/>
+            <a:r>
+              <a:rPr lang="vi-VN" dirty="0"/>
+              <a:t>find/index(...): Tìm index của ký tự nào đó trong string</a:t>
+            </a:r>
+          </a:p>
+          <a:p>
+            <a:pPr lvl="1"/>
+            <a:r>
+              <a:rPr lang="vi-VN" dirty="0"/>
+              <a:t>isalnum()/isalpha(): Kiểm tra có phải string toàn số/ kí tự  không?  </a:t>
+            </a:r>
+          </a:p>
+          <a:p>
+            <a:pPr lvl="1"/>
+            <a:r>
+              <a:rPr lang="vi-VN" dirty="0"/>
+              <a:t>join(...): nối string</a:t>
+            </a:r>
+          </a:p>
+          <a:p>
+            <a:pPr lvl="1"/>
+            <a:r>
+              <a:rPr lang="vi-VN" dirty="0"/>
+              <a:t>split(...): tách string thành list các từ dựa trên kí tự đặc biệt nào đó để tách string</a:t>
+            </a:r>
+          </a:p>
+          <a:p>
+            <a:pPr lvl="1"/>
+            <a:r>
+              <a:rPr lang="vi-VN" dirty="0"/>
+              <a:t>Replace(...)Thay thế ki tự cũ bằng kí tụ mới</a:t>
+            </a:r>
+          </a:p>
+          <a:p>
+            <a:pPr lvl="1"/>
+            <a:endParaRPr lang="vi-VN" dirty="0"/>
+          </a:p>
+        </p:txBody>
+      </p:sp>
+    </p:spTree>
+    <p:extLst>
+      <p:ext uri="{BB962C8B-B14F-4D97-AF65-F5344CB8AC3E}">
+        <p14:creationId xmlns:p14="http://schemas.microsoft.com/office/powerpoint/2010/main" val="2462363609"/>
+      </p:ext>
+    </p:extLst>
+  </p:cSld>
+  <p:clrMapOvr>
+    <a:masterClrMapping/>
+  </p:clrMapOvr>
+</p:sld>
+</file>
+
+<file path=ppt/slides/slide25.xml><?xml version="1.0" encoding="utf-8"?>
+<p:sld xmlns:a="http://schemas.openxmlformats.org/drawingml/2006/main" xmlns:r="http://schemas.openxmlformats.org/officeDocument/2006/relationships" xmlns:p="http://schemas.openxmlformats.org/presentationml/2006/main">
+  <p:cSld>
+    <p:spTree>
+      <p:nvGrpSpPr>
+        <p:cNvPr id="1" name=""/>
+        <p:cNvGrpSpPr/>
+        <p:nvPr/>
+      </p:nvGrpSpPr>
+      <p:grpSpPr>
+        <a:xfrm>
+          <a:off x="0" y="0"/>
+          <a:ext cx="0" cy="0"/>
+          <a:chOff x="0" y="0"/>
+          <a:chExt cx="0" cy="0"/>
+        </a:xfrm>
+      </p:grpSpPr>
+      <p:sp>
+        <p:nvSpPr>
+          <p:cNvPr id="2" name="Title 1">
+            <a:extLst>
+              <a:ext uri="{FF2B5EF4-FFF2-40B4-BE49-F238E27FC236}">
+                <a16:creationId xmlns:a16="http://schemas.microsoft.com/office/drawing/2014/main" id="{D7A12DCC-CC74-4DF6-9695-EC168BA6A214}"/>
+              </a:ext>
+            </a:extLst>
+          </p:cNvPr>
+          <p:cNvSpPr>
+            <a:spLocks noGrp="1"/>
+          </p:cNvSpPr>
+          <p:nvPr>
+            <p:ph type="title"/>
+          </p:nvPr>
+        </p:nvSpPr>
+        <p:spPr/>
+        <p:txBody>
+          <a:bodyPr/>
+          <a:lstStyle/>
+          <a:p>
+            <a:r>
+              <a:rPr lang="vi-VN" dirty="0"/>
+              <a:t>Định dạng(Format) dùng toán tử %</a:t>
+            </a:r>
+            <a:endParaRPr lang="en-US" dirty="0"/>
+          </a:p>
+        </p:txBody>
+      </p:sp>
+      <p:sp>
+        <p:nvSpPr>
+          <p:cNvPr id="3" name="Content Placeholder 2">
+            <a:extLst>
+              <a:ext uri="{FF2B5EF4-FFF2-40B4-BE49-F238E27FC236}">
+                <a16:creationId xmlns:a16="http://schemas.microsoft.com/office/drawing/2014/main" id="{CEF4AA28-C703-4976-9FEA-3A95D741B3F5}"/>
+              </a:ext>
+            </a:extLst>
+          </p:cNvPr>
+          <p:cNvSpPr>
+            <a:spLocks noGrp="1"/>
+          </p:cNvSpPr>
+          <p:nvPr>
+            <p:ph idx="1"/>
+          </p:nvPr>
+        </p:nvSpPr>
+        <p:spPr/>
+        <p:txBody>
+          <a:bodyPr/>
+          <a:lstStyle/>
+          <a:p>
+            <a:pPr marL="0" indent="0">
+              <a:buNone/>
+            </a:pPr>
+            <a:r>
+              <a:rPr lang="vi-VN" dirty="0"/>
+              <a:t>hocky=1</a:t>
+            </a:r>
+          </a:p>
+          <a:p>
+            <a:pPr marL="0" indent="0">
+              <a:buNone/>
+            </a:pPr>
+            <a:r>
+              <a:rPr lang="vi-VN" dirty="0"/>
+              <a:t>ten=“abc”</a:t>
+            </a:r>
+          </a:p>
+          <a:p>
+            <a:pPr marL="0" indent="0">
+              <a:buNone/>
+            </a:pPr>
+            <a:r>
+              <a:rPr lang="vi-VN" dirty="0"/>
+              <a:t>diem=7.126789</a:t>
+            </a:r>
+          </a:p>
+          <a:p>
+            <a:pPr marL="0" indent="0">
+              <a:buNone/>
+            </a:pPr>
+            <a:r>
+              <a:rPr lang="vi-VN" dirty="0"/>
+              <a:t>msg= “ Diem tong ket hoc ky %d cua hoc sinh %s la: %4.2f” %(hocky, ten, diem)</a:t>
+            </a:r>
+          </a:p>
+          <a:p>
+            <a:pPr marL="0" indent="0">
+              <a:buNone/>
+            </a:pPr>
+            <a:endParaRPr lang="vi-VN" dirty="0"/>
+          </a:p>
+          <a:p>
+            <a:pPr marL="0" indent="0">
+              <a:buNone/>
+            </a:pPr>
+            <a:r>
+              <a:rPr lang="vi-VN" dirty="0">
+                <a:sym typeface="Wingdings" panose="05000000000000000000" pitchFamily="2" charset="2"/>
+              </a:rPr>
+              <a:t>Diem tong ket hoc ky 1 cua hoc sinh abc la:  7.13</a:t>
+            </a:r>
+            <a:endParaRPr lang="en-US" dirty="0"/>
+          </a:p>
+        </p:txBody>
+      </p:sp>
+    </p:spTree>
+    <p:extLst>
+      <p:ext uri="{BB962C8B-B14F-4D97-AF65-F5344CB8AC3E}">
+        <p14:creationId xmlns:p14="http://schemas.microsoft.com/office/powerpoint/2010/main" val="1063738058"/>
+      </p:ext>
+    </p:extLst>
+  </p:cSld>
+  <p:clrMapOvr>
+    <a:masterClrMapping/>
+  </p:clrMapOvr>
+</p:sld>
+</file>
+
+<file path=ppt/slides/slide26.xml><?xml version="1.0" encoding="utf-8"?>
+<p:sld xmlns:a="http://schemas.openxmlformats.org/drawingml/2006/main" xmlns:r="http://schemas.openxmlformats.org/officeDocument/2006/relationships" xmlns:p="http://schemas.openxmlformats.org/presentationml/2006/main">
+  <p:cSld>
+    <p:spTree>
+      <p:nvGrpSpPr>
+        <p:cNvPr id="1" name=""/>
+        <p:cNvGrpSpPr/>
+        <p:nvPr/>
+      </p:nvGrpSpPr>
+      <p:grpSpPr>
+        <a:xfrm>
+          <a:off x="0" y="0"/>
+          <a:ext cx="0" cy="0"/>
+          <a:chOff x="0" y="0"/>
+          <a:chExt cx="0" cy="0"/>
+        </a:xfrm>
+      </p:grpSpPr>
+      <p:sp>
+        <p:nvSpPr>
+          <p:cNvPr id="2" name="Title 1">
+            <a:extLst>
+              <a:ext uri="{FF2B5EF4-FFF2-40B4-BE49-F238E27FC236}">
+                <a16:creationId xmlns:a16="http://schemas.microsoft.com/office/drawing/2014/main" id="{4CC6C2F7-2B43-434A-BD86-C4B9D5ABD625}"/>
+              </a:ext>
+            </a:extLst>
+          </p:cNvPr>
+          <p:cNvSpPr>
+            <a:spLocks noGrp="1"/>
+          </p:cNvSpPr>
+          <p:nvPr>
+            <p:ph type="title"/>
+          </p:nvPr>
+        </p:nvSpPr>
+        <p:spPr/>
+        <p:txBody>
+          <a:bodyPr/>
+          <a:lstStyle/>
+          <a:p>
+            <a:r>
+              <a:rPr lang="vi-VN" dirty="0"/>
+              <a:t>Định dạng dùng format()</a:t>
+            </a:r>
+            <a:endParaRPr lang="en-US" dirty="0"/>
+          </a:p>
+        </p:txBody>
+      </p:sp>
+      <p:sp>
+        <p:nvSpPr>
+          <p:cNvPr id="3" name="Content Placeholder 2">
+            <a:extLst>
+              <a:ext uri="{FF2B5EF4-FFF2-40B4-BE49-F238E27FC236}">
+                <a16:creationId xmlns:a16="http://schemas.microsoft.com/office/drawing/2014/main" id="{ED159B01-8815-4F15-B7C3-C56549AF2F66}"/>
+              </a:ext>
+            </a:extLst>
+          </p:cNvPr>
+          <p:cNvSpPr>
+            <a:spLocks noGrp="1"/>
+          </p:cNvSpPr>
+          <p:nvPr>
+            <p:ph idx="1"/>
+          </p:nvPr>
+        </p:nvSpPr>
+        <p:spPr/>
+        <p:txBody>
+          <a:bodyPr/>
+          <a:lstStyle/>
+          <a:p>
+            <a:pPr marL="0" indent="0">
+              <a:buNone/>
+            </a:pPr>
+            <a:r>
+              <a:rPr lang="vi-VN" dirty="0"/>
+              <a:t>hocky=1</a:t>
+            </a:r>
+          </a:p>
+          <a:p>
+            <a:pPr marL="0" indent="0">
+              <a:buNone/>
+            </a:pPr>
+            <a:r>
+              <a:rPr lang="vi-VN" dirty="0"/>
+              <a:t>ten=“abc”</a:t>
+            </a:r>
+          </a:p>
+          <a:p>
+            <a:pPr marL="0" indent="0">
+              <a:buNone/>
+            </a:pPr>
+            <a:r>
+              <a:rPr lang="vi-VN" dirty="0"/>
+              <a:t>diem=7.126789</a:t>
+            </a:r>
+          </a:p>
+          <a:p>
+            <a:pPr marL="0" indent="0">
+              <a:buNone/>
+            </a:pPr>
+            <a:r>
+              <a:rPr lang="vi-VN" dirty="0"/>
+              <a:t>msg= “ Diem tong ket hoc ky {0:d} cua hoc sinh {1:s} la: {2:4.2f}” .format(hocky, ten, diem)</a:t>
+            </a:r>
+          </a:p>
+          <a:p>
+            <a:pPr marL="0" indent="0">
+              <a:buNone/>
+            </a:pPr>
+            <a:endParaRPr lang="vi-VN" dirty="0"/>
+          </a:p>
+          <a:p>
+            <a:pPr marL="0" indent="0">
+              <a:buNone/>
+            </a:pPr>
+            <a:r>
+              <a:rPr lang="vi-VN" dirty="0">
+                <a:sym typeface="Wingdings" panose="05000000000000000000" pitchFamily="2" charset="2"/>
+              </a:rPr>
+              <a:t>Diem tong ket hoc ky 1 cua hoc sinh abc la:  7.13</a:t>
+            </a:r>
+            <a:endParaRPr lang="en-US" dirty="0"/>
+          </a:p>
+          <a:p>
+            <a:endParaRPr lang="en-US" dirty="0"/>
+          </a:p>
+        </p:txBody>
+      </p:sp>
+    </p:spTree>
+    <p:extLst>
+      <p:ext uri="{BB962C8B-B14F-4D97-AF65-F5344CB8AC3E}">
+        <p14:creationId xmlns:p14="http://schemas.microsoft.com/office/powerpoint/2010/main" val="389420943"/>
+      </p:ext>
+    </p:extLst>
+  </p:cSld>
+  <p:clrMapOvr>
+    <a:masterClrMapping/>
+  </p:clrMapOvr>
+</p:sld>
+</file>
+
+<file path=ppt/slides/slide27.xml><?xml version="1.0" encoding="utf-8"?>
+<p:sld xmlns:a="http://schemas.openxmlformats.org/drawingml/2006/main" xmlns:r="http://schemas.openxmlformats.org/officeDocument/2006/relationships" xmlns:p="http://schemas.openxmlformats.org/presentationml/2006/main">
+  <p:cSld>
+    <p:spTree>
+      <p:nvGrpSpPr>
+        <p:cNvPr id="1" name=""/>
+        <p:cNvGrpSpPr/>
+        <p:nvPr/>
+      </p:nvGrpSpPr>
+      <p:grpSpPr>
+        <a:xfrm>
+          <a:off x="0" y="0"/>
+          <a:ext cx="0" cy="0"/>
+          <a:chOff x="0" y="0"/>
+          <a:chExt cx="0" cy="0"/>
+        </a:xfrm>
+      </p:grpSpPr>
+      <p:sp>
+        <p:nvSpPr>
+          <p:cNvPr id="2" name="Title 1">
+            <a:extLst>
+              <a:ext uri="{FF2B5EF4-FFF2-40B4-BE49-F238E27FC236}">
+                <a16:creationId xmlns:a16="http://schemas.microsoft.com/office/drawing/2014/main" id="{81D835C1-2B71-45E6-8E06-EDAB66ACF3B2}"/>
+              </a:ext>
+            </a:extLst>
+          </p:cNvPr>
+          <p:cNvSpPr>
+            <a:spLocks noGrp="1"/>
+          </p:cNvSpPr>
+          <p:nvPr>
+            <p:ph type="title"/>
+          </p:nvPr>
+        </p:nvSpPr>
+        <p:spPr/>
+        <p:txBody>
+          <a:bodyPr/>
+          <a:lstStyle/>
+          <a:p>
+            <a:r>
+              <a:rPr lang="vi-VN" dirty="0"/>
+              <a:t>Type casting(Ép kiểu)</a:t>
+            </a:r>
+            <a:endParaRPr lang="en-US" dirty="0"/>
+          </a:p>
+        </p:txBody>
+      </p:sp>
+      <p:sp>
+        <p:nvSpPr>
+          <p:cNvPr id="3" name="Content Placeholder 2">
+            <a:extLst>
+              <a:ext uri="{FF2B5EF4-FFF2-40B4-BE49-F238E27FC236}">
+                <a16:creationId xmlns:a16="http://schemas.microsoft.com/office/drawing/2014/main" id="{19BF1179-EBBF-441A-826C-C432D8AF3DEE}"/>
+              </a:ext>
+            </a:extLst>
+          </p:cNvPr>
+          <p:cNvSpPr>
+            <a:spLocks noGrp="1"/>
+          </p:cNvSpPr>
+          <p:nvPr>
+            <p:ph idx="1"/>
+          </p:nvPr>
+        </p:nvSpPr>
+        <p:spPr/>
+        <p:txBody>
+          <a:bodyPr>
+            <a:normAutofit lnSpcReduction="10000"/>
+          </a:bodyPr>
+          <a:lstStyle/>
+          <a:p>
+            <a:r>
+              <a:rPr lang="vi-VN" dirty="0"/>
+              <a:t>Chuyển đổi từ kiểu này sang kiểu khác. VD: string sang interger</a:t>
+            </a:r>
+          </a:p>
+          <a:p>
+            <a:r>
+              <a:rPr lang="vi-VN" dirty="0"/>
+              <a:t>Built-in function: int(), float(), str()</a:t>
+            </a:r>
+          </a:p>
+          <a:p>
+            <a:r>
+              <a:rPr lang="vi-VN" dirty="0"/>
+              <a:t>VD: </a:t>
+            </a:r>
+          </a:p>
+          <a:p>
+            <a:pPr lvl="1"/>
+            <a:r>
+              <a:rPr lang="vi-VN" dirty="0"/>
+              <a:t>int(“5”)                             	=&gt;5</a:t>
+            </a:r>
+          </a:p>
+          <a:p>
+            <a:pPr lvl="1"/>
+            <a:r>
+              <a:rPr lang="vi-VN" dirty="0"/>
+              <a:t>int(5.0123)                      	=&gt;5</a:t>
+            </a:r>
+          </a:p>
+          <a:p>
+            <a:pPr lvl="1"/>
+            <a:r>
+              <a:rPr lang="vi-VN" dirty="0"/>
+              <a:t>int(“hello”)                       	=&gt;ERROR</a:t>
+            </a:r>
+          </a:p>
+          <a:p>
+            <a:pPr lvl="1"/>
+            <a:r>
+              <a:rPr lang="vi-VN" dirty="0"/>
+              <a:t>int(“5.0123”)                   	=&gt;ERROR</a:t>
+            </a:r>
+          </a:p>
+          <a:p>
+            <a:pPr lvl="1"/>
+            <a:r>
+              <a:rPr lang="vi-VN" dirty="0"/>
+              <a:t>float(2)				=&gt;2.0</a:t>
+            </a:r>
+          </a:p>
+          <a:p>
+            <a:pPr lvl="1"/>
+            <a:r>
+              <a:rPr lang="vi-VN" dirty="0"/>
+              <a:t>float(“2”)			=&gt;2.0</a:t>
+            </a:r>
+          </a:p>
+          <a:p>
+            <a:pPr lvl="1"/>
+            <a:r>
+              <a:rPr lang="vi-VN" dirty="0"/>
+              <a:t>float(“2.09”)			=&gt;2.09</a:t>
+            </a:r>
+          </a:p>
+          <a:p>
+            <a:pPr lvl="1"/>
+            <a:r>
+              <a:rPr lang="vi-VN" dirty="0"/>
+              <a:t>string(2.1)			=&gt;”2.1”</a:t>
+            </a:r>
+          </a:p>
+          <a:p>
+            <a:pPr lvl="2"/>
+            <a:endParaRPr lang="en-US" dirty="0"/>
+          </a:p>
+        </p:txBody>
+      </p:sp>
+    </p:spTree>
+    <p:extLst>
+      <p:ext uri="{BB962C8B-B14F-4D97-AF65-F5344CB8AC3E}">
+        <p14:creationId xmlns:p14="http://schemas.microsoft.com/office/powerpoint/2010/main" val="903219340"/>
+      </p:ext>
+    </p:extLst>
+  </p:cSld>
+  <p:clrMapOvr>
+    <a:masterClrMapping/>
+  </p:clrMapOvr>
+</p:sld>
+</file>
+
+<file path=ppt/slides/slide28.xml><?xml version="1.0" encoding="utf-8"?>
+<p:sld xmlns:a="http://schemas.openxmlformats.org/drawingml/2006/main" xmlns:r="http://schemas.openxmlformats.org/officeDocument/2006/relationships" xmlns:p="http://schemas.openxmlformats.org/presentationml/2006/main">
+  <p:cSld>
+    <p:spTree>
+      <p:nvGrpSpPr>
+        <p:cNvPr id="1" name=""/>
+        <p:cNvGrpSpPr/>
+        <p:nvPr/>
+      </p:nvGrpSpPr>
+      <p:grpSpPr>
+        <a:xfrm>
+          <a:off x="0" y="0"/>
+          <a:ext cx="0" cy="0"/>
+          <a:chOff x="0" y="0"/>
+          <a:chExt cx="0" cy="0"/>
+        </a:xfrm>
+      </p:grpSpPr>
+      <p:sp>
+        <p:nvSpPr>
+          <p:cNvPr id="2" name="Title 1">
+            <a:extLst>
+              <a:ext uri="{FF2B5EF4-FFF2-40B4-BE49-F238E27FC236}">
+                <a16:creationId xmlns:a16="http://schemas.microsoft.com/office/drawing/2014/main" id="{7DD23F09-1821-4A7B-B7BC-B2FEF88D39FF}"/>
+              </a:ext>
+            </a:extLst>
+          </p:cNvPr>
+          <p:cNvSpPr>
+            <a:spLocks noGrp="1"/>
+          </p:cNvSpPr>
+          <p:nvPr>
+            <p:ph type="title"/>
+          </p:nvPr>
+        </p:nvSpPr>
+        <p:spPr/>
+        <p:txBody>
+          <a:bodyPr/>
+          <a:lstStyle/>
+          <a:p>
+            <a:r>
+              <a:rPr lang="vi-VN" dirty="0"/>
+              <a:t>List</a:t>
+            </a:r>
+            <a:endParaRPr lang="en-US" dirty="0"/>
+          </a:p>
+        </p:txBody>
+      </p:sp>
+      <p:sp>
+        <p:nvSpPr>
+          <p:cNvPr id="3" name="Content Placeholder 2">
+            <a:extLst>
+              <a:ext uri="{FF2B5EF4-FFF2-40B4-BE49-F238E27FC236}">
+                <a16:creationId xmlns:a16="http://schemas.microsoft.com/office/drawing/2014/main" id="{76213A76-80F0-4189-A2E2-B5968198A4A7}"/>
+              </a:ext>
+            </a:extLst>
+          </p:cNvPr>
+          <p:cNvSpPr>
+            <a:spLocks noGrp="1"/>
+          </p:cNvSpPr>
+          <p:nvPr>
+            <p:ph idx="1"/>
+          </p:nvPr>
+        </p:nvSpPr>
+        <p:spPr/>
+        <p:txBody>
+          <a:bodyPr>
+            <a:normAutofit lnSpcReduction="10000"/>
+          </a:bodyPr>
+          <a:lstStyle/>
+          <a:p>
+            <a:r>
+              <a:rPr lang="vi-VN" dirty="0"/>
+              <a:t>Tương tự như mảng trong (C/C++), dùng để lưu trữ 1 mảng các dữ liệu thườn là có liên quan nhau.</a:t>
+            </a:r>
+          </a:p>
+          <a:p>
+            <a:r>
+              <a:rPr lang="vi-VN" dirty="0"/>
+              <a:t>Các thành phần trong list có thể có kiểu dữ liệu khác nhau(Khác biệt với mảng trong (C/C++))</a:t>
+            </a:r>
+          </a:p>
+          <a:p>
+            <a:r>
+              <a:rPr lang="vi-VN" dirty="0"/>
+              <a:t>Khai báo:</a:t>
+            </a:r>
+          </a:p>
+          <a:p>
+            <a:pPr lvl="1"/>
+            <a:r>
+              <a:rPr lang="vi-VN" dirty="0"/>
+              <a:t>tenList=[gia tri khoi tao]</a:t>
+            </a:r>
+          </a:p>
+          <a:p>
+            <a:pPr marL="457200" lvl="1" indent="0">
+              <a:buNone/>
+            </a:pPr>
+            <a:r>
+              <a:rPr lang="vi-VN" dirty="0"/>
+              <a:t>VD: </a:t>
+            </a:r>
+          </a:p>
+          <a:p>
+            <a:pPr marL="457200" lvl="1" indent="0">
+              <a:buNone/>
+            </a:pPr>
+            <a:r>
+              <a:rPr lang="vi-VN" dirty="0"/>
+              <a:t>userAge=[1,  2,  3,  4,  5]</a:t>
+            </a:r>
+          </a:p>
+          <a:p>
+            <a:pPr marL="457200" lvl="1" indent="0">
+              <a:buNone/>
+            </a:pPr>
+            <a:r>
+              <a:rPr lang="vi-VN" dirty="0"/>
+              <a:t>userAge=[]</a:t>
+            </a:r>
+          </a:p>
+          <a:p>
+            <a:pPr marL="457200" lvl="1" indent="0">
+              <a:buNone/>
+            </a:pPr>
+            <a:r>
+              <a:rPr lang="vi-VN" dirty="0"/>
+              <a:t>userAge=[0]</a:t>
+            </a:r>
+          </a:p>
+          <a:p>
+            <a:pPr marL="457200" lvl="1" indent="0">
+              <a:buNone/>
+            </a:pPr>
+            <a:r>
+              <a:rPr lang="vi-VN" dirty="0"/>
+              <a:t>	</a:t>
+            </a:r>
+            <a:endParaRPr lang="en-US" dirty="0"/>
+          </a:p>
+        </p:txBody>
+      </p:sp>
+    </p:spTree>
+    <p:extLst>
+      <p:ext uri="{BB962C8B-B14F-4D97-AF65-F5344CB8AC3E}">
+        <p14:creationId xmlns:p14="http://schemas.microsoft.com/office/powerpoint/2010/main" val="3669856520"/>
+      </p:ext>
+    </p:extLst>
+  </p:cSld>
+  <p:clrMapOvr>
+    <a:masterClrMapping/>
+  </p:clrMapOvr>
+</p:sld>
+</file>
+
+<file path=ppt/slides/slide29.xml><?xml version="1.0" encoding="utf-8"?>
+<p:sld xmlns:a="http://schemas.openxmlformats.org/drawingml/2006/main" xmlns:r="http://schemas.openxmlformats.org/officeDocument/2006/relationships" xmlns:p="http://schemas.openxmlformats.org/presentationml/2006/main">
+  <p:cSld>
+    <p:spTree>
+      <p:nvGrpSpPr>
+        <p:cNvPr id="1" name=""/>
+        <p:cNvGrpSpPr/>
+        <p:nvPr/>
+      </p:nvGrpSpPr>
+      <p:grpSpPr>
+        <a:xfrm>
+          <a:off x="0" y="0"/>
+          <a:ext cx="0" cy="0"/>
+          <a:chOff x="0" y="0"/>
+          <a:chExt cx="0" cy="0"/>
+        </a:xfrm>
+      </p:grpSpPr>
+      <p:sp>
+        <p:nvSpPr>
+          <p:cNvPr id="2" name="Title 1">
+            <a:extLst>
+              <a:ext uri="{FF2B5EF4-FFF2-40B4-BE49-F238E27FC236}">
+                <a16:creationId xmlns:a16="http://schemas.microsoft.com/office/drawing/2014/main" id="{1C594451-D7D2-4743-A1FD-16E5F58852D5}"/>
+              </a:ext>
+            </a:extLst>
+          </p:cNvPr>
+          <p:cNvSpPr>
+            <a:spLocks noGrp="1"/>
+          </p:cNvSpPr>
+          <p:nvPr>
+            <p:ph type="title"/>
+          </p:nvPr>
+        </p:nvSpPr>
+        <p:spPr/>
+        <p:txBody>
+          <a:bodyPr/>
+          <a:lstStyle/>
+          <a:p>
+            <a:r>
+              <a:rPr lang="vi-VN" dirty="0"/>
+              <a:t>Truy cập giá trị các thành phần trong List</a:t>
+            </a:r>
+            <a:endParaRPr lang="en-US" dirty="0"/>
+          </a:p>
+        </p:txBody>
+      </p:sp>
+      <p:sp>
+        <p:nvSpPr>
+          <p:cNvPr id="3" name="Content Placeholder 2">
+            <a:extLst>
+              <a:ext uri="{FF2B5EF4-FFF2-40B4-BE49-F238E27FC236}">
+                <a16:creationId xmlns:a16="http://schemas.microsoft.com/office/drawing/2014/main" id="{18860AEA-0886-4B83-827E-A6547C23CBDD}"/>
+              </a:ext>
+            </a:extLst>
+          </p:cNvPr>
+          <p:cNvSpPr>
+            <a:spLocks noGrp="1"/>
+          </p:cNvSpPr>
+          <p:nvPr>
+            <p:ph idx="1"/>
+          </p:nvPr>
+        </p:nvSpPr>
+        <p:spPr/>
+        <p:txBody>
+          <a:bodyPr/>
+          <a:lstStyle/>
+          <a:p>
+            <a:r>
+              <a:rPr lang="vi-VN" dirty="0"/>
+              <a:t>Truy cập vào các thành phần trong list sử dụng index. Index luôn bắt đầu từ 0(item đầu tiền) hoặc -1(item cuối cùng)</a:t>
+            </a:r>
+          </a:p>
+          <a:p>
+            <a:r>
+              <a:rPr lang="vi-VN" dirty="0"/>
+              <a:t>VD:</a:t>
+            </a:r>
+          </a:p>
+          <a:p>
+            <a:pPr lvl="1"/>
+            <a:r>
+              <a:rPr lang="vi-VN" dirty="0"/>
+              <a:t>userAge[0]=1</a:t>
+            </a:r>
+          </a:p>
+          <a:p>
+            <a:pPr lvl="1"/>
+            <a:r>
+              <a:rPr lang="vi-VN" dirty="0"/>
+              <a:t>userAge[1]=2</a:t>
+            </a:r>
+          </a:p>
+          <a:p>
+            <a:pPr lvl="1"/>
+            <a:r>
+              <a:rPr lang="vi-VN" dirty="0"/>
+              <a:t>userAge[-1]=5</a:t>
+            </a:r>
+          </a:p>
+          <a:p>
+            <a:pPr lvl="1"/>
+            <a:r>
+              <a:rPr lang="vi-VN" dirty="0"/>
+              <a:t>userAge[-2]=4</a:t>
+            </a:r>
+          </a:p>
+        </p:txBody>
+      </p:sp>
+    </p:spTree>
+    <p:extLst>
+      <p:ext uri="{BB962C8B-B14F-4D97-AF65-F5344CB8AC3E}">
+        <p14:creationId xmlns:p14="http://schemas.microsoft.com/office/powerpoint/2010/main" val="1964066416"/>
       </p:ext>
     </p:extLst>
   </p:cSld>
@@ -5434,6 +6994,512 @@
     <p:extLst>
       <p:ext uri="{BB962C8B-B14F-4D97-AF65-F5344CB8AC3E}">
         <p14:creationId xmlns:p14="http://schemas.microsoft.com/office/powerpoint/2010/main" val="1323205458"/>
+      </p:ext>
+    </p:extLst>
+  </p:cSld>
+  <p:clrMapOvr>
+    <a:masterClrMapping/>
+  </p:clrMapOvr>
+</p:sld>
+</file>
+
+<file path=ppt/slides/slide30.xml><?xml version="1.0" encoding="utf-8"?>
+<p:sld xmlns:a="http://schemas.openxmlformats.org/drawingml/2006/main" xmlns:r="http://schemas.openxmlformats.org/officeDocument/2006/relationships" xmlns:p="http://schemas.openxmlformats.org/presentationml/2006/main">
+  <p:cSld>
+    <p:spTree>
+      <p:nvGrpSpPr>
+        <p:cNvPr id="1" name=""/>
+        <p:cNvGrpSpPr/>
+        <p:nvPr/>
+      </p:nvGrpSpPr>
+      <p:grpSpPr>
+        <a:xfrm>
+          <a:off x="0" y="0"/>
+          <a:ext cx="0" cy="0"/>
+          <a:chOff x="0" y="0"/>
+          <a:chExt cx="0" cy="0"/>
+        </a:xfrm>
+      </p:grpSpPr>
+      <p:sp>
+        <p:nvSpPr>
+          <p:cNvPr id="2" name="Title 1">
+            <a:extLst>
+              <a:ext uri="{FF2B5EF4-FFF2-40B4-BE49-F238E27FC236}">
+                <a16:creationId xmlns:a16="http://schemas.microsoft.com/office/drawing/2014/main" id="{7421B83A-DBE9-4713-88A1-9C024CF88CCE}"/>
+              </a:ext>
+            </a:extLst>
+          </p:cNvPr>
+          <p:cNvSpPr>
+            <a:spLocks noGrp="1"/>
+          </p:cNvSpPr>
+          <p:nvPr>
+            <p:ph type="title"/>
+          </p:nvPr>
+        </p:nvSpPr>
+        <p:spPr/>
+        <p:txBody>
+          <a:bodyPr/>
+          <a:lstStyle/>
+          <a:p>
+            <a:r>
+              <a:rPr lang="vi-VN" dirty="0"/>
+              <a:t>Gán giá trị</a:t>
+            </a:r>
+            <a:endParaRPr lang="en-US" dirty="0"/>
+          </a:p>
+        </p:txBody>
+      </p:sp>
+      <p:sp>
+        <p:nvSpPr>
+          <p:cNvPr id="3" name="Content Placeholder 2">
+            <a:extLst>
+              <a:ext uri="{FF2B5EF4-FFF2-40B4-BE49-F238E27FC236}">
+                <a16:creationId xmlns:a16="http://schemas.microsoft.com/office/drawing/2014/main" id="{991814D7-BD6C-4E90-9415-1A44040A8928}"/>
+              </a:ext>
+            </a:extLst>
+          </p:cNvPr>
+          <p:cNvSpPr>
+            <a:spLocks noGrp="1"/>
+          </p:cNvSpPr>
+          <p:nvPr>
+            <p:ph idx="1"/>
+          </p:nvPr>
+        </p:nvSpPr>
+        <p:spPr/>
+        <p:txBody>
+          <a:bodyPr/>
+          <a:lstStyle/>
+          <a:p>
+            <a:pPr marL="0" indent="0">
+              <a:buNone/>
+            </a:pPr>
+            <a:r>
+              <a:rPr lang="vi-VN" dirty="0"/>
+              <a:t>Gán giá trị:</a:t>
+            </a:r>
+          </a:p>
+          <a:p>
+            <a:r>
+              <a:rPr lang="vi-VN" dirty="0"/>
+              <a:t>Có thể gán 1 list, hoặc 1 phần của nó cho 1 biến</a:t>
+            </a:r>
+          </a:p>
+          <a:p>
+            <a:pPr marL="0" indent="0">
+              <a:buNone/>
+            </a:pPr>
+            <a:r>
+              <a:rPr lang="vi-VN" dirty="0"/>
+              <a:t>VD: </a:t>
+            </a:r>
+          </a:p>
+          <a:p>
+            <a:pPr marL="0" indent="0">
+              <a:buNone/>
+            </a:pPr>
+            <a:r>
+              <a:rPr lang="vi-VN" dirty="0"/>
+              <a:t>userAge1=userAge		=&gt;	userAger1=[1, 2, 3, 4, 5]</a:t>
+            </a:r>
+          </a:p>
+          <a:p>
+            <a:pPr marL="0" indent="0">
+              <a:buNone/>
+            </a:pPr>
+            <a:endParaRPr lang="vi-VN" dirty="0"/>
+          </a:p>
+          <a:p>
+            <a:pPr marL="0" indent="0">
+              <a:buNone/>
+            </a:pPr>
+            <a:r>
+              <a:rPr lang="vi-VN" dirty="0"/>
+              <a:t>userAge2=userAge[2:4]	=&gt;	userAge2=[3, 4] </a:t>
+            </a:r>
+          </a:p>
+          <a:p>
+            <a:pPr marL="0" indent="0">
+              <a:buNone/>
+            </a:pPr>
+            <a:r>
+              <a:rPr lang="vi-VN" dirty="0"/>
+              <a:t>Slice List từ index 2 đến index 4-1</a:t>
+            </a:r>
+          </a:p>
+        </p:txBody>
+      </p:sp>
+    </p:spTree>
+    <p:extLst>
+      <p:ext uri="{BB962C8B-B14F-4D97-AF65-F5344CB8AC3E}">
+        <p14:creationId xmlns:p14="http://schemas.microsoft.com/office/powerpoint/2010/main" val="3050276033"/>
+      </p:ext>
+    </p:extLst>
+  </p:cSld>
+  <p:clrMapOvr>
+    <a:masterClrMapping/>
+  </p:clrMapOvr>
+</p:sld>
+</file>
+
+<file path=ppt/slides/slide31.xml><?xml version="1.0" encoding="utf-8"?>
+<p:sld xmlns:a="http://schemas.openxmlformats.org/drawingml/2006/main" xmlns:r="http://schemas.openxmlformats.org/officeDocument/2006/relationships" xmlns:p="http://schemas.openxmlformats.org/presentationml/2006/main">
+  <p:cSld>
+    <p:spTree>
+      <p:nvGrpSpPr>
+        <p:cNvPr id="1" name=""/>
+        <p:cNvGrpSpPr/>
+        <p:nvPr/>
+      </p:nvGrpSpPr>
+      <p:grpSpPr>
+        <a:xfrm>
+          <a:off x="0" y="0"/>
+          <a:ext cx="0" cy="0"/>
+          <a:chOff x="0" y="0"/>
+          <a:chExt cx="0" cy="0"/>
+        </a:xfrm>
+      </p:grpSpPr>
+      <p:sp>
+        <p:nvSpPr>
+          <p:cNvPr id="2" name="Title 1">
+            <a:extLst>
+              <a:ext uri="{FF2B5EF4-FFF2-40B4-BE49-F238E27FC236}">
+                <a16:creationId xmlns:a16="http://schemas.microsoft.com/office/drawing/2014/main" id="{43BAA25D-9269-446B-9D1B-B5EAB2EBF665}"/>
+              </a:ext>
+            </a:extLst>
+          </p:cNvPr>
+          <p:cNvSpPr>
+            <a:spLocks noGrp="1"/>
+          </p:cNvSpPr>
+          <p:nvPr>
+            <p:ph type="title"/>
+          </p:nvPr>
+        </p:nvSpPr>
+        <p:spPr/>
+        <p:txBody>
+          <a:bodyPr/>
+          <a:lstStyle/>
+          <a:p>
+            <a:r>
+              <a:rPr lang="vi-VN" dirty="0"/>
+              <a:t>Slice</a:t>
+            </a:r>
+            <a:endParaRPr lang="en-US" dirty="0"/>
+          </a:p>
+        </p:txBody>
+      </p:sp>
+      <p:sp>
+        <p:nvSpPr>
+          <p:cNvPr id="3" name="Content Placeholder 2">
+            <a:extLst>
+              <a:ext uri="{FF2B5EF4-FFF2-40B4-BE49-F238E27FC236}">
+                <a16:creationId xmlns:a16="http://schemas.microsoft.com/office/drawing/2014/main" id="{79A7EAD4-124F-4137-BD89-99203CA45273}"/>
+              </a:ext>
+            </a:extLst>
+          </p:cNvPr>
+          <p:cNvSpPr>
+            <a:spLocks noGrp="1"/>
+          </p:cNvSpPr>
+          <p:nvPr>
+            <p:ph idx="1"/>
+          </p:nvPr>
+        </p:nvSpPr>
+        <p:spPr/>
+        <p:txBody>
+          <a:bodyPr/>
+          <a:lstStyle/>
+          <a:p>
+            <a:r>
+              <a:rPr lang="vi-VN" dirty="0"/>
+              <a:t>userAge3=userAge[1:5:2]		=&gt; userAge3=[2, 4]</a:t>
+            </a:r>
+          </a:p>
+          <a:p>
+            <a:pPr marL="0" indent="0">
+              <a:buNone/>
+            </a:pPr>
+            <a:r>
+              <a:rPr lang="vi-VN" dirty="0"/>
+              <a:t># Thêm step=2</a:t>
+            </a:r>
+          </a:p>
+          <a:p>
+            <a:pPr marL="0" indent="0">
+              <a:buNone/>
+            </a:pPr>
+            <a:r>
+              <a:rPr lang="vi-VN" dirty="0"/>
+              <a:t>Một vài giá trị mặc định:</a:t>
+            </a:r>
+          </a:p>
+          <a:p>
+            <a:pPr marL="0" indent="0">
+              <a:buNone/>
+            </a:pPr>
+            <a:r>
+              <a:rPr lang="vi-VN" dirty="0"/>
+              <a:t>[ :4] </a:t>
+            </a:r>
+            <a:r>
+              <a:rPr lang="vi-VN" dirty="0">
+                <a:sym typeface="Wingdings" panose="05000000000000000000" pitchFamily="2" charset="2"/>
+              </a:rPr>
+              <a:t>[0:4]</a:t>
+            </a:r>
+          </a:p>
+          <a:p>
+            <a:pPr marL="0" indent="0">
+              <a:buNone/>
+            </a:pPr>
+            <a:r>
+              <a:rPr lang="vi-VN" dirty="0"/>
+              <a:t>[1: ] </a:t>
+            </a:r>
+            <a:r>
+              <a:rPr lang="vi-VN" dirty="0">
+                <a:sym typeface="Wingdings" panose="05000000000000000000" pitchFamily="2" charset="2"/>
+              </a:rPr>
+              <a:t>[1:5]</a:t>
+            </a:r>
+            <a:endParaRPr lang="vi-VN" dirty="0"/>
+          </a:p>
+        </p:txBody>
+      </p:sp>
+    </p:spTree>
+    <p:extLst>
+      <p:ext uri="{BB962C8B-B14F-4D97-AF65-F5344CB8AC3E}">
+        <p14:creationId xmlns:p14="http://schemas.microsoft.com/office/powerpoint/2010/main" val="3882139459"/>
+      </p:ext>
+    </p:extLst>
+  </p:cSld>
+  <p:clrMapOvr>
+    <a:masterClrMapping/>
+  </p:clrMapOvr>
+</p:sld>
+</file>
+
+<file path=ppt/slides/slide32.xml><?xml version="1.0" encoding="utf-8"?>
+<p:sld xmlns:a="http://schemas.openxmlformats.org/drawingml/2006/main" xmlns:r="http://schemas.openxmlformats.org/officeDocument/2006/relationships" xmlns:p="http://schemas.openxmlformats.org/presentationml/2006/main">
+  <p:cSld>
+    <p:spTree>
+      <p:nvGrpSpPr>
+        <p:cNvPr id="1" name=""/>
+        <p:cNvGrpSpPr/>
+        <p:nvPr/>
+      </p:nvGrpSpPr>
+      <p:grpSpPr>
+        <a:xfrm>
+          <a:off x="0" y="0"/>
+          <a:ext cx="0" cy="0"/>
+          <a:chOff x="0" y="0"/>
+          <a:chExt cx="0" cy="0"/>
+        </a:xfrm>
+      </p:grpSpPr>
+      <p:sp>
+        <p:nvSpPr>
+          <p:cNvPr id="2" name="Title 1">
+            <a:extLst>
+              <a:ext uri="{FF2B5EF4-FFF2-40B4-BE49-F238E27FC236}">
+                <a16:creationId xmlns:a16="http://schemas.microsoft.com/office/drawing/2014/main" id="{4A5252C7-CEF0-4A39-97E4-ED456BA7DC84}"/>
+              </a:ext>
+            </a:extLst>
+          </p:cNvPr>
+          <p:cNvSpPr>
+            <a:spLocks noGrp="1"/>
+          </p:cNvSpPr>
+          <p:nvPr>
+            <p:ph type="title"/>
+          </p:nvPr>
+        </p:nvSpPr>
+        <p:spPr/>
+        <p:txBody>
+          <a:bodyPr/>
+          <a:lstStyle/>
+          <a:p>
+            <a:r>
+              <a:rPr lang="vi-VN" dirty="0"/>
+              <a:t>Chỉnh sửa list</a:t>
+            </a:r>
+            <a:endParaRPr lang="en-US" dirty="0"/>
+          </a:p>
+        </p:txBody>
+      </p:sp>
+      <p:sp>
+        <p:nvSpPr>
+          <p:cNvPr id="3" name="Content Placeholder 2">
+            <a:extLst>
+              <a:ext uri="{FF2B5EF4-FFF2-40B4-BE49-F238E27FC236}">
+                <a16:creationId xmlns:a16="http://schemas.microsoft.com/office/drawing/2014/main" id="{F496928C-2A98-4CA9-80D9-16A09EE6D734}"/>
+              </a:ext>
+            </a:extLst>
+          </p:cNvPr>
+          <p:cNvSpPr>
+            <a:spLocks noGrp="1"/>
+          </p:cNvSpPr>
+          <p:nvPr>
+            <p:ph idx="1"/>
+          </p:nvPr>
+        </p:nvSpPr>
+        <p:spPr/>
+        <p:txBody>
+          <a:bodyPr/>
+          <a:lstStyle/>
+          <a:p>
+            <a:r>
+              <a:rPr lang="vi-VN" dirty="0"/>
+              <a:t>userAge[0]=0 		=&gt; userAge=[0, 2, 3, 4, 5]</a:t>
+            </a:r>
+          </a:p>
+          <a:p>
+            <a:r>
+              <a:rPr lang="vi-VN" dirty="0"/>
+              <a:t>userAge.append(6)	=&gt; userAge=[0, 2, 3, 4, 5, 6]</a:t>
+            </a:r>
+          </a:p>
+          <a:p>
+            <a:r>
+              <a:rPr lang="vi-VN" dirty="0"/>
+              <a:t>Del userAge[0]		=&gt; userAge=[2, 3, 4, 5, 6]</a:t>
+            </a:r>
+            <a:endParaRPr lang="en-US" dirty="0"/>
+          </a:p>
+        </p:txBody>
+      </p:sp>
+    </p:spTree>
+    <p:extLst>
+      <p:ext uri="{BB962C8B-B14F-4D97-AF65-F5344CB8AC3E}">
+        <p14:creationId xmlns:p14="http://schemas.microsoft.com/office/powerpoint/2010/main" val="1604523949"/>
+      </p:ext>
+    </p:extLst>
+  </p:cSld>
+  <p:clrMapOvr>
+    <a:masterClrMapping/>
+  </p:clrMapOvr>
+</p:sld>
+</file>
+
+<file path=ppt/slides/slide33.xml><?xml version="1.0" encoding="utf-8"?>
+<p:sld xmlns:a="http://schemas.openxmlformats.org/drawingml/2006/main" xmlns:r="http://schemas.openxmlformats.org/officeDocument/2006/relationships" xmlns:p="http://schemas.openxmlformats.org/presentationml/2006/main">
+  <p:cSld>
+    <p:spTree>
+      <p:nvGrpSpPr>
+        <p:cNvPr id="1" name=""/>
+        <p:cNvGrpSpPr/>
+        <p:nvPr/>
+      </p:nvGrpSpPr>
+      <p:grpSpPr>
+        <a:xfrm>
+          <a:off x="0" y="0"/>
+          <a:ext cx="0" cy="0"/>
+          <a:chOff x="0" y="0"/>
+          <a:chExt cx="0" cy="0"/>
+        </a:xfrm>
+      </p:grpSpPr>
+      <p:sp>
+        <p:nvSpPr>
+          <p:cNvPr id="2" name="Title 1">
+            <a:extLst>
+              <a:ext uri="{FF2B5EF4-FFF2-40B4-BE49-F238E27FC236}">
+                <a16:creationId xmlns:a16="http://schemas.microsoft.com/office/drawing/2014/main" id="{63F5F6B7-2619-4E99-93B7-E0AE870D401D}"/>
+              </a:ext>
+            </a:extLst>
+          </p:cNvPr>
+          <p:cNvSpPr>
+            <a:spLocks noGrp="1"/>
+          </p:cNvSpPr>
+          <p:nvPr>
+            <p:ph type="title"/>
+          </p:nvPr>
+        </p:nvSpPr>
+        <p:spPr/>
+        <p:txBody>
+          <a:bodyPr/>
+          <a:lstStyle/>
+          <a:p>
+            <a:r>
+              <a:rPr lang="vi-VN" dirty="0"/>
+              <a:t>Tuple</a:t>
+            </a:r>
+            <a:endParaRPr lang="en-US" dirty="0"/>
+          </a:p>
+        </p:txBody>
+      </p:sp>
+      <p:sp>
+        <p:nvSpPr>
+          <p:cNvPr id="3" name="Content Placeholder 2">
+            <a:extLst>
+              <a:ext uri="{FF2B5EF4-FFF2-40B4-BE49-F238E27FC236}">
+                <a16:creationId xmlns:a16="http://schemas.microsoft.com/office/drawing/2014/main" id="{510BCB8B-D7EF-4AF5-9E82-120A4E7ABC55}"/>
+              </a:ext>
+            </a:extLst>
+          </p:cNvPr>
+          <p:cNvSpPr>
+            <a:spLocks noGrp="1"/>
+          </p:cNvSpPr>
+          <p:nvPr>
+            <p:ph idx="1"/>
+          </p:nvPr>
+        </p:nvSpPr>
+        <p:spPr/>
+        <p:txBody>
+          <a:bodyPr/>
+          <a:lstStyle/>
+          <a:p>
+            <a:r>
+              <a:rPr lang="vi-VN" dirty="0"/>
+              <a:t>Giống list nhưng không thể chỉnh sửa giá trị một khi đã được set</a:t>
+            </a:r>
+          </a:p>
+          <a:p>
+            <a:r>
+              <a:rPr lang="vi-VN" dirty="0"/>
+              <a:t>VD: mua = (“Xuan”, “Ha, “Thu”, “Dong”)</a:t>
+            </a:r>
+          </a:p>
+          <a:p>
+            <a:r>
+              <a:rPr lang="vi-VN" dirty="0"/>
+              <a:t>Truy cập vào các thành phần tương tự như list.</a:t>
+            </a:r>
+          </a:p>
+          <a:p>
+            <a:r>
+              <a:rPr lang="vi-VN" dirty="0"/>
+              <a:t>VD: </a:t>
+            </a:r>
+          </a:p>
+          <a:p>
+            <a:pPr lvl="1"/>
+            <a:r>
+              <a:rPr lang="vi-VN" dirty="0"/>
+              <a:t>mua[0] </a:t>
+            </a:r>
+            <a:r>
+              <a:rPr lang="vi-VN" dirty="0">
+                <a:sym typeface="Wingdings" panose="05000000000000000000" pitchFamily="2" charset="2"/>
+              </a:rPr>
+              <a:t> “Xuan”</a:t>
+            </a:r>
+          </a:p>
+          <a:p>
+            <a:pPr lvl="1"/>
+            <a:r>
+              <a:rPr lang="vi-VN" dirty="0"/>
+              <a:t>mua[-1]</a:t>
+            </a:r>
+            <a:r>
+              <a:rPr lang="vi-VN" dirty="0">
+                <a:sym typeface="Wingdings" panose="05000000000000000000" pitchFamily="2" charset="2"/>
+              </a:rPr>
+              <a:t> “Dong”</a:t>
+            </a:r>
+            <a:endParaRPr lang="en-US" dirty="0"/>
+          </a:p>
+        </p:txBody>
+      </p:sp>
+    </p:spTree>
+    <p:extLst>
+      <p:ext uri="{BB962C8B-B14F-4D97-AF65-F5344CB8AC3E}">
+        <p14:creationId xmlns:p14="http://schemas.microsoft.com/office/powerpoint/2010/main" val="549049003"/>
       </p:ext>
     </p:extLst>
   </p:cSld>

--- a/Lecture/PythonCoban.pptx
+++ b/Lecture/PythonCoban.pptx
@@ -38,6 +38,22 @@
     <p:sldId id="283" r:id="rId32"/>
     <p:sldId id="284" r:id="rId33"/>
     <p:sldId id="286" r:id="rId34"/>
+    <p:sldId id="290" r:id="rId35"/>
+    <p:sldId id="291" r:id="rId36"/>
+    <p:sldId id="292" r:id="rId37"/>
+    <p:sldId id="293" r:id="rId38"/>
+    <p:sldId id="294" r:id="rId39"/>
+    <p:sldId id="295" r:id="rId40"/>
+    <p:sldId id="296" r:id="rId41"/>
+    <p:sldId id="297" r:id="rId42"/>
+    <p:sldId id="298" r:id="rId43"/>
+    <p:sldId id="299" r:id="rId44"/>
+    <p:sldId id="300" r:id="rId45"/>
+    <p:sldId id="301" r:id="rId46"/>
+    <p:sldId id="302" r:id="rId47"/>
+    <p:sldId id="303" r:id="rId48"/>
+    <p:sldId id="305" r:id="rId49"/>
+    <p:sldId id="306" r:id="rId50"/>
   </p:sldIdLst>
   <p:sldSz cx="12192000" cy="6858000"/>
   <p:notesSz cx="6858000" cy="9144000"/>
@@ -291,7 +307,7 @@
           <a:p>
             <a:fld id="{13AB114A-89FD-4544-A40B-4EAEBEB5F2F1}" type="datetimeFigureOut">
               <a:rPr lang="en-US" smtClean="0"/>
-              <a:t>2/23/2020</a:t>
+              <a:t>2/25/2020</a:t>
             </a:fld>
             <a:endParaRPr lang="en-US"/>
           </a:p>
@@ -489,7 +505,7 @@
           <a:p>
             <a:fld id="{13AB114A-89FD-4544-A40B-4EAEBEB5F2F1}" type="datetimeFigureOut">
               <a:rPr lang="en-US" smtClean="0"/>
-              <a:t>2/23/2020</a:t>
+              <a:t>2/25/2020</a:t>
             </a:fld>
             <a:endParaRPr lang="en-US"/>
           </a:p>
@@ -697,7 +713,7 @@
           <a:p>
             <a:fld id="{13AB114A-89FD-4544-A40B-4EAEBEB5F2F1}" type="datetimeFigureOut">
               <a:rPr lang="en-US" smtClean="0"/>
-              <a:t>2/23/2020</a:t>
+              <a:t>2/25/2020</a:t>
             </a:fld>
             <a:endParaRPr lang="en-US"/>
           </a:p>
@@ -895,7 +911,7 @@
           <a:p>
             <a:fld id="{13AB114A-89FD-4544-A40B-4EAEBEB5F2F1}" type="datetimeFigureOut">
               <a:rPr lang="en-US" smtClean="0"/>
-              <a:t>2/23/2020</a:t>
+              <a:t>2/25/2020</a:t>
             </a:fld>
             <a:endParaRPr lang="en-US"/>
           </a:p>
@@ -1170,7 +1186,7 @@
           <a:p>
             <a:fld id="{13AB114A-89FD-4544-A40B-4EAEBEB5F2F1}" type="datetimeFigureOut">
               <a:rPr lang="en-US" smtClean="0"/>
-              <a:t>2/23/2020</a:t>
+              <a:t>2/25/2020</a:t>
             </a:fld>
             <a:endParaRPr lang="en-US"/>
           </a:p>
@@ -1435,7 +1451,7 @@
           <a:p>
             <a:fld id="{13AB114A-89FD-4544-A40B-4EAEBEB5F2F1}" type="datetimeFigureOut">
               <a:rPr lang="en-US" smtClean="0"/>
-              <a:t>2/23/2020</a:t>
+              <a:t>2/25/2020</a:t>
             </a:fld>
             <a:endParaRPr lang="en-US"/>
           </a:p>
@@ -1847,7 +1863,7 @@
           <a:p>
             <a:fld id="{13AB114A-89FD-4544-A40B-4EAEBEB5F2F1}" type="datetimeFigureOut">
               <a:rPr lang="en-US" smtClean="0"/>
-              <a:t>2/23/2020</a:t>
+              <a:t>2/25/2020</a:t>
             </a:fld>
             <a:endParaRPr lang="en-US"/>
           </a:p>
@@ -1988,7 +2004,7 @@
           <a:p>
             <a:fld id="{13AB114A-89FD-4544-A40B-4EAEBEB5F2F1}" type="datetimeFigureOut">
               <a:rPr lang="en-US" smtClean="0"/>
-              <a:t>2/23/2020</a:t>
+              <a:t>2/25/2020</a:t>
             </a:fld>
             <a:endParaRPr lang="en-US"/>
           </a:p>
@@ -2101,7 +2117,7 @@
           <a:p>
             <a:fld id="{13AB114A-89FD-4544-A40B-4EAEBEB5F2F1}" type="datetimeFigureOut">
               <a:rPr lang="en-US" smtClean="0"/>
-              <a:t>2/23/2020</a:t>
+              <a:t>2/25/2020</a:t>
             </a:fld>
             <a:endParaRPr lang="en-US"/>
           </a:p>
@@ -2412,7 +2428,7 @@
           <a:p>
             <a:fld id="{13AB114A-89FD-4544-A40B-4EAEBEB5F2F1}" type="datetimeFigureOut">
               <a:rPr lang="en-US" smtClean="0"/>
-              <a:t>2/23/2020</a:t>
+              <a:t>2/25/2020</a:t>
             </a:fld>
             <a:endParaRPr lang="en-US"/>
           </a:p>
@@ -2700,7 +2716,7 @@
           <a:p>
             <a:fld id="{13AB114A-89FD-4544-A40B-4EAEBEB5F2F1}" type="datetimeFigureOut">
               <a:rPr lang="en-US" smtClean="0"/>
-              <a:t>2/23/2020</a:t>
+              <a:t>2/25/2020</a:t>
             </a:fld>
             <a:endParaRPr lang="en-US"/>
           </a:p>
@@ -2941,7 +2957,7 @@
           <a:p>
             <a:fld id="{13AB114A-89FD-4544-A40B-4EAEBEB5F2F1}" type="datetimeFigureOut">
               <a:rPr lang="en-US" smtClean="0"/>
-              <a:t>2/23/2020</a:t>
+              <a:t>2/25/2020</a:t>
             </a:fld>
             <a:endParaRPr lang="en-US"/>
           </a:p>
@@ -7509,6 +7525,1371 @@
 </p:sld>
 </file>
 
+<file path=ppt/slides/slide34.xml><?xml version="1.0" encoding="utf-8"?>
+<p:sld xmlns:a="http://schemas.openxmlformats.org/drawingml/2006/main" xmlns:r="http://schemas.openxmlformats.org/officeDocument/2006/relationships" xmlns:p="http://schemas.openxmlformats.org/presentationml/2006/main">
+  <p:cSld>
+    <p:spTree>
+      <p:nvGrpSpPr>
+        <p:cNvPr id="1" name=""/>
+        <p:cNvGrpSpPr/>
+        <p:nvPr/>
+      </p:nvGrpSpPr>
+      <p:grpSpPr>
+        <a:xfrm>
+          <a:off x="0" y="0"/>
+          <a:ext cx="0" cy="0"/>
+          <a:chOff x="0" y="0"/>
+          <a:chExt cx="0" cy="0"/>
+        </a:xfrm>
+      </p:grpSpPr>
+      <p:sp>
+        <p:nvSpPr>
+          <p:cNvPr id="2" name="Title 1">
+            <a:extLst>
+              <a:ext uri="{FF2B5EF4-FFF2-40B4-BE49-F238E27FC236}">
+                <a16:creationId xmlns:a16="http://schemas.microsoft.com/office/drawing/2014/main" id="{D9A7FEC0-0C66-4AE6-B494-98AA748B1D7F}"/>
+              </a:ext>
+            </a:extLst>
+          </p:cNvPr>
+          <p:cNvSpPr>
+            <a:spLocks noGrp="1"/>
+          </p:cNvSpPr>
+          <p:nvPr>
+            <p:ph type="title"/>
+          </p:nvPr>
+        </p:nvSpPr>
+        <p:spPr/>
+        <p:txBody>
+          <a:bodyPr/>
+          <a:lstStyle/>
+          <a:p>
+            <a:r>
+              <a:rPr lang="en-US" dirty="0"/>
+              <a:t>Set</a:t>
+            </a:r>
+          </a:p>
+        </p:txBody>
+      </p:sp>
+      <p:sp>
+        <p:nvSpPr>
+          <p:cNvPr id="3" name="Content Placeholder 2">
+            <a:extLst>
+              <a:ext uri="{FF2B5EF4-FFF2-40B4-BE49-F238E27FC236}">
+                <a16:creationId xmlns:a16="http://schemas.microsoft.com/office/drawing/2014/main" id="{C7757DC5-7D1F-49A8-9F1E-642855337287}"/>
+              </a:ext>
+            </a:extLst>
+          </p:cNvPr>
+          <p:cNvSpPr>
+            <a:spLocks noGrp="1"/>
+          </p:cNvSpPr>
+          <p:nvPr>
+            <p:ph idx="1"/>
+          </p:nvPr>
+        </p:nvSpPr>
+        <p:spPr/>
+        <p:txBody>
+          <a:bodyPr/>
+          <a:lstStyle/>
+          <a:p>
+            <a:r>
+              <a:rPr lang="en-US" dirty="0"/>
+              <a:t>1 </a:t>
+            </a:r>
+            <a:r>
+              <a:rPr lang="en-US" dirty="0" err="1"/>
+              <a:t>tập</a:t>
+            </a:r>
+            <a:r>
+              <a:rPr lang="en-US" dirty="0"/>
+              <a:t> </a:t>
+            </a:r>
+            <a:r>
+              <a:rPr lang="en-US" dirty="0" err="1"/>
+              <a:t>các</a:t>
+            </a:r>
+            <a:r>
+              <a:rPr lang="en-US" dirty="0"/>
+              <a:t> data </a:t>
+            </a:r>
+            <a:r>
+              <a:rPr lang="en-US" dirty="0" err="1"/>
+              <a:t>ch</a:t>
+            </a:r>
+            <a:r>
+              <a:rPr lang="vi-VN" dirty="0"/>
+              <a:t>ư</a:t>
+            </a:r>
+            <a:r>
+              <a:rPr lang="en-US" dirty="0"/>
+              <a:t>a đ</a:t>
+            </a:r>
+            <a:r>
+              <a:rPr lang="vi-VN" dirty="0"/>
+              <a:t>ư</a:t>
+            </a:r>
+            <a:r>
+              <a:rPr lang="en-US" dirty="0" err="1"/>
+              <a:t>ợc</a:t>
+            </a:r>
+            <a:r>
+              <a:rPr lang="en-US" dirty="0"/>
+              <a:t> </a:t>
+            </a:r>
+            <a:r>
+              <a:rPr lang="en-US" dirty="0" err="1"/>
+              <a:t>sắp</a:t>
+            </a:r>
+            <a:r>
+              <a:rPr lang="en-US" dirty="0"/>
+              <a:t> </a:t>
+            </a:r>
+            <a:r>
+              <a:rPr lang="en-US" dirty="0" err="1"/>
+              <a:t>xếp</a:t>
+            </a:r>
+            <a:r>
+              <a:rPr lang="en-US" dirty="0"/>
+              <a:t>, k </a:t>
+            </a:r>
+            <a:r>
+              <a:rPr lang="en-US" dirty="0" err="1"/>
+              <a:t>hỗ</a:t>
+            </a:r>
+            <a:r>
+              <a:rPr lang="en-US" dirty="0"/>
+              <a:t> </a:t>
+            </a:r>
+            <a:r>
+              <a:rPr lang="en-US" dirty="0" err="1"/>
+              <a:t>trợ</a:t>
+            </a:r>
+            <a:r>
+              <a:rPr lang="en-US" dirty="0"/>
+              <a:t> index</a:t>
+            </a:r>
+          </a:p>
+          <a:p>
+            <a:r>
+              <a:rPr lang="en-US" dirty="0"/>
+              <a:t>K </a:t>
+            </a:r>
+            <a:r>
+              <a:rPr lang="en-US" dirty="0" err="1"/>
+              <a:t>chứa</a:t>
+            </a:r>
+            <a:r>
+              <a:rPr lang="en-US" dirty="0"/>
+              <a:t> </a:t>
+            </a:r>
+            <a:r>
+              <a:rPr lang="en-US" dirty="0" err="1"/>
+              <a:t>nhiều</a:t>
+            </a:r>
+            <a:r>
+              <a:rPr lang="en-US" dirty="0"/>
+              <a:t> h</a:t>
+            </a:r>
+            <a:r>
+              <a:rPr lang="vi-VN" dirty="0"/>
+              <a:t>ơ</a:t>
+            </a:r>
+            <a:r>
+              <a:rPr lang="en-US" dirty="0"/>
+              <a:t>n 1 </a:t>
+            </a:r>
+            <a:r>
+              <a:rPr lang="en-US" dirty="0" err="1"/>
+              <a:t>phần</a:t>
+            </a:r>
+            <a:r>
+              <a:rPr lang="en-US" dirty="0"/>
+              <a:t> </a:t>
+            </a:r>
+            <a:r>
+              <a:rPr lang="en-US" dirty="0" err="1"/>
+              <a:t>tử</a:t>
+            </a:r>
+            <a:r>
+              <a:rPr lang="en-US" dirty="0"/>
+              <a:t> </a:t>
+            </a:r>
+            <a:r>
+              <a:rPr lang="en-US" dirty="0" err="1"/>
+              <a:t>trùng</a:t>
+            </a:r>
+            <a:r>
+              <a:rPr lang="en-US" dirty="0"/>
+              <a:t> </a:t>
+            </a:r>
+            <a:r>
+              <a:rPr lang="en-US" dirty="0" err="1"/>
+              <a:t>lặp</a:t>
+            </a:r>
+            <a:endParaRPr lang="en-US" dirty="0"/>
+          </a:p>
+          <a:p>
+            <a:r>
+              <a:rPr lang="en-US" dirty="0"/>
+              <a:t>Set </a:t>
+            </a:r>
+            <a:r>
+              <a:rPr lang="en-US" dirty="0" err="1"/>
+              <a:t>không</a:t>
+            </a:r>
+            <a:r>
+              <a:rPr lang="en-US" dirty="0"/>
+              <a:t> </a:t>
+            </a:r>
+            <a:r>
+              <a:rPr lang="en-US" dirty="0" err="1"/>
+              <a:t>thể</a:t>
+            </a:r>
+            <a:r>
+              <a:rPr lang="en-US" dirty="0"/>
+              <a:t> </a:t>
+            </a:r>
+            <a:r>
+              <a:rPr lang="en-US" dirty="0" err="1"/>
+              <a:t>chứa</a:t>
+            </a:r>
+            <a:r>
+              <a:rPr lang="en-US" dirty="0"/>
+              <a:t> set. </a:t>
+            </a:r>
+            <a:r>
+              <a:rPr lang="en-US" dirty="0" err="1"/>
+              <a:t>Khác</a:t>
+            </a:r>
+            <a:r>
+              <a:rPr lang="en-US" dirty="0"/>
+              <a:t> </a:t>
+            </a:r>
+            <a:r>
+              <a:rPr lang="en-US" dirty="0" err="1"/>
+              <a:t>với</a:t>
+            </a:r>
+            <a:r>
+              <a:rPr lang="en-US" dirty="0"/>
+              <a:t> List </a:t>
+            </a:r>
+            <a:r>
+              <a:rPr lang="en-US" dirty="0" err="1"/>
+              <a:t>có</a:t>
+            </a:r>
+            <a:r>
+              <a:rPr lang="en-US" dirty="0"/>
+              <a:t> </a:t>
+            </a:r>
+            <a:r>
+              <a:rPr lang="en-US" dirty="0" err="1"/>
+              <a:t>thể</a:t>
+            </a:r>
+            <a:r>
+              <a:rPr lang="en-US" dirty="0"/>
+              <a:t> </a:t>
+            </a:r>
+            <a:r>
+              <a:rPr lang="en-US" dirty="0" err="1"/>
+              <a:t>chứa</a:t>
+            </a:r>
+            <a:r>
+              <a:rPr lang="en-US" dirty="0"/>
+              <a:t> list(nested list)</a:t>
+            </a:r>
+          </a:p>
+          <a:p>
+            <a:r>
+              <a:rPr lang="en-US" dirty="0"/>
+              <a:t>VD:</a:t>
+            </a:r>
+          </a:p>
+          <a:p>
+            <a:pPr marL="0" indent="0">
+              <a:buNone/>
+            </a:pPr>
+            <a:r>
+              <a:rPr lang="en-US" dirty="0"/>
+              <a:t>	</a:t>
+            </a:r>
+            <a:r>
+              <a:rPr lang="en-US" dirty="0" err="1"/>
+              <a:t>mySet</a:t>
+            </a:r>
+            <a:r>
+              <a:rPr lang="en-US" dirty="0"/>
+              <a:t> = {1,2,3,”a”,”b”,”c”}</a:t>
+            </a:r>
+          </a:p>
+          <a:p>
+            <a:pPr marL="0" indent="0">
+              <a:buNone/>
+            </a:pPr>
+            <a:r>
+              <a:rPr lang="en-US" dirty="0"/>
+              <a:t>	</a:t>
+            </a:r>
+            <a:r>
+              <a:rPr lang="en-US" dirty="0" err="1"/>
+              <a:t>mySet</a:t>
+            </a:r>
+            <a:r>
+              <a:rPr lang="en-US" dirty="0"/>
+              <a:t> = set((1,2,3))</a:t>
+            </a:r>
+          </a:p>
+          <a:p>
+            <a:pPr marL="0" indent="0">
+              <a:buNone/>
+            </a:pPr>
+            <a:r>
+              <a:rPr lang="en-US" dirty="0"/>
+              <a:t>	</a:t>
+            </a:r>
+            <a:r>
+              <a:rPr lang="en-US" dirty="0" err="1"/>
+              <a:t>mySet</a:t>
+            </a:r>
+            <a:r>
+              <a:rPr lang="en-US" dirty="0"/>
+              <a:t> = set()</a:t>
+            </a:r>
+          </a:p>
+        </p:txBody>
+      </p:sp>
+    </p:spTree>
+    <p:extLst>
+      <p:ext uri="{BB962C8B-B14F-4D97-AF65-F5344CB8AC3E}">
+        <p14:creationId xmlns:p14="http://schemas.microsoft.com/office/powerpoint/2010/main" val="2949046346"/>
+      </p:ext>
+    </p:extLst>
+  </p:cSld>
+  <p:clrMapOvr>
+    <a:masterClrMapping/>
+  </p:clrMapOvr>
+</p:sld>
+</file>
+
+<file path=ppt/slides/slide35.xml><?xml version="1.0" encoding="utf-8"?>
+<p:sld xmlns:a="http://schemas.openxmlformats.org/drawingml/2006/main" xmlns:r="http://schemas.openxmlformats.org/officeDocument/2006/relationships" xmlns:p="http://schemas.openxmlformats.org/presentationml/2006/main">
+  <p:cSld>
+    <p:spTree>
+      <p:nvGrpSpPr>
+        <p:cNvPr id="1" name=""/>
+        <p:cNvGrpSpPr/>
+        <p:nvPr/>
+      </p:nvGrpSpPr>
+      <p:grpSpPr>
+        <a:xfrm>
+          <a:off x="0" y="0"/>
+          <a:ext cx="0" cy="0"/>
+          <a:chOff x="0" y="0"/>
+          <a:chExt cx="0" cy="0"/>
+        </a:xfrm>
+      </p:grpSpPr>
+      <p:sp>
+        <p:nvSpPr>
+          <p:cNvPr id="2" name="Title 1">
+            <a:extLst>
+              <a:ext uri="{FF2B5EF4-FFF2-40B4-BE49-F238E27FC236}">
+                <a16:creationId xmlns:a16="http://schemas.microsoft.com/office/drawing/2014/main" id="{1B0A2C57-4586-4582-826D-5D9E01E32DFC}"/>
+              </a:ext>
+            </a:extLst>
+          </p:cNvPr>
+          <p:cNvSpPr>
+            <a:spLocks noGrp="1"/>
+          </p:cNvSpPr>
+          <p:nvPr>
+            <p:ph type="title"/>
+          </p:nvPr>
+        </p:nvSpPr>
+        <p:spPr/>
+        <p:txBody>
+          <a:bodyPr/>
+          <a:lstStyle/>
+          <a:p>
+            <a:r>
+              <a:rPr lang="en-US" dirty="0" err="1"/>
+              <a:t>Một</a:t>
+            </a:r>
+            <a:r>
+              <a:rPr lang="en-US" dirty="0"/>
+              <a:t> </a:t>
+            </a:r>
+            <a:r>
+              <a:rPr lang="en-US" dirty="0" err="1"/>
+              <a:t>số</a:t>
+            </a:r>
+            <a:r>
+              <a:rPr lang="en-US" dirty="0"/>
+              <a:t> </a:t>
+            </a:r>
+            <a:r>
+              <a:rPr lang="en-US" dirty="0" err="1"/>
+              <a:t>toán</a:t>
+            </a:r>
+            <a:r>
+              <a:rPr lang="en-US" dirty="0"/>
+              <a:t> </a:t>
+            </a:r>
+            <a:r>
+              <a:rPr lang="en-US" dirty="0" err="1"/>
+              <a:t>tử</a:t>
+            </a:r>
+            <a:endParaRPr lang="en-US" dirty="0"/>
+          </a:p>
+        </p:txBody>
+      </p:sp>
+      <p:sp>
+        <p:nvSpPr>
+          <p:cNvPr id="3" name="Content Placeholder 2">
+            <a:extLst>
+              <a:ext uri="{FF2B5EF4-FFF2-40B4-BE49-F238E27FC236}">
+                <a16:creationId xmlns:a16="http://schemas.microsoft.com/office/drawing/2014/main" id="{8B15AC46-5AB8-49F5-8290-97600DBD92F6}"/>
+              </a:ext>
+            </a:extLst>
+          </p:cNvPr>
+          <p:cNvSpPr>
+            <a:spLocks noGrp="1"/>
+          </p:cNvSpPr>
+          <p:nvPr>
+            <p:ph idx="1"/>
+          </p:nvPr>
+        </p:nvSpPr>
+        <p:spPr/>
+        <p:txBody>
+          <a:bodyPr/>
+          <a:lstStyle/>
+          <a:p>
+            <a:r>
+              <a:rPr lang="en-US" dirty="0"/>
+              <a:t>value in &lt;set&gt;: </a:t>
+            </a:r>
+            <a:r>
+              <a:rPr lang="en-US" dirty="0" err="1"/>
+              <a:t>kiểm</a:t>
+            </a:r>
+            <a:r>
+              <a:rPr lang="en-US" dirty="0"/>
+              <a:t> </a:t>
+            </a:r>
+            <a:r>
+              <a:rPr lang="en-US" dirty="0" err="1"/>
+              <a:t>tra</a:t>
+            </a:r>
+            <a:r>
+              <a:rPr lang="en-US" dirty="0"/>
+              <a:t> value </a:t>
+            </a:r>
+            <a:r>
+              <a:rPr lang="en-US" dirty="0" err="1"/>
+              <a:t>có</a:t>
+            </a:r>
+            <a:r>
+              <a:rPr lang="en-US" dirty="0"/>
+              <a:t> </a:t>
+            </a:r>
+            <a:r>
+              <a:rPr lang="en-US" dirty="0" err="1"/>
+              <a:t>nằm</a:t>
+            </a:r>
+            <a:r>
+              <a:rPr lang="en-US" dirty="0"/>
+              <a:t> </a:t>
+            </a:r>
+            <a:r>
+              <a:rPr lang="en-US" dirty="0" err="1"/>
+              <a:t>trong</a:t>
+            </a:r>
+            <a:r>
+              <a:rPr lang="en-US" dirty="0"/>
+              <a:t> set</a:t>
+            </a:r>
+          </a:p>
+          <a:p>
+            <a:r>
+              <a:rPr lang="en-US" dirty="0"/>
+              <a:t>&lt;set1&gt;-&lt;set2&gt;: </a:t>
+            </a:r>
+            <a:r>
+              <a:rPr lang="en-US" dirty="0" err="1"/>
+              <a:t>hiệu</a:t>
+            </a:r>
+            <a:r>
+              <a:rPr lang="en-US" dirty="0"/>
+              <a:t> 2 </a:t>
+            </a:r>
+            <a:r>
+              <a:rPr lang="en-US" dirty="0" err="1"/>
+              <a:t>tập</a:t>
+            </a:r>
+            <a:r>
+              <a:rPr lang="en-US" dirty="0"/>
+              <a:t> </a:t>
+            </a:r>
+            <a:r>
+              <a:rPr lang="en-US" dirty="0" err="1"/>
+              <a:t>hợp</a:t>
+            </a:r>
+            <a:r>
+              <a:rPr lang="en-US" dirty="0"/>
+              <a:t>, </a:t>
+            </a:r>
+            <a:r>
+              <a:rPr lang="en-US" dirty="0" err="1"/>
+              <a:t>phần</a:t>
+            </a:r>
+            <a:r>
+              <a:rPr lang="en-US" dirty="0"/>
+              <a:t> </a:t>
+            </a:r>
+            <a:r>
+              <a:rPr lang="en-US" dirty="0" err="1"/>
+              <a:t>tử</a:t>
+            </a:r>
+            <a:r>
+              <a:rPr lang="en-US" dirty="0"/>
+              <a:t> set1 </a:t>
+            </a:r>
+            <a:r>
+              <a:rPr lang="en-US" dirty="0" err="1"/>
+              <a:t>không</a:t>
+            </a:r>
+            <a:r>
+              <a:rPr lang="en-US" dirty="0"/>
+              <a:t> </a:t>
+            </a:r>
+            <a:r>
+              <a:rPr lang="en-US" dirty="0" err="1"/>
+              <a:t>nằm</a:t>
+            </a:r>
+            <a:r>
+              <a:rPr lang="en-US" dirty="0"/>
+              <a:t> </a:t>
+            </a:r>
+            <a:r>
+              <a:rPr lang="en-US" dirty="0" err="1"/>
+              <a:t>trong</a:t>
+            </a:r>
+            <a:r>
+              <a:rPr lang="en-US" dirty="0"/>
+              <a:t> set2</a:t>
+            </a:r>
+          </a:p>
+          <a:p>
+            <a:r>
+              <a:rPr lang="en-US" dirty="0"/>
+              <a:t>&lt;set1&gt;&amp;&lt;set2&gt;: </a:t>
+            </a:r>
+            <a:r>
+              <a:rPr lang="en-US" dirty="0" err="1"/>
+              <a:t>giao</a:t>
+            </a:r>
+            <a:endParaRPr lang="en-US" dirty="0"/>
+          </a:p>
+          <a:p>
+            <a:r>
+              <a:rPr lang="en-US" dirty="0"/>
+              <a:t>&lt;set1&gt;|&lt;set2&gt;: </a:t>
+            </a:r>
+            <a:r>
+              <a:rPr lang="en-US" dirty="0" err="1"/>
+              <a:t>hợp</a:t>
+            </a:r>
+            <a:endParaRPr lang="en-US" dirty="0"/>
+          </a:p>
+          <a:p>
+            <a:r>
+              <a:rPr lang="en-US" dirty="0"/>
+              <a:t>&lt;set1&gt;^&lt;set2&gt;: </a:t>
+            </a:r>
+            <a:r>
+              <a:rPr lang="en-US" dirty="0" err="1"/>
+              <a:t>hợp</a:t>
+            </a:r>
+            <a:r>
+              <a:rPr lang="en-US" dirty="0"/>
+              <a:t> – </a:t>
+            </a:r>
+            <a:r>
+              <a:rPr lang="en-US" dirty="0" err="1"/>
+              <a:t>giao</a:t>
+            </a:r>
+            <a:endParaRPr lang="en-US" dirty="0"/>
+          </a:p>
+        </p:txBody>
+      </p:sp>
+    </p:spTree>
+    <p:extLst>
+      <p:ext uri="{BB962C8B-B14F-4D97-AF65-F5344CB8AC3E}">
+        <p14:creationId xmlns:p14="http://schemas.microsoft.com/office/powerpoint/2010/main" val="1191847836"/>
+      </p:ext>
+    </p:extLst>
+  </p:cSld>
+  <p:clrMapOvr>
+    <a:masterClrMapping/>
+  </p:clrMapOvr>
+</p:sld>
+</file>
+
+<file path=ppt/slides/slide36.xml><?xml version="1.0" encoding="utf-8"?>
+<p:sld xmlns:a="http://schemas.openxmlformats.org/drawingml/2006/main" xmlns:r="http://schemas.openxmlformats.org/officeDocument/2006/relationships" xmlns:p="http://schemas.openxmlformats.org/presentationml/2006/main">
+  <p:cSld>
+    <p:spTree>
+      <p:nvGrpSpPr>
+        <p:cNvPr id="1" name=""/>
+        <p:cNvGrpSpPr/>
+        <p:nvPr/>
+      </p:nvGrpSpPr>
+      <p:grpSpPr>
+        <a:xfrm>
+          <a:off x="0" y="0"/>
+          <a:ext cx="0" cy="0"/>
+          <a:chOff x="0" y="0"/>
+          <a:chExt cx="0" cy="0"/>
+        </a:xfrm>
+      </p:grpSpPr>
+      <p:sp>
+        <p:nvSpPr>
+          <p:cNvPr id="2" name="Title 1">
+            <a:extLst>
+              <a:ext uri="{FF2B5EF4-FFF2-40B4-BE49-F238E27FC236}">
+                <a16:creationId xmlns:a16="http://schemas.microsoft.com/office/drawing/2014/main" id="{C1AECF3C-0D8F-4D2A-8BB9-39AE42A065C4}"/>
+              </a:ext>
+            </a:extLst>
+          </p:cNvPr>
+          <p:cNvSpPr>
+            <a:spLocks noGrp="1"/>
+          </p:cNvSpPr>
+          <p:nvPr>
+            <p:ph type="title"/>
+          </p:nvPr>
+        </p:nvSpPr>
+        <p:spPr/>
+        <p:txBody>
+          <a:bodyPr/>
+          <a:lstStyle/>
+          <a:p>
+            <a:r>
+              <a:rPr lang="en-US" dirty="0" err="1"/>
+              <a:t>Một</a:t>
+            </a:r>
+            <a:r>
+              <a:rPr lang="en-US" dirty="0"/>
+              <a:t> </a:t>
+            </a:r>
+            <a:r>
+              <a:rPr lang="en-US" dirty="0" err="1"/>
+              <a:t>số</a:t>
+            </a:r>
+            <a:r>
+              <a:rPr lang="en-US" dirty="0"/>
+              <a:t> </a:t>
+            </a:r>
+            <a:r>
+              <a:rPr lang="en-US" dirty="0" err="1"/>
+              <a:t>ph</a:t>
+            </a:r>
+            <a:r>
+              <a:rPr lang="vi-VN" dirty="0"/>
+              <a:t>ư</a:t>
+            </a:r>
+            <a:r>
+              <a:rPr lang="en-US" dirty="0" err="1"/>
+              <a:t>ơng</a:t>
+            </a:r>
+            <a:r>
+              <a:rPr lang="en-US" dirty="0"/>
+              <a:t> </a:t>
+            </a:r>
+            <a:r>
+              <a:rPr lang="en-US" dirty="0" err="1"/>
+              <a:t>thức</a:t>
+            </a:r>
+            <a:endParaRPr lang="en-US" dirty="0"/>
+          </a:p>
+        </p:txBody>
+      </p:sp>
+      <p:sp>
+        <p:nvSpPr>
+          <p:cNvPr id="3" name="Content Placeholder 2">
+            <a:extLst>
+              <a:ext uri="{FF2B5EF4-FFF2-40B4-BE49-F238E27FC236}">
+                <a16:creationId xmlns:a16="http://schemas.microsoft.com/office/drawing/2014/main" id="{723AC685-A012-4A84-885E-0D125C7C0ACC}"/>
+              </a:ext>
+            </a:extLst>
+          </p:cNvPr>
+          <p:cNvSpPr>
+            <a:spLocks noGrp="1"/>
+          </p:cNvSpPr>
+          <p:nvPr>
+            <p:ph idx="1"/>
+          </p:nvPr>
+        </p:nvSpPr>
+        <p:spPr/>
+        <p:txBody>
+          <a:bodyPr/>
+          <a:lstStyle/>
+          <a:p>
+            <a:r>
+              <a:rPr lang="en-US" dirty="0"/>
+              <a:t>clear </a:t>
+            </a:r>
+          </a:p>
+          <a:p>
+            <a:r>
+              <a:rPr lang="en-US" dirty="0"/>
+              <a:t>add</a:t>
+            </a:r>
+          </a:p>
+          <a:p>
+            <a:r>
+              <a:rPr lang="en-US" dirty="0"/>
+              <a:t>pop </a:t>
+            </a:r>
+          </a:p>
+          <a:p>
+            <a:r>
+              <a:rPr lang="en-US" dirty="0"/>
+              <a:t>remove </a:t>
+            </a:r>
+          </a:p>
+          <a:p>
+            <a:r>
+              <a:rPr lang="en-US" dirty="0"/>
+              <a:t>discard </a:t>
+            </a:r>
+          </a:p>
+          <a:p>
+            <a:r>
+              <a:rPr lang="en-US" dirty="0"/>
+              <a:t>copy</a:t>
+            </a:r>
+          </a:p>
+        </p:txBody>
+      </p:sp>
+    </p:spTree>
+    <p:extLst>
+      <p:ext uri="{BB962C8B-B14F-4D97-AF65-F5344CB8AC3E}">
+        <p14:creationId xmlns:p14="http://schemas.microsoft.com/office/powerpoint/2010/main" val="939712494"/>
+      </p:ext>
+    </p:extLst>
+  </p:cSld>
+  <p:clrMapOvr>
+    <a:masterClrMapping/>
+  </p:clrMapOvr>
+</p:sld>
+</file>
+
+<file path=ppt/slides/slide37.xml><?xml version="1.0" encoding="utf-8"?>
+<p:sld xmlns:a="http://schemas.openxmlformats.org/drawingml/2006/main" xmlns:r="http://schemas.openxmlformats.org/officeDocument/2006/relationships" xmlns:p="http://schemas.openxmlformats.org/presentationml/2006/main">
+  <p:cSld>
+    <p:spTree>
+      <p:nvGrpSpPr>
+        <p:cNvPr id="1" name=""/>
+        <p:cNvGrpSpPr/>
+        <p:nvPr/>
+      </p:nvGrpSpPr>
+      <p:grpSpPr>
+        <a:xfrm>
+          <a:off x="0" y="0"/>
+          <a:ext cx="0" cy="0"/>
+          <a:chOff x="0" y="0"/>
+          <a:chExt cx="0" cy="0"/>
+        </a:xfrm>
+      </p:grpSpPr>
+      <p:sp>
+        <p:nvSpPr>
+          <p:cNvPr id="2" name="Title 1">
+            <a:extLst>
+              <a:ext uri="{FF2B5EF4-FFF2-40B4-BE49-F238E27FC236}">
+                <a16:creationId xmlns:a16="http://schemas.microsoft.com/office/drawing/2014/main" id="{15AEC194-8CCD-49F4-8AE8-9EB4024157DC}"/>
+              </a:ext>
+            </a:extLst>
+          </p:cNvPr>
+          <p:cNvSpPr>
+            <a:spLocks noGrp="1"/>
+          </p:cNvSpPr>
+          <p:nvPr>
+            <p:ph type="title"/>
+          </p:nvPr>
+        </p:nvSpPr>
+        <p:spPr/>
+        <p:txBody>
+          <a:bodyPr/>
+          <a:lstStyle/>
+          <a:p>
+            <a:r>
+              <a:rPr lang="en-US" dirty="0"/>
+              <a:t>Dictionary</a:t>
+            </a:r>
+          </a:p>
+        </p:txBody>
+      </p:sp>
+      <p:sp>
+        <p:nvSpPr>
+          <p:cNvPr id="3" name="Content Placeholder 2">
+            <a:extLst>
+              <a:ext uri="{FF2B5EF4-FFF2-40B4-BE49-F238E27FC236}">
+                <a16:creationId xmlns:a16="http://schemas.microsoft.com/office/drawing/2014/main" id="{DEE4969E-34EB-4743-A2FA-44F3BFA44388}"/>
+              </a:ext>
+            </a:extLst>
+          </p:cNvPr>
+          <p:cNvSpPr>
+            <a:spLocks noGrp="1"/>
+          </p:cNvSpPr>
+          <p:nvPr>
+            <p:ph idx="1"/>
+          </p:nvPr>
+        </p:nvSpPr>
+        <p:spPr/>
+        <p:txBody>
+          <a:bodyPr/>
+          <a:lstStyle/>
+          <a:p>
+            <a:r>
+              <a:rPr lang="en-US" dirty="0" err="1"/>
+              <a:t>myDictionary</a:t>
+            </a:r>
+            <a:r>
+              <a:rPr lang="en-US" dirty="0"/>
+              <a:t> = { key1: data1, key2: data2, …}</a:t>
+            </a:r>
+          </a:p>
+          <a:p>
+            <a:r>
+              <a:rPr lang="en-US" dirty="0"/>
+              <a:t>key k đ</a:t>
+            </a:r>
+            <a:r>
+              <a:rPr lang="vi-VN" dirty="0"/>
+              <a:t>ư</a:t>
+            </a:r>
+            <a:r>
+              <a:rPr lang="en-US" dirty="0" err="1"/>
+              <a:t>ợc</a:t>
+            </a:r>
+            <a:r>
+              <a:rPr lang="en-US" dirty="0"/>
+              <a:t> </a:t>
+            </a:r>
+            <a:r>
+              <a:rPr lang="en-US" dirty="0" err="1"/>
+              <a:t>trùng</a:t>
+            </a:r>
+            <a:r>
+              <a:rPr lang="en-US" dirty="0"/>
+              <a:t> </a:t>
+            </a:r>
+            <a:r>
+              <a:rPr lang="en-US" dirty="0" err="1"/>
+              <a:t>nhau</a:t>
+            </a:r>
+            <a:endParaRPr lang="en-US" dirty="0"/>
+          </a:p>
+          <a:p>
+            <a:r>
+              <a:rPr lang="en-US" dirty="0" err="1"/>
+              <a:t>Khai</a:t>
+            </a:r>
+            <a:r>
+              <a:rPr lang="en-US" dirty="0"/>
+              <a:t> </a:t>
+            </a:r>
+            <a:r>
+              <a:rPr lang="en-US" dirty="0" err="1"/>
+              <a:t>báo</a:t>
+            </a:r>
+            <a:r>
+              <a:rPr lang="en-US" dirty="0"/>
+              <a:t>:</a:t>
+            </a:r>
+          </a:p>
+          <a:p>
+            <a:pPr lvl="1"/>
+            <a:r>
+              <a:rPr lang="en-US" dirty="0" err="1"/>
+              <a:t>myDictionary</a:t>
+            </a:r>
+            <a:r>
+              <a:rPr lang="en-US" dirty="0"/>
+              <a:t> = {“Rina”: 1, “Minami”: 2, “</a:t>
+            </a:r>
+            <a:r>
+              <a:rPr lang="en-US" dirty="0" err="1"/>
+              <a:t>Miku</a:t>
+            </a:r>
+            <a:r>
+              <a:rPr lang="en-US" dirty="0"/>
+              <a:t>”: 3}</a:t>
+            </a:r>
+          </a:p>
+          <a:p>
+            <a:pPr lvl="1"/>
+            <a:r>
+              <a:rPr lang="en-US" dirty="0" err="1"/>
+              <a:t>myDictionary</a:t>
+            </a:r>
+            <a:r>
+              <a:rPr lang="en-US" dirty="0"/>
+              <a:t> = </a:t>
+            </a:r>
+            <a:r>
+              <a:rPr lang="en-US" dirty="0" err="1"/>
+              <a:t>dict</a:t>
+            </a:r>
+            <a:r>
+              <a:rPr lang="en-US" dirty="0"/>
+              <a:t>(Rina=1, Minami=2, </a:t>
+            </a:r>
+            <a:r>
+              <a:rPr lang="en-US" dirty="0" err="1"/>
+              <a:t>Miku</a:t>
+            </a:r>
+            <a:r>
+              <a:rPr lang="en-US" dirty="0"/>
+              <a:t>=3)</a:t>
+            </a:r>
+          </a:p>
+          <a:p>
+            <a:pPr lvl="1"/>
+            <a:r>
+              <a:rPr lang="en-US" dirty="0" err="1"/>
+              <a:t>myDictionary</a:t>
+            </a:r>
+            <a:r>
+              <a:rPr lang="en-US" dirty="0"/>
+              <a:t> = {}</a:t>
+            </a:r>
+          </a:p>
+          <a:p>
+            <a:pPr marL="457200" lvl="1" indent="0">
+              <a:buNone/>
+            </a:pPr>
+            <a:endParaRPr lang="en-US" dirty="0"/>
+          </a:p>
+        </p:txBody>
+      </p:sp>
+    </p:spTree>
+    <p:extLst>
+      <p:ext uri="{BB962C8B-B14F-4D97-AF65-F5344CB8AC3E}">
+        <p14:creationId xmlns:p14="http://schemas.microsoft.com/office/powerpoint/2010/main" val="2565910389"/>
+      </p:ext>
+    </p:extLst>
+  </p:cSld>
+  <p:clrMapOvr>
+    <a:masterClrMapping/>
+  </p:clrMapOvr>
+</p:sld>
+</file>
+
+<file path=ppt/slides/slide38.xml><?xml version="1.0" encoding="utf-8"?>
+<p:sld xmlns:a="http://schemas.openxmlformats.org/drawingml/2006/main" xmlns:r="http://schemas.openxmlformats.org/officeDocument/2006/relationships" xmlns:p="http://schemas.openxmlformats.org/presentationml/2006/main">
+  <p:cSld>
+    <p:spTree>
+      <p:nvGrpSpPr>
+        <p:cNvPr id="1" name=""/>
+        <p:cNvGrpSpPr/>
+        <p:nvPr/>
+      </p:nvGrpSpPr>
+      <p:grpSpPr>
+        <a:xfrm>
+          <a:off x="0" y="0"/>
+          <a:ext cx="0" cy="0"/>
+          <a:chOff x="0" y="0"/>
+          <a:chExt cx="0" cy="0"/>
+        </a:xfrm>
+      </p:grpSpPr>
+      <p:sp>
+        <p:nvSpPr>
+          <p:cNvPr id="2" name="Title 1">
+            <a:extLst>
+              <a:ext uri="{FF2B5EF4-FFF2-40B4-BE49-F238E27FC236}">
+                <a16:creationId xmlns:a16="http://schemas.microsoft.com/office/drawing/2014/main" id="{49C95597-847C-4BE0-9D60-6FC536FC375C}"/>
+              </a:ext>
+            </a:extLst>
+          </p:cNvPr>
+          <p:cNvSpPr>
+            <a:spLocks noGrp="1"/>
+          </p:cNvSpPr>
+          <p:nvPr>
+            <p:ph type="title"/>
+          </p:nvPr>
+        </p:nvSpPr>
+        <p:spPr/>
+        <p:txBody>
+          <a:bodyPr/>
+          <a:lstStyle/>
+          <a:p>
+            <a:r>
+              <a:rPr lang="en-US" dirty="0"/>
+              <a:t>Thao </a:t>
+            </a:r>
+            <a:r>
+              <a:rPr lang="en-US" dirty="0" err="1"/>
+              <a:t>tác</a:t>
+            </a:r>
+            <a:r>
+              <a:rPr lang="en-US" dirty="0"/>
+              <a:t> </a:t>
+            </a:r>
+            <a:r>
+              <a:rPr lang="en-US" dirty="0" err="1"/>
+              <a:t>với</a:t>
+            </a:r>
+            <a:r>
+              <a:rPr lang="en-US" dirty="0"/>
+              <a:t> dictionary</a:t>
+            </a:r>
+          </a:p>
+        </p:txBody>
+      </p:sp>
+      <p:sp>
+        <p:nvSpPr>
+          <p:cNvPr id="3" name="Content Placeholder 2">
+            <a:extLst>
+              <a:ext uri="{FF2B5EF4-FFF2-40B4-BE49-F238E27FC236}">
+                <a16:creationId xmlns:a16="http://schemas.microsoft.com/office/drawing/2014/main" id="{ED7CD1F7-8048-497C-A2F5-B15A6D36073A}"/>
+              </a:ext>
+            </a:extLst>
+          </p:cNvPr>
+          <p:cNvSpPr>
+            <a:spLocks noGrp="1"/>
+          </p:cNvSpPr>
+          <p:nvPr>
+            <p:ph idx="1"/>
+          </p:nvPr>
+        </p:nvSpPr>
+        <p:spPr/>
+        <p:txBody>
+          <a:bodyPr/>
+          <a:lstStyle/>
+          <a:p>
+            <a:r>
+              <a:rPr lang="en-US" dirty="0" err="1"/>
+              <a:t>myDict</a:t>
+            </a:r>
+            <a:r>
+              <a:rPr lang="en-US" dirty="0"/>
+              <a:t> = {“Rina”: 1, “Minami”: 2, “</a:t>
+            </a:r>
+            <a:r>
+              <a:rPr lang="en-US" dirty="0" err="1"/>
+              <a:t>Miku</a:t>
+            </a:r>
+            <a:r>
+              <a:rPr lang="en-US" dirty="0"/>
+              <a:t>”: 3}</a:t>
+            </a:r>
+          </a:p>
+          <a:p>
+            <a:r>
+              <a:rPr lang="en-US" dirty="0" err="1"/>
+              <a:t>myDict</a:t>
+            </a:r>
+            <a:r>
+              <a:rPr lang="en-US" dirty="0"/>
+              <a:t>[“Rina”]</a:t>
+            </a:r>
+            <a:r>
+              <a:rPr lang="en-US" dirty="0">
+                <a:sym typeface="Wingdings" panose="05000000000000000000" pitchFamily="2" charset="2"/>
+              </a:rPr>
+              <a:t> 1</a:t>
+            </a:r>
+          </a:p>
+          <a:p>
+            <a:r>
+              <a:rPr lang="en-US" dirty="0" err="1">
+                <a:sym typeface="Wingdings" panose="05000000000000000000" pitchFamily="2" charset="2"/>
+              </a:rPr>
+              <a:t>myDict</a:t>
+            </a:r>
+            <a:r>
+              <a:rPr lang="en-US" dirty="0">
+                <a:sym typeface="Wingdings" panose="05000000000000000000" pitchFamily="2" charset="2"/>
+              </a:rPr>
+              <a:t>[“Rina”]=2</a:t>
+            </a:r>
+          </a:p>
+          <a:p>
+            <a:r>
+              <a:rPr lang="en-US" dirty="0">
+                <a:sym typeface="Wingdings" panose="05000000000000000000" pitchFamily="2" charset="2"/>
+              </a:rPr>
+              <a:t>del </a:t>
+            </a:r>
+            <a:r>
+              <a:rPr lang="en-US" dirty="0" err="1">
+                <a:sym typeface="Wingdings" panose="05000000000000000000" pitchFamily="2" charset="2"/>
+              </a:rPr>
+              <a:t>myDict</a:t>
+            </a:r>
+            <a:r>
+              <a:rPr lang="en-US" dirty="0">
+                <a:sym typeface="Wingdings" panose="05000000000000000000" pitchFamily="2" charset="2"/>
+              </a:rPr>
+              <a:t>[“Rina”]</a:t>
+            </a:r>
+          </a:p>
+          <a:p>
+            <a:endParaRPr lang="en-US" dirty="0"/>
+          </a:p>
+        </p:txBody>
+      </p:sp>
+    </p:spTree>
+    <p:extLst>
+      <p:ext uri="{BB962C8B-B14F-4D97-AF65-F5344CB8AC3E}">
+        <p14:creationId xmlns:p14="http://schemas.microsoft.com/office/powerpoint/2010/main" val="4268803637"/>
+      </p:ext>
+    </p:extLst>
+  </p:cSld>
+  <p:clrMapOvr>
+    <a:masterClrMapping/>
+  </p:clrMapOvr>
+</p:sld>
+</file>
+
+<file path=ppt/slides/slide39.xml><?xml version="1.0" encoding="utf-8"?>
+<p:sld xmlns:a="http://schemas.openxmlformats.org/drawingml/2006/main" xmlns:r="http://schemas.openxmlformats.org/officeDocument/2006/relationships" xmlns:p="http://schemas.openxmlformats.org/presentationml/2006/main">
+  <p:cSld>
+    <p:bg>
+      <p:bgPr>
+        <a:solidFill>
+          <a:schemeClr val="bg1"/>
+        </a:solidFill>
+        <a:effectLst/>
+      </p:bgPr>
+    </p:bg>
+    <p:spTree>
+      <p:nvGrpSpPr>
+        <p:cNvPr id="1" name=""/>
+        <p:cNvGrpSpPr/>
+        <p:nvPr/>
+      </p:nvGrpSpPr>
+      <p:grpSpPr>
+        <a:xfrm>
+          <a:off x="0" y="0"/>
+          <a:ext cx="0" cy="0"/>
+          <a:chOff x="0" y="0"/>
+          <a:chExt cx="0" cy="0"/>
+        </a:xfrm>
+      </p:grpSpPr>
+      <p:sp>
+        <p:nvSpPr>
+          <p:cNvPr id="10" name="Rectangle 9">
+            <a:extLst>
+              <a:ext uri="{FF2B5EF4-FFF2-40B4-BE49-F238E27FC236}">
+                <a16:creationId xmlns:a16="http://schemas.microsoft.com/office/drawing/2014/main" id="{51D98CAC-3EFF-4342-BD5A-6C0E8CAB4C1A}"/>
+              </a:ext>
+              <a:ext uri="{C183D7F6-B498-43B3-948B-1728B52AA6E4}">
+                <adec:decorative xmlns:adec="http://schemas.microsoft.com/office/drawing/2017/decorative" val="1"/>
+              </a:ext>
+            </a:extLst>
+          </p:cNvPr>
+          <p:cNvSpPr>
+            <a:spLocks noGrp="1" noRot="1" noChangeAspect="1" noMove="1" noResize="1" noEditPoints="1" noAdjustHandles="1" noChangeArrowheads="1" noChangeShapeType="1" noTextEdit="1"/>
+          </p:cNvSpPr>
+          <p:nvPr>
+            <p:extLst>
+              <p:ext uri="{386F3935-93C4-4BCD-93E2-E3B085C9AB24}">
+                <p16:designElem xmlns:p16="http://schemas.microsoft.com/office/powerpoint/2015/main" val="1"/>
+              </p:ext>
+            </p:extLst>
+          </p:nvPr>
+        </p:nvSpPr>
+        <p:spPr>
+          <a:xfrm flipV="1">
+            <a:off x="838200" y="520700"/>
+            <a:ext cx="10515600" cy="3486150"/>
+          </a:xfrm>
+          <a:prstGeom prst="rect">
+            <a:avLst/>
+          </a:prstGeom>
+          <a:solidFill>
+            <a:schemeClr val="accent1"/>
+          </a:solidFill>
+          <a:ln>
+            <a:noFill/>
+          </a:ln>
+        </p:spPr>
+        <p:style>
+          <a:lnRef idx="2">
+            <a:schemeClr val="accent1">
+              <a:shade val="50000"/>
+            </a:schemeClr>
+          </a:lnRef>
+          <a:fillRef idx="1">
+            <a:schemeClr val="accent1"/>
+          </a:fillRef>
+          <a:effectRef idx="0">
+            <a:schemeClr val="accent1"/>
+          </a:effectRef>
+          <a:fontRef idx="minor">
+            <a:schemeClr val="lt1"/>
+          </a:fontRef>
+        </p:style>
+        <p:txBody>
+          <a:bodyPr rtlCol="0" anchor="ctr"/>
+          <a:lstStyle/>
+          <a:p>
+            <a:pPr algn="ctr"/>
+            <a:endParaRPr lang="en-US"/>
+          </a:p>
+        </p:txBody>
+      </p:sp>
+      <p:sp>
+        <p:nvSpPr>
+          <p:cNvPr id="4" name="Title 3">
+            <a:extLst>
+              <a:ext uri="{FF2B5EF4-FFF2-40B4-BE49-F238E27FC236}">
+                <a16:creationId xmlns:a16="http://schemas.microsoft.com/office/drawing/2014/main" id="{A8CD6B1F-D1CF-49A8-824D-7BD94D38F909}"/>
+              </a:ext>
+            </a:extLst>
+          </p:cNvPr>
+          <p:cNvSpPr>
+            <a:spLocks noGrp="1"/>
+          </p:cNvSpPr>
+          <p:nvPr>
+            <p:ph type="ctrTitle"/>
+          </p:nvPr>
+        </p:nvSpPr>
+        <p:spPr>
+          <a:xfrm>
+            <a:off x="1330325" y="958852"/>
+            <a:ext cx="9531350" cy="2514597"/>
+          </a:xfrm>
+        </p:spPr>
+        <p:txBody>
+          <a:bodyPr anchor="b">
+            <a:normAutofit/>
+          </a:bodyPr>
+          <a:lstStyle/>
+          <a:p>
+            <a:r>
+              <a:rPr lang="en-US" sz="8000" dirty="0" err="1">
+                <a:solidFill>
+                  <a:srgbClr val="FFFFFF"/>
+                </a:solidFill>
+              </a:rPr>
+              <a:t>Điều</a:t>
+            </a:r>
+            <a:r>
+              <a:rPr lang="en-US" sz="8000" dirty="0">
+                <a:solidFill>
+                  <a:srgbClr val="FFFFFF"/>
+                </a:solidFill>
+              </a:rPr>
+              <a:t> </a:t>
+            </a:r>
+            <a:r>
+              <a:rPr lang="en-US" sz="8000" dirty="0" err="1">
+                <a:solidFill>
+                  <a:srgbClr val="FFFFFF"/>
+                </a:solidFill>
+              </a:rPr>
+              <a:t>kiện</a:t>
+            </a:r>
+            <a:r>
+              <a:rPr lang="en-US" sz="8000" dirty="0">
+                <a:solidFill>
+                  <a:srgbClr val="FFFFFF"/>
+                </a:solidFill>
+              </a:rPr>
+              <a:t> </a:t>
+            </a:r>
+            <a:r>
+              <a:rPr lang="en-US" sz="8000" dirty="0" err="1">
+                <a:solidFill>
+                  <a:srgbClr val="FFFFFF"/>
+                </a:solidFill>
+              </a:rPr>
+              <a:t>và</a:t>
+            </a:r>
+            <a:r>
+              <a:rPr lang="en-US" sz="8000" dirty="0">
+                <a:solidFill>
+                  <a:srgbClr val="FFFFFF"/>
+                </a:solidFill>
+              </a:rPr>
+              <a:t> </a:t>
+            </a:r>
+            <a:r>
+              <a:rPr lang="en-US" sz="8000" dirty="0" err="1">
+                <a:solidFill>
+                  <a:srgbClr val="FFFFFF"/>
+                </a:solidFill>
+              </a:rPr>
+              <a:t>rẽ</a:t>
+            </a:r>
+            <a:r>
+              <a:rPr lang="en-US" sz="8000" dirty="0">
+                <a:solidFill>
+                  <a:srgbClr val="FFFFFF"/>
+                </a:solidFill>
+              </a:rPr>
+              <a:t> </a:t>
+            </a:r>
+            <a:r>
+              <a:rPr lang="en-US" sz="8000" dirty="0" err="1">
+                <a:solidFill>
+                  <a:srgbClr val="FFFFFF"/>
+                </a:solidFill>
+              </a:rPr>
+              <a:t>nhánh</a:t>
+            </a:r>
+            <a:endParaRPr lang="en-US" sz="8000" dirty="0">
+              <a:solidFill>
+                <a:srgbClr val="FFFFFF"/>
+              </a:solidFill>
+            </a:endParaRPr>
+          </a:p>
+        </p:txBody>
+      </p:sp>
+      <p:sp>
+        <p:nvSpPr>
+          <p:cNvPr id="5" name="Subtitle 4">
+            <a:extLst>
+              <a:ext uri="{FF2B5EF4-FFF2-40B4-BE49-F238E27FC236}">
+                <a16:creationId xmlns:a16="http://schemas.microsoft.com/office/drawing/2014/main" id="{DC0684E4-8348-40C4-812F-8F8725AC41ED}"/>
+              </a:ext>
+            </a:extLst>
+          </p:cNvPr>
+          <p:cNvSpPr>
+            <a:spLocks noGrp="1"/>
+          </p:cNvSpPr>
+          <p:nvPr>
+            <p:ph type="subTitle" idx="1"/>
+          </p:nvPr>
+        </p:nvSpPr>
+        <p:spPr>
+          <a:xfrm>
+            <a:off x="1330324" y="4305300"/>
+            <a:ext cx="9585326" cy="1454150"/>
+          </a:xfrm>
+        </p:spPr>
+        <p:txBody>
+          <a:bodyPr>
+            <a:normAutofit/>
+          </a:bodyPr>
+          <a:lstStyle/>
+          <a:p>
+            <a:endParaRPr lang="en-US" sz="3200"/>
+          </a:p>
+        </p:txBody>
+      </p:sp>
+    </p:spTree>
+    <p:extLst>
+      <p:ext uri="{BB962C8B-B14F-4D97-AF65-F5344CB8AC3E}">
+        <p14:creationId xmlns:p14="http://schemas.microsoft.com/office/powerpoint/2010/main" val="1695218778"/>
+      </p:ext>
+    </p:extLst>
+  </p:cSld>
+  <p:clrMapOvr>
+    <a:masterClrMapping/>
+  </p:clrMapOvr>
+</p:sld>
+</file>
+
 <file path=ppt/slides/slide4.xml><?xml version="1.0" encoding="utf-8"?>
 <p:sld xmlns:a="http://schemas.openxmlformats.org/drawingml/2006/main" xmlns:r="http://schemas.openxmlformats.org/officeDocument/2006/relationships" xmlns:p="http://schemas.openxmlformats.org/presentationml/2006/main">
   <p:cSld>
@@ -7819,6 +9200,1626 @@
     <p:extLst>
       <p:ext uri="{BB962C8B-B14F-4D97-AF65-F5344CB8AC3E}">
         <p14:creationId xmlns:p14="http://schemas.microsoft.com/office/powerpoint/2010/main" val="3288618931"/>
+      </p:ext>
+    </p:extLst>
+  </p:cSld>
+  <p:clrMapOvr>
+    <a:masterClrMapping/>
+  </p:clrMapOvr>
+</p:sld>
+</file>
+
+<file path=ppt/slides/slide40.xml><?xml version="1.0" encoding="utf-8"?>
+<p:sld xmlns:a="http://schemas.openxmlformats.org/drawingml/2006/main" xmlns:r="http://schemas.openxmlformats.org/officeDocument/2006/relationships" xmlns:p="http://schemas.openxmlformats.org/presentationml/2006/main">
+  <p:cSld>
+    <p:spTree>
+      <p:nvGrpSpPr>
+        <p:cNvPr id="1" name=""/>
+        <p:cNvGrpSpPr/>
+        <p:nvPr/>
+      </p:nvGrpSpPr>
+      <p:grpSpPr>
+        <a:xfrm>
+          <a:off x="0" y="0"/>
+          <a:ext cx="0" cy="0"/>
+          <a:chOff x="0" y="0"/>
+          <a:chExt cx="0" cy="0"/>
+        </a:xfrm>
+      </p:grpSpPr>
+      <p:sp>
+        <p:nvSpPr>
+          <p:cNvPr id="2" name="Title 1">
+            <a:extLst>
+              <a:ext uri="{FF2B5EF4-FFF2-40B4-BE49-F238E27FC236}">
+                <a16:creationId xmlns:a16="http://schemas.microsoft.com/office/drawing/2014/main" id="{F29997C4-65F6-4444-9B85-D4432EC4672A}"/>
+              </a:ext>
+            </a:extLst>
+          </p:cNvPr>
+          <p:cNvSpPr>
+            <a:spLocks noGrp="1"/>
+          </p:cNvSpPr>
+          <p:nvPr>
+            <p:ph type="title"/>
+          </p:nvPr>
+        </p:nvSpPr>
+        <p:spPr/>
+        <p:txBody>
+          <a:bodyPr/>
+          <a:lstStyle/>
+          <a:p>
+            <a:r>
+              <a:rPr lang="en-US" dirty="0" err="1"/>
+              <a:t>Nội</a:t>
+            </a:r>
+            <a:r>
+              <a:rPr lang="en-US" dirty="0"/>
+              <a:t> dung	</a:t>
+            </a:r>
+          </a:p>
+        </p:txBody>
+      </p:sp>
+      <p:sp>
+        <p:nvSpPr>
+          <p:cNvPr id="3" name="Content Placeholder 2">
+            <a:extLst>
+              <a:ext uri="{FF2B5EF4-FFF2-40B4-BE49-F238E27FC236}">
+                <a16:creationId xmlns:a16="http://schemas.microsoft.com/office/drawing/2014/main" id="{079ED8A9-DFD1-4298-93F9-A85D34007BFE}"/>
+              </a:ext>
+            </a:extLst>
+          </p:cNvPr>
+          <p:cNvSpPr>
+            <a:spLocks noGrp="1"/>
+          </p:cNvSpPr>
+          <p:nvPr>
+            <p:ph idx="1"/>
+          </p:nvPr>
+        </p:nvSpPr>
+        <p:spPr/>
+        <p:txBody>
+          <a:bodyPr/>
+          <a:lstStyle/>
+          <a:p>
+            <a:r>
+              <a:rPr lang="en-US" dirty="0" err="1"/>
+              <a:t>Điều</a:t>
+            </a:r>
+            <a:r>
+              <a:rPr lang="en-US" dirty="0"/>
+              <a:t> </a:t>
+            </a:r>
+            <a:r>
+              <a:rPr lang="en-US" dirty="0" err="1"/>
+              <a:t>kiện</a:t>
+            </a:r>
+            <a:endParaRPr lang="en-US" dirty="0"/>
+          </a:p>
+          <a:p>
+            <a:r>
+              <a:rPr lang="en-US" dirty="0"/>
+              <a:t>If</a:t>
+            </a:r>
+          </a:p>
+          <a:p>
+            <a:r>
+              <a:rPr lang="en-US" dirty="0"/>
+              <a:t>For</a:t>
+            </a:r>
+          </a:p>
+          <a:p>
+            <a:r>
+              <a:rPr lang="en-US" dirty="0"/>
+              <a:t>While</a:t>
+            </a:r>
+          </a:p>
+          <a:p>
+            <a:r>
+              <a:rPr lang="en-US" dirty="0"/>
+              <a:t>Break</a:t>
+            </a:r>
+          </a:p>
+          <a:p>
+            <a:r>
+              <a:rPr lang="en-US" dirty="0"/>
+              <a:t>Continue</a:t>
+            </a:r>
+          </a:p>
+          <a:p>
+            <a:r>
+              <a:rPr lang="en-US" dirty="0"/>
+              <a:t>Try, Except</a:t>
+            </a:r>
+          </a:p>
+        </p:txBody>
+      </p:sp>
+    </p:spTree>
+    <p:extLst>
+      <p:ext uri="{BB962C8B-B14F-4D97-AF65-F5344CB8AC3E}">
+        <p14:creationId xmlns:p14="http://schemas.microsoft.com/office/powerpoint/2010/main" val="4039505968"/>
+      </p:ext>
+    </p:extLst>
+  </p:cSld>
+  <p:clrMapOvr>
+    <a:masterClrMapping/>
+  </p:clrMapOvr>
+</p:sld>
+</file>
+
+<file path=ppt/slides/slide41.xml><?xml version="1.0" encoding="utf-8"?>
+<p:sld xmlns:a="http://schemas.openxmlformats.org/drawingml/2006/main" xmlns:r="http://schemas.openxmlformats.org/officeDocument/2006/relationships" xmlns:p="http://schemas.openxmlformats.org/presentationml/2006/main">
+  <p:cSld>
+    <p:spTree>
+      <p:nvGrpSpPr>
+        <p:cNvPr id="1" name=""/>
+        <p:cNvGrpSpPr/>
+        <p:nvPr/>
+      </p:nvGrpSpPr>
+      <p:grpSpPr>
+        <a:xfrm>
+          <a:off x="0" y="0"/>
+          <a:ext cx="0" cy="0"/>
+          <a:chOff x="0" y="0"/>
+          <a:chExt cx="0" cy="0"/>
+        </a:xfrm>
+      </p:grpSpPr>
+      <p:sp>
+        <p:nvSpPr>
+          <p:cNvPr id="2" name="Title 1">
+            <a:extLst>
+              <a:ext uri="{FF2B5EF4-FFF2-40B4-BE49-F238E27FC236}">
+                <a16:creationId xmlns:a16="http://schemas.microsoft.com/office/drawing/2014/main" id="{6CB6A35E-0EE7-425D-ADFC-230C7E342F74}"/>
+              </a:ext>
+            </a:extLst>
+          </p:cNvPr>
+          <p:cNvSpPr>
+            <a:spLocks noGrp="1"/>
+          </p:cNvSpPr>
+          <p:nvPr>
+            <p:ph type="title"/>
+          </p:nvPr>
+        </p:nvSpPr>
+        <p:spPr/>
+        <p:txBody>
+          <a:bodyPr/>
+          <a:lstStyle/>
+          <a:p>
+            <a:r>
+              <a:rPr lang="en-US" dirty="0" err="1"/>
+              <a:t>Điều</a:t>
+            </a:r>
+            <a:r>
+              <a:rPr lang="en-US" dirty="0"/>
+              <a:t> </a:t>
+            </a:r>
+            <a:r>
+              <a:rPr lang="en-US" dirty="0" err="1"/>
+              <a:t>kiện</a:t>
+            </a:r>
+            <a:r>
+              <a:rPr lang="en-US" dirty="0"/>
+              <a:t>	</a:t>
+            </a:r>
+          </a:p>
+        </p:txBody>
+      </p:sp>
+      <p:sp>
+        <p:nvSpPr>
+          <p:cNvPr id="3" name="Content Placeholder 2">
+            <a:extLst>
+              <a:ext uri="{FF2B5EF4-FFF2-40B4-BE49-F238E27FC236}">
+                <a16:creationId xmlns:a16="http://schemas.microsoft.com/office/drawing/2014/main" id="{80DF368D-E254-4D29-9387-8F759308C3B1}"/>
+              </a:ext>
+            </a:extLst>
+          </p:cNvPr>
+          <p:cNvSpPr>
+            <a:spLocks noGrp="1"/>
+          </p:cNvSpPr>
+          <p:nvPr>
+            <p:ph idx="1"/>
+          </p:nvPr>
+        </p:nvSpPr>
+        <p:spPr/>
+        <p:txBody>
+          <a:bodyPr/>
+          <a:lstStyle/>
+          <a:p>
+            <a:r>
+              <a:rPr lang="en-US" dirty="0" err="1"/>
+              <a:t>Bằng</a:t>
+            </a:r>
+            <a:r>
+              <a:rPr lang="en-US" dirty="0"/>
+              <a:t>: 2 == 2</a:t>
+            </a:r>
+          </a:p>
+          <a:p>
+            <a:r>
+              <a:rPr lang="en-US" dirty="0" err="1"/>
+              <a:t>Khác</a:t>
+            </a:r>
+            <a:r>
+              <a:rPr lang="en-US" dirty="0"/>
+              <a:t>: 7 != 2</a:t>
+            </a:r>
+          </a:p>
+          <a:p>
+            <a:r>
+              <a:rPr lang="en-US" dirty="0" err="1"/>
+              <a:t>Lớn</a:t>
+            </a:r>
+            <a:r>
+              <a:rPr lang="en-US" dirty="0"/>
+              <a:t>: 7 &gt; 2</a:t>
+            </a:r>
+          </a:p>
+          <a:p>
+            <a:r>
+              <a:rPr lang="en-US" dirty="0" err="1"/>
+              <a:t>Nhỏ</a:t>
+            </a:r>
+            <a:r>
+              <a:rPr lang="en-US" dirty="0"/>
+              <a:t>: 2 &lt; 5</a:t>
+            </a:r>
+          </a:p>
+          <a:p>
+            <a:r>
+              <a:rPr lang="en-US" dirty="0" err="1"/>
+              <a:t>Lớn</a:t>
+            </a:r>
+            <a:r>
+              <a:rPr lang="en-US" dirty="0"/>
+              <a:t> </a:t>
+            </a:r>
+            <a:r>
+              <a:rPr lang="en-US" dirty="0" err="1"/>
+              <a:t>bẳng</a:t>
+            </a:r>
+            <a:r>
+              <a:rPr lang="en-US" dirty="0"/>
+              <a:t>: 7 &gt;=2</a:t>
+            </a:r>
+          </a:p>
+          <a:p>
+            <a:r>
+              <a:rPr lang="en-US" dirty="0" err="1"/>
+              <a:t>Bé</a:t>
+            </a:r>
+            <a:r>
+              <a:rPr lang="en-US" dirty="0"/>
+              <a:t> </a:t>
+            </a:r>
+            <a:r>
+              <a:rPr lang="en-US" dirty="0" err="1"/>
+              <a:t>bằng</a:t>
+            </a:r>
+            <a:r>
+              <a:rPr lang="en-US" dirty="0"/>
+              <a:t>: 2&lt;= 7</a:t>
+            </a:r>
+          </a:p>
+          <a:p>
+            <a:r>
+              <a:rPr lang="en-US" dirty="0"/>
+              <a:t>2 == 3 and/or 7 &gt; 2</a:t>
+            </a:r>
+          </a:p>
+        </p:txBody>
+      </p:sp>
+    </p:spTree>
+    <p:extLst>
+      <p:ext uri="{BB962C8B-B14F-4D97-AF65-F5344CB8AC3E}">
+        <p14:creationId xmlns:p14="http://schemas.microsoft.com/office/powerpoint/2010/main" val="2362583412"/>
+      </p:ext>
+    </p:extLst>
+  </p:cSld>
+  <p:clrMapOvr>
+    <a:masterClrMapping/>
+  </p:clrMapOvr>
+</p:sld>
+</file>
+
+<file path=ppt/slides/slide42.xml><?xml version="1.0" encoding="utf-8"?>
+<p:sld xmlns:a="http://schemas.openxmlformats.org/drawingml/2006/main" xmlns:r="http://schemas.openxmlformats.org/officeDocument/2006/relationships" xmlns:p="http://schemas.openxmlformats.org/presentationml/2006/main">
+  <p:cSld>
+    <p:spTree>
+      <p:nvGrpSpPr>
+        <p:cNvPr id="1" name=""/>
+        <p:cNvGrpSpPr/>
+        <p:nvPr/>
+      </p:nvGrpSpPr>
+      <p:grpSpPr>
+        <a:xfrm>
+          <a:off x="0" y="0"/>
+          <a:ext cx="0" cy="0"/>
+          <a:chOff x="0" y="0"/>
+          <a:chExt cx="0" cy="0"/>
+        </a:xfrm>
+      </p:grpSpPr>
+      <p:sp>
+        <p:nvSpPr>
+          <p:cNvPr id="2" name="Title 1">
+            <a:extLst>
+              <a:ext uri="{FF2B5EF4-FFF2-40B4-BE49-F238E27FC236}">
+                <a16:creationId xmlns:a16="http://schemas.microsoft.com/office/drawing/2014/main" id="{D4FF2E9A-88F9-4AF5-9E72-263266AA2F30}"/>
+              </a:ext>
+            </a:extLst>
+          </p:cNvPr>
+          <p:cNvSpPr>
+            <a:spLocks noGrp="1"/>
+          </p:cNvSpPr>
+          <p:nvPr>
+            <p:ph type="title"/>
+          </p:nvPr>
+        </p:nvSpPr>
+        <p:spPr/>
+        <p:txBody>
+          <a:bodyPr/>
+          <a:lstStyle/>
+          <a:p>
+            <a:r>
+              <a:rPr lang="en-US" dirty="0"/>
+              <a:t>If</a:t>
+            </a:r>
+          </a:p>
+        </p:txBody>
+      </p:sp>
+      <p:sp>
+        <p:nvSpPr>
+          <p:cNvPr id="3" name="Content Placeholder 2">
+            <a:extLst>
+              <a:ext uri="{FF2B5EF4-FFF2-40B4-BE49-F238E27FC236}">
+                <a16:creationId xmlns:a16="http://schemas.microsoft.com/office/drawing/2014/main" id="{451476A7-E297-400C-856C-9950C9975ADD}"/>
+              </a:ext>
+            </a:extLst>
+          </p:cNvPr>
+          <p:cNvSpPr>
+            <a:spLocks noGrp="1"/>
+          </p:cNvSpPr>
+          <p:nvPr>
+            <p:ph idx="1"/>
+          </p:nvPr>
+        </p:nvSpPr>
+        <p:spPr/>
+        <p:txBody>
+          <a:bodyPr/>
+          <a:lstStyle/>
+          <a:p>
+            <a:pPr marL="0" indent="0">
+              <a:buNone/>
+            </a:pPr>
+            <a:r>
+              <a:rPr lang="en-US" dirty="0"/>
+              <a:t>if   dieukien1: do A</a:t>
+            </a:r>
+          </a:p>
+          <a:p>
+            <a:pPr marL="0" indent="0">
+              <a:buNone/>
+            </a:pPr>
+            <a:r>
+              <a:rPr lang="en-US" dirty="0" err="1"/>
+              <a:t>elif</a:t>
+            </a:r>
+            <a:r>
+              <a:rPr lang="en-US" dirty="0"/>
+              <a:t> dieukien2: do B</a:t>
+            </a:r>
+          </a:p>
+          <a:p>
+            <a:pPr marL="0" indent="0">
+              <a:buNone/>
+            </a:pPr>
+            <a:r>
+              <a:rPr lang="en-US" dirty="0"/>
+              <a:t>Else:</a:t>
+            </a:r>
+          </a:p>
+          <a:p>
+            <a:pPr lvl="1"/>
+            <a:r>
+              <a:rPr lang="en-US" dirty="0"/>
+              <a:t>Do C</a:t>
+            </a:r>
+          </a:p>
+        </p:txBody>
+      </p:sp>
+    </p:spTree>
+    <p:extLst>
+      <p:ext uri="{BB962C8B-B14F-4D97-AF65-F5344CB8AC3E}">
+        <p14:creationId xmlns:p14="http://schemas.microsoft.com/office/powerpoint/2010/main" val="4145136367"/>
+      </p:ext>
+    </p:extLst>
+  </p:cSld>
+  <p:clrMapOvr>
+    <a:masterClrMapping/>
+  </p:clrMapOvr>
+</p:sld>
+</file>
+
+<file path=ppt/slides/slide43.xml><?xml version="1.0" encoding="utf-8"?>
+<p:sld xmlns:a="http://schemas.openxmlformats.org/drawingml/2006/main" xmlns:r="http://schemas.openxmlformats.org/officeDocument/2006/relationships" xmlns:p="http://schemas.openxmlformats.org/presentationml/2006/main">
+  <p:cSld>
+    <p:spTree>
+      <p:nvGrpSpPr>
+        <p:cNvPr id="1" name=""/>
+        <p:cNvGrpSpPr/>
+        <p:nvPr/>
+      </p:nvGrpSpPr>
+      <p:grpSpPr>
+        <a:xfrm>
+          <a:off x="0" y="0"/>
+          <a:ext cx="0" cy="0"/>
+          <a:chOff x="0" y="0"/>
+          <a:chExt cx="0" cy="0"/>
+        </a:xfrm>
+      </p:grpSpPr>
+      <p:sp>
+        <p:nvSpPr>
+          <p:cNvPr id="2" name="Title 1">
+            <a:extLst>
+              <a:ext uri="{FF2B5EF4-FFF2-40B4-BE49-F238E27FC236}">
+                <a16:creationId xmlns:a16="http://schemas.microsoft.com/office/drawing/2014/main" id="{983177C3-D1FC-4F83-B7A0-948B2184DE0D}"/>
+              </a:ext>
+            </a:extLst>
+          </p:cNvPr>
+          <p:cNvSpPr>
+            <a:spLocks noGrp="1"/>
+          </p:cNvSpPr>
+          <p:nvPr>
+            <p:ph type="title"/>
+          </p:nvPr>
+        </p:nvSpPr>
+        <p:spPr/>
+        <p:txBody>
+          <a:bodyPr/>
+          <a:lstStyle/>
+          <a:p>
+            <a:r>
+              <a:rPr lang="en-US" dirty="0"/>
+              <a:t>For Loop</a:t>
+            </a:r>
+          </a:p>
+        </p:txBody>
+      </p:sp>
+      <p:sp>
+        <p:nvSpPr>
+          <p:cNvPr id="3" name="Content Placeholder 2">
+            <a:extLst>
+              <a:ext uri="{FF2B5EF4-FFF2-40B4-BE49-F238E27FC236}">
+                <a16:creationId xmlns:a16="http://schemas.microsoft.com/office/drawing/2014/main" id="{FADDB2D6-5C84-43DB-A7E2-31AFF7120BEE}"/>
+              </a:ext>
+            </a:extLst>
+          </p:cNvPr>
+          <p:cNvSpPr>
+            <a:spLocks noGrp="1"/>
+          </p:cNvSpPr>
+          <p:nvPr>
+            <p:ph idx="1"/>
+          </p:nvPr>
+        </p:nvSpPr>
+        <p:spPr/>
+        <p:txBody>
+          <a:bodyPr/>
+          <a:lstStyle/>
+          <a:p>
+            <a:r>
+              <a:rPr lang="en-US" dirty="0"/>
+              <a:t>Loop </a:t>
+            </a:r>
+            <a:r>
+              <a:rPr lang="en-US" dirty="0" err="1"/>
+              <a:t>dùng</a:t>
+            </a:r>
+            <a:r>
+              <a:rPr lang="en-US" dirty="0"/>
+              <a:t> </a:t>
+            </a:r>
+            <a:r>
+              <a:rPr lang="en-US" dirty="0" err="1"/>
+              <a:t>iterable</a:t>
+            </a:r>
+            <a:r>
+              <a:rPr lang="en-US" dirty="0"/>
+              <a:t>:</a:t>
+            </a:r>
+          </a:p>
+          <a:p>
+            <a:pPr marL="457200" lvl="1" indent="0">
+              <a:buNone/>
+            </a:pPr>
+            <a:r>
+              <a:rPr lang="en-US" dirty="0"/>
+              <a:t>for x in </a:t>
+            </a:r>
+            <a:r>
+              <a:rPr lang="en-US" dirty="0" err="1"/>
+              <a:t>iterable</a:t>
+            </a:r>
+            <a:r>
+              <a:rPr lang="en-US" dirty="0"/>
+              <a:t>:</a:t>
+            </a:r>
+          </a:p>
+          <a:p>
+            <a:pPr marL="457200" lvl="1" indent="0">
+              <a:buNone/>
+            </a:pPr>
+            <a:r>
+              <a:rPr lang="en-US" dirty="0"/>
+              <a:t>	print(x)</a:t>
+            </a:r>
+          </a:p>
+          <a:p>
+            <a:pPr marL="457200" lvl="1" indent="0">
+              <a:buNone/>
+            </a:pPr>
+            <a:r>
+              <a:rPr lang="en-US" dirty="0"/>
+              <a:t>VD: </a:t>
+            </a:r>
+          </a:p>
+          <a:p>
+            <a:pPr marL="457200" lvl="1" indent="0">
+              <a:buNone/>
+            </a:pPr>
+            <a:r>
+              <a:rPr lang="en-US" dirty="0"/>
+              <a:t>for x in [1,2,3,5]:</a:t>
+            </a:r>
+          </a:p>
+          <a:p>
+            <a:pPr marL="457200" lvl="1" indent="0">
+              <a:buNone/>
+            </a:pPr>
+            <a:r>
+              <a:rPr lang="en-US" dirty="0"/>
+              <a:t>print(x)		</a:t>
+            </a:r>
+          </a:p>
+        </p:txBody>
+      </p:sp>
+    </p:spTree>
+    <p:extLst>
+      <p:ext uri="{BB962C8B-B14F-4D97-AF65-F5344CB8AC3E}">
+        <p14:creationId xmlns:p14="http://schemas.microsoft.com/office/powerpoint/2010/main" val="2993099364"/>
+      </p:ext>
+    </p:extLst>
+  </p:cSld>
+  <p:clrMapOvr>
+    <a:masterClrMapping/>
+  </p:clrMapOvr>
+</p:sld>
+</file>
+
+<file path=ppt/slides/slide44.xml><?xml version="1.0" encoding="utf-8"?>
+<p:sld xmlns:a="http://schemas.openxmlformats.org/drawingml/2006/main" xmlns:r="http://schemas.openxmlformats.org/officeDocument/2006/relationships" xmlns:p="http://schemas.openxmlformats.org/presentationml/2006/main">
+  <p:cSld>
+    <p:spTree>
+      <p:nvGrpSpPr>
+        <p:cNvPr id="1" name=""/>
+        <p:cNvGrpSpPr/>
+        <p:nvPr/>
+      </p:nvGrpSpPr>
+      <p:grpSpPr>
+        <a:xfrm>
+          <a:off x="0" y="0"/>
+          <a:ext cx="0" cy="0"/>
+          <a:chOff x="0" y="0"/>
+          <a:chExt cx="0" cy="0"/>
+        </a:xfrm>
+      </p:grpSpPr>
+      <p:sp>
+        <p:nvSpPr>
+          <p:cNvPr id="2" name="Title 1">
+            <a:extLst>
+              <a:ext uri="{FF2B5EF4-FFF2-40B4-BE49-F238E27FC236}">
+                <a16:creationId xmlns:a16="http://schemas.microsoft.com/office/drawing/2014/main" id="{3697EE90-2AC6-4881-9282-E214CC5DB80B}"/>
+              </a:ext>
+            </a:extLst>
+          </p:cNvPr>
+          <p:cNvSpPr>
+            <a:spLocks noGrp="1"/>
+          </p:cNvSpPr>
+          <p:nvPr>
+            <p:ph type="title"/>
+          </p:nvPr>
+        </p:nvSpPr>
+        <p:spPr/>
+        <p:txBody>
+          <a:bodyPr/>
+          <a:lstStyle/>
+          <a:p>
+            <a:r>
+              <a:rPr lang="en-US" dirty="0"/>
+              <a:t>For Loop</a:t>
+            </a:r>
+          </a:p>
+        </p:txBody>
+      </p:sp>
+      <p:sp>
+        <p:nvSpPr>
+          <p:cNvPr id="3" name="Content Placeholder 2">
+            <a:extLst>
+              <a:ext uri="{FF2B5EF4-FFF2-40B4-BE49-F238E27FC236}">
+                <a16:creationId xmlns:a16="http://schemas.microsoft.com/office/drawing/2014/main" id="{D03BCF66-C5A9-4B73-9A1A-F99BC387B949}"/>
+              </a:ext>
+            </a:extLst>
+          </p:cNvPr>
+          <p:cNvSpPr>
+            <a:spLocks noGrp="1"/>
+          </p:cNvSpPr>
+          <p:nvPr>
+            <p:ph idx="1"/>
+          </p:nvPr>
+        </p:nvSpPr>
+        <p:spPr/>
+        <p:txBody>
+          <a:bodyPr/>
+          <a:lstStyle/>
+          <a:p>
+            <a:r>
+              <a:rPr lang="en-US" dirty="0"/>
+              <a:t>Loop </a:t>
+            </a:r>
+            <a:r>
+              <a:rPr lang="en-US" dirty="0" err="1"/>
+              <a:t>dùng</a:t>
+            </a:r>
+            <a:r>
+              <a:rPr lang="en-US" dirty="0"/>
+              <a:t> </a:t>
+            </a:r>
+            <a:r>
+              <a:rPr lang="en-US" dirty="0" err="1"/>
+              <a:t>dãy</a:t>
+            </a:r>
+            <a:r>
+              <a:rPr lang="en-US" dirty="0"/>
+              <a:t> </a:t>
+            </a:r>
+            <a:r>
+              <a:rPr lang="en-US" dirty="0" err="1"/>
+              <a:t>số</a:t>
+            </a:r>
+            <a:r>
+              <a:rPr lang="en-US" dirty="0"/>
+              <a:t> </a:t>
+            </a:r>
+            <a:r>
+              <a:rPr lang="en-US" dirty="0" err="1"/>
+              <a:t>thứ</a:t>
+            </a:r>
+            <a:r>
+              <a:rPr lang="en-US" dirty="0"/>
+              <a:t> </a:t>
+            </a:r>
+            <a:r>
+              <a:rPr lang="en-US" dirty="0" err="1"/>
+              <a:t>tự</a:t>
+            </a:r>
+            <a:endParaRPr lang="en-US" dirty="0"/>
+          </a:p>
+          <a:p>
+            <a:pPr lvl="1"/>
+            <a:r>
+              <a:rPr lang="en-US" dirty="0"/>
+              <a:t>VD:</a:t>
+            </a:r>
+          </a:p>
+          <a:p>
+            <a:pPr marL="914400" lvl="2" indent="0">
+              <a:buNone/>
+            </a:pPr>
+            <a:r>
+              <a:rPr lang="en-US" dirty="0"/>
+              <a:t>for i in range(5) </a:t>
+            </a:r>
+            <a:r>
+              <a:rPr lang="en-US" dirty="0">
+                <a:sym typeface="Wingdings" panose="05000000000000000000" pitchFamily="2" charset="2"/>
+              </a:rPr>
+              <a:t> 1,2,3,4</a:t>
+            </a:r>
+          </a:p>
+          <a:p>
+            <a:pPr marL="914400" lvl="2" indent="0">
+              <a:buNone/>
+            </a:pPr>
+            <a:r>
+              <a:rPr lang="en-US" dirty="0">
+                <a:sym typeface="Wingdings" panose="05000000000000000000" pitchFamily="2" charset="2"/>
+              </a:rPr>
+              <a:t>for </a:t>
+            </a:r>
+            <a:r>
+              <a:rPr lang="en-US" dirty="0" err="1">
+                <a:sym typeface="Wingdings" panose="05000000000000000000" pitchFamily="2" charset="2"/>
+              </a:rPr>
+              <a:t>i</a:t>
+            </a:r>
+            <a:r>
+              <a:rPr lang="en-US" dirty="0">
+                <a:sym typeface="Wingdings" panose="05000000000000000000" pitchFamily="2" charset="2"/>
+              </a:rPr>
+              <a:t> in range(2,5)  2,3,4</a:t>
+            </a:r>
+          </a:p>
+          <a:p>
+            <a:pPr marL="914400" lvl="2" indent="0">
+              <a:buNone/>
+            </a:pPr>
+            <a:r>
+              <a:rPr lang="en-US" dirty="0"/>
+              <a:t>for </a:t>
+            </a:r>
+            <a:r>
+              <a:rPr lang="en-US" dirty="0" err="1"/>
+              <a:t>i</a:t>
+            </a:r>
+            <a:r>
+              <a:rPr lang="en-US" dirty="0"/>
+              <a:t> in range(3,10,2) </a:t>
+            </a:r>
+            <a:r>
+              <a:rPr lang="en-US" dirty="0">
+                <a:sym typeface="Wingdings" panose="05000000000000000000" pitchFamily="2" charset="2"/>
+              </a:rPr>
+              <a:t> 3,5,7,9</a:t>
+            </a:r>
+            <a:endParaRPr lang="en-US" dirty="0"/>
+          </a:p>
+        </p:txBody>
+      </p:sp>
+    </p:spTree>
+    <p:extLst>
+      <p:ext uri="{BB962C8B-B14F-4D97-AF65-F5344CB8AC3E}">
+        <p14:creationId xmlns:p14="http://schemas.microsoft.com/office/powerpoint/2010/main" val="2135282188"/>
+      </p:ext>
+    </p:extLst>
+  </p:cSld>
+  <p:clrMapOvr>
+    <a:masterClrMapping/>
+  </p:clrMapOvr>
+</p:sld>
+</file>
+
+<file path=ppt/slides/slide45.xml><?xml version="1.0" encoding="utf-8"?>
+<p:sld xmlns:a="http://schemas.openxmlformats.org/drawingml/2006/main" xmlns:r="http://schemas.openxmlformats.org/officeDocument/2006/relationships" xmlns:p="http://schemas.openxmlformats.org/presentationml/2006/main">
+  <p:cSld>
+    <p:spTree>
+      <p:nvGrpSpPr>
+        <p:cNvPr id="1" name=""/>
+        <p:cNvGrpSpPr/>
+        <p:nvPr/>
+      </p:nvGrpSpPr>
+      <p:grpSpPr>
+        <a:xfrm>
+          <a:off x="0" y="0"/>
+          <a:ext cx="0" cy="0"/>
+          <a:chOff x="0" y="0"/>
+          <a:chExt cx="0" cy="0"/>
+        </a:xfrm>
+      </p:grpSpPr>
+      <p:sp>
+        <p:nvSpPr>
+          <p:cNvPr id="2" name="Title 1">
+            <a:extLst>
+              <a:ext uri="{FF2B5EF4-FFF2-40B4-BE49-F238E27FC236}">
+                <a16:creationId xmlns:a16="http://schemas.microsoft.com/office/drawing/2014/main" id="{835E0534-577B-4A87-B8A9-35E0C94E12E4}"/>
+              </a:ext>
+            </a:extLst>
+          </p:cNvPr>
+          <p:cNvSpPr>
+            <a:spLocks noGrp="1"/>
+          </p:cNvSpPr>
+          <p:nvPr>
+            <p:ph type="title"/>
+          </p:nvPr>
+        </p:nvSpPr>
+        <p:spPr/>
+        <p:txBody>
+          <a:bodyPr/>
+          <a:lstStyle/>
+          <a:p>
+            <a:r>
+              <a:rPr lang="en-US" dirty="0"/>
+              <a:t>While Loop</a:t>
+            </a:r>
+          </a:p>
+        </p:txBody>
+      </p:sp>
+      <p:sp>
+        <p:nvSpPr>
+          <p:cNvPr id="3" name="Content Placeholder 2">
+            <a:extLst>
+              <a:ext uri="{FF2B5EF4-FFF2-40B4-BE49-F238E27FC236}">
+                <a16:creationId xmlns:a16="http://schemas.microsoft.com/office/drawing/2014/main" id="{7B4CADFE-EBF7-4E4C-8B2C-E33D5523BB7D}"/>
+              </a:ext>
+            </a:extLst>
+          </p:cNvPr>
+          <p:cNvSpPr>
+            <a:spLocks noGrp="1"/>
+          </p:cNvSpPr>
+          <p:nvPr>
+            <p:ph idx="1"/>
+          </p:nvPr>
+        </p:nvSpPr>
+        <p:spPr/>
+        <p:txBody>
+          <a:bodyPr>
+            <a:normAutofit/>
+          </a:bodyPr>
+          <a:lstStyle/>
+          <a:p>
+            <a:pPr marL="0" indent="0">
+              <a:buNone/>
+            </a:pPr>
+            <a:r>
+              <a:rPr lang="en-US" dirty="0" err="1"/>
+              <a:t>Cú</a:t>
+            </a:r>
+            <a:r>
+              <a:rPr lang="en-US" dirty="0"/>
+              <a:t> </a:t>
+            </a:r>
+            <a:r>
+              <a:rPr lang="en-US" dirty="0" err="1"/>
+              <a:t>pháp</a:t>
+            </a:r>
+            <a:r>
+              <a:rPr lang="en-US" dirty="0"/>
+              <a:t>:</a:t>
+            </a:r>
+          </a:p>
+          <a:p>
+            <a:pPr marL="0" indent="0">
+              <a:buNone/>
+            </a:pPr>
+            <a:r>
+              <a:rPr lang="en-US" dirty="0"/>
+              <a:t>	while </a:t>
+            </a:r>
+            <a:r>
+              <a:rPr lang="en-US" dirty="0" err="1"/>
+              <a:t>dieukien</a:t>
+            </a:r>
+            <a:r>
+              <a:rPr lang="en-US" dirty="0"/>
+              <a:t>:</a:t>
+            </a:r>
+          </a:p>
+          <a:p>
+            <a:pPr marL="0" indent="0">
+              <a:buNone/>
+            </a:pPr>
+            <a:r>
+              <a:rPr lang="en-US" dirty="0"/>
+              <a:t>		do A</a:t>
+            </a:r>
+          </a:p>
+          <a:p>
+            <a:pPr marL="0" indent="0">
+              <a:buNone/>
+            </a:pPr>
+            <a:r>
+              <a:rPr lang="en-US" dirty="0"/>
+              <a:t> VD: </a:t>
+            </a:r>
+          </a:p>
+          <a:p>
+            <a:pPr marL="457200" lvl="1" indent="0">
+              <a:buNone/>
+            </a:pPr>
+            <a:r>
+              <a:rPr lang="en-US" dirty="0"/>
+              <a:t>x=0</a:t>
+            </a:r>
+          </a:p>
+          <a:p>
+            <a:pPr marL="457200" lvl="1" indent="0">
+              <a:buNone/>
+            </a:pPr>
+            <a:r>
+              <a:rPr lang="en-US" dirty="0"/>
+              <a:t>while x &lt;=5:</a:t>
+            </a:r>
+          </a:p>
+          <a:p>
+            <a:pPr marL="457200" lvl="1" indent="0">
+              <a:buNone/>
+            </a:pPr>
+            <a:r>
+              <a:rPr lang="en-US" dirty="0"/>
+              <a:t>	print(x)</a:t>
+            </a:r>
+          </a:p>
+          <a:p>
+            <a:pPr marL="457200" lvl="1" indent="0">
+              <a:buNone/>
+            </a:pPr>
+            <a:r>
+              <a:rPr lang="en-US" dirty="0"/>
+              <a:t>	x++</a:t>
+            </a:r>
+          </a:p>
+          <a:p>
+            <a:pPr marL="457200" lvl="1" indent="0">
+              <a:buNone/>
+            </a:pPr>
+            <a:r>
+              <a:rPr lang="en-US" dirty="0">
+                <a:sym typeface="Wingdings" panose="05000000000000000000" pitchFamily="2" charset="2"/>
+              </a:rPr>
+              <a:t>0,1,2,3,4,5</a:t>
+            </a:r>
+            <a:endParaRPr lang="en-US" dirty="0"/>
+          </a:p>
+        </p:txBody>
+      </p:sp>
+    </p:spTree>
+    <p:extLst>
+      <p:ext uri="{BB962C8B-B14F-4D97-AF65-F5344CB8AC3E}">
+        <p14:creationId xmlns:p14="http://schemas.microsoft.com/office/powerpoint/2010/main" val="717499390"/>
+      </p:ext>
+    </p:extLst>
+  </p:cSld>
+  <p:clrMapOvr>
+    <a:masterClrMapping/>
+  </p:clrMapOvr>
+</p:sld>
+</file>
+
+<file path=ppt/slides/slide46.xml><?xml version="1.0" encoding="utf-8"?>
+<p:sld xmlns:a="http://schemas.openxmlformats.org/drawingml/2006/main" xmlns:r="http://schemas.openxmlformats.org/officeDocument/2006/relationships" xmlns:p="http://schemas.openxmlformats.org/presentationml/2006/main">
+  <p:cSld>
+    <p:spTree>
+      <p:nvGrpSpPr>
+        <p:cNvPr id="1" name=""/>
+        <p:cNvGrpSpPr/>
+        <p:nvPr/>
+      </p:nvGrpSpPr>
+      <p:grpSpPr>
+        <a:xfrm>
+          <a:off x="0" y="0"/>
+          <a:ext cx="0" cy="0"/>
+          <a:chOff x="0" y="0"/>
+          <a:chExt cx="0" cy="0"/>
+        </a:xfrm>
+      </p:grpSpPr>
+      <p:sp>
+        <p:nvSpPr>
+          <p:cNvPr id="2" name="Title 1">
+            <a:extLst>
+              <a:ext uri="{FF2B5EF4-FFF2-40B4-BE49-F238E27FC236}">
+                <a16:creationId xmlns:a16="http://schemas.microsoft.com/office/drawing/2014/main" id="{EC60A45D-0D52-4086-8C96-9D27023C6CD2}"/>
+              </a:ext>
+            </a:extLst>
+          </p:cNvPr>
+          <p:cNvSpPr>
+            <a:spLocks noGrp="1"/>
+          </p:cNvSpPr>
+          <p:nvPr>
+            <p:ph type="title"/>
+          </p:nvPr>
+        </p:nvSpPr>
+        <p:spPr/>
+        <p:txBody>
+          <a:bodyPr/>
+          <a:lstStyle/>
+          <a:p>
+            <a:r>
+              <a:rPr lang="en-US" dirty="0"/>
+              <a:t>Break, Continue</a:t>
+            </a:r>
+          </a:p>
+        </p:txBody>
+      </p:sp>
+      <p:sp>
+        <p:nvSpPr>
+          <p:cNvPr id="3" name="Content Placeholder 2">
+            <a:extLst>
+              <a:ext uri="{FF2B5EF4-FFF2-40B4-BE49-F238E27FC236}">
+                <a16:creationId xmlns:a16="http://schemas.microsoft.com/office/drawing/2014/main" id="{43D993CA-32EA-40BE-95A2-3FAA176AB072}"/>
+              </a:ext>
+            </a:extLst>
+          </p:cNvPr>
+          <p:cNvSpPr>
+            <a:spLocks noGrp="1"/>
+          </p:cNvSpPr>
+          <p:nvPr>
+            <p:ph idx="1"/>
+          </p:nvPr>
+        </p:nvSpPr>
+        <p:spPr/>
+        <p:txBody>
+          <a:bodyPr/>
+          <a:lstStyle/>
+          <a:p>
+            <a:r>
+              <a:rPr lang="en-US" dirty="0"/>
+              <a:t>break: </a:t>
+            </a:r>
+            <a:r>
+              <a:rPr lang="en-US" dirty="0" err="1"/>
+              <a:t>thoát</a:t>
+            </a:r>
+            <a:r>
+              <a:rPr lang="en-US" dirty="0"/>
+              <a:t> </a:t>
+            </a:r>
+            <a:r>
+              <a:rPr lang="en-US" dirty="0" err="1"/>
+              <a:t>khỏi</a:t>
+            </a:r>
+            <a:r>
+              <a:rPr lang="en-US" dirty="0"/>
+              <a:t> loop</a:t>
+            </a:r>
+          </a:p>
+          <a:p>
+            <a:r>
+              <a:rPr lang="en-US" dirty="0"/>
+              <a:t>continue: </a:t>
+            </a:r>
+            <a:r>
+              <a:rPr lang="en-US" dirty="0" err="1"/>
+              <a:t>bỏ</a:t>
+            </a:r>
+            <a:r>
+              <a:rPr lang="en-US" dirty="0"/>
+              <a:t> qua </a:t>
+            </a:r>
+            <a:r>
+              <a:rPr lang="en-US" dirty="0" err="1"/>
+              <a:t>các</a:t>
+            </a:r>
+            <a:r>
+              <a:rPr lang="en-US" dirty="0"/>
+              <a:t> </a:t>
+            </a:r>
+            <a:r>
+              <a:rPr lang="en-US" dirty="0" err="1"/>
+              <a:t>câu</a:t>
+            </a:r>
+            <a:r>
+              <a:rPr lang="en-US" dirty="0"/>
+              <a:t> </a:t>
+            </a:r>
+            <a:r>
+              <a:rPr lang="en-US" dirty="0" err="1"/>
+              <a:t>lệnh</a:t>
+            </a:r>
+            <a:r>
+              <a:rPr lang="en-US" dirty="0"/>
+              <a:t> </a:t>
+            </a:r>
+            <a:r>
+              <a:rPr lang="en-US" dirty="0" err="1"/>
+              <a:t>phía</a:t>
+            </a:r>
+            <a:r>
+              <a:rPr lang="en-US" dirty="0"/>
+              <a:t> </a:t>
+            </a:r>
+            <a:r>
+              <a:rPr lang="en-US" dirty="0" err="1"/>
+              <a:t>sau</a:t>
+            </a:r>
+            <a:r>
+              <a:rPr lang="en-US" dirty="0"/>
+              <a:t> </a:t>
+            </a:r>
+            <a:r>
+              <a:rPr lang="en-US" dirty="0" err="1"/>
+              <a:t>và</a:t>
+            </a:r>
+            <a:r>
+              <a:rPr lang="en-US" dirty="0"/>
+              <a:t> </a:t>
+            </a:r>
+            <a:r>
+              <a:rPr lang="en-US" dirty="0" err="1"/>
+              <a:t>nhảy</a:t>
+            </a:r>
+            <a:r>
+              <a:rPr lang="en-US" dirty="0"/>
+              <a:t> continue loop </a:t>
+            </a:r>
+            <a:r>
+              <a:rPr lang="en-US" dirty="0" err="1"/>
+              <a:t>với</a:t>
+            </a:r>
+            <a:r>
+              <a:rPr lang="en-US" dirty="0"/>
+              <a:t> iterator </a:t>
+            </a:r>
+            <a:r>
+              <a:rPr lang="en-US" dirty="0" err="1"/>
+              <a:t>kế</a:t>
+            </a:r>
+            <a:r>
+              <a:rPr lang="en-US" dirty="0"/>
+              <a:t> </a:t>
+            </a:r>
+            <a:r>
+              <a:rPr lang="en-US" dirty="0" err="1"/>
+              <a:t>tiếp</a:t>
+            </a:r>
+            <a:endParaRPr lang="en-US" dirty="0"/>
+          </a:p>
+        </p:txBody>
+      </p:sp>
+    </p:spTree>
+    <p:extLst>
+      <p:ext uri="{BB962C8B-B14F-4D97-AF65-F5344CB8AC3E}">
+        <p14:creationId xmlns:p14="http://schemas.microsoft.com/office/powerpoint/2010/main" val="836103175"/>
+      </p:ext>
+    </p:extLst>
+  </p:cSld>
+  <p:clrMapOvr>
+    <a:masterClrMapping/>
+  </p:clrMapOvr>
+</p:sld>
+</file>
+
+<file path=ppt/slides/slide47.xml><?xml version="1.0" encoding="utf-8"?>
+<p:sld xmlns:a="http://schemas.openxmlformats.org/drawingml/2006/main" xmlns:r="http://schemas.openxmlformats.org/officeDocument/2006/relationships" xmlns:p="http://schemas.openxmlformats.org/presentationml/2006/main">
+  <p:cSld>
+    <p:spTree>
+      <p:nvGrpSpPr>
+        <p:cNvPr id="1" name=""/>
+        <p:cNvGrpSpPr/>
+        <p:nvPr/>
+      </p:nvGrpSpPr>
+      <p:grpSpPr>
+        <a:xfrm>
+          <a:off x="0" y="0"/>
+          <a:ext cx="0" cy="0"/>
+          <a:chOff x="0" y="0"/>
+          <a:chExt cx="0" cy="0"/>
+        </a:xfrm>
+      </p:grpSpPr>
+      <p:sp>
+        <p:nvSpPr>
+          <p:cNvPr id="2" name="Title 1">
+            <a:extLst>
+              <a:ext uri="{FF2B5EF4-FFF2-40B4-BE49-F238E27FC236}">
+                <a16:creationId xmlns:a16="http://schemas.microsoft.com/office/drawing/2014/main" id="{28BBD56C-9E43-4F5D-8FAB-FD5B40A4590C}"/>
+              </a:ext>
+            </a:extLst>
+          </p:cNvPr>
+          <p:cNvSpPr>
+            <a:spLocks noGrp="1"/>
+          </p:cNvSpPr>
+          <p:nvPr>
+            <p:ph type="title"/>
+          </p:nvPr>
+        </p:nvSpPr>
+        <p:spPr/>
+        <p:txBody>
+          <a:bodyPr/>
+          <a:lstStyle/>
+          <a:p>
+            <a:r>
+              <a:rPr lang="en-US" dirty="0"/>
+              <a:t>Try, Except</a:t>
+            </a:r>
+          </a:p>
+        </p:txBody>
+      </p:sp>
+      <p:sp>
+        <p:nvSpPr>
+          <p:cNvPr id="3" name="Content Placeholder 2">
+            <a:extLst>
+              <a:ext uri="{FF2B5EF4-FFF2-40B4-BE49-F238E27FC236}">
+                <a16:creationId xmlns:a16="http://schemas.microsoft.com/office/drawing/2014/main" id="{0D6ED58D-98D9-4157-A5CA-C1FD0EE0767B}"/>
+              </a:ext>
+            </a:extLst>
+          </p:cNvPr>
+          <p:cNvSpPr>
+            <a:spLocks noGrp="1"/>
+          </p:cNvSpPr>
+          <p:nvPr>
+            <p:ph idx="1"/>
+          </p:nvPr>
+        </p:nvSpPr>
+        <p:spPr/>
+        <p:txBody>
+          <a:bodyPr/>
+          <a:lstStyle/>
+          <a:p>
+            <a:pPr marL="0" indent="0">
+              <a:buNone/>
+            </a:pPr>
+            <a:r>
+              <a:rPr lang="en-US" dirty="0"/>
+              <a:t>	try:</a:t>
+            </a:r>
+          </a:p>
+          <a:p>
+            <a:pPr marL="457200" lvl="1" indent="0">
+              <a:buNone/>
+            </a:pPr>
+            <a:r>
+              <a:rPr lang="en-US" dirty="0"/>
+              <a:t>	      Lam </a:t>
+            </a:r>
+            <a:r>
+              <a:rPr lang="en-US" dirty="0" err="1"/>
+              <a:t>gi</a:t>
+            </a:r>
+            <a:r>
+              <a:rPr lang="en-US" dirty="0"/>
+              <a:t> do	</a:t>
+            </a:r>
+          </a:p>
+          <a:p>
+            <a:pPr marL="457200" lvl="1" indent="0">
+              <a:buNone/>
+            </a:pPr>
+            <a:r>
+              <a:rPr lang="en-US" dirty="0"/>
+              <a:t>       except:</a:t>
+            </a:r>
+          </a:p>
+          <a:p>
+            <a:pPr marL="457200" lvl="1" indent="0">
+              <a:buNone/>
+            </a:pPr>
+            <a:r>
+              <a:rPr lang="en-US" dirty="0"/>
+              <a:t>	      </a:t>
+            </a:r>
+            <a:r>
+              <a:rPr lang="en-US" dirty="0" err="1"/>
+              <a:t>xu</a:t>
+            </a:r>
+            <a:r>
+              <a:rPr lang="en-US" dirty="0"/>
+              <a:t> li </a:t>
+            </a:r>
+            <a:r>
+              <a:rPr lang="en-US" dirty="0" err="1"/>
+              <a:t>loi</a:t>
+            </a:r>
+            <a:endParaRPr lang="en-US" dirty="0"/>
+          </a:p>
+        </p:txBody>
+      </p:sp>
+    </p:spTree>
+    <p:extLst>
+      <p:ext uri="{BB962C8B-B14F-4D97-AF65-F5344CB8AC3E}">
+        <p14:creationId xmlns:p14="http://schemas.microsoft.com/office/powerpoint/2010/main" val="2309593024"/>
+      </p:ext>
+    </p:extLst>
+  </p:cSld>
+  <p:clrMapOvr>
+    <a:masterClrMapping/>
+  </p:clrMapOvr>
+</p:sld>
+</file>
+
+<file path=ppt/slides/slide48.xml><?xml version="1.0" encoding="utf-8"?>
+<p:sld xmlns:a="http://schemas.openxmlformats.org/drawingml/2006/main" xmlns:r="http://schemas.openxmlformats.org/officeDocument/2006/relationships" xmlns:p="http://schemas.openxmlformats.org/presentationml/2006/main">
+  <p:cSld>
+    <p:bg>
+      <p:bgPr>
+        <a:solidFill>
+          <a:schemeClr val="bg1"/>
+        </a:solidFill>
+        <a:effectLst/>
+      </p:bgPr>
+    </p:bg>
+    <p:spTree>
+      <p:nvGrpSpPr>
+        <p:cNvPr id="1" name=""/>
+        <p:cNvGrpSpPr/>
+        <p:nvPr/>
+      </p:nvGrpSpPr>
+      <p:grpSpPr>
+        <a:xfrm>
+          <a:off x="0" y="0"/>
+          <a:ext cx="0" cy="0"/>
+          <a:chOff x="0" y="0"/>
+          <a:chExt cx="0" cy="0"/>
+        </a:xfrm>
+      </p:grpSpPr>
+      <p:sp>
+        <p:nvSpPr>
+          <p:cNvPr id="10" name="Rectangle 9">
+            <a:extLst>
+              <a:ext uri="{FF2B5EF4-FFF2-40B4-BE49-F238E27FC236}">
+                <a16:creationId xmlns:a16="http://schemas.microsoft.com/office/drawing/2014/main" id="{51D98CAC-3EFF-4342-BD5A-6C0E8CAB4C1A}"/>
+              </a:ext>
+              <a:ext uri="{C183D7F6-B498-43B3-948B-1728B52AA6E4}">
+                <adec:decorative xmlns:adec="http://schemas.microsoft.com/office/drawing/2017/decorative" val="1"/>
+              </a:ext>
+            </a:extLst>
+          </p:cNvPr>
+          <p:cNvSpPr>
+            <a:spLocks noGrp="1" noRot="1" noChangeAspect="1" noMove="1" noResize="1" noEditPoints="1" noAdjustHandles="1" noChangeArrowheads="1" noChangeShapeType="1" noTextEdit="1"/>
+          </p:cNvSpPr>
+          <p:nvPr>
+            <p:extLst>
+              <p:ext uri="{386F3935-93C4-4BCD-93E2-E3B085C9AB24}">
+                <p16:designElem xmlns:p16="http://schemas.microsoft.com/office/powerpoint/2015/main" val="1"/>
+              </p:ext>
+            </p:extLst>
+          </p:nvPr>
+        </p:nvSpPr>
+        <p:spPr>
+          <a:xfrm flipV="1">
+            <a:off x="838200" y="520700"/>
+            <a:ext cx="10515600" cy="3486150"/>
+          </a:xfrm>
+          <a:prstGeom prst="rect">
+            <a:avLst/>
+          </a:prstGeom>
+          <a:solidFill>
+            <a:schemeClr val="accent1"/>
+          </a:solidFill>
+          <a:ln>
+            <a:noFill/>
+          </a:ln>
+        </p:spPr>
+        <p:style>
+          <a:lnRef idx="2">
+            <a:schemeClr val="accent1">
+              <a:shade val="50000"/>
+            </a:schemeClr>
+          </a:lnRef>
+          <a:fillRef idx="1">
+            <a:schemeClr val="accent1"/>
+          </a:fillRef>
+          <a:effectRef idx="0">
+            <a:schemeClr val="accent1"/>
+          </a:effectRef>
+          <a:fontRef idx="minor">
+            <a:schemeClr val="lt1"/>
+          </a:fontRef>
+        </p:style>
+        <p:txBody>
+          <a:bodyPr rtlCol="0" anchor="ctr"/>
+          <a:lstStyle/>
+          <a:p>
+            <a:pPr algn="ctr"/>
+            <a:endParaRPr lang="en-US"/>
+          </a:p>
+        </p:txBody>
+      </p:sp>
+      <p:sp>
+        <p:nvSpPr>
+          <p:cNvPr id="4" name="Title 3">
+            <a:extLst>
+              <a:ext uri="{FF2B5EF4-FFF2-40B4-BE49-F238E27FC236}">
+                <a16:creationId xmlns:a16="http://schemas.microsoft.com/office/drawing/2014/main" id="{A8CD6B1F-D1CF-49A8-824D-7BD94D38F909}"/>
+              </a:ext>
+            </a:extLst>
+          </p:cNvPr>
+          <p:cNvSpPr>
+            <a:spLocks noGrp="1"/>
+          </p:cNvSpPr>
+          <p:nvPr>
+            <p:ph type="ctrTitle"/>
+          </p:nvPr>
+        </p:nvSpPr>
+        <p:spPr>
+          <a:xfrm>
+            <a:off x="1330325" y="958852"/>
+            <a:ext cx="9531350" cy="2514597"/>
+          </a:xfrm>
+        </p:spPr>
+        <p:txBody>
+          <a:bodyPr anchor="b">
+            <a:normAutofit/>
+          </a:bodyPr>
+          <a:lstStyle/>
+          <a:p>
+            <a:r>
+              <a:rPr lang="en-US" sz="8000" dirty="0">
+                <a:solidFill>
+                  <a:srgbClr val="FFFFFF"/>
+                </a:solidFill>
+              </a:rPr>
+              <a:t>Function </a:t>
+            </a:r>
+            <a:r>
+              <a:rPr lang="en-US" sz="8000" dirty="0" err="1">
+                <a:solidFill>
+                  <a:srgbClr val="FFFFFF"/>
+                </a:solidFill>
+              </a:rPr>
+              <a:t>và</a:t>
+            </a:r>
+            <a:r>
+              <a:rPr lang="en-US" sz="8000" dirty="0">
+                <a:solidFill>
+                  <a:srgbClr val="FFFFFF"/>
+                </a:solidFill>
+              </a:rPr>
+              <a:t> Module</a:t>
+            </a:r>
+          </a:p>
+        </p:txBody>
+      </p:sp>
+      <p:sp>
+        <p:nvSpPr>
+          <p:cNvPr id="5" name="Subtitle 4">
+            <a:extLst>
+              <a:ext uri="{FF2B5EF4-FFF2-40B4-BE49-F238E27FC236}">
+                <a16:creationId xmlns:a16="http://schemas.microsoft.com/office/drawing/2014/main" id="{DC0684E4-8348-40C4-812F-8F8725AC41ED}"/>
+              </a:ext>
+            </a:extLst>
+          </p:cNvPr>
+          <p:cNvSpPr>
+            <a:spLocks noGrp="1"/>
+          </p:cNvSpPr>
+          <p:nvPr>
+            <p:ph type="subTitle" idx="1"/>
+          </p:nvPr>
+        </p:nvSpPr>
+        <p:spPr>
+          <a:xfrm>
+            <a:off x="1330324" y="4305300"/>
+            <a:ext cx="9585326" cy="1454150"/>
+          </a:xfrm>
+        </p:spPr>
+        <p:txBody>
+          <a:bodyPr>
+            <a:normAutofit/>
+          </a:bodyPr>
+          <a:lstStyle/>
+          <a:p>
+            <a:endParaRPr lang="en-US" sz="3200"/>
+          </a:p>
+        </p:txBody>
+      </p:sp>
+    </p:spTree>
+    <p:extLst>
+      <p:ext uri="{BB962C8B-B14F-4D97-AF65-F5344CB8AC3E}">
+        <p14:creationId xmlns:p14="http://schemas.microsoft.com/office/powerpoint/2010/main" val="1316754005"/>
+      </p:ext>
+    </p:extLst>
+  </p:cSld>
+  <p:clrMapOvr>
+    <a:masterClrMapping/>
+  </p:clrMapOvr>
+</p:sld>
+</file>
+
+<file path=ppt/slides/slide49.xml><?xml version="1.0" encoding="utf-8"?>
+<p:sld xmlns:a="http://schemas.openxmlformats.org/drawingml/2006/main" xmlns:r="http://schemas.openxmlformats.org/officeDocument/2006/relationships" xmlns:p="http://schemas.openxmlformats.org/presentationml/2006/main">
+  <p:cSld>
+    <p:spTree>
+      <p:nvGrpSpPr>
+        <p:cNvPr id="1" name=""/>
+        <p:cNvGrpSpPr/>
+        <p:nvPr/>
+      </p:nvGrpSpPr>
+      <p:grpSpPr>
+        <a:xfrm>
+          <a:off x="0" y="0"/>
+          <a:ext cx="0" cy="0"/>
+          <a:chOff x="0" y="0"/>
+          <a:chExt cx="0" cy="0"/>
+        </a:xfrm>
+      </p:grpSpPr>
+      <p:sp>
+        <p:nvSpPr>
+          <p:cNvPr id="2" name="Title 1">
+            <a:extLst>
+              <a:ext uri="{FF2B5EF4-FFF2-40B4-BE49-F238E27FC236}">
+                <a16:creationId xmlns:a16="http://schemas.microsoft.com/office/drawing/2014/main" id="{D167D234-9231-4BA0-931D-7C385BD20572}"/>
+              </a:ext>
+            </a:extLst>
+          </p:cNvPr>
+          <p:cNvSpPr>
+            <a:spLocks noGrp="1"/>
+          </p:cNvSpPr>
+          <p:nvPr>
+            <p:ph type="title"/>
+          </p:nvPr>
+        </p:nvSpPr>
+        <p:spPr/>
+        <p:txBody>
+          <a:bodyPr/>
+          <a:lstStyle/>
+          <a:p>
+            <a:r>
+              <a:rPr lang="en-US" dirty="0" err="1"/>
+              <a:t>Nội</a:t>
+            </a:r>
+            <a:r>
+              <a:rPr lang="en-US" dirty="0"/>
+              <a:t> dung</a:t>
+            </a:r>
+          </a:p>
+        </p:txBody>
+      </p:sp>
+      <p:sp>
+        <p:nvSpPr>
+          <p:cNvPr id="3" name="Content Placeholder 2">
+            <a:extLst>
+              <a:ext uri="{FF2B5EF4-FFF2-40B4-BE49-F238E27FC236}">
+                <a16:creationId xmlns:a16="http://schemas.microsoft.com/office/drawing/2014/main" id="{484285F3-F5A6-4F00-B1A7-CEE7EC7C512E}"/>
+              </a:ext>
+            </a:extLst>
+          </p:cNvPr>
+          <p:cNvSpPr>
+            <a:spLocks noGrp="1"/>
+          </p:cNvSpPr>
+          <p:nvPr>
+            <p:ph idx="1"/>
+          </p:nvPr>
+        </p:nvSpPr>
+        <p:spPr/>
+        <p:txBody>
+          <a:bodyPr/>
+          <a:lstStyle/>
+          <a:p>
+            <a:r>
+              <a:rPr lang="en-US" dirty="0"/>
+              <a:t>Function </a:t>
+            </a:r>
+            <a:r>
+              <a:rPr lang="en-US" dirty="0" err="1"/>
+              <a:t>là</a:t>
+            </a:r>
+            <a:r>
+              <a:rPr lang="en-US" dirty="0"/>
+              <a:t> </a:t>
+            </a:r>
+            <a:r>
+              <a:rPr lang="en-US" dirty="0" err="1"/>
+              <a:t>gì</a:t>
+            </a:r>
+            <a:r>
+              <a:rPr lang="en-US" dirty="0"/>
+              <a:t>?</a:t>
+            </a:r>
+          </a:p>
+          <a:p>
+            <a:r>
+              <a:rPr lang="en-US" dirty="0"/>
+              <a:t>Define 1 function</a:t>
+            </a:r>
+          </a:p>
+          <a:p>
+            <a:r>
+              <a:rPr lang="en-US" dirty="0"/>
+              <a:t>Variable Scope</a:t>
+            </a:r>
+          </a:p>
+          <a:p>
+            <a:r>
+              <a:rPr lang="en-US" dirty="0"/>
+              <a:t>Import module</a:t>
+            </a:r>
+          </a:p>
+          <a:p>
+            <a:r>
+              <a:rPr lang="en-US" dirty="0" err="1"/>
+              <a:t>Tự</a:t>
+            </a:r>
+            <a:r>
+              <a:rPr lang="en-US" dirty="0"/>
+              <a:t> </a:t>
+            </a:r>
+            <a:r>
+              <a:rPr lang="en-US" dirty="0" err="1"/>
+              <a:t>tạo</a:t>
+            </a:r>
+            <a:r>
+              <a:rPr lang="en-US" dirty="0"/>
+              <a:t> module</a:t>
+            </a:r>
+          </a:p>
+        </p:txBody>
+      </p:sp>
+    </p:spTree>
+    <p:extLst>
+      <p:ext uri="{BB962C8B-B14F-4D97-AF65-F5344CB8AC3E}">
+        <p14:creationId xmlns:p14="http://schemas.microsoft.com/office/powerpoint/2010/main" val="1270205226"/>
       </p:ext>
     </p:extLst>
   </p:cSld>

--- a/Lecture/PythonCoban.pptx
+++ b/Lecture/PythonCoban.pptx
@@ -54,6 +54,13 @@
     <p:sldId id="303" r:id="rId48"/>
     <p:sldId id="305" r:id="rId49"/>
     <p:sldId id="306" r:id="rId50"/>
+    <p:sldId id="307" r:id="rId51"/>
+    <p:sldId id="308" r:id="rId52"/>
+    <p:sldId id="309" r:id="rId53"/>
+    <p:sldId id="310" r:id="rId54"/>
+    <p:sldId id="311" r:id="rId55"/>
+    <p:sldId id="312" r:id="rId56"/>
+    <p:sldId id="313" r:id="rId57"/>
   </p:sldIdLst>
   <p:sldSz cx="12192000" cy="6858000"/>
   <p:notesSz cx="6858000" cy="9144000"/>
@@ -307,7 +314,7 @@
           <a:p>
             <a:fld id="{13AB114A-89FD-4544-A40B-4EAEBEB5F2F1}" type="datetimeFigureOut">
               <a:rPr lang="en-US" smtClean="0"/>
-              <a:t>2/25/2020</a:t>
+              <a:t>2/26/2020</a:t>
             </a:fld>
             <a:endParaRPr lang="en-US"/>
           </a:p>
@@ -505,7 +512,7 @@
           <a:p>
             <a:fld id="{13AB114A-89FD-4544-A40B-4EAEBEB5F2F1}" type="datetimeFigureOut">
               <a:rPr lang="en-US" smtClean="0"/>
-              <a:t>2/25/2020</a:t>
+              <a:t>2/26/2020</a:t>
             </a:fld>
             <a:endParaRPr lang="en-US"/>
           </a:p>
@@ -713,7 +720,7 @@
           <a:p>
             <a:fld id="{13AB114A-89FD-4544-A40B-4EAEBEB5F2F1}" type="datetimeFigureOut">
               <a:rPr lang="en-US" smtClean="0"/>
-              <a:t>2/25/2020</a:t>
+              <a:t>2/26/2020</a:t>
             </a:fld>
             <a:endParaRPr lang="en-US"/>
           </a:p>
@@ -911,7 +918,7 @@
           <a:p>
             <a:fld id="{13AB114A-89FD-4544-A40B-4EAEBEB5F2F1}" type="datetimeFigureOut">
               <a:rPr lang="en-US" smtClean="0"/>
-              <a:t>2/25/2020</a:t>
+              <a:t>2/26/2020</a:t>
             </a:fld>
             <a:endParaRPr lang="en-US"/>
           </a:p>
@@ -1186,7 +1193,7 @@
           <a:p>
             <a:fld id="{13AB114A-89FD-4544-A40B-4EAEBEB5F2F1}" type="datetimeFigureOut">
               <a:rPr lang="en-US" smtClean="0"/>
-              <a:t>2/25/2020</a:t>
+              <a:t>2/26/2020</a:t>
             </a:fld>
             <a:endParaRPr lang="en-US"/>
           </a:p>
@@ -1451,7 +1458,7 @@
           <a:p>
             <a:fld id="{13AB114A-89FD-4544-A40B-4EAEBEB5F2F1}" type="datetimeFigureOut">
               <a:rPr lang="en-US" smtClean="0"/>
-              <a:t>2/25/2020</a:t>
+              <a:t>2/26/2020</a:t>
             </a:fld>
             <a:endParaRPr lang="en-US"/>
           </a:p>
@@ -1863,7 +1870,7 @@
           <a:p>
             <a:fld id="{13AB114A-89FD-4544-A40B-4EAEBEB5F2F1}" type="datetimeFigureOut">
               <a:rPr lang="en-US" smtClean="0"/>
-              <a:t>2/25/2020</a:t>
+              <a:t>2/26/2020</a:t>
             </a:fld>
             <a:endParaRPr lang="en-US"/>
           </a:p>
@@ -2004,7 +2011,7 @@
           <a:p>
             <a:fld id="{13AB114A-89FD-4544-A40B-4EAEBEB5F2F1}" type="datetimeFigureOut">
               <a:rPr lang="en-US" smtClean="0"/>
-              <a:t>2/25/2020</a:t>
+              <a:t>2/26/2020</a:t>
             </a:fld>
             <a:endParaRPr lang="en-US"/>
           </a:p>
@@ -2117,7 +2124,7 @@
           <a:p>
             <a:fld id="{13AB114A-89FD-4544-A40B-4EAEBEB5F2F1}" type="datetimeFigureOut">
               <a:rPr lang="en-US" smtClean="0"/>
-              <a:t>2/25/2020</a:t>
+              <a:t>2/26/2020</a:t>
             </a:fld>
             <a:endParaRPr lang="en-US"/>
           </a:p>
@@ -2428,7 +2435,7 @@
           <a:p>
             <a:fld id="{13AB114A-89FD-4544-A40B-4EAEBEB5F2F1}" type="datetimeFigureOut">
               <a:rPr lang="en-US" smtClean="0"/>
-              <a:t>2/25/2020</a:t>
+              <a:t>2/26/2020</a:t>
             </a:fld>
             <a:endParaRPr lang="en-US"/>
           </a:p>
@@ -2716,7 +2723,7 @@
           <a:p>
             <a:fld id="{13AB114A-89FD-4544-A40B-4EAEBEB5F2F1}" type="datetimeFigureOut">
               <a:rPr lang="en-US" smtClean="0"/>
-              <a:t>2/25/2020</a:t>
+              <a:t>2/26/2020</a:t>
             </a:fld>
             <a:endParaRPr lang="en-US"/>
           </a:p>
@@ -2957,7 +2964,7 @@
           <a:p>
             <a:fld id="{13AB114A-89FD-4544-A40B-4EAEBEB5F2F1}" type="datetimeFigureOut">
               <a:rPr lang="en-US" smtClean="0"/>
-              <a:t>2/25/2020</a:t>
+              <a:t>2/26/2020</a:t>
             </a:fld>
             <a:endParaRPr lang="en-US"/>
           </a:p>
@@ -10941,6 +10948,1628 @@
     <p:extLst>
       <p:ext uri="{BB962C8B-B14F-4D97-AF65-F5344CB8AC3E}">
         <p14:creationId xmlns:p14="http://schemas.microsoft.com/office/powerpoint/2010/main" val="2425844899"/>
+      </p:ext>
+    </p:extLst>
+  </p:cSld>
+  <p:clrMapOvr>
+    <a:masterClrMapping/>
+  </p:clrMapOvr>
+</p:sld>
+</file>
+
+<file path=ppt/slides/slide50.xml><?xml version="1.0" encoding="utf-8"?>
+<p:sld xmlns:a="http://schemas.openxmlformats.org/drawingml/2006/main" xmlns:r="http://schemas.openxmlformats.org/officeDocument/2006/relationships" xmlns:p="http://schemas.openxmlformats.org/presentationml/2006/main">
+  <p:cSld>
+    <p:spTree>
+      <p:nvGrpSpPr>
+        <p:cNvPr id="1" name=""/>
+        <p:cNvGrpSpPr/>
+        <p:nvPr/>
+      </p:nvGrpSpPr>
+      <p:grpSpPr>
+        <a:xfrm>
+          <a:off x="0" y="0"/>
+          <a:ext cx="0" cy="0"/>
+          <a:chOff x="0" y="0"/>
+          <a:chExt cx="0" cy="0"/>
+        </a:xfrm>
+      </p:grpSpPr>
+      <p:sp>
+        <p:nvSpPr>
+          <p:cNvPr id="2" name="Title 1">
+            <a:extLst>
+              <a:ext uri="{FF2B5EF4-FFF2-40B4-BE49-F238E27FC236}">
+                <a16:creationId xmlns:a16="http://schemas.microsoft.com/office/drawing/2014/main" id="{9E742A3D-1AC7-4A12-9103-5266F372A944}"/>
+              </a:ext>
+            </a:extLst>
+          </p:cNvPr>
+          <p:cNvSpPr>
+            <a:spLocks noGrp="1"/>
+          </p:cNvSpPr>
+          <p:nvPr>
+            <p:ph type="title"/>
+          </p:nvPr>
+        </p:nvSpPr>
+        <p:spPr/>
+        <p:txBody>
+          <a:bodyPr/>
+          <a:lstStyle/>
+          <a:p>
+            <a:r>
+              <a:rPr lang="en-US" dirty="0"/>
+              <a:t>Function </a:t>
+            </a:r>
+            <a:r>
+              <a:rPr lang="en-US" dirty="0" err="1"/>
+              <a:t>là</a:t>
+            </a:r>
+            <a:r>
+              <a:rPr lang="en-US" dirty="0"/>
+              <a:t> </a:t>
+            </a:r>
+            <a:r>
+              <a:rPr lang="en-US" dirty="0" err="1"/>
+              <a:t>gì</a:t>
+            </a:r>
+            <a:endParaRPr lang="en-US" dirty="0"/>
+          </a:p>
+        </p:txBody>
+      </p:sp>
+      <p:sp>
+        <p:nvSpPr>
+          <p:cNvPr id="3" name="Content Placeholder 2">
+            <a:extLst>
+              <a:ext uri="{FF2B5EF4-FFF2-40B4-BE49-F238E27FC236}">
+                <a16:creationId xmlns:a16="http://schemas.microsoft.com/office/drawing/2014/main" id="{E7F48D5A-54FE-47CF-B6CE-9A1A6594223E}"/>
+              </a:ext>
+            </a:extLst>
+          </p:cNvPr>
+          <p:cNvSpPr>
+            <a:spLocks noGrp="1"/>
+          </p:cNvSpPr>
+          <p:nvPr>
+            <p:ph idx="1"/>
+          </p:nvPr>
+        </p:nvSpPr>
+        <p:spPr/>
+        <p:txBody>
+          <a:bodyPr/>
+          <a:lstStyle/>
+          <a:p>
+            <a:r>
+              <a:rPr lang="en-US" dirty="0" err="1"/>
+              <a:t>Một</a:t>
+            </a:r>
+            <a:r>
+              <a:rPr lang="en-US" dirty="0"/>
+              <a:t> </a:t>
+            </a:r>
+            <a:r>
+              <a:rPr lang="en-US" dirty="0" err="1"/>
+              <a:t>đoạn</a:t>
+            </a:r>
+            <a:r>
+              <a:rPr lang="en-US" dirty="0"/>
+              <a:t> code </a:t>
+            </a:r>
+            <a:r>
+              <a:rPr lang="en-US" dirty="0" err="1"/>
+              <a:t>thực</a:t>
+            </a:r>
+            <a:r>
+              <a:rPr lang="en-US" dirty="0"/>
+              <a:t> </a:t>
+            </a:r>
+            <a:r>
+              <a:rPr lang="en-US" dirty="0" err="1"/>
+              <a:t>hiện</a:t>
+            </a:r>
+            <a:r>
+              <a:rPr lang="en-US" dirty="0"/>
+              <a:t> </a:t>
+            </a:r>
+            <a:r>
+              <a:rPr lang="en-US" dirty="0" err="1"/>
+              <a:t>một</a:t>
+            </a:r>
+            <a:r>
+              <a:rPr lang="en-US" dirty="0"/>
+              <a:t> </a:t>
+            </a:r>
+            <a:r>
+              <a:rPr lang="en-US" dirty="0" err="1"/>
+              <a:t>chức</a:t>
+            </a:r>
+            <a:r>
+              <a:rPr lang="en-US" dirty="0"/>
+              <a:t> </a:t>
+            </a:r>
+            <a:r>
+              <a:rPr lang="en-US" dirty="0" err="1"/>
+              <a:t>năng</a:t>
+            </a:r>
+            <a:r>
+              <a:rPr lang="en-US" dirty="0"/>
+              <a:t> </a:t>
+            </a:r>
+            <a:r>
+              <a:rPr lang="en-US" dirty="0" err="1"/>
+              <a:t>gì</a:t>
+            </a:r>
+            <a:r>
+              <a:rPr lang="en-US" dirty="0"/>
+              <a:t> </a:t>
+            </a:r>
+            <a:r>
+              <a:rPr lang="en-US" dirty="0" err="1"/>
+              <a:t>đó</a:t>
+            </a:r>
+            <a:endParaRPr lang="en-US" dirty="0"/>
+          </a:p>
+          <a:p>
+            <a:r>
+              <a:rPr lang="en-US" dirty="0"/>
+              <a:t>T</a:t>
+            </a:r>
+            <a:r>
+              <a:rPr lang="vi-VN" dirty="0"/>
+              <a:t>ư</a:t>
+            </a:r>
+            <a:r>
+              <a:rPr lang="en-US" dirty="0" err="1"/>
+              <a:t>ơng</a:t>
+            </a:r>
+            <a:r>
+              <a:rPr lang="en-US" dirty="0"/>
+              <a:t> </a:t>
+            </a:r>
+            <a:r>
+              <a:rPr lang="en-US" dirty="0" err="1"/>
+              <a:t>tự</a:t>
+            </a:r>
+            <a:r>
+              <a:rPr lang="en-US" dirty="0"/>
+              <a:t> </a:t>
+            </a:r>
+            <a:r>
+              <a:rPr lang="en-US" dirty="0" err="1"/>
+              <a:t>hàm</a:t>
+            </a:r>
+            <a:r>
+              <a:rPr lang="en-US" dirty="0"/>
+              <a:t> </a:t>
+            </a:r>
+            <a:r>
+              <a:rPr lang="en-US" dirty="0" err="1"/>
+              <a:t>trong</a:t>
+            </a:r>
+            <a:r>
+              <a:rPr lang="en-US" dirty="0"/>
+              <a:t> Excel</a:t>
+            </a:r>
+          </a:p>
+          <a:p>
+            <a:endParaRPr lang="en-US" dirty="0"/>
+          </a:p>
+        </p:txBody>
+      </p:sp>
+    </p:spTree>
+    <p:extLst>
+      <p:ext uri="{BB962C8B-B14F-4D97-AF65-F5344CB8AC3E}">
+        <p14:creationId xmlns:p14="http://schemas.microsoft.com/office/powerpoint/2010/main" val="3844993172"/>
+      </p:ext>
+    </p:extLst>
+  </p:cSld>
+  <p:clrMapOvr>
+    <a:masterClrMapping/>
+  </p:clrMapOvr>
+</p:sld>
+</file>
+
+<file path=ppt/slides/slide51.xml><?xml version="1.0" encoding="utf-8"?>
+<p:sld xmlns:a="http://schemas.openxmlformats.org/drawingml/2006/main" xmlns:r="http://schemas.openxmlformats.org/officeDocument/2006/relationships" xmlns:p="http://schemas.openxmlformats.org/presentationml/2006/main">
+  <p:cSld>
+    <p:spTree>
+      <p:nvGrpSpPr>
+        <p:cNvPr id="1" name=""/>
+        <p:cNvGrpSpPr/>
+        <p:nvPr/>
+      </p:nvGrpSpPr>
+      <p:grpSpPr>
+        <a:xfrm>
+          <a:off x="0" y="0"/>
+          <a:ext cx="0" cy="0"/>
+          <a:chOff x="0" y="0"/>
+          <a:chExt cx="0" cy="0"/>
+        </a:xfrm>
+      </p:grpSpPr>
+      <p:sp>
+        <p:nvSpPr>
+          <p:cNvPr id="2" name="Title 1">
+            <a:extLst>
+              <a:ext uri="{FF2B5EF4-FFF2-40B4-BE49-F238E27FC236}">
+                <a16:creationId xmlns:a16="http://schemas.microsoft.com/office/drawing/2014/main" id="{A9E60C9F-F8CD-4241-8673-ABA7ADFD8707}"/>
+              </a:ext>
+            </a:extLst>
+          </p:cNvPr>
+          <p:cNvSpPr>
+            <a:spLocks noGrp="1"/>
+          </p:cNvSpPr>
+          <p:nvPr>
+            <p:ph type="title"/>
+          </p:nvPr>
+        </p:nvSpPr>
+        <p:spPr/>
+        <p:txBody>
+          <a:bodyPr/>
+          <a:lstStyle/>
+          <a:p>
+            <a:r>
+              <a:rPr lang="en-US" dirty="0"/>
+              <a:t>Define 1 function</a:t>
+            </a:r>
+          </a:p>
+        </p:txBody>
+      </p:sp>
+      <p:sp>
+        <p:nvSpPr>
+          <p:cNvPr id="3" name="Content Placeholder 2">
+            <a:extLst>
+              <a:ext uri="{FF2B5EF4-FFF2-40B4-BE49-F238E27FC236}">
+                <a16:creationId xmlns:a16="http://schemas.microsoft.com/office/drawing/2014/main" id="{1644A73E-0797-4143-BC7A-0D2240658A60}"/>
+              </a:ext>
+            </a:extLst>
+          </p:cNvPr>
+          <p:cNvSpPr>
+            <a:spLocks noGrp="1"/>
+          </p:cNvSpPr>
+          <p:nvPr>
+            <p:ph idx="1"/>
+          </p:nvPr>
+        </p:nvSpPr>
+        <p:spPr/>
+        <p:txBody>
+          <a:bodyPr/>
+          <a:lstStyle/>
+          <a:p>
+            <a:pPr marL="0" indent="0">
+              <a:buNone/>
+            </a:pPr>
+            <a:r>
+              <a:rPr lang="en-US" dirty="0"/>
+              <a:t>def </a:t>
+            </a:r>
+            <a:r>
+              <a:rPr lang="en-US" b="1" dirty="0" err="1"/>
+              <a:t>functionName</a:t>
+            </a:r>
+            <a:r>
+              <a:rPr lang="en-US" dirty="0"/>
+              <a:t>(parameters):</a:t>
+            </a:r>
+          </a:p>
+          <a:p>
+            <a:pPr marL="0" indent="0">
+              <a:buNone/>
+            </a:pPr>
+            <a:r>
+              <a:rPr lang="en-US" dirty="0"/>
+              <a:t>	//code</a:t>
+            </a:r>
+          </a:p>
+          <a:p>
+            <a:pPr marL="0" indent="0">
+              <a:buNone/>
+            </a:pPr>
+            <a:r>
+              <a:rPr lang="en-US" dirty="0"/>
+              <a:t>	return</a:t>
+            </a:r>
+          </a:p>
+          <a:p>
+            <a:pPr marL="0" indent="0">
+              <a:buNone/>
+            </a:pPr>
+            <a:r>
+              <a:rPr lang="en-US" dirty="0"/>
+              <a:t>VD: </a:t>
+            </a:r>
+          </a:p>
+        </p:txBody>
+      </p:sp>
+      <p:pic>
+        <p:nvPicPr>
+          <p:cNvPr id="4" name="Picture 3">
+            <a:extLst>
+              <a:ext uri="{FF2B5EF4-FFF2-40B4-BE49-F238E27FC236}">
+                <a16:creationId xmlns:a16="http://schemas.microsoft.com/office/drawing/2014/main" id="{46406C89-3DD7-44B3-87FE-186D468633D2}"/>
+              </a:ext>
+            </a:extLst>
+          </p:cNvPr>
+          <p:cNvPicPr>
+            <a:picLocks noChangeAspect="1"/>
+          </p:cNvPicPr>
+          <p:nvPr/>
+        </p:nvPicPr>
+        <p:blipFill>
+          <a:blip r:embed="rId2"/>
+          <a:stretch>
+            <a:fillRect/>
+          </a:stretch>
+        </p:blipFill>
+        <p:spPr>
+          <a:xfrm>
+            <a:off x="3226719" y="3320257"/>
+            <a:ext cx="6435437" cy="2856706"/>
+          </a:xfrm>
+          <a:prstGeom prst="rect">
+            <a:avLst/>
+          </a:prstGeom>
+        </p:spPr>
+      </p:pic>
+    </p:spTree>
+    <p:extLst>
+      <p:ext uri="{BB962C8B-B14F-4D97-AF65-F5344CB8AC3E}">
+        <p14:creationId xmlns:p14="http://schemas.microsoft.com/office/powerpoint/2010/main" val="3331099737"/>
+      </p:ext>
+    </p:extLst>
+  </p:cSld>
+  <p:clrMapOvr>
+    <a:masterClrMapping/>
+  </p:clrMapOvr>
+</p:sld>
+</file>
+
+<file path=ppt/slides/slide52.xml><?xml version="1.0" encoding="utf-8"?>
+<p:sld xmlns:a="http://schemas.openxmlformats.org/drawingml/2006/main" xmlns:r="http://schemas.openxmlformats.org/officeDocument/2006/relationships" xmlns:p="http://schemas.openxmlformats.org/presentationml/2006/main">
+  <p:cSld>
+    <p:spTree>
+      <p:nvGrpSpPr>
+        <p:cNvPr id="1" name=""/>
+        <p:cNvGrpSpPr/>
+        <p:nvPr/>
+      </p:nvGrpSpPr>
+      <p:grpSpPr>
+        <a:xfrm>
+          <a:off x="0" y="0"/>
+          <a:ext cx="0" cy="0"/>
+          <a:chOff x="0" y="0"/>
+          <a:chExt cx="0" cy="0"/>
+        </a:xfrm>
+      </p:grpSpPr>
+      <p:sp>
+        <p:nvSpPr>
+          <p:cNvPr id="2" name="Title 1">
+            <a:extLst>
+              <a:ext uri="{FF2B5EF4-FFF2-40B4-BE49-F238E27FC236}">
+                <a16:creationId xmlns:a16="http://schemas.microsoft.com/office/drawing/2014/main" id="{43A08132-4F2B-4173-9F92-F55522E2431B}"/>
+              </a:ext>
+            </a:extLst>
+          </p:cNvPr>
+          <p:cNvSpPr>
+            <a:spLocks noGrp="1"/>
+          </p:cNvSpPr>
+          <p:nvPr>
+            <p:ph type="title"/>
+          </p:nvPr>
+        </p:nvSpPr>
+        <p:spPr/>
+        <p:txBody>
+          <a:bodyPr/>
+          <a:lstStyle/>
+          <a:p>
+            <a:r>
+              <a:rPr lang="en-US" dirty="0"/>
+              <a:t>Variable scope</a:t>
+            </a:r>
+          </a:p>
+        </p:txBody>
+      </p:sp>
+      <p:sp>
+        <p:nvSpPr>
+          <p:cNvPr id="3" name="Content Placeholder 2">
+            <a:extLst>
+              <a:ext uri="{FF2B5EF4-FFF2-40B4-BE49-F238E27FC236}">
+                <a16:creationId xmlns:a16="http://schemas.microsoft.com/office/drawing/2014/main" id="{D27F23A6-2B34-4EF6-B831-5E96B1082912}"/>
+              </a:ext>
+            </a:extLst>
+          </p:cNvPr>
+          <p:cNvSpPr>
+            <a:spLocks noGrp="1"/>
+          </p:cNvSpPr>
+          <p:nvPr>
+            <p:ph idx="1"/>
+          </p:nvPr>
+        </p:nvSpPr>
+        <p:spPr/>
+        <p:txBody>
+          <a:bodyPr/>
+          <a:lstStyle/>
+          <a:p>
+            <a:r>
+              <a:rPr lang="en-US" dirty="0"/>
+              <a:t>Variable define </a:t>
+            </a:r>
+            <a:r>
+              <a:rPr lang="en-US" dirty="0" err="1"/>
+              <a:t>bên</a:t>
+            </a:r>
+            <a:r>
+              <a:rPr lang="en-US" dirty="0"/>
+              <a:t> </a:t>
+            </a:r>
+            <a:r>
+              <a:rPr lang="en-US" dirty="0" err="1"/>
+              <a:t>trong</a:t>
+            </a:r>
+            <a:r>
+              <a:rPr lang="en-US" dirty="0"/>
+              <a:t> function </a:t>
+            </a:r>
+            <a:r>
+              <a:rPr lang="en-US" dirty="0" err="1"/>
+              <a:t>và</a:t>
+            </a:r>
+            <a:r>
+              <a:rPr lang="en-US" dirty="0"/>
+              <a:t> </a:t>
+            </a:r>
+            <a:r>
+              <a:rPr lang="en-US" dirty="0" err="1"/>
+              <a:t>bên</a:t>
+            </a:r>
+            <a:r>
+              <a:rPr lang="en-US" dirty="0"/>
+              <a:t> </a:t>
+            </a:r>
+            <a:r>
+              <a:rPr lang="en-US" dirty="0" err="1"/>
+              <a:t>ngoài</a:t>
+            </a:r>
+            <a:r>
+              <a:rPr lang="en-US" dirty="0"/>
+              <a:t> function </a:t>
+            </a:r>
+            <a:r>
+              <a:rPr lang="en-US" dirty="0" err="1"/>
+              <a:t>có</a:t>
+            </a:r>
+            <a:r>
+              <a:rPr lang="en-US" dirty="0"/>
+              <a:t> </a:t>
+            </a:r>
+            <a:r>
+              <a:rPr lang="en-US" dirty="0" err="1"/>
+              <a:t>vòng</a:t>
+            </a:r>
+            <a:r>
+              <a:rPr lang="en-US" dirty="0"/>
+              <a:t> </a:t>
+            </a:r>
+            <a:r>
+              <a:rPr lang="en-US" dirty="0" err="1"/>
+              <a:t>đời</a:t>
+            </a:r>
+            <a:r>
+              <a:rPr lang="en-US" dirty="0"/>
+              <a:t> </a:t>
+            </a:r>
+            <a:r>
+              <a:rPr lang="en-US" dirty="0" err="1"/>
+              <a:t>khác</a:t>
+            </a:r>
+            <a:r>
+              <a:rPr lang="en-US" dirty="0"/>
+              <a:t> </a:t>
+            </a:r>
+            <a:r>
+              <a:rPr lang="en-US" dirty="0" err="1"/>
+              <a:t>nhau</a:t>
+            </a:r>
+            <a:endParaRPr lang="en-US" dirty="0"/>
+          </a:p>
+          <a:p>
+            <a:r>
+              <a:rPr lang="en-US" dirty="0"/>
+              <a:t>Variable define </a:t>
+            </a:r>
+            <a:r>
+              <a:rPr lang="en-US" dirty="0" err="1"/>
+              <a:t>trong</a:t>
+            </a:r>
+            <a:r>
+              <a:rPr lang="en-US" dirty="0"/>
+              <a:t> function </a:t>
+            </a:r>
+            <a:r>
+              <a:rPr lang="en-US" dirty="0" err="1"/>
+              <a:t>chỉ</a:t>
+            </a:r>
+            <a:r>
+              <a:rPr lang="en-US" dirty="0"/>
+              <a:t> </a:t>
+            </a:r>
+            <a:r>
+              <a:rPr lang="en-US" dirty="0" err="1"/>
+              <a:t>có</a:t>
+            </a:r>
+            <a:r>
+              <a:rPr lang="en-US" dirty="0"/>
+              <a:t> </a:t>
+            </a:r>
+            <a:r>
+              <a:rPr lang="en-US" dirty="0" err="1"/>
+              <a:t>thể</a:t>
+            </a:r>
+            <a:r>
+              <a:rPr lang="en-US" dirty="0"/>
+              <a:t> </a:t>
+            </a:r>
+            <a:r>
+              <a:rPr lang="en-US" dirty="0" err="1"/>
+              <a:t>truy</a:t>
+            </a:r>
+            <a:r>
+              <a:rPr lang="en-US" dirty="0"/>
+              <a:t> </a:t>
+            </a:r>
+            <a:r>
+              <a:rPr lang="en-US" dirty="0" err="1"/>
+              <a:t>cập</a:t>
+            </a:r>
+            <a:r>
+              <a:rPr lang="en-US" dirty="0"/>
+              <a:t> </a:t>
+            </a:r>
+            <a:r>
+              <a:rPr lang="en-US" dirty="0" err="1"/>
+              <a:t>trong</a:t>
+            </a:r>
+            <a:r>
+              <a:rPr lang="en-US" dirty="0"/>
+              <a:t> function </a:t>
+            </a:r>
+            <a:r>
+              <a:rPr lang="en-US" dirty="0" err="1"/>
+              <a:t>đó</a:t>
+            </a:r>
+            <a:endParaRPr lang="en-US" dirty="0"/>
+          </a:p>
+          <a:p>
+            <a:pPr marL="0" indent="0">
+              <a:buNone/>
+            </a:pPr>
+            <a:r>
+              <a:rPr lang="en-US" dirty="0">
+                <a:sym typeface="Wingdings" panose="05000000000000000000" pitchFamily="2" charset="2"/>
+              </a:rPr>
+              <a:t>Local variable</a:t>
+            </a:r>
+          </a:p>
+          <a:p>
+            <a:r>
+              <a:rPr lang="en-US" dirty="0">
+                <a:sym typeface="Wingdings" panose="05000000000000000000" pitchFamily="2" charset="2"/>
+              </a:rPr>
+              <a:t>Variable define </a:t>
+            </a:r>
+            <a:r>
+              <a:rPr lang="en-US" dirty="0" err="1">
+                <a:sym typeface="Wingdings" panose="05000000000000000000" pitchFamily="2" charset="2"/>
+              </a:rPr>
+              <a:t>bên</a:t>
+            </a:r>
+            <a:r>
+              <a:rPr lang="en-US" dirty="0">
+                <a:sym typeface="Wingdings" panose="05000000000000000000" pitchFamily="2" charset="2"/>
+              </a:rPr>
+              <a:t> </a:t>
+            </a:r>
+            <a:r>
+              <a:rPr lang="en-US" dirty="0" err="1">
+                <a:sym typeface="Wingdings" panose="05000000000000000000" pitchFamily="2" charset="2"/>
+              </a:rPr>
+              <a:t>ngoài</a:t>
+            </a:r>
+            <a:r>
+              <a:rPr lang="en-US" dirty="0">
+                <a:sym typeface="Wingdings" panose="05000000000000000000" pitchFamily="2" charset="2"/>
+              </a:rPr>
+              <a:t> function  </a:t>
+            </a:r>
+            <a:r>
+              <a:rPr lang="en-US" dirty="0" err="1">
+                <a:sym typeface="Wingdings" panose="05000000000000000000" pitchFamily="2" charset="2"/>
+              </a:rPr>
+              <a:t>có</a:t>
+            </a:r>
+            <a:r>
+              <a:rPr lang="en-US" dirty="0">
+                <a:sym typeface="Wingdings" panose="05000000000000000000" pitchFamily="2" charset="2"/>
+              </a:rPr>
+              <a:t> </a:t>
+            </a:r>
+            <a:r>
+              <a:rPr lang="en-US" dirty="0" err="1">
+                <a:sym typeface="Wingdings" panose="05000000000000000000" pitchFamily="2" charset="2"/>
+              </a:rPr>
+              <a:t>thể</a:t>
+            </a:r>
+            <a:r>
+              <a:rPr lang="en-US" dirty="0">
+                <a:sym typeface="Wingdings" panose="05000000000000000000" pitchFamily="2" charset="2"/>
+              </a:rPr>
+              <a:t> </a:t>
+            </a:r>
+            <a:r>
+              <a:rPr lang="en-US" dirty="0" err="1">
+                <a:sym typeface="Wingdings" panose="05000000000000000000" pitchFamily="2" charset="2"/>
+              </a:rPr>
+              <a:t>truy</a:t>
+            </a:r>
+            <a:r>
+              <a:rPr lang="en-US" dirty="0">
+                <a:sym typeface="Wingdings" panose="05000000000000000000" pitchFamily="2" charset="2"/>
+              </a:rPr>
+              <a:t> </a:t>
+            </a:r>
+            <a:r>
+              <a:rPr lang="en-US" dirty="0" err="1">
+                <a:sym typeface="Wingdings" panose="05000000000000000000" pitchFamily="2" charset="2"/>
+              </a:rPr>
+              <a:t>cập</a:t>
+            </a:r>
+            <a:r>
+              <a:rPr lang="en-US" dirty="0">
+                <a:sym typeface="Wingdings" panose="05000000000000000000" pitchFamily="2" charset="2"/>
+              </a:rPr>
+              <a:t> </a:t>
+            </a:r>
+            <a:r>
+              <a:rPr lang="en-US" dirty="0" err="1">
+                <a:sym typeface="Wingdings" panose="05000000000000000000" pitchFamily="2" charset="2"/>
+              </a:rPr>
+              <a:t>từ</a:t>
+            </a:r>
+            <a:r>
+              <a:rPr lang="en-US" dirty="0">
+                <a:sym typeface="Wingdings" panose="05000000000000000000" pitchFamily="2" charset="2"/>
+              </a:rPr>
+              <a:t>  </a:t>
+            </a:r>
+            <a:r>
+              <a:rPr lang="en-US" dirty="0" err="1">
+                <a:sym typeface="Wingdings" panose="05000000000000000000" pitchFamily="2" charset="2"/>
+              </a:rPr>
+              <a:t>bất</a:t>
+            </a:r>
+            <a:r>
+              <a:rPr lang="en-US" dirty="0">
+                <a:sym typeface="Wingdings" panose="05000000000000000000" pitchFamily="2" charset="2"/>
+              </a:rPr>
+              <a:t> </a:t>
+            </a:r>
+            <a:r>
+              <a:rPr lang="en-US" dirty="0" err="1">
+                <a:sym typeface="Wingdings" panose="05000000000000000000" pitchFamily="2" charset="2"/>
+              </a:rPr>
+              <a:t>cứ</a:t>
+            </a:r>
+            <a:r>
+              <a:rPr lang="en-US" dirty="0">
+                <a:sym typeface="Wingdings" panose="05000000000000000000" pitchFamily="2" charset="2"/>
+              </a:rPr>
+              <a:t> </a:t>
+            </a:r>
+            <a:r>
+              <a:rPr lang="en-US" dirty="0" err="1">
+                <a:sym typeface="Wingdings" panose="05000000000000000000" pitchFamily="2" charset="2"/>
+              </a:rPr>
+              <a:t>chỗ</a:t>
+            </a:r>
+            <a:r>
+              <a:rPr lang="en-US" dirty="0">
+                <a:sym typeface="Wingdings" panose="05000000000000000000" pitchFamily="2" charset="2"/>
+              </a:rPr>
+              <a:t> </a:t>
+            </a:r>
+            <a:r>
+              <a:rPr lang="en-US" dirty="0" err="1">
+                <a:sym typeface="Wingdings" panose="05000000000000000000" pitchFamily="2" charset="2"/>
+              </a:rPr>
+              <a:t>nào</a:t>
+            </a:r>
+            <a:r>
+              <a:rPr lang="en-US" dirty="0">
+                <a:sym typeface="Wingdings" panose="05000000000000000000" pitchFamily="2" charset="2"/>
+              </a:rPr>
+              <a:t> </a:t>
+            </a:r>
+            <a:r>
+              <a:rPr lang="en-US" dirty="0" err="1">
+                <a:sym typeface="Wingdings" panose="05000000000000000000" pitchFamily="2" charset="2"/>
+              </a:rPr>
+              <a:t>trong</a:t>
+            </a:r>
+            <a:r>
+              <a:rPr lang="en-US" dirty="0">
+                <a:sym typeface="Wingdings" panose="05000000000000000000" pitchFamily="2" charset="2"/>
+              </a:rPr>
+              <a:t> </a:t>
+            </a:r>
+            <a:r>
+              <a:rPr lang="en-US" dirty="0" err="1">
+                <a:sym typeface="Wingdings" panose="05000000000000000000" pitchFamily="2" charset="2"/>
+              </a:rPr>
+              <a:t>ch</a:t>
+            </a:r>
+            <a:r>
+              <a:rPr lang="vi-VN" dirty="0">
+                <a:sym typeface="Wingdings" panose="05000000000000000000" pitchFamily="2" charset="2"/>
+              </a:rPr>
+              <a:t>ư</a:t>
+            </a:r>
+            <a:r>
+              <a:rPr lang="en-US" dirty="0" err="1">
+                <a:sym typeface="Wingdings" panose="05000000000000000000" pitchFamily="2" charset="2"/>
+              </a:rPr>
+              <a:t>ơng</a:t>
+            </a:r>
+            <a:r>
+              <a:rPr lang="en-US" dirty="0">
+                <a:sym typeface="Wingdings" panose="05000000000000000000" pitchFamily="2" charset="2"/>
+              </a:rPr>
+              <a:t> </a:t>
+            </a:r>
+            <a:r>
+              <a:rPr lang="en-US" dirty="0" err="1">
+                <a:sym typeface="Wingdings" panose="05000000000000000000" pitchFamily="2" charset="2"/>
+              </a:rPr>
+              <a:t>trình</a:t>
+            </a:r>
+            <a:r>
+              <a:rPr lang="en-US" dirty="0">
+                <a:sym typeface="Wingdings" panose="05000000000000000000" pitchFamily="2" charset="2"/>
+              </a:rPr>
+              <a:t> Global variable</a:t>
+            </a:r>
+            <a:endParaRPr lang="en-US" dirty="0"/>
+          </a:p>
+          <a:p>
+            <a:endParaRPr lang="en-US" dirty="0"/>
+          </a:p>
+        </p:txBody>
+      </p:sp>
+    </p:spTree>
+    <p:extLst>
+      <p:ext uri="{BB962C8B-B14F-4D97-AF65-F5344CB8AC3E}">
+        <p14:creationId xmlns:p14="http://schemas.microsoft.com/office/powerpoint/2010/main" val="3279945451"/>
+      </p:ext>
+    </p:extLst>
+  </p:cSld>
+  <p:clrMapOvr>
+    <a:masterClrMapping/>
+  </p:clrMapOvr>
+</p:sld>
+</file>
+
+<file path=ppt/slides/slide53.xml><?xml version="1.0" encoding="utf-8"?>
+<p:sld xmlns:a="http://schemas.openxmlformats.org/drawingml/2006/main" xmlns:r="http://schemas.openxmlformats.org/officeDocument/2006/relationships" xmlns:p="http://schemas.openxmlformats.org/presentationml/2006/main">
+  <p:cSld>
+    <p:spTree>
+      <p:nvGrpSpPr>
+        <p:cNvPr id="1" name=""/>
+        <p:cNvGrpSpPr/>
+        <p:nvPr/>
+      </p:nvGrpSpPr>
+      <p:grpSpPr>
+        <a:xfrm>
+          <a:off x="0" y="0"/>
+          <a:ext cx="0" cy="0"/>
+          <a:chOff x="0" y="0"/>
+          <a:chExt cx="0" cy="0"/>
+        </a:xfrm>
+      </p:grpSpPr>
+      <p:sp>
+        <p:nvSpPr>
+          <p:cNvPr id="2" name="Title 1">
+            <a:extLst>
+              <a:ext uri="{FF2B5EF4-FFF2-40B4-BE49-F238E27FC236}">
+                <a16:creationId xmlns:a16="http://schemas.microsoft.com/office/drawing/2014/main" id="{2647AFFB-8523-4D52-A4F7-43B421837A0D}"/>
+              </a:ext>
+            </a:extLst>
+          </p:cNvPr>
+          <p:cNvSpPr>
+            <a:spLocks noGrp="1"/>
+          </p:cNvSpPr>
+          <p:nvPr>
+            <p:ph type="title"/>
+          </p:nvPr>
+        </p:nvSpPr>
+        <p:spPr/>
+        <p:txBody>
+          <a:bodyPr/>
+          <a:lstStyle/>
+          <a:p>
+            <a:r>
+              <a:rPr lang="en-US" dirty="0"/>
+              <a:t>Variable Scope</a:t>
+            </a:r>
+          </a:p>
+        </p:txBody>
+      </p:sp>
+      <p:pic>
+        <p:nvPicPr>
+          <p:cNvPr id="4" name="Content Placeholder 3">
+            <a:extLst>
+              <a:ext uri="{FF2B5EF4-FFF2-40B4-BE49-F238E27FC236}">
+                <a16:creationId xmlns:a16="http://schemas.microsoft.com/office/drawing/2014/main" id="{A5134EC8-DF51-4D7B-9A7D-F3DFFCDBE237}"/>
+              </a:ext>
+            </a:extLst>
+          </p:cNvPr>
+          <p:cNvPicPr>
+            <a:picLocks noGrp="1" noChangeAspect="1"/>
+          </p:cNvPicPr>
+          <p:nvPr>
+            <p:ph idx="1"/>
+          </p:nvPr>
+        </p:nvPicPr>
+        <p:blipFill>
+          <a:blip r:embed="rId2"/>
+          <a:stretch>
+            <a:fillRect/>
+          </a:stretch>
+        </p:blipFill>
+        <p:spPr>
+          <a:xfrm>
+            <a:off x="2607459" y="1690688"/>
+            <a:ext cx="6321592" cy="3884530"/>
+          </a:xfrm>
+          <a:prstGeom prst="rect">
+            <a:avLst/>
+          </a:prstGeom>
+        </p:spPr>
+      </p:pic>
+    </p:spTree>
+    <p:extLst>
+      <p:ext uri="{BB962C8B-B14F-4D97-AF65-F5344CB8AC3E}">
+        <p14:creationId xmlns:p14="http://schemas.microsoft.com/office/powerpoint/2010/main" val="2611426916"/>
+      </p:ext>
+    </p:extLst>
+  </p:cSld>
+  <p:clrMapOvr>
+    <a:masterClrMapping/>
+  </p:clrMapOvr>
+</p:sld>
+</file>
+
+<file path=ppt/slides/slide54.xml><?xml version="1.0" encoding="utf-8"?>
+<p:sld xmlns:a="http://schemas.openxmlformats.org/drawingml/2006/main" xmlns:r="http://schemas.openxmlformats.org/officeDocument/2006/relationships" xmlns:p="http://schemas.openxmlformats.org/presentationml/2006/main">
+  <p:cSld>
+    <p:spTree>
+      <p:nvGrpSpPr>
+        <p:cNvPr id="1" name=""/>
+        <p:cNvGrpSpPr/>
+        <p:nvPr/>
+      </p:nvGrpSpPr>
+      <p:grpSpPr>
+        <a:xfrm>
+          <a:off x="0" y="0"/>
+          <a:ext cx="0" cy="0"/>
+          <a:chOff x="0" y="0"/>
+          <a:chExt cx="0" cy="0"/>
+        </a:xfrm>
+      </p:grpSpPr>
+      <p:sp>
+        <p:nvSpPr>
+          <p:cNvPr id="2" name="Title 1">
+            <a:extLst>
+              <a:ext uri="{FF2B5EF4-FFF2-40B4-BE49-F238E27FC236}">
+                <a16:creationId xmlns:a16="http://schemas.microsoft.com/office/drawing/2014/main" id="{59DD781F-CEF5-4127-B1DB-F23315AABB91}"/>
+              </a:ext>
+            </a:extLst>
+          </p:cNvPr>
+          <p:cNvSpPr>
+            <a:spLocks noGrp="1"/>
+          </p:cNvSpPr>
+          <p:nvPr>
+            <p:ph type="title"/>
+          </p:nvPr>
+        </p:nvSpPr>
+        <p:spPr/>
+        <p:txBody>
+          <a:bodyPr/>
+          <a:lstStyle/>
+          <a:p>
+            <a:r>
+              <a:rPr lang="en-US" dirty="0"/>
+              <a:t>Import module</a:t>
+            </a:r>
+          </a:p>
+        </p:txBody>
+      </p:sp>
+      <p:sp>
+        <p:nvSpPr>
+          <p:cNvPr id="3" name="Content Placeholder 2">
+            <a:extLst>
+              <a:ext uri="{FF2B5EF4-FFF2-40B4-BE49-F238E27FC236}">
+                <a16:creationId xmlns:a16="http://schemas.microsoft.com/office/drawing/2014/main" id="{DEAC5128-F887-4EFA-9D3E-E2855C64FD48}"/>
+              </a:ext>
+            </a:extLst>
+          </p:cNvPr>
+          <p:cNvSpPr>
+            <a:spLocks noGrp="1"/>
+          </p:cNvSpPr>
+          <p:nvPr>
+            <p:ph idx="1"/>
+          </p:nvPr>
+        </p:nvSpPr>
+        <p:spPr/>
+        <p:txBody>
+          <a:bodyPr/>
+          <a:lstStyle/>
+          <a:p>
+            <a:r>
+              <a:rPr lang="en-US" dirty="0"/>
+              <a:t>Python </a:t>
+            </a:r>
+            <a:r>
+              <a:rPr lang="en-US" dirty="0" err="1"/>
+              <a:t>cung</a:t>
+            </a:r>
+            <a:r>
+              <a:rPr lang="en-US" dirty="0"/>
+              <a:t> </a:t>
+            </a:r>
+            <a:r>
+              <a:rPr lang="en-US" dirty="0" err="1"/>
+              <a:t>cấp</a:t>
+            </a:r>
+            <a:r>
+              <a:rPr lang="en-US" dirty="0"/>
+              <a:t> 1 </a:t>
+            </a:r>
+            <a:r>
+              <a:rPr lang="en-US" dirty="0" err="1"/>
+              <a:t>số</a:t>
+            </a:r>
+            <a:r>
+              <a:rPr lang="en-US" dirty="0"/>
+              <a:t> l</a:t>
+            </a:r>
+            <a:r>
+              <a:rPr lang="vi-VN" dirty="0"/>
+              <a:t>ư</a:t>
+            </a:r>
+            <a:r>
+              <a:rPr lang="en-US" dirty="0" err="1"/>
+              <a:t>ợng</a:t>
+            </a:r>
+            <a:r>
+              <a:rPr lang="en-US" dirty="0"/>
+              <a:t> </a:t>
+            </a:r>
+            <a:r>
+              <a:rPr lang="en-US" dirty="0" err="1"/>
+              <a:t>lớn</a:t>
+            </a:r>
+            <a:r>
+              <a:rPr lang="en-US" dirty="0"/>
+              <a:t> built-in function </a:t>
+            </a:r>
+            <a:r>
+              <a:rPr lang="en-US" dirty="0" err="1"/>
+              <a:t>chứa</a:t>
+            </a:r>
+            <a:r>
+              <a:rPr lang="en-US" dirty="0"/>
+              <a:t> </a:t>
+            </a:r>
+            <a:r>
+              <a:rPr lang="en-US" dirty="0" err="1"/>
+              <a:t>trong</a:t>
+            </a:r>
+            <a:r>
+              <a:rPr lang="en-US" dirty="0"/>
+              <a:t> </a:t>
+            </a:r>
+            <a:r>
+              <a:rPr lang="en-US" dirty="0" err="1"/>
+              <a:t>các</a:t>
+            </a:r>
+            <a:r>
+              <a:rPr lang="en-US" dirty="0"/>
+              <a:t> module.</a:t>
+            </a:r>
+          </a:p>
+          <a:p>
+            <a:r>
+              <a:rPr lang="en-US" dirty="0" err="1"/>
+              <a:t>Để</a:t>
+            </a:r>
+            <a:r>
+              <a:rPr lang="en-US" dirty="0"/>
+              <a:t> </a:t>
+            </a:r>
+            <a:r>
+              <a:rPr lang="en-US" dirty="0" err="1"/>
+              <a:t>sử</a:t>
+            </a:r>
+            <a:r>
+              <a:rPr lang="en-US" dirty="0"/>
+              <a:t> </a:t>
+            </a:r>
+            <a:r>
+              <a:rPr lang="en-US" dirty="0" err="1"/>
+              <a:t>dụng</a:t>
+            </a:r>
+            <a:r>
+              <a:rPr lang="en-US" dirty="0"/>
+              <a:t> </a:t>
+            </a:r>
+            <a:r>
+              <a:rPr lang="en-US" dirty="0" err="1"/>
+              <a:t>các</a:t>
+            </a:r>
+            <a:r>
+              <a:rPr lang="en-US" dirty="0"/>
+              <a:t> function </a:t>
+            </a:r>
+            <a:r>
+              <a:rPr lang="en-US" dirty="0" err="1"/>
+              <a:t>này</a:t>
+            </a:r>
+            <a:r>
+              <a:rPr lang="en-US" dirty="0"/>
+              <a:t> </a:t>
+            </a:r>
+            <a:r>
+              <a:rPr lang="en-US" dirty="0" err="1"/>
+              <a:t>trong</a:t>
+            </a:r>
+            <a:r>
+              <a:rPr lang="en-US" dirty="0"/>
+              <a:t> </a:t>
+            </a:r>
+            <a:r>
+              <a:rPr lang="en-US" dirty="0" err="1"/>
+              <a:t>ch</a:t>
+            </a:r>
+            <a:r>
+              <a:rPr lang="vi-VN" dirty="0"/>
+              <a:t>ư</a:t>
+            </a:r>
+            <a:r>
+              <a:rPr lang="en-US" dirty="0" err="1"/>
+              <a:t>ơng</a:t>
+            </a:r>
+            <a:r>
+              <a:rPr lang="en-US" dirty="0"/>
+              <a:t> </a:t>
+            </a:r>
+            <a:r>
+              <a:rPr lang="en-US" dirty="0" err="1"/>
+              <a:t>trình</a:t>
+            </a:r>
+            <a:r>
+              <a:rPr lang="en-US" dirty="0"/>
+              <a:t> </a:t>
+            </a:r>
+            <a:r>
+              <a:rPr lang="en-US" dirty="0" err="1"/>
+              <a:t>của</a:t>
+            </a:r>
+            <a:r>
+              <a:rPr lang="en-US" dirty="0"/>
+              <a:t> </a:t>
+            </a:r>
+            <a:r>
+              <a:rPr lang="en-US" dirty="0" err="1"/>
+              <a:t>mình</a:t>
+            </a:r>
+            <a:r>
+              <a:rPr lang="en-US" dirty="0"/>
+              <a:t>, ta </a:t>
+            </a:r>
+            <a:r>
+              <a:rPr lang="en-US" dirty="0" err="1"/>
+              <a:t>cần</a:t>
+            </a:r>
+            <a:r>
+              <a:rPr lang="en-US" dirty="0"/>
+              <a:t> import module t</a:t>
+            </a:r>
+            <a:r>
+              <a:rPr lang="vi-VN" dirty="0"/>
+              <a:t>ư</a:t>
+            </a:r>
+            <a:r>
+              <a:rPr lang="en-US" dirty="0" err="1"/>
+              <a:t>ơng</a:t>
+            </a:r>
+            <a:r>
+              <a:rPr lang="en-US" dirty="0"/>
+              <a:t> </a:t>
+            </a:r>
+            <a:r>
+              <a:rPr lang="en-US" dirty="0" err="1"/>
+              <a:t>ứng</a:t>
+            </a:r>
+            <a:endParaRPr lang="en-US" dirty="0"/>
+          </a:p>
+          <a:p>
+            <a:r>
+              <a:rPr lang="en-US" dirty="0"/>
+              <a:t>VD:</a:t>
+            </a:r>
+          </a:p>
+        </p:txBody>
+      </p:sp>
+      <p:pic>
+        <p:nvPicPr>
+          <p:cNvPr id="4" name="Picture 3">
+            <a:extLst>
+              <a:ext uri="{FF2B5EF4-FFF2-40B4-BE49-F238E27FC236}">
+                <a16:creationId xmlns:a16="http://schemas.microsoft.com/office/drawing/2014/main" id="{FABEF0ED-B048-4F1F-911C-A037F4C3366C}"/>
+              </a:ext>
+            </a:extLst>
+          </p:cNvPr>
+          <p:cNvPicPr>
+            <a:picLocks noChangeAspect="1"/>
+          </p:cNvPicPr>
+          <p:nvPr/>
+        </p:nvPicPr>
+        <p:blipFill>
+          <a:blip r:embed="rId2"/>
+          <a:stretch>
+            <a:fillRect/>
+          </a:stretch>
+        </p:blipFill>
+        <p:spPr>
+          <a:xfrm>
+            <a:off x="4047209" y="3731997"/>
+            <a:ext cx="4097582" cy="2444966"/>
+          </a:xfrm>
+          <a:prstGeom prst="rect">
+            <a:avLst/>
+          </a:prstGeom>
+        </p:spPr>
+      </p:pic>
+    </p:spTree>
+    <p:extLst>
+      <p:ext uri="{BB962C8B-B14F-4D97-AF65-F5344CB8AC3E}">
+        <p14:creationId xmlns:p14="http://schemas.microsoft.com/office/powerpoint/2010/main" val="89068155"/>
+      </p:ext>
+    </p:extLst>
+  </p:cSld>
+  <p:clrMapOvr>
+    <a:masterClrMapping/>
+  </p:clrMapOvr>
+</p:sld>
+</file>
+
+<file path=ppt/slides/slide55.xml><?xml version="1.0" encoding="utf-8"?>
+<p:sld xmlns:a="http://schemas.openxmlformats.org/drawingml/2006/main" xmlns:r="http://schemas.openxmlformats.org/officeDocument/2006/relationships" xmlns:p="http://schemas.openxmlformats.org/presentationml/2006/main">
+  <p:cSld>
+    <p:spTree>
+      <p:nvGrpSpPr>
+        <p:cNvPr id="1" name=""/>
+        <p:cNvGrpSpPr/>
+        <p:nvPr/>
+      </p:nvGrpSpPr>
+      <p:grpSpPr>
+        <a:xfrm>
+          <a:off x="0" y="0"/>
+          <a:ext cx="0" cy="0"/>
+          <a:chOff x="0" y="0"/>
+          <a:chExt cx="0" cy="0"/>
+        </a:xfrm>
+      </p:grpSpPr>
+      <p:sp>
+        <p:nvSpPr>
+          <p:cNvPr id="2" name="Title 1">
+            <a:extLst>
+              <a:ext uri="{FF2B5EF4-FFF2-40B4-BE49-F238E27FC236}">
+                <a16:creationId xmlns:a16="http://schemas.microsoft.com/office/drawing/2014/main" id="{DA3104C6-D476-462A-83B7-D37DA1DDBF37}"/>
+              </a:ext>
+            </a:extLst>
+          </p:cNvPr>
+          <p:cNvSpPr>
+            <a:spLocks noGrp="1"/>
+          </p:cNvSpPr>
+          <p:nvPr>
+            <p:ph type="title"/>
+          </p:nvPr>
+        </p:nvSpPr>
+        <p:spPr/>
+        <p:txBody>
+          <a:bodyPr/>
+          <a:lstStyle/>
+          <a:p>
+            <a:r>
+              <a:rPr lang="en-US" dirty="0" err="1"/>
+              <a:t>Tự</a:t>
+            </a:r>
+            <a:r>
+              <a:rPr lang="en-US" dirty="0"/>
+              <a:t> </a:t>
+            </a:r>
+            <a:r>
+              <a:rPr lang="en-US" dirty="0" err="1"/>
+              <a:t>tạo</a:t>
+            </a:r>
+            <a:r>
+              <a:rPr lang="en-US" dirty="0"/>
+              <a:t> module</a:t>
+            </a:r>
+          </a:p>
+        </p:txBody>
+      </p:sp>
+      <p:sp>
+        <p:nvSpPr>
+          <p:cNvPr id="3" name="Content Placeholder 2">
+            <a:extLst>
+              <a:ext uri="{FF2B5EF4-FFF2-40B4-BE49-F238E27FC236}">
+                <a16:creationId xmlns:a16="http://schemas.microsoft.com/office/drawing/2014/main" id="{92EBF829-52E1-421E-8DD5-6F2D60855141}"/>
+              </a:ext>
+            </a:extLst>
+          </p:cNvPr>
+          <p:cNvSpPr>
+            <a:spLocks noGrp="1"/>
+          </p:cNvSpPr>
+          <p:nvPr>
+            <p:ph idx="1"/>
+          </p:nvPr>
+        </p:nvSpPr>
+        <p:spPr/>
+        <p:txBody>
+          <a:bodyPr/>
+          <a:lstStyle/>
+          <a:p>
+            <a:r>
+              <a:rPr lang="en-US" dirty="0"/>
+              <a:t>1 </a:t>
+            </a:r>
+            <a:r>
+              <a:rPr lang="en-US" dirty="0" err="1"/>
+              <a:t>số</a:t>
+            </a:r>
+            <a:r>
+              <a:rPr lang="en-US" dirty="0"/>
+              <a:t> function </a:t>
+            </a:r>
+            <a:r>
+              <a:rPr lang="en-US" dirty="0" err="1"/>
+              <a:t>chúng</a:t>
+            </a:r>
+            <a:r>
+              <a:rPr lang="en-US" dirty="0"/>
+              <a:t> ta </a:t>
+            </a:r>
+            <a:r>
+              <a:rPr lang="en-US" dirty="0" err="1"/>
+              <a:t>muốn</a:t>
+            </a:r>
+            <a:r>
+              <a:rPr lang="en-US" dirty="0"/>
+              <a:t> </a:t>
+            </a:r>
+            <a:r>
+              <a:rPr lang="en-US" dirty="0" err="1"/>
+              <a:t>sử</a:t>
+            </a:r>
+            <a:r>
+              <a:rPr lang="en-US" dirty="0"/>
+              <a:t> </a:t>
+            </a:r>
+            <a:r>
+              <a:rPr lang="en-US" dirty="0" err="1"/>
+              <a:t>dụng</a:t>
+            </a:r>
+            <a:r>
+              <a:rPr lang="en-US" dirty="0"/>
+              <a:t> </a:t>
+            </a:r>
+            <a:r>
+              <a:rPr lang="en-US" dirty="0" err="1"/>
+              <a:t>lại</a:t>
+            </a:r>
+            <a:r>
+              <a:rPr lang="en-US" dirty="0"/>
+              <a:t> ở </a:t>
+            </a:r>
+            <a:r>
+              <a:rPr lang="en-US" dirty="0" err="1"/>
+              <a:t>các</a:t>
+            </a:r>
+            <a:r>
+              <a:rPr lang="en-US" dirty="0"/>
+              <a:t> project </a:t>
+            </a:r>
+            <a:r>
+              <a:rPr lang="en-US" dirty="0" err="1"/>
+              <a:t>khác</a:t>
+            </a:r>
+            <a:r>
+              <a:rPr lang="en-US" dirty="0" err="1">
+                <a:sym typeface="Wingdings" panose="05000000000000000000" pitchFamily="2" charset="2"/>
+              </a:rPr>
+              <a:t>tạo</a:t>
+            </a:r>
+            <a:r>
+              <a:rPr lang="en-US" dirty="0">
+                <a:sym typeface="Wingdings" panose="05000000000000000000" pitchFamily="2" charset="2"/>
+              </a:rPr>
+              <a:t> module</a:t>
+            </a:r>
+          </a:p>
+          <a:p>
+            <a:r>
+              <a:rPr lang="en-US" dirty="0" err="1">
+                <a:sym typeface="Wingdings" panose="05000000000000000000" pitchFamily="2" charset="2"/>
+              </a:rPr>
+              <a:t>Các</a:t>
+            </a:r>
+            <a:r>
+              <a:rPr lang="en-US" dirty="0">
+                <a:sym typeface="Wingdings" panose="05000000000000000000" pitchFamily="2" charset="2"/>
+              </a:rPr>
+              <a:t> b</a:t>
+            </a:r>
+            <a:r>
+              <a:rPr lang="vi-VN" dirty="0">
+                <a:sym typeface="Wingdings" panose="05000000000000000000" pitchFamily="2" charset="2"/>
+              </a:rPr>
+              <a:t>ư</a:t>
+            </a:r>
+            <a:r>
+              <a:rPr lang="en-US" dirty="0" err="1">
+                <a:sym typeface="Wingdings" panose="05000000000000000000" pitchFamily="2" charset="2"/>
+              </a:rPr>
+              <a:t>ớc</a:t>
+            </a:r>
+            <a:r>
+              <a:rPr lang="en-US" dirty="0">
+                <a:sym typeface="Wingdings" panose="05000000000000000000" pitchFamily="2" charset="2"/>
+              </a:rPr>
+              <a:t> </a:t>
+            </a:r>
+            <a:r>
+              <a:rPr lang="en-US" dirty="0" err="1">
+                <a:sym typeface="Wingdings" panose="05000000000000000000" pitchFamily="2" charset="2"/>
+              </a:rPr>
+              <a:t>làm</a:t>
+            </a:r>
+            <a:r>
+              <a:rPr lang="en-US" dirty="0">
+                <a:sym typeface="Wingdings" panose="05000000000000000000" pitchFamily="2" charset="2"/>
+              </a:rPr>
+              <a:t>:</a:t>
+            </a:r>
+          </a:p>
+          <a:p>
+            <a:pPr lvl="1"/>
+            <a:r>
+              <a:rPr lang="en-US" dirty="0" err="1">
+                <a:sym typeface="Wingdings" panose="05000000000000000000" pitchFamily="2" charset="2"/>
+              </a:rPr>
+              <a:t>Tạo</a:t>
+            </a:r>
+            <a:r>
+              <a:rPr lang="en-US" dirty="0">
+                <a:sym typeface="Wingdings" panose="05000000000000000000" pitchFamily="2" charset="2"/>
+              </a:rPr>
+              <a:t> file .</a:t>
+            </a:r>
+            <a:r>
+              <a:rPr lang="en-US" dirty="0" err="1">
+                <a:sym typeface="Wingdings" panose="05000000000000000000" pitchFamily="2" charset="2"/>
+              </a:rPr>
+              <a:t>py</a:t>
+            </a:r>
+            <a:endParaRPr lang="en-US" dirty="0">
+              <a:sym typeface="Wingdings" panose="05000000000000000000" pitchFamily="2" charset="2"/>
+            </a:endParaRPr>
+          </a:p>
+          <a:p>
+            <a:pPr lvl="1"/>
+            <a:r>
+              <a:rPr lang="en-US" dirty="0" err="1">
+                <a:sym typeface="Wingdings" panose="05000000000000000000" pitchFamily="2" charset="2"/>
+              </a:rPr>
+              <a:t>Viết</a:t>
+            </a:r>
+            <a:r>
+              <a:rPr lang="en-US" dirty="0">
+                <a:sym typeface="Wingdings" panose="05000000000000000000" pitchFamily="2" charset="2"/>
+              </a:rPr>
+              <a:t> function</a:t>
+            </a:r>
+          </a:p>
+          <a:p>
+            <a:pPr lvl="1"/>
+            <a:r>
+              <a:rPr lang="en-US" dirty="0">
+                <a:sym typeface="Wingdings" panose="05000000000000000000" pitchFamily="2" charset="2"/>
+              </a:rPr>
+              <a:t>Import </a:t>
+            </a:r>
+            <a:r>
+              <a:rPr lang="en-US" dirty="0" err="1">
+                <a:sym typeface="Wingdings" panose="05000000000000000000" pitchFamily="2" charset="2"/>
+              </a:rPr>
+              <a:t>vào</a:t>
+            </a:r>
+            <a:r>
+              <a:rPr lang="en-US" dirty="0">
+                <a:sym typeface="Wingdings" panose="05000000000000000000" pitchFamily="2" charset="2"/>
+              </a:rPr>
+              <a:t> </a:t>
+            </a:r>
+            <a:r>
+              <a:rPr lang="en-US" dirty="0" err="1">
+                <a:sym typeface="Wingdings" panose="05000000000000000000" pitchFamily="2" charset="2"/>
+              </a:rPr>
+              <a:t>ch</a:t>
+            </a:r>
+            <a:r>
+              <a:rPr lang="vi-VN" dirty="0">
+                <a:sym typeface="Wingdings" panose="05000000000000000000" pitchFamily="2" charset="2"/>
+              </a:rPr>
+              <a:t>ư</a:t>
+            </a:r>
+            <a:r>
+              <a:rPr lang="en-US" dirty="0" err="1">
+                <a:sym typeface="Wingdings" panose="05000000000000000000" pitchFamily="2" charset="2"/>
+              </a:rPr>
+              <a:t>ơng</a:t>
+            </a:r>
+            <a:r>
+              <a:rPr lang="en-US" dirty="0">
+                <a:sym typeface="Wingdings" panose="05000000000000000000" pitchFamily="2" charset="2"/>
+              </a:rPr>
+              <a:t> </a:t>
+            </a:r>
+            <a:r>
+              <a:rPr lang="en-US" dirty="0" err="1">
+                <a:sym typeface="Wingdings" panose="05000000000000000000" pitchFamily="2" charset="2"/>
+              </a:rPr>
+              <a:t>trình</a:t>
+            </a:r>
+            <a:r>
+              <a:rPr lang="en-US" dirty="0">
+                <a:sym typeface="Wingdings" panose="05000000000000000000" pitchFamily="2" charset="2"/>
+              </a:rPr>
+              <a:t> </a:t>
+            </a:r>
+            <a:r>
+              <a:rPr lang="en-US" dirty="0" err="1">
+                <a:sym typeface="Wingdings" panose="05000000000000000000" pitchFamily="2" charset="2"/>
+              </a:rPr>
+              <a:t>cần</a:t>
+            </a:r>
+            <a:r>
+              <a:rPr lang="en-US" dirty="0">
+                <a:sym typeface="Wingdings" panose="05000000000000000000" pitchFamily="2" charset="2"/>
+              </a:rPr>
+              <a:t> </a:t>
+            </a:r>
+            <a:r>
+              <a:rPr lang="en-US" dirty="0" err="1">
+                <a:sym typeface="Wingdings" panose="05000000000000000000" pitchFamily="2" charset="2"/>
+              </a:rPr>
+              <a:t>dùng</a:t>
+            </a:r>
+            <a:endParaRPr lang="en-US" dirty="0"/>
+          </a:p>
+        </p:txBody>
+      </p:sp>
+    </p:spTree>
+    <p:extLst>
+      <p:ext uri="{BB962C8B-B14F-4D97-AF65-F5344CB8AC3E}">
+        <p14:creationId xmlns:p14="http://schemas.microsoft.com/office/powerpoint/2010/main" val="1115933573"/>
+      </p:ext>
+    </p:extLst>
+  </p:cSld>
+  <p:clrMapOvr>
+    <a:masterClrMapping/>
+  </p:clrMapOvr>
+</p:sld>
+</file>
+
+<file path=ppt/slides/slide56.xml><?xml version="1.0" encoding="utf-8"?>
+<p:sld xmlns:a="http://schemas.openxmlformats.org/drawingml/2006/main" xmlns:r="http://schemas.openxmlformats.org/officeDocument/2006/relationships" xmlns:p="http://schemas.openxmlformats.org/presentationml/2006/main">
+  <p:cSld>
+    <p:spTree>
+      <p:nvGrpSpPr>
+        <p:cNvPr id="1" name=""/>
+        <p:cNvGrpSpPr/>
+        <p:nvPr/>
+      </p:nvGrpSpPr>
+      <p:grpSpPr>
+        <a:xfrm>
+          <a:off x="0" y="0"/>
+          <a:ext cx="0" cy="0"/>
+          <a:chOff x="0" y="0"/>
+          <a:chExt cx="0" cy="0"/>
+        </a:xfrm>
+      </p:grpSpPr>
+      <p:sp>
+        <p:nvSpPr>
+          <p:cNvPr id="2" name="Title 1">
+            <a:extLst>
+              <a:ext uri="{FF2B5EF4-FFF2-40B4-BE49-F238E27FC236}">
+                <a16:creationId xmlns:a16="http://schemas.microsoft.com/office/drawing/2014/main" id="{53A7F06A-AFDF-4ECF-B7AD-3C965773A957}"/>
+              </a:ext>
+            </a:extLst>
+          </p:cNvPr>
+          <p:cNvSpPr>
+            <a:spLocks noGrp="1"/>
+          </p:cNvSpPr>
+          <p:nvPr>
+            <p:ph type="title"/>
+          </p:nvPr>
+        </p:nvSpPr>
+        <p:spPr/>
+        <p:txBody>
+          <a:bodyPr/>
+          <a:lstStyle/>
+          <a:p>
+            <a:r>
+              <a:rPr lang="en-US" dirty="0" err="1"/>
+              <a:t>Tự</a:t>
+            </a:r>
+            <a:r>
+              <a:rPr lang="en-US" dirty="0"/>
+              <a:t> </a:t>
+            </a:r>
+            <a:r>
+              <a:rPr lang="en-US" dirty="0" err="1"/>
+              <a:t>tạo</a:t>
+            </a:r>
+            <a:r>
+              <a:rPr lang="en-US" dirty="0"/>
+              <a:t> module</a:t>
+            </a:r>
+          </a:p>
+        </p:txBody>
+      </p:sp>
+      <p:pic>
+        <p:nvPicPr>
+          <p:cNvPr id="4" name="Content Placeholder 3">
+            <a:extLst>
+              <a:ext uri="{FF2B5EF4-FFF2-40B4-BE49-F238E27FC236}">
+                <a16:creationId xmlns:a16="http://schemas.microsoft.com/office/drawing/2014/main" id="{A67C699F-A486-4264-A37B-BF6941B5913E}"/>
+              </a:ext>
+            </a:extLst>
+          </p:cNvPr>
+          <p:cNvPicPr>
+            <a:picLocks noGrp="1" noChangeAspect="1"/>
+          </p:cNvPicPr>
+          <p:nvPr>
+            <p:ph idx="1"/>
+          </p:nvPr>
+        </p:nvPicPr>
+        <p:blipFill>
+          <a:blip r:embed="rId2"/>
+          <a:stretch>
+            <a:fillRect/>
+          </a:stretch>
+        </p:blipFill>
+        <p:spPr>
+          <a:xfrm>
+            <a:off x="1862137" y="3020219"/>
+            <a:ext cx="8467725" cy="1962150"/>
+          </a:xfrm>
+          <a:prstGeom prst="rect">
+            <a:avLst/>
+          </a:prstGeom>
+        </p:spPr>
+      </p:pic>
+    </p:spTree>
+    <p:extLst>
+      <p:ext uri="{BB962C8B-B14F-4D97-AF65-F5344CB8AC3E}">
+        <p14:creationId xmlns:p14="http://schemas.microsoft.com/office/powerpoint/2010/main" val="3493103311"/>
       </p:ext>
     </p:extLst>
   </p:cSld>
